--- a/##########################################################Code_Engn[강민수].pptx
+++ b/##########################################################Code_Engn[강민수].pptx
@@ -121,7 +121,7 @@
   </p:defaultTextStyle>
   <p:extLst>
     <p:ext uri="{EFAFB233-063F-42B5-8137-9DF3F51BA10A}">
-      <p15:sldGuideLst xmlns:p15="http://schemas.microsoft.com/office/powerpoint/2012/main" xmlns="">
+      <p15:sldGuideLst xmlns="" xmlns:p15="http://schemas.microsoft.com/office/powerpoint/2012/main">
         <p15:guide id="1" orient="horz" pos="3884">
           <p15:clr>
             <a:srgbClr val="A4A3A4"/>
@@ -221,7 +221,7 @@
             <a:fld id="{4762C306-CA61-459E-92ED-0E3AE579F76A}" type="datetimeFigureOut">
               <a:rPr lang="ko-KR" altLang="en-US" smtClean="0"/>
               <a:pPr/>
-              <a:t>2018-05-25</a:t>
+              <a:t>2018-05-29</a:t>
             </a:fld>
             <a:endParaRPr lang="ko-KR" altLang="en-US"/>
           </a:p>
@@ -585,6 +585,32 @@
             </a:r>
           </a:p>
           <a:p>
+            <a:r>
+              <a:rPr lang="ko-KR" altLang="en-US" baseline="0" dirty="0" smtClean="0"/>
+              <a:t>무척 이 주제로 많은 사람에게 떠들고 싶었고</a:t>
+            </a:r>
+            <a:r>
+              <a:rPr lang="en-US" altLang="ko-KR" baseline="0" dirty="0" smtClean="0"/>
+              <a:t>, </a:t>
+            </a:r>
+            <a:r>
+              <a:rPr lang="ko-KR" altLang="en-US" baseline="0" dirty="0" smtClean="0"/>
+              <a:t>저는 지금 그리합니다</a:t>
+            </a:r>
+            <a:r>
+              <a:rPr lang="en-US" altLang="ko-KR" baseline="0" dirty="0" smtClean="0"/>
+              <a:t>.</a:t>
+            </a:r>
+          </a:p>
+          <a:p>
+            <a:r>
+              <a:rPr lang="ko-KR" altLang="en-US" baseline="0" dirty="0" smtClean="0"/>
+              <a:t>첫 페이지에서는 제 메일이 있으니 나중에 연락하실 수 있습니다</a:t>
+            </a:r>
+            <a:r>
+              <a:rPr lang="en-US" altLang="ko-KR" baseline="0" dirty="0" smtClean="0"/>
+              <a:t>.</a:t>
+            </a:r>
             <a:endParaRPr lang="en-US" altLang="ko-KR" baseline="0" dirty="0" smtClean="0"/>
           </a:p>
           <a:p>
@@ -674,21 +700,79 @@
           <a:lstStyle/>
           <a:p>
             <a:r>
-              <a:rPr lang="ko-KR" altLang="en-US" dirty="0" smtClean="0"/>
-              <a:t>지금으로부터 </a:t>
-            </a:r>
-            <a:r>
-              <a:rPr lang="en-US" altLang="ko-KR" dirty="0" smtClean="0"/>
-              <a:t>12</a:t>
-            </a:r>
-            <a:r>
               <a:rPr lang="ko-KR" altLang="en-US" dirty="0" err="1" smtClean="0"/>
-              <a:t>년전</a:t>
-            </a:r>
-            <a:r>
-              <a:rPr lang="ko-KR" altLang="en-US" dirty="0" smtClean="0"/>
-              <a:t> 거의 우리나라 핵의 시작을 </a:t>
-            </a:r>
+              <a:t>게임핵이란</a:t>
+            </a:r>
+            <a:r>
+              <a:rPr lang="ko-KR" altLang="en-US" baseline="0" dirty="0" smtClean="0"/>
+              <a:t> 말은 게임을 즐기며 </a:t>
+            </a:r>
+            <a:r>
+              <a:rPr lang="ko-KR" altLang="en-US" baseline="0" dirty="0" err="1" smtClean="0"/>
+              <a:t>플레이하는</a:t>
+            </a:r>
+            <a:r>
+              <a:rPr lang="ko-KR" altLang="en-US" baseline="0" dirty="0" smtClean="0"/>
+              <a:t> 게이머들에게는 낯선 단어가 아닙니다</a:t>
+            </a:r>
+            <a:r>
+              <a:rPr lang="en-US" altLang="ko-KR" baseline="0" dirty="0" smtClean="0"/>
+              <a:t>.</a:t>
+            </a:r>
+          </a:p>
+          <a:p>
+            <a:r>
+              <a:rPr lang="ko-KR" altLang="en-US" baseline="0" dirty="0" smtClean="0"/>
+              <a:t>하루에도 </a:t>
+            </a:r>
+            <a:r>
+              <a:rPr lang="ko-KR" altLang="en-US" baseline="0" dirty="0" err="1" smtClean="0"/>
+              <a:t>몇번씩</a:t>
+            </a:r>
+            <a:r>
+              <a:rPr lang="ko-KR" altLang="en-US" baseline="0" dirty="0" smtClean="0"/>
+              <a:t> </a:t>
+            </a:r>
+            <a:r>
+              <a:rPr lang="en-US" altLang="ko-KR" baseline="0" dirty="0" smtClean="0"/>
+              <a:t>“</a:t>
+            </a:r>
+            <a:r>
+              <a:rPr lang="ko-KR" altLang="en-US" baseline="0" dirty="0" smtClean="0"/>
+              <a:t>아 </a:t>
+            </a:r>
+            <a:r>
+              <a:rPr lang="ko-KR" altLang="en-US" baseline="0" dirty="0" err="1" smtClean="0"/>
+              <a:t>저새끼</a:t>
+            </a:r>
+            <a:r>
+              <a:rPr lang="ko-KR" altLang="en-US" baseline="0" dirty="0" smtClean="0"/>
+              <a:t> 핵이네</a:t>
+            </a:r>
+            <a:r>
+              <a:rPr lang="en-US" altLang="ko-KR" baseline="0" dirty="0" smtClean="0"/>
+              <a:t>” </a:t>
+            </a:r>
+            <a:r>
+              <a:rPr lang="ko-KR" altLang="en-US" baseline="0" dirty="0" smtClean="0"/>
+              <a:t>라고 공기에게 말을 하는 사람들도 많습니다</a:t>
+            </a:r>
+            <a:r>
+              <a:rPr lang="en-US" altLang="ko-KR" baseline="0" dirty="0" smtClean="0"/>
+              <a:t>.</a:t>
+            </a:r>
+          </a:p>
+          <a:p>
+            <a:r>
+              <a:rPr lang="ko-KR" altLang="en-US" baseline="0" dirty="0" smtClean="0"/>
+              <a:t>하지만 그 사람은 핵일 수도 있지만 아닐 수 도 있겠죠</a:t>
+            </a:r>
+            <a:r>
+              <a:rPr lang="en-US" altLang="ko-KR" baseline="0" dirty="0" smtClean="0"/>
+              <a:t>.</a:t>
+            </a:r>
+          </a:p>
+          <a:p>
             <a:endParaRPr lang="ko-KR" altLang="en-US" dirty="0"/>
           </a:p>
         </p:txBody>
@@ -776,23 +860,66 @@
           <a:p>
             <a:r>
               <a:rPr lang="ko-KR" altLang="en-US" dirty="0" smtClean="0"/>
-              <a:t>지금으로부터 </a:t>
-            </a:r>
-            <a:r>
-              <a:rPr lang="en-US" altLang="ko-KR" dirty="0" smtClean="0"/>
-              <a:t>12</a:t>
+              <a:t>이렇게 </a:t>
             </a:r>
             <a:r>
               <a:rPr lang="ko-KR" altLang="en-US" dirty="0" err="1" smtClean="0"/>
-              <a:t>년전</a:t>
+              <a:t>게임핵이란</a:t>
             </a:r>
             <a:r>
               <a:rPr lang="ko-KR" altLang="en-US" dirty="0" smtClean="0"/>
-              <a:t> 거의 우리나라 핵의 시작을 </a:t>
-            </a:r>
-            <a:endParaRPr lang="en-US" altLang="ko-KR" dirty="0" smtClean="0"/>
-          </a:p>
-          <a:p>
+              <a:t> 단어가 생소하지 </a:t>
+            </a:r>
+            <a:r>
+              <a:rPr lang="ko-KR" altLang="en-US" dirty="0" err="1" smtClean="0"/>
+              <a:t>않게된것에</a:t>
+            </a:r>
+            <a:r>
+              <a:rPr lang="ko-KR" altLang="en-US" baseline="0" dirty="0" smtClean="0"/>
+              <a:t>  </a:t>
+            </a:r>
+            <a:r>
+              <a:rPr lang="en-US" altLang="ko-KR" baseline="0" dirty="0" smtClean="0"/>
+              <a:t>1</a:t>
+            </a:r>
+            <a:r>
+              <a:rPr lang="ko-KR" altLang="en-US" baseline="0" dirty="0" err="1" smtClean="0"/>
+              <a:t>등공신인</a:t>
+            </a:r>
+            <a:r>
+              <a:rPr lang="ko-KR" altLang="en-US" baseline="0" dirty="0" smtClean="0"/>
+              <a:t> 프로그램이 있는데요</a:t>
+            </a:r>
+            <a:r>
+              <a:rPr lang="en-US" altLang="ko-KR" baseline="0" dirty="0" smtClean="0"/>
+              <a:t>. </a:t>
+            </a:r>
+            <a:r>
+              <a:rPr lang="ko-KR" altLang="en-US" baseline="0" dirty="0" err="1" smtClean="0"/>
+              <a:t>치트엔진입니다</a:t>
+            </a:r>
+            <a:r>
+              <a:rPr lang="en-US" altLang="ko-KR" baseline="0" dirty="0" smtClean="0"/>
+              <a:t>.</a:t>
+            </a:r>
+          </a:p>
+          <a:p>
+            <a:r>
+              <a:rPr lang="ko-KR" altLang="en-US" baseline="0" dirty="0" err="1" smtClean="0"/>
+              <a:t>치트엔진은</a:t>
+            </a:r>
+            <a:r>
+              <a:rPr lang="ko-KR" altLang="en-US" baseline="0" dirty="0" smtClean="0"/>
+              <a:t>  </a:t>
+            </a:r>
+            <a:r>
+              <a:rPr lang="ko-KR" altLang="en-US" baseline="0" err="1" smtClean="0"/>
+              <a:t>치트엔진</a:t>
+            </a:r>
+            <a:r>
+              <a:rPr lang="ko-KR" altLang="en-US" baseline="0" smtClean="0"/>
+              <a:t> 시연ㄱㄱ</a:t>
+            </a:r>
             <a:endParaRPr lang="en-US" altLang="ko-KR" dirty="0" smtClean="0"/>
           </a:p>
           <a:p>
@@ -1831,7 +1958,7 @@
                 </a:solidFill>
               </a:rPr>
               <a:pPr/>
-              <a:t>2018-05-25</a:t>
+              <a:t>2018-05-29</a:t>
             </a:fld>
             <a:endParaRPr lang="ko-KR" altLang="en-US">
               <a:solidFill>
@@ -2040,7 +2167,7 @@
                 </a:solidFill>
               </a:rPr>
               <a:pPr/>
-              <a:t>2018-05-25</a:t>
+              <a:t>2018-05-29</a:t>
             </a:fld>
             <a:endParaRPr lang="ko-KR" altLang="en-US">
               <a:solidFill>
@@ -2259,7 +2386,7 @@
                 </a:solidFill>
               </a:rPr>
               <a:pPr/>
-              <a:t>2018-05-25</a:t>
+              <a:t>2018-05-29</a:t>
             </a:fld>
             <a:endParaRPr lang="ko-KR" altLang="en-US">
               <a:solidFill>
@@ -2569,7 +2696,7 @@
                 </a:solidFill>
               </a:rPr>
               <a:pPr/>
-              <a:t>2018-05-25</a:t>
+              <a:t>2018-05-29</a:t>
             </a:fld>
             <a:endParaRPr lang="ko-KR" altLang="en-US">
               <a:solidFill>
@@ -2861,7 +2988,7 @@
                 </a:solidFill>
               </a:rPr>
               <a:pPr/>
-              <a:t>2018-05-25</a:t>
+              <a:t>2018-05-29</a:t>
             </a:fld>
             <a:endParaRPr lang="ko-KR" altLang="en-US">
               <a:solidFill>
@@ -3188,7 +3315,7 @@
                 </a:solidFill>
               </a:rPr>
               <a:pPr/>
-              <a:t>2018-05-25</a:t>
+              <a:t>2018-05-29</a:t>
             </a:fld>
             <a:endParaRPr lang="ko-KR" altLang="en-US">
               <a:solidFill>
@@ -3649,7 +3776,7 @@
                 </a:solidFill>
               </a:rPr>
               <a:pPr/>
-              <a:t>2018-05-25</a:t>
+              <a:t>2018-05-29</a:t>
             </a:fld>
             <a:endParaRPr lang="ko-KR" altLang="en-US">
               <a:solidFill>
@@ -3806,7 +3933,7 @@
                 </a:solidFill>
               </a:rPr>
               <a:pPr/>
-              <a:t>2018-05-25</a:t>
+              <a:t>2018-05-29</a:t>
             </a:fld>
             <a:endParaRPr lang="ko-KR" altLang="en-US">
               <a:solidFill>
@@ -3940,7 +4067,7 @@
                 </a:solidFill>
               </a:rPr>
               <a:pPr/>
-              <a:t>2018-05-25</a:t>
+              <a:t>2018-05-29</a:t>
             </a:fld>
             <a:endParaRPr lang="ko-KR" altLang="en-US">
               <a:solidFill>
@@ -4256,7 +4383,7 @@
                 </a:solidFill>
               </a:rPr>
               <a:pPr/>
-              <a:t>2018-05-25</a:t>
+              <a:t>2018-05-29</a:t>
             </a:fld>
             <a:endParaRPr lang="ko-KR" altLang="en-US">
               <a:solidFill>
@@ -4548,7 +4675,7 @@
                 </a:solidFill>
               </a:rPr>
               <a:pPr/>
-              <a:t>2018-05-25</a:t>
+              <a:t>2018-05-29</a:t>
             </a:fld>
             <a:endParaRPr lang="ko-KR" altLang="en-US">
               <a:solidFill>
@@ -4801,7 +4928,7 @@
                 </a:solidFill>
               </a:rPr>
               <a:pPr defTabSz="914259"/>
-              <a:t>2018-05-25</a:t>
+              <a:t>2018-05-29</a:t>
             </a:fld>
             <a:endParaRPr lang="ko-KR" altLang="en-US">
               <a:solidFill>
@@ -5526,7 +5653,7 @@
           <p:cNvPr id="30" name="그림 29">
             <a:extLst>
               <a:ext uri="{FF2B5EF4-FFF2-40B4-BE49-F238E27FC236}">
-                <a16:creationId xmlns:a16="http://schemas.microsoft.com/office/drawing/2014/main" xmlns="" id="{C5B1B6BF-C2AC-41D0-8176-F88E66B4EC69}"/>
+                <a16:creationId xmlns="" xmlns:a16="http://schemas.microsoft.com/office/drawing/2014/main" id="{C5B1B6BF-C2AC-41D0-8176-F88E66B4EC69}"/>
               </a:ext>
             </a:extLst>
           </p:cNvPr>

--- a/##########################################################Code_Engn[강민수].pptx
+++ b/##########################################################Code_Engn[강민수].pptx
@@ -5,22 +5,26 @@
     <p:sldMasterId id="2147483673" r:id="rId1"/>
   </p:sldMasterIdLst>
   <p:notesMasterIdLst>
-    <p:notesMasterId r:id="rId15"/>
+    <p:notesMasterId r:id="rId19"/>
   </p:notesMasterIdLst>
   <p:sldIdLst>
     <p:sldId id="305" r:id="rId2"/>
     <p:sldId id="526" r:id="rId3"/>
-    <p:sldId id="542" r:id="rId4"/>
-    <p:sldId id="543" r:id="rId5"/>
+    <p:sldId id="543" r:id="rId4"/>
+    <p:sldId id="542" r:id="rId5"/>
     <p:sldId id="535" r:id="rId6"/>
-    <p:sldId id="537" r:id="rId7"/>
-    <p:sldId id="544" r:id="rId8"/>
-    <p:sldId id="538" r:id="rId9"/>
-    <p:sldId id="539" r:id="rId10"/>
-    <p:sldId id="534" r:id="rId11"/>
-    <p:sldId id="540" r:id="rId12"/>
-    <p:sldId id="536" r:id="rId13"/>
-    <p:sldId id="541" r:id="rId14"/>
+    <p:sldId id="544" r:id="rId7"/>
+    <p:sldId id="538" r:id="rId8"/>
+    <p:sldId id="547" r:id="rId9"/>
+    <p:sldId id="537" r:id="rId10"/>
+    <p:sldId id="539" r:id="rId11"/>
+    <p:sldId id="534" r:id="rId12"/>
+    <p:sldId id="545" r:id="rId13"/>
+    <p:sldId id="548" r:id="rId14"/>
+    <p:sldId id="540" r:id="rId15"/>
+    <p:sldId id="536" r:id="rId16"/>
+    <p:sldId id="546" r:id="rId17"/>
+    <p:sldId id="541" r:id="rId18"/>
   </p:sldIdLst>
   <p:sldSz cx="9144000" cy="6858000" type="screen4x3"/>
   <p:notesSz cx="6858000" cy="9144000"/>
@@ -221,7 +225,7 @@
             <a:fld id="{4762C306-CA61-459E-92ED-0E3AE579F76A}" type="datetimeFigureOut">
               <a:rPr lang="ko-KR" altLang="en-US" smtClean="0"/>
               <a:pPr/>
-              <a:t>2018-05-29</a:t>
+              <a:t>2018-06-17</a:t>
             </a:fld>
             <a:endParaRPr lang="ko-KR" altLang="en-US"/>
           </a:p>
@@ -554,11 +558,7 @@
             </a:r>
             <a:r>
               <a:rPr lang="ko-KR" altLang="en-US" baseline="0" dirty="0" smtClean="0"/>
-              <a:t>어디까지 왔나 </a:t>
-            </a:r>
-            <a:r>
-              <a:rPr lang="ko-KR" altLang="en-US" baseline="0" dirty="0" err="1" smtClean="0"/>
-              <a:t>요기까지왔지</a:t>
+              <a:t>어디까지 왔나 요기까지 왔지</a:t>
             </a:r>
             <a:endParaRPr lang="en-US" altLang="ko-KR" dirty="0" smtClean="0"/>
           </a:p>
@@ -577,7 +577,19 @@
             </a:r>
             <a:r>
               <a:rPr lang="ko-KR" altLang="en-US" baseline="0" dirty="0" smtClean="0"/>
-              <a:t> 온라인게임 해킹이라는 주제로 발표를 할 수 있는 기회를 얻었습니다</a:t>
+              <a:t>온라인게임 해킹이라는 주제로 발표를 </a:t>
+            </a:r>
+            <a:r>
+              <a:rPr lang="ko-KR" altLang="en-US" baseline="0" dirty="0" smtClean="0"/>
+              <a:t>하게 된 </a:t>
+            </a:r>
+            <a:r>
+              <a:rPr lang="ko-KR" altLang="en-US" baseline="0" dirty="0" err="1" smtClean="0"/>
+              <a:t>강민수라고</a:t>
+            </a:r>
+            <a:r>
+              <a:rPr lang="ko-KR" altLang="en-US" baseline="0" dirty="0" smtClean="0"/>
+              <a:t> 합니다</a:t>
             </a:r>
             <a:r>
               <a:rPr lang="en-US" altLang="ko-KR" baseline="0" dirty="0" smtClean="0"/>
@@ -587,7 +599,11 @@
           <a:p>
             <a:r>
               <a:rPr lang="ko-KR" altLang="en-US" baseline="0" dirty="0" smtClean="0"/>
-              <a:t>무척 이 주제로 많은 사람에게 떠들고 싶었고</a:t>
+              <a:t>무척 </a:t>
+            </a:r>
+            <a:r>
+              <a:rPr lang="ko-KR" altLang="en-US" baseline="0" dirty="0" smtClean="0"/>
+              <a:t>이 주제로 많은 사람에게 떠들고 싶었고</a:t>
             </a:r>
             <a:r>
               <a:rPr lang="en-US" altLang="ko-KR" baseline="0" dirty="0" smtClean="0"/>
@@ -595,17 +611,46 @@
             </a:r>
             <a:r>
               <a:rPr lang="ko-KR" altLang="en-US" baseline="0" dirty="0" smtClean="0"/>
-              <a:t>저는 지금 그리합니다</a:t>
+              <a:t>저는 지금 </a:t>
+            </a:r>
+            <a:r>
+              <a:rPr lang="ko-KR" altLang="en-US" baseline="0" dirty="0" smtClean="0"/>
+              <a:t>그럴 수 있게 되었습니다</a:t>
             </a:r>
             <a:r>
               <a:rPr lang="en-US" altLang="ko-KR" baseline="0" dirty="0" smtClean="0"/>
               <a:t>.</a:t>
             </a:r>
-          </a:p>
-          <a:p>
-            <a:r>
-              <a:rPr lang="ko-KR" altLang="en-US" baseline="0" dirty="0" smtClean="0"/>
-              <a:t>첫 페이지에서는 제 메일이 있으니 나중에 연락하실 수 있습니다</a:t>
+            <a:endParaRPr lang="en-US" altLang="ko-KR" baseline="0" dirty="0" smtClean="0"/>
+          </a:p>
+          <a:p>
+            <a:r>
+              <a:rPr lang="ko-KR" altLang="en-US" baseline="0" dirty="0" smtClean="0"/>
+              <a:t>첫 </a:t>
+            </a:r>
+            <a:r>
+              <a:rPr lang="ko-KR" altLang="en-US" baseline="0" dirty="0" smtClean="0"/>
+              <a:t>페이지에는 </a:t>
+            </a:r>
+            <a:r>
+              <a:rPr lang="ko-KR" altLang="en-US" baseline="0" dirty="0" smtClean="0"/>
+              <a:t>제 메일이 있으니 발표가 </a:t>
+            </a:r>
+            <a:r>
+              <a:rPr lang="ko-KR" altLang="en-US" baseline="0" dirty="0" smtClean="0"/>
+              <a:t>끝나고도 </a:t>
+            </a:r>
+            <a:r>
+              <a:rPr lang="ko-KR" altLang="en-US" baseline="0" dirty="0" smtClean="0"/>
+              <a:t>미처 생각나지 않은 질문은 메일로 </a:t>
+            </a:r>
+            <a:r>
+              <a:rPr lang="ko-KR" altLang="en-US" baseline="0" dirty="0" smtClean="0"/>
+              <a:t>주시면 </a:t>
+            </a:r>
+            <a:r>
+              <a:rPr lang="ko-KR" altLang="en-US" baseline="0" dirty="0" err="1" smtClean="0"/>
+              <a:t>될것같습니다</a:t>
             </a:r>
             <a:r>
               <a:rPr lang="en-US" altLang="ko-KR" baseline="0" dirty="0" smtClean="0"/>
@@ -646,6 +691,1178 @@
     <p:extLst>
       <p:ext uri="{BB962C8B-B14F-4D97-AF65-F5344CB8AC3E}">
         <p14:creationId xmlns:p14="http://schemas.microsoft.com/office/powerpoint/2010/main" val="1418724985"/>
+      </p:ext>
+    </p:extLst>
+  </p:cSld>
+  <p:clrMapOvr>
+    <a:masterClrMapping/>
+  </p:clrMapOvr>
+</p:notes>
+</file>
+
+<file path=ppt/notesSlides/notesSlide10.xml><?xml version="1.0" encoding="utf-8"?>
+<p:notes xmlns:a="http://schemas.openxmlformats.org/drawingml/2006/main" xmlns:r="http://schemas.openxmlformats.org/officeDocument/2006/relationships" xmlns:p="http://schemas.openxmlformats.org/presentationml/2006/main">
+  <p:cSld>
+    <p:spTree>
+      <p:nvGrpSpPr>
+        <p:cNvPr id="1" name=""/>
+        <p:cNvGrpSpPr/>
+        <p:nvPr/>
+      </p:nvGrpSpPr>
+      <p:grpSpPr>
+        <a:xfrm>
+          <a:off x="0" y="0"/>
+          <a:ext cx="0" cy="0"/>
+          <a:chOff x="0" y="0"/>
+          <a:chExt cx="0" cy="0"/>
+        </a:xfrm>
+      </p:grpSpPr>
+      <p:sp>
+        <p:nvSpPr>
+          <p:cNvPr id="2" name="슬라이드 이미지 개체 틀 1"/>
+          <p:cNvSpPr>
+            <a:spLocks noGrp="1" noRot="1" noChangeAspect="1"/>
+          </p:cNvSpPr>
+          <p:nvPr>
+            <p:ph type="sldImg"/>
+          </p:nvPr>
+        </p:nvSpPr>
+        <p:spPr/>
+      </p:sp>
+      <p:sp>
+        <p:nvSpPr>
+          <p:cNvPr id="3" name="슬라이드 노트 개체 틀 2"/>
+          <p:cNvSpPr>
+            <a:spLocks noGrp="1"/>
+          </p:cNvSpPr>
+          <p:nvPr>
+            <p:ph type="body" idx="1"/>
+          </p:nvPr>
+        </p:nvSpPr>
+        <p:spPr/>
+        <p:txBody>
+          <a:bodyPr/>
+          <a:lstStyle/>
+          <a:p>
+            <a:r>
+              <a:rPr lang="ko-KR" altLang="en-US" dirty="0" smtClean="0"/>
+              <a:t>제가 </a:t>
+            </a:r>
+            <a:r>
+              <a:rPr lang="en-US" altLang="ko-KR" dirty="0" smtClean="0"/>
+              <a:t>2016</a:t>
+            </a:r>
+            <a:r>
+              <a:rPr lang="ko-KR" altLang="en-US" dirty="0" smtClean="0"/>
+              <a:t>년 당시에 녹화해두었던 </a:t>
+            </a:r>
+            <a:r>
+              <a:rPr lang="ko-KR" altLang="en-US" dirty="0" smtClean="0"/>
+              <a:t>영상입니다</a:t>
+            </a:r>
+            <a:r>
+              <a:rPr lang="en-US" altLang="ko-KR" dirty="0" smtClean="0"/>
+              <a:t>. </a:t>
+            </a:r>
+            <a:r>
+              <a:rPr lang="ko-KR" altLang="en-US" dirty="0" smtClean="0"/>
+              <a:t>위에서 발표했었던 </a:t>
+            </a:r>
+            <a:r>
+              <a:rPr lang="ko-KR" altLang="en-US" dirty="0" err="1" smtClean="0"/>
+              <a:t>롤</a:t>
+            </a:r>
+            <a:r>
+              <a:rPr lang="ko-KR" altLang="en-US" dirty="0" smtClean="0"/>
+              <a:t> </a:t>
+            </a:r>
+            <a:r>
+              <a:rPr lang="ko-KR" altLang="en-US" dirty="0" err="1" smtClean="0"/>
+              <a:t>헬퍼와</a:t>
+            </a:r>
+            <a:r>
+              <a:rPr lang="ko-KR" altLang="en-US" dirty="0" smtClean="0"/>
+              <a:t> 완전히 같은 구조로 동작하는 </a:t>
+            </a:r>
+            <a:r>
+              <a:rPr lang="ko-KR" altLang="en-US" dirty="0" err="1" smtClean="0"/>
+              <a:t>바람의나라</a:t>
+            </a:r>
+            <a:r>
+              <a:rPr lang="ko-KR" altLang="en-US" dirty="0" smtClean="0"/>
+              <a:t> </a:t>
+            </a:r>
+            <a:r>
+              <a:rPr lang="ko-KR" altLang="en-US" dirty="0" err="1" smtClean="0"/>
+              <a:t>헬퍼입니다</a:t>
+            </a:r>
+            <a:r>
+              <a:rPr lang="en-US" altLang="ko-KR" dirty="0" smtClean="0"/>
+              <a:t>.</a:t>
+            </a:r>
+          </a:p>
+          <a:p>
+            <a:r>
+              <a:rPr lang="ko-KR" altLang="en-US" dirty="0" smtClean="0"/>
+              <a:t>실제 유저들이 </a:t>
+            </a:r>
+            <a:r>
+              <a:rPr lang="ko-KR" altLang="en-US" dirty="0" err="1" smtClean="0"/>
+              <a:t>조작하는것과</a:t>
+            </a:r>
+            <a:r>
+              <a:rPr lang="ko-KR" altLang="en-US" dirty="0" smtClean="0"/>
+              <a:t> 차이가 없는데요</a:t>
+            </a:r>
+            <a:r>
+              <a:rPr lang="en-US" altLang="ko-KR" dirty="0" smtClean="0"/>
+              <a:t>. </a:t>
+            </a:r>
+            <a:r>
+              <a:rPr lang="ko-KR" altLang="en-US" dirty="0" err="1" smtClean="0"/>
+              <a:t>보고나서</a:t>
+            </a:r>
+            <a:r>
+              <a:rPr lang="ko-KR" altLang="en-US" dirty="0" smtClean="0"/>
+              <a:t> 이어서 </a:t>
+            </a:r>
+            <a:r>
+              <a:rPr lang="ko-KR" altLang="en-US" dirty="0" err="1" smtClean="0"/>
+              <a:t>말씀드리겠습니다</a:t>
+            </a:r>
+            <a:r>
+              <a:rPr lang="en-US" altLang="ko-KR" dirty="0" smtClean="0"/>
+              <a:t>.(</a:t>
+            </a:r>
+            <a:r>
+              <a:rPr lang="en-US" altLang="ko-KR" baseline="0" dirty="0" smtClean="0"/>
+              <a:t> </a:t>
+            </a:r>
+            <a:r>
+              <a:rPr lang="ko-KR" altLang="en-US" baseline="0" dirty="0" smtClean="0"/>
+              <a:t>보여주며 </a:t>
+            </a:r>
+            <a:r>
+              <a:rPr lang="en-US" altLang="ko-KR" baseline="0" dirty="0" smtClean="0"/>
+              <a:t>)</a:t>
+            </a:r>
+          </a:p>
+          <a:p>
+            <a:r>
+              <a:rPr lang="ko-KR" altLang="en-US" baseline="0" dirty="0" smtClean="0"/>
+              <a:t>이는 특히 </a:t>
+            </a:r>
+            <a:r>
+              <a:rPr lang="en-US" altLang="ko-KR" baseline="0" dirty="0" smtClean="0"/>
+              <a:t>RPG</a:t>
+            </a:r>
+            <a:r>
+              <a:rPr lang="ko-KR" altLang="en-US" baseline="0" dirty="0" smtClean="0"/>
+              <a:t> 게임에 위험한 영향을 끼치는 이유는 </a:t>
+            </a:r>
+            <a:r>
+              <a:rPr lang="en-US" altLang="ko-KR" baseline="0" dirty="0" smtClean="0"/>
+              <a:t>24</a:t>
+            </a:r>
+            <a:r>
+              <a:rPr lang="ko-KR" altLang="en-US" baseline="0" dirty="0" smtClean="0"/>
+              <a:t>시간 동작하며</a:t>
+            </a:r>
+            <a:r>
+              <a:rPr lang="en-US" altLang="ko-KR" baseline="0" dirty="0" smtClean="0"/>
+              <a:t>, </a:t>
+            </a:r>
+            <a:r>
+              <a:rPr lang="ko-KR" altLang="en-US" baseline="0" dirty="0" smtClean="0"/>
+              <a:t>사람이 노력하지 않고도 생산적인 활동을 하며</a:t>
+            </a:r>
+            <a:r>
+              <a:rPr lang="en-US" altLang="ko-KR" baseline="0" dirty="0" smtClean="0"/>
+              <a:t> </a:t>
+            </a:r>
+            <a:r>
+              <a:rPr lang="ko-KR" altLang="en-US" baseline="0" dirty="0" smtClean="0"/>
+              <a:t>모든 </a:t>
+            </a:r>
+            <a:r>
+              <a:rPr lang="ko-KR" altLang="en-US" baseline="0" dirty="0" err="1" smtClean="0"/>
+              <a:t>컨텐츠를</a:t>
+            </a:r>
+            <a:r>
+              <a:rPr lang="ko-KR" altLang="en-US" baseline="0" dirty="0" smtClean="0"/>
+              <a:t> 잠식할 수 있기 때문입니다</a:t>
+            </a:r>
+            <a:r>
+              <a:rPr lang="en-US" altLang="ko-KR" baseline="0" dirty="0" smtClean="0"/>
+              <a:t>. </a:t>
+            </a:r>
+            <a:endParaRPr lang="ko-KR" altLang="en-US" dirty="0"/>
+          </a:p>
+        </p:txBody>
+      </p:sp>
+      <p:sp>
+        <p:nvSpPr>
+          <p:cNvPr id="4" name="슬라이드 번호 개체 틀 3"/>
+          <p:cNvSpPr>
+            <a:spLocks noGrp="1"/>
+          </p:cNvSpPr>
+          <p:nvPr>
+            <p:ph type="sldNum" sz="quarter" idx="10"/>
+          </p:nvPr>
+        </p:nvSpPr>
+        <p:spPr/>
+        <p:txBody>
+          <a:bodyPr/>
+          <a:lstStyle/>
+          <a:p>
+            <a:fld id="{DCB4F9C5-ACDA-4CB2-BFCB-6D8E346EEAA7}" type="slidenum">
+              <a:rPr lang="ko-KR" altLang="en-US" smtClean="0"/>
+              <a:pPr/>
+              <a:t>11</a:t>
+            </a:fld>
+            <a:endParaRPr lang="ko-KR" altLang="en-US"/>
+          </a:p>
+        </p:txBody>
+      </p:sp>
+    </p:spTree>
+    <p:extLst>
+      <p:ext uri="{BB962C8B-B14F-4D97-AF65-F5344CB8AC3E}">
+        <p14:creationId xmlns:p14="http://schemas.microsoft.com/office/powerpoint/2010/main" val="3716232607"/>
+      </p:ext>
+    </p:extLst>
+  </p:cSld>
+  <p:clrMapOvr>
+    <a:masterClrMapping/>
+  </p:clrMapOvr>
+</p:notes>
+</file>
+
+<file path=ppt/notesSlides/notesSlide11.xml><?xml version="1.0" encoding="utf-8"?>
+<p:notes xmlns:a="http://schemas.openxmlformats.org/drawingml/2006/main" xmlns:r="http://schemas.openxmlformats.org/officeDocument/2006/relationships" xmlns:p="http://schemas.openxmlformats.org/presentationml/2006/main">
+  <p:cSld>
+    <p:spTree>
+      <p:nvGrpSpPr>
+        <p:cNvPr id="1" name=""/>
+        <p:cNvGrpSpPr/>
+        <p:nvPr/>
+      </p:nvGrpSpPr>
+      <p:grpSpPr>
+        <a:xfrm>
+          <a:off x="0" y="0"/>
+          <a:ext cx="0" cy="0"/>
+          <a:chOff x="0" y="0"/>
+          <a:chExt cx="0" cy="0"/>
+        </a:xfrm>
+      </p:grpSpPr>
+      <p:sp>
+        <p:nvSpPr>
+          <p:cNvPr id="2" name="슬라이드 이미지 개체 틀 1"/>
+          <p:cNvSpPr>
+            <a:spLocks noGrp="1" noRot="1" noChangeAspect="1"/>
+          </p:cNvSpPr>
+          <p:nvPr>
+            <p:ph type="sldImg"/>
+          </p:nvPr>
+        </p:nvSpPr>
+        <p:spPr/>
+      </p:sp>
+      <p:sp>
+        <p:nvSpPr>
+          <p:cNvPr id="3" name="슬라이드 노트 개체 틀 2"/>
+          <p:cNvSpPr>
+            <a:spLocks noGrp="1"/>
+          </p:cNvSpPr>
+          <p:nvPr>
+            <p:ph type="body" idx="1"/>
+          </p:nvPr>
+        </p:nvSpPr>
+        <p:spPr/>
+        <p:txBody>
+          <a:bodyPr/>
+          <a:lstStyle/>
+          <a:p>
+            <a:r>
+              <a:rPr lang="ko-KR" altLang="en-US" dirty="0" smtClean="0"/>
+              <a:t>이 프로그램은 </a:t>
+            </a:r>
+            <a:r>
+              <a:rPr lang="en-US" altLang="ko-KR" dirty="0" smtClean="0"/>
+              <a:t>2000</a:t>
+            </a:r>
+            <a:r>
+              <a:rPr lang="ko-KR" altLang="en-US" dirty="0" smtClean="0"/>
+              <a:t>년 후반</a:t>
+            </a:r>
+            <a:r>
+              <a:rPr lang="en-US" altLang="ko-KR" baseline="0" dirty="0" smtClean="0"/>
+              <a:t>, </a:t>
+            </a:r>
+            <a:r>
+              <a:rPr lang="ko-KR" altLang="en-US" baseline="0" dirty="0" smtClean="0"/>
+              <a:t>선린인터넷고등학교에 재학중인 학생이 만들었던</a:t>
+            </a:r>
+            <a:r>
+              <a:rPr lang="en-US" altLang="ko-KR" baseline="0" dirty="0" smtClean="0"/>
+              <a:t> </a:t>
+            </a:r>
+            <a:r>
+              <a:rPr lang="ko-KR" altLang="en-US" baseline="0" dirty="0" smtClean="0"/>
+              <a:t>인터넷 카페를 시끄럽게 했던 프로그램인데요</a:t>
+            </a:r>
+            <a:r>
+              <a:rPr lang="en-US" altLang="ko-KR" baseline="0" dirty="0" smtClean="0"/>
+              <a:t>.</a:t>
+            </a:r>
+          </a:p>
+          <a:p>
+            <a:r>
+              <a:rPr lang="ko-KR" altLang="en-US" baseline="0" dirty="0" smtClean="0"/>
+              <a:t>이 프로그램을 이용하면 </a:t>
+            </a:r>
+            <a:r>
+              <a:rPr lang="ko-KR" altLang="en-US" baseline="0" dirty="0" err="1" smtClean="0"/>
+              <a:t>치트엔진같은</a:t>
+            </a:r>
+            <a:r>
+              <a:rPr lang="ko-KR" altLang="en-US" baseline="0" dirty="0" smtClean="0"/>
+              <a:t> 프로세스를 게임보안솔루션에 탐지되지 않을 수 있었습니다</a:t>
+            </a:r>
+            <a:r>
+              <a:rPr lang="en-US" altLang="ko-KR" baseline="0" dirty="0" smtClean="0"/>
+              <a:t>.</a:t>
+            </a:r>
+          </a:p>
+          <a:p>
+            <a:endParaRPr lang="en-US" altLang="ko-KR" baseline="0" dirty="0" smtClean="0"/>
+          </a:p>
+          <a:p>
+            <a:r>
+              <a:rPr lang="ko-KR" altLang="en-US" baseline="0" dirty="0" err="1" smtClean="0"/>
+              <a:t>커널을</a:t>
+            </a:r>
+            <a:r>
+              <a:rPr lang="ko-KR" altLang="en-US" baseline="0" dirty="0" smtClean="0"/>
+              <a:t> </a:t>
+            </a:r>
+            <a:r>
+              <a:rPr lang="ko-KR" altLang="en-US" baseline="0" dirty="0" err="1" smtClean="0"/>
+              <a:t>이용했었기때문인데요</a:t>
+            </a:r>
+            <a:r>
+              <a:rPr lang="en-US" altLang="ko-KR" baseline="0" dirty="0" smtClean="0"/>
+              <a:t>.</a:t>
+            </a:r>
+          </a:p>
+          <a:p>
+            <a:r>
+              <a:rPr lang="ko-KR" altLang="en-US" baseline="0" dirty="0" smtClean="0"/>
+              <a:t>오늘날 </a:t>
+            </a:r>
+            <a:r>
+              <a:rPr lang="ko-KR" altLang="en-US" baseline="0" dirty="0" err="1" smtClean="0"/>
+              <a:t>커널은</a:t>
+            </a:r>
+            <a:r>
+              <a:rPr lang="ko-KR" altLang="en-US" baseline="0" dirty="0" smtClean="0"/>
+              <a:t> </a:t>
+            </a:r>
+            <a:endParaRPr lang="en-US" altLang="ko-KR" baseline="0" dirty="0" smtClean="0"/>
+          </a:p>
+          <a:p>
+            <a:r>
+              <a:rPr lang="en-US" altLang="ko-KR" dirty="0" smtClean="0"/>
+              <a:t> --</a:t>
+            </a:r>
+            <a:endParaRPr lang="ko-KR" altLang="en-US" dirty="0"/>
+          </a:p>
+        </p:txBody>
+      </p:sp>
+      <p:sp>
+        <p:nvSpPr>
+          <p:cNvPr id="4" name="슬라이드 번호 개체 틀 3"/>
+          <p:cNvSpPr>
+            <a:spLocks noGrp="1"/>
+          </p:cNvSpPr>
+          <p:nvPr>
+            <p:ph type="sldNum" sz="quarter" idx="10"/>
+          </p:nvPr>
+        </p:nvSpPr>
+        <p:spPr/>
+        <p:txBody>
+          <a:bodyPr/>
+          <a:lstStyle/>
+          <a:p>
+            <a:fld id="{DCB4F9C5-ACDA-4CB2-BFCB-6D8E346EEAA7}" type="slidenum">
+              <a:rPr lang="ko-KR" altLang="en-US" smtClean="0"/>
+              <a:pPr/>
+              <a:t>12</a:t>
+            </a:fld>
+            <a:endParaRPr lang="ko-KR" altLang="en-US"/>
+          </a:p>
+        </p:txBody>
+      </p:sp>
+    </p:spTree>
+    <p:extLst>
+      <p:ext uri="{BB962C8B-B14F-4D97-AF65-F5344CB8AC3E}">
+        <p14:creationId xmlns:p14="http://schemas.microsoft.com/office/powerpoint/2010/main" val="4026292536"/>
+      </p:ext>
+    </p:extLst>
+  </p:cSld>
+  <p:clrMapOvr>
+    <a:masterClrMapping/>
+  </p:clrMapOvr>
+</p:notes>
+</file>
+
+<file path=ppt/notesSlides/notesSlide12.xml><?xml version="1.0" encoding="utf-8"?>
+<p:notes xmlns:a="http://schemas.openxmlformats.org/drawingml/2006/main" xmlns:r="http://schemas.openxmlformats.org/officeDocument/2006/relationships" xmlns:p="http://schemas.openxmlformats.org/presentationml/2006/main">
+  <p:cSld>
+    <p:spTree>
+      <p:nvGrpSpPr>
+        <p:cNvPr id="1" name=""/>
+        <p:cNvGrpSpPr/>
+        <p:nvPr/>
+      </p:nvGrpSpPr>
+      <p:grpSpPr>
+        <a:xfrm>
+          <a:off x="0" y="0"/>
+          <a:ext cx="0" cy="0"/>
+          <a:chOff x="0" y="0"/>
+          <a:chExt cx="0" cy="0"/>
+        </a:xfrm>
+      </p:grpSpPr>
+      <p:sp>
+        <p:nvSpPr>
+          <p:cNvPr id="2" name="슬라이드 이미지 개체 틀 1"/>
+          <p:cNvSpPr>
+            <a:spLocks noGrp="1" noRot="1" noChangeAspect="1"/>
+          </p:cNvSpPr>
+          <p:nvPr>
+            <p:ph type="sldImg"/>
+          </p:nvPr>
+        </p:nvSpPr>
+        <p:spPr/>
+      </p:sp>
+      <p:sp>
+        <p:nvSpPr>
+          <p:cNvPr id="3" name="슬라이드 노트 개체 틀 2"/>
+          <p:cNvSpPr>
+            <a:spLocks noGrp="1"/>
+          </p:cNvSpPr>
+          <p:nvPr>
+            <p:ph type="body" idx="1"/>
+          </p:nvPr>
+        </p:nvSpPr>
+        <p:spPr/>
+        <p:txBody>
+          <a:bodyPr/>
+          <a:lstStyle/>
+          <a:p>
+            <a:r>
+              <a:rPr lang="ko-KR" altLang="en-US" dirty="0" smtClean="0"/>
+              <a:t>이 프로그램은 </a:t>
+            </a:r>
+            <a:r>
+              <a:rPr lang="en-US" altLang="ko-KR" dirty="0" smtClean="0"/>
+              <a:t>2000</a:t>
+            </a:r>
+            <a:r>
+              <a:rPr lang="ko-KR" altLang="en-US" dirty="0" smtClean="0"/>
+              <a:t>년 후반</a:t>
+            </a:r>
+            <a:r>
+              <a:rPr lang="en-US" altLang="ko-KR" baseline="0" dirty="0" smtClean="0"/>
+              <a:t>, </a:t>
+            </a:r>
+            <a:r>
+              <a:rPr lang="ko-KR" altLang="en-US" baseline="0" dirty="0" smtClean="0"/>
+              <a:t>선린인터넷고등학교에 재학중인 학생이 만들었던</a:t>
+            </a:r>
+            <a:r>
+              <a:rPr lang="en-US" altLang="ko-KR" baseline="0" dirty="0" smtClean="0"/>
+              <a:t> </a:t>
+            </a:r>
+            <a:r>
+              <a:rPr lang="ko-KR" altLang="en-US" baseline="0" dirty="0" smtClean="0"/>
+              <a:t>인터넷 카페를 시끄럽게 했던 프로그램인데요</a:t>
+            </a:r>
+            <a:r>
+              <a:rPr lang="en-US" altLang="ko-KR" baseline="0" dirty="0" smtClean="0"/>
+              <a:t>.</a:t>
+            </a:r>
+          </a:p>
+          <a:p>
+            <a:r>
+              <a:rPr lang="ko-KR" altLang="en-US" baseline="0" dirty="0" smtClean="0"/>
+              <a:t>이 프로그램을 이용하면 </a:t>
+            </a:r>
+            <a:r>
+              <a:rPr lang="ko-KR" altLang="en-US" baseline="0" dirty="0" err="1" smtClean="0"/>
+              <a:t>치트엔진같은</a:t>
+            </a:r>
+            <a:r>
+              <a:rPr lang="ko-KR" altLang="en-US" baseline="0" dirty="0" smtClean="0"/>
+              <a:t> 프로세스를 게임보안솔루션에 탐지되지 않을 수 있었습니다</a:t>
+            </a:r>
+            <a:r>
+              <a:rPr lang="en-US" altLang="ko-KR" baseline="0" dirty="0" smtClean="0"/>
+              <a:t>.</a:t>
+            </a:r>
+          </a:p>
+          <a:p>
+            <a:endParaRPr lang="en-US" altLang="ko-KR" baseline="0" dirty="0" smtClean="0"/>
+          </a:p>
+          <a:p>
+            <a:r>
+              <a:rPr lang="ko-KR" altLang="en-US" baseline="0" dirty="0" err="1" smtClean="0"/>
+              <a:t>커널을</a:t>
+            </a:r>
+            <a:r>
+              <a:rPr lang="ko-KR" altLang="en-US" baseline="0" dirty="0" smtClean="0"/>
+              <a:t> </a:t>
+            </a:r>
+            <a:r>
+              <a:rPr lang="ko-KR" altLang="en-US" baseline="0" dirty="0" err="1" smtClean="0"/>
+              <a:t>이용했었기때문인데요</a:t>
+            </a:r>
+            <a:r>
+              <a:rPr lang="en-US" altLang="ko-KR" baseline="0" dirty="0" smtClean="0"/>
+              <a:t>.</a:t>
+            </a:r>
+          </a:p>
+          <a:p>
+            <a:r>
+              <a:rPr lang="ko-KR" altLang="en-US" baseline="0" dirty="0" smtClean="0"/>
+              <a:t>오늘날 </a:t>
+            </a:r>
+            <a:r>
+              <a:rPr lang="ko-KR" altLang="en-US" baseline="0" dirty="0" err="1" smtClean="0"/>
+              <a:t>커널은</a:t>
+            </a:r>
+            <a:r>
+              <a:rPr lang="ko-KR" altLang="en-US" baseline="0" dirty="0" smtClean="0"/>
+              <a:t> </a:t>
+            </a:r>
+            <a:endParaRPr lang="en-US" altLang="ko-KR" baseline="0" dirty="0" smtClean="0"/>
+          </a:p>
+          <a:p>
+            <a:r>
+              <a:rPr lang="en-US" altLang="ko-KR" dirty="0" smtClean="0"/>
+              <a:t> --</a:t>
+            </a:r>
+            <a:endParaRPr lang="ko-KR" altLang="en-US" dirty="0"/>
+          </a:p>
+        </p:txBody>
+      </p:sp>
+      <p:sp>
+        <p:nvSpPr>
+          <p:cNvPr id="4" name="슬라이드 번호 개체 틀 3"/>
+          <p:cNvSpPr>
+            <a:spLocks noGrp="1"/>
+          </p:cNvSpPr>
+          <p:nvPr>
+            <p:ph type="sldNum" sz="quarter" idx="10"/>
+          </p:nvPr>
+        </p:nvSpPr>
+        <p:spPr/>
+        <p:txBody>
+          <a:bodyPr/>
+          <a:lstStyle/>
+          <a:p>
+            <a:fld id="{DCB4F9C5-ACDA-4CB2-BFCB-6D8E346EEAA7}" type="slidenum">
+              <a:rPr lang="ko-KR" altLang="en-US" smtClean="0"/>
+              <a:pPr/>
+              <a:t>13</a:t>
+            </a:fld>
+            <a:endParaRPr lang="ko-KR" altLang="en-US"/>
+          </a:p>
+        </p:txBody>
+      </p:sp>
+    </p:spTree>
+    <p:extLst>
+      <p:ext uri="{BB962C8B-B14F-4D97-AF65-F5344CB8AC3E}">
+        <p14:creationId xmlns:p14="http://schemas.microsoft.com/office/powerpoint/2010/main" val="4026292536"/>
+      </p:ext>
+    </p:extLst>
+  </p:cSld>
+  <p:clrMapOvr>
+    <a:masterClrMapping/>
+  </p:clrMapOvr>
+</p:notes>
+</file>
+
+<file path=ppt/notesSlides/notesSlide13.xml><?xml version="1.0" encoding="utf-8"?>
+<p:notes xmlns:a="http://schemas.openxmlformats.org/drawingml/2006/main" xmlns:r="http://schemas.openxmlformats.org/officeDocument/2006/relationships" xmlns:p="http://schemas.openxmlformats.org/presentationml/2006/main">
+  <p:cSld>
+    <p:spTree>
+      <p:nvGrpSpPr>
+        <p:cNvPr id="1" name=""/>
+        <p:cNvGrpSpPr/>
+        <p:nvPr/>
+      </p:nvGrpSpPr>
+      <p:grpSpPr>
+        <a:xfrm>
+          <a:off x="0" y="0"/>
+          <a:ext cx="0" cy="0"/>
+          <a:chOff x="0" y="0"/>
+          <a:chExt cx="0" cy="0"/>
+        </a:xfrm>
+      </p:grpSpPr>
+      <p:sp>
+        <p:nvSpPr>
+          <p:cNvPr id="2" name="슬라이드 이미지 개체 틀 1"/>
+          <p:cNvSpPr>
+            <a:spLocks noGrp="1" noRot="1" noChangeAspect="1"/>
+          </p:cNvSpPr>
+          <p:nvPr>
+            <p:ph type="sldImg"/>
+          </p:nvPr>
+        </p:nvSpPr>
+        <p:spPr/>
+      </p:sp>
+      <p:sp>
+        <p:nvSpPr>
+          <p:cNvPr id="3" name="슬라이드 노트 개체 틀 2"/>
+          <p:cNvSpPr>
+            <a:spLocks noGrp="1"/>
+          </p:cNvSpPr>
+          <p:nvPr>
+            <p:ph type="body" idx="1"/>
+          </p:nvPr>
+        </p:nvSpPr>
+        <p:spPr/>
+        <p:txBody>
+          <a:bodyPr/>
+          <a:lstStyle/>
+          <a:p>
+            <a:r>
+              <a:rPr lang="ko-KR" altLang="en-US" baseline="0" dirty="0" smtClean="0"/>
+              <a:t>인지도가 있었던  게임 보안 솔루션들입니다</a:t>
+            </a:r>
+            <a:r>
+              <a:rPr lang="en-US" altLang="ko-KR" baseline="0" dirty="0" smtClean="0"/>
+              <a:t>.</a:t>
+            </a:r>
+          </a:p>
+          <a:p>
+            <a:r>
+              <a:rPr lang="ko-KR" altLang="en-US" baseline="0" dirty="0" smtClean="0"/>
+              <a:t>이 </a:t>
+            </a:r>
+            <a:r>
+              <a:rPr lang="ko-KR" altLang="en-US" baseline="0" dirty="0" smtClean="0"/>
+              <a:t>중에는 사업을 접은 솔루션도 있습니다</a:t>
+            </a:r>
+            <a:r>
+              <a:rPr lang="en-US" altLang="ko-KR" baseline="0" dirty="0" smtClean="0"/>
+              <a:t>. </a:t>
+            </a:r>
+            <a:r>
+              <a:rPr lang="ko-KR" altLang="en-US" baseline="0" dirty="0" smtClean="0"/>
+              <a:t>어디선가 주워듣기로는</a:t>
+            </a:r>
+            <a:r>
+              <a:rPr lang="en-US" altLang="ko-KR" baseline="0" dirty="0" smtClean="0"/>
+              <a:t> </a:t>
+            </a:r>
+            <a:r>
+              <a:rPr lang="ko-KR" altLang="en-US" baseline="0" dirty="0" smtClean="0"/>
+              <a:t>서로 가격 경쟁을 하다가 시장이 </a:t>
+            </a:r>
+            <a:r>
+              <a:rPr lang="ko-KR" altLang="en-US" baseline="0" dirty="0" smtClean="0"/>
+              <a:t>초토화되었다는</a:t>
+            </a:r>
+            <a:r>
+              <a:rPr lang="en-US" altLang="ko-KR" baseline="0" dirty="0" smtClean="0"/>
+              <a:t> </a:t>
+            </a:r>
+            <a:r>
+              <a:rPr lang="ko-KR" altLang="en-US" baseline="0" dirty="0" smtClean="0"/>
+              <a:t>말을 들었습니다</a:t>
+            </a:r>
+            <a:r>
+              <a:rPr lang="en-US" altLang="ko-KR" baseline="0" dirty="0" smtClean="0"/>
+              <a:t>.</a:t>
+            </a:r>
+            <a:endParaRPr lang="en-US" altLang="ko-KR" baseline="0" dirty="0" smtClean="0"/>
+          </a:p>
+          <a:p>
+            <a:r>
+              <a:rPr lang="ko-KR" altLang="en-US" dirty="0" smtClean="0"/>
+              <a:t>하지만 그래도 살아남았고</a:t>
+            </a:r>
+            <a:r>
+              <a:rPr lang="en-US" altLang="ko-KR" dirty="0" smtClean="0"/>
+              <a:t>, </a:t>
+            </a:r>
+            <a:r>
+              <a:rPr lang="ko-KR" altLang="en-US" dirty="0" smtClean="0"/>
+              <a:t>게임은  보안솔루션과 함께 핵과의 전쟁을 해 나갈 </a:t>
+            </a:r>
+            <a:r>
+              <a:rPr lang="ko-KR" altLang="en-US" baseline="0" dirty="0" smtClean="0"/>
+              <a:t>것이라 생각합니다</a:t>
+            </a:r>
+            <a:r>
+              <a:rPr lang="en-US" altLang="ko-KR" baseline="0" dirty="0" smtClean="0"/>
+              <a:t>.</a:t>
+            </a:r>
+          </a:p>
+          <a:p>
+            <a:endParaRPr lang="en-US" altLang="ko-KR" dirty="0" smtClean="0"/>
+          </a:p>
+          <a:p>
+            <a:r>
+              <a:rPr lang="ko-KR" altLang="en-US" dirty="0" smtClean="0"/>
+              <a:t>게임 보안</a:t>
+            </a:r>
+            <a:r>
+              <a:rPr lang="en-US" altLang="ko-KR" dirty="0" smtClean="0"/>
+              <a:t>.</a:t>
+            </a:r>
+            <a:r>
+              <a:rPr lang="en-US" altLang="ko-KR" baseline="0" dirty="0" smtClean="0"/>
+              <a:t> </a:t>
+            </a:r>
+            <a:r>
+              <a:rPr lang="ko-KR" altLang="en-US" baseline="0" dirty="0" err="1" smtClean="0"/>
+              <a:t>완벽해지는것은</a:t>
+            </a:r>
+            <a:r>
+              <a:rPr lang="ko-KR" altLang="en-US" baseline="0" dirty="0" smtClean="0"/>
+              <a:t> 불가능할지 모르지만</a:t>
+            </a:r>
+            <a:r>
+              <a:rPr lang="en-US" altLang="ko-KR" baseline="0" dirty="0" smtClean="0"/>
+              <a:t>, </a:t>
+            </a:r>
+            <a:r>
+              <a:rPr lang="ko-KR" altLang="en-US" baseline="0" dirty="0" smtClean="0"/>
+              <a:t>최선을 다한다면 먼저 공격하는 입장에서 지치지 않을까요</a:t>
+            </a:r>
+            <a:r>
+              <a:rPr lang="en-US" altLang="ko-KR" baseline="0" dirty="0" smtClean="0"/>
+              <a:t>? </a:t>
+            </a:r>
+            <a:r>
+              <a:rPr lang="ko-KR" altLang="en-US" baseline="0" dirty="0" smtClean="0"/>
+              <a:t>최선을 다하려면 그 만큼의 가치를 부여시켜</a:t>
+            </a:r>
+            <a:endParaRPr lang="en-US" altLang="ko-KR" baseline="0" dirty="0" smtClean="0"/>
+          </a:p>
+          <a:p>
+            <a:r>
+              <a:rPr lang="ko-KR" altLang="en-US" baseline="0" dirty="0" err="1" smtClean="0"/>
+              <a:t>주어야한다고</a:t>
+            </a:r>
+            <a:r>
+              <a:rPr lang="ko-KR" altLang="en-US" baseline="0" dirty="0" smtClean="0"/>
+              <a:t> 생각합니다</a:t>
+            </a:r>
+            <a:r>
+              <a:rPr lang="en-US" altLang="ko-KR" baseline="0" dirty="0" smtClean="0"/>
+              <a:t>. </a:t>
+            </a:r>
+            <a:r>
+              <a:rPr lang="ko-KR" altLang="en-US" baseline="0" dirty="0" smtClean="0"/>
+              <a:t>게임보안이 </a:t>
+            </a:r>
+            <a:r>
+              <a:rPr lang="ko-KR" altLang="en-US" baseline="0" dirty="0" err="1" smtClean="0"/>
+              <a:t>게임핵보다</a:t>
+            </a:r>
+            <a:r>
+              <a:rPr lang="ko-KR" altLang="en-US" baseline="0" dirty="0" smtClean="0"/>
+              <a:t> 많이 버는 세상이 오는 순간이 왔으면 합니다</a:t>
+            </a:r>
+            <a:r>
+              <a:rPr lang="en-US" altLang="ko-KR" baseline="0" dirty="0" smtClean="0"/>
+              <a:t>. </a:t>
+            </a:r>
+            <a:endParaRPr lang="en-US" altLang="ko-KR" dirty="0" smtClean="0"/>
+          </a:p>
+        </p:txBody>
+      </p:sp>
+      <p:sp>
+        <p:nvSpPr>
+          <p:cNvPr id="4" name="슬라이드 번호 개체 틀 3"/>
+          <p:cNvSpPr>
+            <a:spLocks noGrp="1"/>
+          </p:cNvSpPr>
+          <p:nvPr>
+            <p:ph type="sldNum" sz="quarter" idx="10"/>
+          </p:nvPr>
+        </p:nvSpPr>
+        <p:spPr/>
+        <p:txBody>
+          <a:bodyPr/>
+          <a:lstStyle/>
+          <a:p>
+            <a:fld id="{DCB4F9C5-ACDA-4CB2-BFCB-6D8E346EEAA7}" type="slidenum">
+              <a:rPr lang="ko-KR" altLang="en-US" smtClean="0"/>
+              <a:pPr/>
+              <a:t>14</a:t>
+            </a:fld>
+            <a:endParaRPr lang="ko-KR" altLang="en-US"/>
+          </a:p>
+        </p:txBody>
+      </p:sp>
+    </p:spTree>
+    <p:extLst>
+      <p:ext uri="{BB962C8B-B14F-4D97-AF65-F5344CB8AC3E}">
+        <p14:creationId xmlns:p14="http://schemas.microsoft.com/office/powerpoint/2010/main" val="1670291940"/>
+      </p:ext>
+    </p:extLst>
+  </p:cSld>
+  <p:clrMapOvr>
+    <a:masterClrMapping/>
+  </p:clrMapOvr>
+</p:notes>
+</file>
+
+<file path=ppt/notesSlides/notesSlide14.xml><?xml version="1.0" encoding="utf-8"?>
+<p:notes xmlns:a="http://schemas.openxmlformats.org/drawingml/2006/main" xmlns:r="http://schemas.openxmlformats.org/officeDocument/2006/relationships" xmlns:p="http://schemas.openxmlformats.org/presentationml/2006/main">
+  <p:cSld>
+    <p:spTree>
+      <p:nvGrpSpPr>
+        <p:cNvPr id="1" name=""/>
+        <p:cNvGrpSpPr/>
+        <p:nvPr/>
+      </p:nvGrpSpPr>
+      <p:grpSpPr>
+        <a:xfrm>
+          <a:off x="0" y="0"/>
+          <a:ext cx="0" cy="0"/>
+          <a:chOff x="0" y="0"/>
+          <a:chExt cx="0" cy="0"/>
+        </a:xfrm>
+      </p:grpSpPr>
+      <p:sp>
+        <p:nvSpPr>
+          <p:cNvPr id="2" name="슬라이드 이미지 개체 틀 1"/>
+          <p:cNvSpPr>
+            <a:spLocks noGrp="1" noRot="1" noChangeAspect="1"/>
+          </p:cNvSpPr>
+          <p:nvPr>
+            <p:ph type="sldImg"/>
+          </p:nvPr>
+        </p:nvSpPr>
+        <p:spPr/>
+      </p:sp>
+      <p:sp>
+        <p:nvSpPr>
+          <p:cNvPr id="3" name="슬라이드 노트 개체 틀 2"/>
+          <p:cNvSpPr>
+            <a:spLocks noGrp="1"/>
+          </p:cNvSpPr>
+          <p:nvPr>
+            <p:ph type="body" idx="1"/>
+          </p:nvPr>
+        </p:nvSpPr>
+        <p:spPr/>
+        <p:txBody>
+          <a:bodyPr/>
+          <a:lstStyle/>
+          <a:p>
+            <a:r>
+              <a:rPr lang="ko-KR" altLang="en-US" dirty="0" smtClean="0"/>
+              <a:t>제가 드리고 싶은 </a:t>
+            </a:r>
+            <a:r>
+              <a:rPr lang="ko-KR" altLang="en-US" dirty="0" smtClean="0"/>
+              <a:t>말씀이 있습니다</a:t>
+            </a:r>
+            <a:r>
+              <a:rPr lang="en-US" altLang="ko-KR" dirty="0" smtClean="0"/>
+              <a:t>. </a:t>
+            </a:r>
+            <a:r>
+              <a:rPr lang="ko-KR" altLang="en-US" dirty="0" smtClean="0"/>
+              <a:t>저는 이번 발표를</a:t>
+            </a:r>
+            <a:r>
+              <a:rPr lang="ko-KR" altLang="en-US" baseline="0" dirty="0" smtClean="0"/>
+              <a:t> 못하는</a:t>
+            </a:r>
+            <a:r>
+              <a:rPr lang="ko-KR" altLang="en-US" dirty="0" smtClean="0"/>
+              <a:t> 줄 알았습니다</a:t>
+            </a:r>
+            <a:r>
+              <a:rPr lang="en-US" altLang="ko-KR" dirty="0" smtClean="0"/>
+              <a:t>.</a:t>
+            </a:r>
+          </a:p>
+          <a:p>
+            <a:r>
+              <a:rPr lang="ko-KR" altLang="en-US" dirty="0" smtClean="0"/>
+              <a:t>제가 과거에 핵을 판매했던 적이 있다는 이유에서입니다</a:t>
+            </a:r>
+            <a:r>
+              <a:rPr lang="en-US" altLang="ko-KR" dirty="0" smtClean="0"/>
+              <a:t>. </a:t>
+            </a:r>
+            <a:r>
+              <a:rPr lang="ko-KR" altLang="en-US" dirty="0" smtClean="0"/>
+              <a:t> </a:t>
+            </a:r>
+            <a:endParaRPr lang="en-US" altLang="ko-KR" dirty="0" smtClean="0"/>
+          </a:p>
+          <a:p>
+            <a:endParaRPr lang="en-US" altLang="ko-KR" dirty="0" smtClean="0"/>
+          </a:p>
+          <a:p>
+            <a:r>
+              <a:rPr lang="ko-KR" altLang="en-US" dirty="0" smtClean="0"/>
+              <a:t>실제로 월에 </a:t>
+            </a:r>
+            <a:r>
+              <a:rPr lang="en-US" altLang="ko-KR" dirty="0" smtClean="0"/>
+              <a:t>3</a:t>
+            </a:r>
+            <a:r>
+              <a:rPr lang="ko-KR" altLang="en-US" dirty="0" smtClean="0"/>
+              <a:t>만원씩 </a:t>
+            </a:r>
+            <a:r>
+              <a:rPr lang="en-US" altLang="ko-KR" dirty="0" smtClean="0"/>
+              <a:t>5</a:t>
+            </a:r>
+            <a:r>
+              <a:rPr lang="ko-KR" altLang="en-US" dirty="0" smtClean="0"/>
+              <a:t>명 정도에게 판매했던 적이 있습니다</a:t>
+            </a:r>
+            <a:r>
+              <a:rPr lang="en-US" altLang="ko-KR" smtClean="0"/>
+              <a:t>. </a:t>
+            </a:r>
+            <a:endParaRPr lang="en-US" altLang="ko-KR" dirty="0" smtClean="0"/>
+          </a:p>
+          <a:p>
+            <a:r>
+              <a:rPr lang="ko-KR" altLang="en-US" dirty="0" smtClean="0"/>
+              <a:t>하지만 </a:t>
+            </a:r>
+            <a:r>
+              <a:rPr lang="en-US" altLang="ko-KR" dirty="0" smtClean="0"/>
+              <a:t>2017</a:t>
+            </a:r>
+            <a:r>
+              <a:rPr lang="ko-KR" altLang="en-US" dirty="0" smtClean="0"/>
+              <a:t>년 초 게임</a:t>
+            </a:r>
+            <a:r>
+              <a:rPr lang="ko-KR" altLang="en-US" baseline="0" dirty="0" smtClean="0"/>
+              <a:t>사의 문의 게시판을 통해 관련된 자료를 모두 전달하였고</a:t>
+            </a:r>
+            <a:r>
+              <a:rPr lang="en-US" altLang="ko-KR" baseline="0" dirty="0" smtClean="0"/>
+              <a:t>, </a:t>
+            </a:r>
+          </a:p>
+          <a:p>
+            <a:r>
+              <a:rPr lang="ko-KR" altLang="en-US" baseline="0" dirty="0" smtClean="0"/>
+              <a:t>현재는 하고 있지 않습니다</a:t>
+            </a:r>
+            <a:r>
+              <a:rPr lang="en-US" altLang="ko-KR" baseline="0" dirty="0" smtClean="0"/>
+              <a:t>. </a:t>
+            </a:r>
+          </a:p>
+          <a:p>
+            <a:r>
+              <a:rPr lang="ko-KR" altLang="en-US" dirty="0" smtClean="0"/>
+              <a:t>보안을 위해 애쓰시는 여러분께 죄송합니다</a:t>
+            </a:r>
+            <a:r>
+              <a:rPr lang="en-US" altLang="ko-KR" dirty="0" smtClean="0"/>
+              <a:t>.</a:t>
+            </a:r>
+          </a:p>
+          <a:p>
+            <a:endParaRPr lang="en-US" altLang="ko-KR" baseline="0" dirty="0" smtClean="0"/>
+          </a:p>
+          <a:p>
+            <a:pPr marL="0" marR="0" indent="0" algn="l" defTabSz="914400" rtl="0" eaLnBrk="1" fontAlgn="auto" latinLnBrk="1" hangingPunct="1">
+              <a:lnSpc>
+                <a:spcPct val="100000"/>
+              </a:lnSpc>
+              <a:spcBef>
+                <a:spcPts val="0"/>
+              </a:spcBef>
+              <a:spcAft>
+                <a:spcPts val="0"/>
+              </a:spcAft>
+              <a:buClrTx/>
+              <a:buSzTx/>
+              <a:buFontTx/>
+              <a:buNone/>
+              <a:tabLst/>
+              <a:defRPr/>
+            </a:pPr>
+            <a:r>
+              <a:rPr lang="ko-KR" altLang="en-US" baseline="0" dirty="0" smtClean="0"/>
+              <a:t>그럼에도 제가 알고 있는 것들을 조금이나마 나누고 싶어 이렇게 발표를 하였습니다</a:t>
+            </a:r>
+            <a:r>
+              <a:rPr lang="en-US" altLang="ko-KR" baseline="0" dirty="0" smtClean="0"/>
+              <a:t>. </a:t>
+            </a:r>
+            <a:r>
+              <a:rPr lang="ko-KR" altLang="en-US" baseline="0" dirty="0" smtClean="0"/>
+              <a:t>감사합니다</a:t>
+            </a:r>
+            <a:r>
+              <a:rPr lang="en-US" altLang="ko-KR" baseline="0" dirty="0" smtClean="0"/>
+              <a:t>.</a:t>
+            </a:r>
+          </a:p>
+          <a:p>
+            <a:endParaRPr lang="ko-KR" altLang="en-US" dirty="0"/>
+          </a:p>
+        </p:txBody>
+      </p:sp>
+      <p:sp>
+        <p:nvSpPr>
+          <p:cNvPr id="4" name="슬라이드 번호 개체 틀 3"/>
+          <p:cNvSpPr>
+            <a:spLocks noGrp="1"/>
+          </p:cNvSpPr>
+          <p:nvPr>
+            <p:ph type="sldNum" sz="quarter" idx="10"/>
+          </p:nvPr>
+        </p:nvSpPr>
+        <p:spPr/>
+        <p:txBody>
+          <a:bodyPr/>
+          <a:lstStyle/>
+          <a:p>
+            <a:fld id="{DCB4F9C5-ACDA-4CB2-BFCB-6D8E346EEAA7}" type="slidenum">
+              <a:rPr lang="ko-KR" altLang="en-US" smtClean="0"/>
+              <a:pPr/>
+              <a:t>15</a:t>
+            </a:fld>
+            <a:endParaRPr lang="ko-KR" altLang="en-US"/>
+          </a:p>
+        </p:txBody>
+      </p:sp>
+    </p:spTree>
+    <p:extLst>
+      <p:ext uri="{BB962C8B-B14F-4D97-AF65-F5344CB8AC3E}">
+        <p14:creationId xmlns:p14="http://schemas.microsoft.com/office/powerpoint/2010/main" val="2095587770"/>
+      </p:ext>
+    </p:extLst>
+  </p:cSld>
+  <p:clrMapOvr>
+    <a:masterClrMapping/>
+  </p:clrMapOvr>
+</p:notes>
+</file>
+
+<file path=ppt/notesSlides/notesSlide15.xml><?xml version="1.0" encoding="utf-8"?>
+<p:notes xmlns:a="http://schemas.openxmlformats.org/drawingml/2006/main" xmlns:r="http://schemas.openxmlformats.org/officeDocument/2006/relationships" xmlns:p="http://schemas.openxmlformats.org/presentationml/2006/main">
+  <p:cSld>
+    <p:spTree>
+      <p:nvGrpSpPr>
+        <p:cNvPr id="1" name=""/>
+        <p:cNvGrpSpPr/>
+        <p:nvPr/>
+      </p:nvGrpSpPr>
+      <p:grpSpPr>
+        <a:xfrm>
+          <a:off x="0" y="0"/>
+          <a:ext cx="0" cy="0"/>
+          <a:chOff x="0" y="0"/>
+          <a:chExt cx="0" cy="0"/>
+        </a:xfrm>
+      </p:grpSpPr>
+      <p:sp>
+        <p:nvSpPr>
+          <p:cNvPr id="2" name="슬라이드 이미지 개체 틀 1"/>
+          <p:cNvSpPr>
+            <a:spLocks noGrp="1" noRot="1" noChangeAspect="1"/>
+          </p:cNvSpPr>
+          <p:nvPr>
+            <p:ph type="sldImg"/>
+          </p:nvPr>
+        </p:nvSpPr>
+        <p:spPr/>
+      </p:sp>
+      <p:sp>
+        <p:nvSpPr>
+          <p:cNvPr id="3" name="슬라이드 노트 개체 틀 2"/>
+          <p:cNvSpPr>
+            <a:spLocks noGrp="1"/>
+          </p:cNvSpPr>
+          <p:nvPr>
+            <p:ph type="body" idx="1"/>
+          </p:nvPr>
+        </p:nvSpPr>
+        <p:spPr/>
+        <p:txBody>
+          <a:bodyPr/>
+          <a:lstStyle/>
+          <a:p>
+            <a:r>
+              <a:rPr lang="ko-KR" altLang="en-US" dirty="0" smtClean="0"/>
+              <a:t>혹시 궁금하셨던 부분이 있으시면 질문해주세요</a:t>
+            </a:r>
+            <a:r>
+              <a:rPr lang="en-US" altLang="ko-KR" dirty="0" smtClean="0"/>
+              <a:t>. </a:t>
+            </a:r>
+            <a:r>
+              <a:rPr lang="ko-KR" altLang="en-US" baseline="0" dirty="0" smtClean="0"/>
+              <a:t> 그리고 지금이 아니더라도</a:t>
+            </a:r>
+            <a:r>
+              <a:rPr lang="en-US" altLang="ko-KR" baseline="0" dirty="0" smtClean="0"/>
+              <a:t>, </a:t>
+            </a:r>
+            <a:r>
+              <a:rPr lang="ko-KR" altLang="en-US" baseline="0" dirty="0" smtClean="0"/>
+              <a:t>개인적으로 이메일을 주셔도 답변 가능합니다</a:t>
+            </a:r>
+            <a:r>
+              <a:rPr lang="en-US" altLang="ko-KR" baseline="0" dirty="0" smtClean="0"/>
+              <a:t>.</a:t>
+            </a:r>
+          </a:p>
+          <a:p>
+            <a:endParaRPr lang="ko-KR" altLang="en-US" dirty="0"/>
+          </a:p>
+        </p:txBody>
+      </p:sp>
+      <p:sp>
+        <p:nvSpPr>
+          <p:cNvPr id="4" name="슬라이드 번호 개체 틀 3"/>
+          <p:cNvSpPr>
+            <a:spLocks noGrp="1"/>
+          </p:cNvSpPr>
+          <p:nvPr>
+            <p:ph type="sldNum" sz="quarter" idx="10"/>
+          </p:nvPr>
+        </p:nvSpPr>
+        <p:spPr/>
+        <p:txBody>
+          <a:bodyPr/>
+          <a:lstStyle/>
+          <a:p>
+            <a:fld id="{DCB4F9C5-ACDA-4CB2-BFCB-6D8E346EEAA7}" type="slidenum">
+              <a:rPr lang="ko-KR" altLang="en-US" smtClean="0"/>
+              <a:pPr/>
+              <a:t>16</a:t>
+            </a:fld>
+            <a:endParaRPr lang="ko-KR" altLang="en-US"/>
+          </a:p>
+        </p:txBody>
+      </p:sp>
+    </p:spTree>
+    <p:extLst>
+      <p:ext uri="{BB962C8B-B14F-4D97-AF65-F5344CB8AC3E}">
+        <p14:creationId xmlns:p14="http://schemas.microsoft.com/office/powerpoint/2010/main" val="2095587770"/>
       </p:ext>
     </p:extLst>
   </p:cSld>
@@ -700,25 +1917,22 @@
           <a:lstStyle/>
           <a:p>
             <a:r>
-              <a:rPr lang="ko-KR" altLang="en-US" dirty="0" err="1" smtClean="0"/>
-              <a:t>게임핵이란</a:t>
-            </a:r>
-            <a:r>
-              <a:rPr lang="ko-KR" altLang="en-US" baseline="0" dirty="0" smtClean="0"/>
-              <a:t> 말은 게임을 즐기며 </a:t>
-            </a:r>
-            <a:r>
-              <a:rPr lang="ko-KR" altLang="en-US" baseline="0" dirty="0" err="1" smtClean="0"/>
-              <a:t>플레이하는</a:t>
-            </a:r>
-            <a:r>
-              <a:rPr lang="ko-KR" altLang="en-US" baseline="0" dirty="0" smtClean="0"/>
-              <a:t> 게이머들에게는 낯선 단어가 아닙니다</a:t>
+              <a:rPr lang="ko-KR" altLang="en-US" dirty="0" smtClean="0"/>
+              <a:t>게임 핵이란</a:t>
+            </a:r>
+            <a:r>
+              <a:rPr lang="ko-KR" altLang="en-US" baseline="0" dirty="0" smtClean="0"/>
+              <a:t> 단어는 게임을 플레이 하는 게이머들에게는 낯설지가 </a:t>
+            </a:r>
+            <a:r>
+              <a:rPr lang="ko-KR" altLang="en-US" baseline="0" dirty="0" smtClean="0"/>
+              <a:t>않은 말입니다</a:t>
             </a:r>
             <a:r>
               <a:rPr lang="en-US" altLang="ko-KR" baseline="0" dirty="0" smtClean="0"/>
               <a:t>.</a:t>
             </a:r>
+            <a:endParaRPr lang="en-US" altLang="ko-KR" baseline="0" dirty="0" smtClean="0"/>
           </a:p>
           <a:p>
             <a:r>
@@ -726,12 +1940,8 @@
               <a:t>하루에도 </a:t>
             </a:r>
             <a:r>
-              <a:rPr lang="ko-KR" altLang="en-US" baseline="0" dirty="0" err="1" smtClean="0"/>
-              <a:t>몇번씩</a:t>
-            </a:r>
-            <a:r>
-              <a:rPr lang="ko-KR" altLang="en-US" baseline="0" dirty="0" smtClean="0"/>
-              <a:t> </a:t>
+              <a:rPr lang="ko-KR" altLang="en-US" baseline="0" dirty="0" smtClean="0"/>
+              <a:t>몇 번씩 </a:t>
             </a:r>
             <a:r>
               <a:rPr lang="en-US" altLang="ko-KR" baseline="0" dirty="0" smtClean="0"/>
@@ -739,15 +1949,7 @@
             </a:r>
             <a:r>
               <a:rPr lang="ko-KR" altLang="en-US" baseline="0" dirty="0" smtClean="0"/>
-              <a:t>아 </a:t>
-            </a:r>
-            <a:r>
-              <a:rPr lang="ko-KR" altLang="en-US" baseline="0" dirty="0" err="1" smtClean="0"/>
-              <a:t>저새끼</a:t>
-            </a:r>
-            <a:r>
-              <a:rPr lang="ko-KR" altLang="en-US" baseline="0" dirty="0" smtClean="0"/>
-              <a:t> 핵이네</a:t>
+              <a:t>아 저 새끼 핵이네</a:t>
             </a:r>
             <a:r>
               <a:rPr lang="en-US" altLang="ko-KR" baseline="0" dirty="0" smtClean="0"/>
@@ -755,17 +1957,93 @@
             </a:r>
             <a:r>
               <a:rPr lang="ko-KR" altLang="en-US" baseline="0" dirty="0" smtClean="0"/>
-              <a:t>라고 공기에게 말을 하는 사람들도 많습니다</a:t>
+              <a:t>라고 </a:t>
+            </a:r>
+            <a:r>
+              <a:rPr lang="ko-KR" altLang="en-US" baseline="0" dirty="0" smtClean="0"/>
+              <a:t> 말을 </a:t>
+            </a:r>
+            <a:r>
+              <a:rPr lang="ko-KR" altLang="en-US" baseline="0" dirty="0" smtClean="0"/>
+              <a:t>하는 </a:t>
+            </a:r>
+            <a:r>
+              <a:rPr lang="ko-KR" altLang="en-US" baseline="0" dirty="0" smtClean="0"/>
+              <a:t>사람들도 심심찮게 많아졌을 </a:t>
+            </a:r>
+            <a:r>
+              <a:rPr lang="ko-KR" altLang="en-US" baseline="0" dirty="0" smtClean="0"/>
+              <a:t>정도로 부정한 방법으로 게임을 즐기는 사람이</a:t>
+            </a:r>
+            <a:endParaRPr lang="en-US" altLang="ko-KR" baseline="0" dirty="0" smtClean="0"/>
+          </a:p>
+          <a:p>
+            <a:r>
+              <a:rPr lang="ko-KR" altLang="en-US" baseline="0" dirty="0" smtClean="0"/>
+              <a:t>많습니다</a:t>
+            </a:r>
+            <a:r>
+              <a:rPr lang="en-US" altLang="ko-KR" baseline="0" dirty="0" smtClean="0"/>
+              <a:t>. </a:t>
+            </a:r>
+            <a:r>
+              <a:rPr lang="ko-KR" altLang="en-US" baseline="0" dirty="0" smtClean="0"/>
+              <a:t>하지만 그  사람은 핵일 수도 있지만 아닐 수 도 있겠죠</a:t>
+            </a:r>
+            <a:r>
+              <a:rPr lang="en-US" altLang="ko-KR" baseline="0" dirty="0" smtClean="0"/>
+              <a:t>. </a:t>
+            </a:r>
+            <a:r>
+              <a:rPr lang="ko-KR" altLang="en-US" baseline="0" dirty="0" smtClean="0"/>
+              <a:t>핵이 많아진 지금</a:t>
+            </a:r>
+            <a:r>
+              <a:rPr lang="en-US" altLang="ko-KR" baseline="0" dirty="0" smtClean="0"/>
+              <a:t>, </a:t>
+            </a:r>
+            <a:r>
+              <a:rPr lang="ko-KR" altLang="en-US" baseline="0" dirty="0" smtClean="0"/>
+              <a:t>일단 의심하고 보는 것 </a:t>
+            </a:r>
+            <a:r>
+              <a:rPr lang="ko-KR" altLang="en-US" baseline="0" dirty="0" err="1" smtClean="0"/>
+              <a:t>같긴합니다</a:t>
             </a:r>
             <a:r>
               <a:rPr lang="en-US" altLang="ko-KR" baseline="0" dirty="0" smtClean="0"/>
               <a:t>.</a:t>
             </a:r>
-          </a:p>
-          <a:p>
-            <a:r>
-              <a:rPr lang="ko-KR" altLang="en-US" baseline="0" dirty="0" smtClean="0"/>
-              <a:t>하지만 그 사람은 핵일 수도 있지만 아닐 수 도 있겠죠</a:t>
+            <a:endParaRPr lang="en-US" altLang="ko-KR" baseline="0" dirty="0" smtClean="0"/>
+          </a:p>
+          <a:p>
+            <a:r>
+              <a:rPr lang="ko-KR" altLang="en-US" baseline="0" dirty="0" smtClean="0"/>
+              <a:t>제가 생각하는 게임 </a:t>
+            </a:r>
+            <a:r>
+              <a:rPr lang="ko-KR" altLang="en-US" baseline="0" dirty="0" smtClean="0"/>
+              <a:t>핵의 </a:t>
+            </a:r>
+            <a:r>
+              <a:rPr lang="ko-KR" altLang="en-US" baseline="0" dirty="0" smtClean="0"/>
+              <a:t>정의는 게임에서 인가하지 않은 방법으로 메모리나 </a:t>
+            </a:r>
+            <a:r>
+              <a:rPr lang="ko-KR" altLang="en-US" baseline="0" dirty="0" err="1" smtClean="0"/>
+              <a:t>패킷을</a:t>
+            </a:r>
+            <a:r>
+              <a:rPr lang="ko-KR" altLang="en-US" baseline="0" dirty="0" smtClean="0"/>
+              <a:t> </a:t>
+            </a:r>
+            <a:r>
+              <a:rPr lang="ko-KR" altLang="en-US" baseline="0" dirty="0" err="1" smtClean="0"/>
+              <a:t>위변조하여</a:t>
+            </a:r>
+            <a:r>
+              <a:rPr lang="ko-KR" altLang="en-US" baseline="0" dirty="0" smtClean="0"/>
+              <a:t> 플레이 하는 행위라고 생각합니다</a:t>
             </a:r>
             <a:r>
               <a:rPr lang="en-US" altLang="ko-KR" baseline="0" dirty="0" smtClean="0"/>
@@ -773,6 +2051,43 @@
             </a:r>
           </a:p>
           <a:p>
+            <a:endParaRPr lang="en-US" altLang="ko-KR" baseline="0" dirty="0" smtClean="0"/>
+          </a:p>
+          <a:p>
+            <a:r>
+              <a:rPr lang="ko-KR" altLang="en-US" baseline="0" dirty="0" smtClean="0"/>
+              <a:t>물론 다른 행위도 해당될 수 있습니다</a:t>
+            </a:r>
+            <a:r>
+              <a:rPr lang="en-US" altLang="ko-KR" baseline="0" dirty="0" smtClean="0"/>
+              <a:t>. </a:t>
+            </a:r>
+            <a:endParaRPr lang="en-US" altLang="ko-KR" baseline="0" dirty="0" smtClean="0"/>
+          </a:p>
+          <a:p>
+            <a:endParaRPr lang="en-US" altLang="ko-KR" dirty="0" smtClean="0"/>
+          </a:p>
+          <a:p>
+            <a:r>
+              <a:rPr lang="ko-KR" altLang="en-US" dirty="0" smtClean="0"/>
+              <a:t>아 </a:t>
+            </a:r>
+            <a:r>
+              <a:rPr lang="ko-KR" altLang="en-US" dirty="0" err="1" smtClean="0"/>
+              <a:t>지뢰찾기는</a:t>
+            </a:r>
+            <a:r>
+              <a:rPr lang="ko-KR" altLang="en-US" dirty="0" smtClean="0"/>
+              <a:t> 온라인 게임이라고 하기에는 </a:t>
+            </a:r>
+            <a:r>
+              <a:rPr lang="ko-KR" altLang="en-US" dirty="0" err="1" smtClean="0"/>
+              <a:t>좀그렇죠</a:t>
+            </a:r>
+            <a:r>
+              <a:rPr lang="en-US" altLang="ko-KR" dirty="0" smtClean="0"/>
+              <a:t>??</a:t>
+            </a:r>
             <a:endParaRPr lang="ko-KR" altLang="en-US" dirty="0"/>
           </a:p>
         </p:txBody>
@@ -860,90 +2175,162 @@
           <a:p>
             <a:r>
               <a:rPr lang="ko-KR" altLang="en-US" dirty="0" smtClean="0"/>
-              <a:t>이렇게 </a:t>
+              <a:t>초기의 </a:t>
             </a:r>
             <a:r>
               <a:rPr lang="ko-KR" altLang="en-US" dirty="0" err="1" smtClean="0"/>
-              <a:t>게임핵이란</a:t>
+              <a:t>게임핵에</a:t>
             </a:r>
             <a:r>
               <a:rPr lang="ko-KR" altLang="en-US" dirty="0" smtClean="0"/>
-              <a:t> 단어가 생소하지 </a:t>
+              <a:t> 대한 문화는 </a:t>
             </a:r>
             <a:r>
               <a:rPr lang="ko-KR" altLang="en-US" dirty="0" err="1" smtClean="0"/>
-              <a:t>않게된것에</a:t>
-            </a:r>
-            <a:r>
-              <a:rPr lang="ko-KR" altLang="en-US" baseline="0" dirty="0" smtClean="0"/>
-              <a:t>  </a:t>
+              <a:t>네이버</a:t>
+            </a:r>
+            <a:r>
+              <a:rPr lang="ko-KR" altLang="en-US" dirty="0" smtClean="0"/>
+              <a:t> 카페와 함께 발전해왔습니다</a:t>
+            </a:r>
+            <a:r>
+              <a:rPr lang="en-US" altLang="ko-KR" dirty="0" smtClean="0"/>
+              <a:t>.</a:t>
             </a:r>
             <a:r>
               <a:rPr lang="en-US" altLang="ko-KR" baseline="0" dirty="0" smtClean="0"/>
-              <a:t>1</a:t>
+              <a:t> </a:t>
+            </a:r>
+            <a:r>
+              <a:rPr lang="ko-KR" altLang="en-US" baseline="0" dirty="0" smtClean="0"/>
+              <a:t>이 때는 </a:t>
+            </a:r>
+            <a:endParaRPr lang="en-US" altLang="ko-KR" baseline="0" dirty="0" smtClean="0"/>
+          </a:p>
+          <a:p>
+            <a:r>
+              <a:rPr lang="ko-KR" altLang="en-US" baseline="0" dirty="0" smtClean="0"/>
+              <a:t>핵을 </a:t>
             </a:r>
             <a:r>
               <a:rPr lang="ko-KR" altLang="en-US" baseline="0" dirty="0" err="1" smtClean="0"/>
-              <a:t>등공신인</a:t>
-            </a:r>
-            <a:r>
-              <a:rPr lang="ko-KR" altLang="en-US" baseline="0" dirty="0" smtClean="0"/>
-              <a:t> 프로그램이 있는데요</a:t>
+              <a:t>많은사람이</a:t>
+            </a:r>
+            <a:r>
+              <a:rPr lang="ko-KR" altLang="en-US" baseline="0" dirty="0" smtClean="0"/>
+              <a:t> </a:t>
+            </a:r>
+            <a:r>
+              <a:rPr lang="ko-KR" altLang="en-US" baseline="0" dirty="0" err="1" smtClean="0"/>
+              <a:t>조건없이</a:t>
+            </a:r>
+            <a:r>
+              <a:rPr lang="ko-KR" altLang="en-US" baseline="0" dirty="0" smtClean="0"/>
+              <a:t> 공유를 했었고</a:t>
+            </a:r>
+            <a:r>
+              <a:rPr lang="en-US" altLang="ko-KR" baseline="0" dirty="0" smtClean="0"/>
+              <a:t>, </a:t>
+            </a:r>
+            <a:r>
+              <a:rPr lang="en-US" altLang="ko-KR" dirty="0" smtClean="0"/>
+              <a:t>2008</a:t>
+            </a:r>
+            <a:r>
+              <a:rPr lang="ko-KR" altLang="en-US" dirty="0" smtClean="0"/>
+              <a:t>년 출시한 </a:t>
+            </a:r>
+            <a:r>
+              <a:rPr lang="en-US" altLang="ko-KR" dirty="0" smtClean="0"/>
+              <a:t>GitHub</a:t>
+            </a:r>
+            <a:r>
+              <a:rPr lang="ko-KR" altLang="en-US" dirty="0" smtClean="0"/>
+              <a:t>보다 </a:t>
+            </a:r>
+            <a:r>
+              <a:rPr lang="ko-KR" altLang="en-US" baseline="0" dirty="0" smtClean="0"/>
+              <a:t>앞선 우리나라의 공유정신을 보여주었습니다</a:t>
+            </a:r>
+            <a:r>
+              <a:rPr lang="en-US" altLang="ko-KR" baseline="0" dirty="0" smtClean="0"/>
+              <a:t>.</a:t>
+            </a:r>
+          </a:p>
+          <a:p>
+            <a:endParaRPr lang="en-US" altLang="ko-KR" dirty="0" smtClean="0"/>
+          </a:p>
+          <a:p>
+            <a:r>
+              <a:rPr lang="ko-KR" altLang="en-US" dirty="0" err="1" smtClean="0"/>
+              <a:t>네이버</a:t>
+            </a:r>
+            <a:r>
+              <a:rPr lang="ko-KR" altLang="en-US" dirty="0" smtClean="0"/>
+              <a:t> 측은 핵 카페에 대한 제제를 지속적으로 했으나</a:t>
+            </a:r>
+            <a:r>
+              <a:rPr lang="en-US" altLang="ko-KR" dirty="0" smtClean="0"/>
+              <a:t>,</a:t>
+            </a:r>
+            <a:r>
+              <a:rPr lang="en-US" altLang="ko-KR" baseline="0" dirty="0" smtClean="0"/>
+              <a:t> </a:t>
+            </a:r>
+            <a:r>
+              <a:rPr lang="ko-KR" altLang="en-US" baseline="0" dirty="0" smtClean="0"/>
+              <a:t>카페는</a:t>
+            </a:r>
+            <a:r>
+              <a:rPr lang="ko-KR" altLang="en-US" dirty="0" smtClean="0"/>
+              <a:t> </a:t>
+            </a:r>
+            <a:r>
+              <a:rPr lang="en-US" altLang="ko-KR" dirty="0" smtClean="0"/>
+              <a:t>URL</a:t>
+            </a:r>
+            <a:r>
+              <a:rPr lang="ko-KR" altLang="en-US" dirty="0" smtClean="0"/>
+              <a:t>만 조금씩 바꾸며 계속해서 생겨났습니다</a:t>
+            </a:r>
+            <a:r>
+              <a:rPr lang="en-US" altLang="ko-KR" dirty="0" smtClean="0"/>
+              <a:t>.</a:t>
+            </a:r>
+          </a:p>
+          <a:p>
+            <a:r>
+              <a:rPr lang="ko-KR" altLang="en-US" baseline="0" dirty="0" smtClean="0"/>
+              <a:t>당시 활성화가 </a:t>
+            </a:r>
+            <a:r>
+              <a:rPr lang="ko-KR" altLang="en-US" baseline="0" dirty="0" err="1" smtClean="0"/>
+              <a:t>잘되있던</a:t>
+            </a:r>
+            <a:r>
+              <a:rPr lang="ko-KR" altLang="en-US" baseline="0" dirty="0" smtClean="0"/>
+              <a:t> 카페가 새로 개설되면 보통 </a:t>
+            </a:r>
+            <a:r>
+              <a:rPr lang="en-US" altLang="ko-KR" baseline="0" dirty="0" smtClean="0"/>
+              <a:t>3</a:t>
+            </a:r>
+            <a:r>
+              <a:rPr lang="ko-KR" altLang="en-US" baseline="0" dirty="0" smtClean="0"/>
+              <a:t>일이면 </a:t>
+            </a:r>
+            <a:r>
+              <a:rPr lang="en-US" altLang="ko-KR" baseline="0" dirty="0" smtClean="0"/>
+              <a:t>4000</a:t>
+            </a:r>
+            <a:r>
+              <a:rPr lang="ko-KR" altLang="en-US" baseline="0" dirty="0" smtClean="0"/>
+              <a:t>명 이상 가입하는 기염을 토하기도 했습니다</a:t>
             </a:r>
             <a:r>
               <a:rPr lang="en-US" altLang="ko-KR" baseline="0" dirty="0" smtClean="0"/>
               <a:t>. </a:t>
             </a:r>
-            <a:r>
-              <a:rPr lang="ko-KR" altLang="en-US" baseline="0" dirty="0" err="1" smtClean="0"/>
-              <a:t>치트엔진입니다</a:t>
-            </a:r>
-            <a:r>
-              <a:rPr lang="en-US" altLang="ko-KR" baseline="0" dirty="0" smtClean="0"/>
-              <a:t>.</a:t>
-            </a:r>
-          </a:p>
-          <a:p>
-            <a:r>
-              <a:rPr lang="ko-KR" altLang="en-US" baseline="0" dirty="0" err="1" smtClean="0"/>
-              <a:t>치트엔진은</a:t>
-            </a:r>
-            <a:r>
-              <a:rPr lang="ko-KR" altLang="en-US" baseline="0" dirty="0" smtClean="0"/>
-              <a:t>  </a:t>
-            </a:r>
-            <a:r>
-              <a:rPr lang="ko-KR" altLang="en-US" baseline="0" err="1" smtClean="0"/>
-              <a:t>치트엔진</a:t>
-            </a:r>
-            <a:r>
-              <a:rPr lang="ko-KR" altLang="en-US" baseline="0" smtClean="0"/>
-              <a:t> 시연ㄱㄱ</a:t>
-            </a:r>
-            <a:endParaRPr lang="en-US" altLang="ko-KR" dirty="0" smtClean="0"/>
-          </a:p>
-          <a:p>
-            <a:r>
-              <a:rPr lang="en-US" altLang="ko-KR" dirty="0" smtClean="0">
-                <a:hlinkClick r:id="rId3"/>
-              </a:rPr>
-              <a:t>https://forum.cheatengine.org/viewforum.php?f=1&amp;topicdays=0&amp;start=14200</a:t>
-            </a:r>
-            <a:endParaRPr lang="en-US" altLang="ko-KR" dirty="0" smtClean="0"/>
-          </a:p>
-          <a:p>
-            <a:r>
-              <a:rPr lang="ko-KR" altLang="en-US" dirty="0" err="1" smtClean="0"/>
-              <a:t>치트엔진</a:t>
-            </a:r>
-            <a:r>
-              <a:rPr lang="ko-KR" altLang="en-US" dirty="0" smtClean="0"/>
-              <a:t> 출시</a:t>
-            </a:r>
-            <a:endParaRPr lang="en-US" altLang="ko-KR" dirty="0" smtClean="0"/>
-          </a:p>
-          <a:p>
-            <a:endParaRPr lang="ko-KR" altLang="en-US" dirty="0"/>
           </a:p>
         </p:txBody>
       </p:sp>
@@ -1030,21 +2417,156 @@
           <a:p>
             <a:r>
               <a:rPr lang="ko-KR" altLang="en-US" dirty="0" smtClean="0"/>
-              <a:t>지금으로부터 </a:t>
+              <a:t>그때 당시에</a:t>
             </a:r>
             <a:r>
               <a:rPr lang="en-US" altLang="ko-KR" dirty="0" smtClean="0"/>
-              <a:t>12</a:t>
+              <a:t>, </a:t>
             </a:r>
             <a:r>
               <a:rPr lang="ko-KR" altLang="en-US" dirty="0" err="1" smtClean="0"/>
-              <a:t>년전</a:t>
+              <a:t>네이버</a:t>
             </a:r>
             <a:r>
               <a:rPr lang="ko-KR" altLang="en-US" dirty="0" smtClean="0"/>
-              <a:t> 거의 우리나라 핵의 시작을 </a:t>
-            </a:r>
-            <a:endParaRPr lang="ko-KR" altLang="en-US" dirty="0"/>
+              <a:t> 카페에서 나누던 자료는 대부분이 </a:t>
+            </a:r>
+            <a:r>
+              <a:rPr lang="en-US" altLang="ko-KR" dirty="0" smtClean="0"/>
+              <a:t>UCE</a:t>
+            </a:r>
+            <a:r>
+              <a:rPr lang="ko-KR" altLang="en-US" dirty="0" smtClean="0"/>
+              <a:t>라 불렀던 </a:t>
+            </a:r>
+            <a:r>
+              <a:rPr lang="ko-KR" altLang="en-US" dirty="0" err="1" smtClean="0"/>
+              <a:t>치트엔진입니다</a:t>
+            </a:r>
+            <a:r>
+              <a:rPr lang="en-US" altLang="ko-KR" dirty="0" smtClean="0"/>
+              <a:t>.</a:t>
+            </a:r>
+          </a:p>
+          <a:p>
+            <a:r>
+              <a:rPr lang="ko-KR" altLang="en-US" dirty="0" err="1" smtClean="0"/>
+              <a:t>치트엔진은</a:t>
+            </a:r>
+            <a:r>
+              <a:rPr lang="ko-KR" altLang="en-US" dirty="0" smtClean="0"/>
+              <a:t> 네덜란드의 한 개발자에 의해 만들어진 </a:t>
+            </a:r>
+            <a:r>
+              <a:rPr lang="ko-KR" altLang="en-US" dirty="0" err="1" smtClean="0"/>
+              <a:t>오픈소스</a:t>
+            </a:r>
+            <a:r>
+              <a:rPr lang="ko-KR" altLang="en-US" dirty="0" smtClean="0"/>
+              <a:t> 프로젝트로</a:t>
+            </a:r>
+            <a:r>
+              <a:rPr lang="en-US" altLang="ko-KR" dirty="0" smtClean="0"/>
+              <a:t>,  </a:t>
+            </a:r>
+            <a:r>
+              <a:rPr lang="ko-KR" altLang="en-US" dirty="0" err="1" smtClean="0"/>
+              <a:t>커널</a:t>
+            </a:r>
+            <a:r>
+              <a:rPr lang="ko-KR" altLang="en-US" dirty="0" smtClean="0"/>
+              <a:t> 드라이버</a:t>
+            </a:r>
+            <a:r>
+              <a:rPr lang="en-US" altLang="ko-KR" dirty="0" smtClean="0"/>
+              <a:t>,</a:t>
+            </a:r>
+            <a:r>
+              <a:rPr lang="en-US" altLang="ko-KR" baseline="0" dirty="0" smtClean="0"/>
+              <a:t> DLL , EXE </a:t>
+            </a:r>
+            <a:r>
+              <a:rPr lang="ko-KR" altLang="en-US" baseline="0" dirty="0" smtClean="0"/>
+              <a:t>파일로 구성되어 있었습니다</a:t>
+            </a:r>
+            <a:r>
+              <a:rPr lang="en-US" altLang="ko-KR" baseline="0" dirty="0" smtClean="0"/>
+              <a:t>.</a:t>
+            </a:r>
+          </a:p>
+          <a:p>
+            <a:r>
+              <a:rPr lang="ko-KR" altLang="en-US" dirty="0" err="1" smtClean="0"/>
+              <a:t>치트엔진은</a:t>
+            </a:r>
+            <a:r>
+              <a:rPr lang="ko-KR" altLang="en-US" dirty="0" smtClean="0"/>
+              <a:t> </a:t>
+            </a:r>
+            <a:r>
+              <a:rPr lang="ko-KR" altLang="en-US" dirty="0" err="1" smtClean="0"/>
+              <a:t>여러가지</a:t>
+            </a:r>
+            <a:r>
+              <a:rPr lang="ko-KR" altLang="en-US" dirty="0" smtClean="0"/>
+              <a:t> 용도로 사용할 수 있지만 주 목적은 프로세스의 메모리 </a:t>
+            </a:r>
+            <a:r>
+              <a:rPr lang="ko-KR" altLang="en-US" dirty="0" err="1" smtClean="0"/>
+              <a:t>조작일것입니다</a:t>
+            </a:r>
+            <a:r>
+              <a:rPr lang="en-US" altLang="ko-KR" dirty="0" smtClean="0"/>
+              <a:t>.  </a:t>
+            </a:r>
+            <a:r>
+              <a:rPr lang="ko-KR" altLang="en-US" dirty="0" smtClean="0"/>
+              <a:t>한번 사용하는 모습만 보여드리도록 하겠습니다</a:t>
+            </a:r>
+            <a:r>
+              <a:rPr lang="en-US" altLang="ko-KR" dirty="0" smtClean="0"/>
+              <a:t>.</a:t>
+            </a:r>
+            <a:r>
+              <a:rPr lang="ko-KR" altLang="en-US" dirty="0" smtClean="0"/>
+              <a:t> </a:t>
+            </a:r>
+            <a:endParaRPr lang="en-US" altLang="ko-KR" dirty="0" smtClean="0"/>
+          </a:p>
+          <a:p>
+            <a:endParaRPr lang="en-US" altLang="ko-KR" baseline="0" dirty="0" smtClean="0"/>
+          </a:p>
+          <a:p>
+            <a:r>
+              <a:rPr lang="ko-KR" altLang="en-US" baseline="0" dirty="0" err="1" smtClean="0"/>
+              <a:t>치트엔진은</a:t>
+            </a:r>
+            <a:r>
+              <a:rPr lang="ko-KR" altLang="en-US" baseline="0" dirty="0" smtClean="0"/>
+              <a:t>  </a:t>
+            </a:r>
+            <a:r>
+              <a:rPr lang="ko-KR" altLang="en-US" baseline="0" dirty="0" err="1" smtClean="0"/>
+              <a:t>치트엔진</a:t>
+            </a:r>
+            <a:r>
+              <a:rPr lang="ko-KR" altLang="en-US" baseline="0" dirty="0" smtClean="0"/>
+              <a:t> </a:t>
+            </a:r>
+            <a:r>
+              <a:rPr lang="ko-KR" altLang="en-US" baseline="0" dirty="0" err="1" smtClean="0"/>
+              <a:t>시연ㄱㄱ</a:t>
+            </a:r>
+            <a:endParaRPr lang="en-US" altLang="ko-KR" dirty="0" smtClean="0"/>
+          </a:p>
+          <a:p>
+            <a:r>
+              <a:rPr lang="en-US" altLang="ko-KR" dirty="0" smtClean="0">
+                <a:hlinkClick r:id="rId3"/>
+              </a:rPr>
+              <a:t>https://forum.cheatengine.org/viewforum.php?f=1&amp;topicdays=0&amp;start=14200</a:t>
+            </a:r>
+            <a:endParaRPr lang="en-US" altLang="ko-KR" dirty="0" smtClean="0"/>
           </a:p>
         </p:txBody>
       </p:sp>
@@ -1183,43 +2705,101 @@
             </a:r>
             <a:r>
               <a:rPr lang="ko-KR" altLang="en-US" baseline="0" dirty="0" smtClean="0"/>
-              <a:t>뭔가 비슷하죠</a:t>
-            </a:r>
-            <a:r>
-              <a:rPr lang="en-US" altLang="ko-KR" baseline="0" dirty="0" smtClean="0"/>
-              <a:t>?</a:t>
-            </a:r>
-          </a:p>
-          <a:p>
-            <a:r>
-              <a:rPr lang="ko-KR" altLang="en-US" baseline="0" dirty="0" smtClean="0"/>
-              <a:t>실제로 </a:t>
+              <a:t>뭔가 </a:t>
             </a:r>
             <a:r>
               <a:rPr lang="ko-KR" altLang="en-US" baseline="0" dirty="0" err="1" smtClean="0"/>
-              <a:t>게임핵을</a:t>
-            </a:r>
-            <a:r>
-              <a:rPr lang="ko-KR" altLang="en-US" baseline="0" dirty="0" smtClean="0"/>
-              <a:t> 위해 </a:t>
-            </a:r>
-            <a:r>
-              <a:rPr lang="ko-KR" altLang="en-US" baseline="0" dirty="0" err="1" smtClean="0"/>
-              <a:t>리버싱에</a:t>
-            </a:r>
-            <a:r>
-              <a:rPr lang="ko-KR" altLang="en-US" baseline="0" dirty="0" smtClean="0"/>
-              <a:t> 대해 궁금해하는 사람들이 </a:t>
-            </a:r>
-            <a:r>
-              <a:rPr lang="ko-KR" altLang="en-US" baseline="0" dirty="0" err="1" smtClean="0"/>
-              <a:t>많은것같습니다</a:t>
+              <a:t>비슷한듯</a:t>
+            </a:r>
+            <a:r>
+              <a:rPr lang="ko-KR" altLang="en-US" baseline="0" dirty="0" smtClean="0"/>
+              <a:t> 합니다</a:t>
             </a:r>
             <a:r>
               <a:rPr lang="en-US" altLang="ko-KR" baseline="0" dirty="0" smtClean="0"/>
               <a:t>.</a:t>
             </a:r>
-            <a:endParaRPr lang="ko-KR" altLang="en-US" dirty="0"/>
+          </a:p>
+          <a:p>
+            <a:r>
+              <a:rPr lang="ko-KR" altLang="en-US" baseline="0" dirty="0" smtClean="0"/>
+              <a:t>제 생각에도 </a:t>
+            </a:r>
+            <a:r>
+              <a:rPr lang="ko-KR" altLang="en-US" baseline="0" dirty="0" err="1" smtClean="0"/>
+              <a:t>리버싱과</a:t>
+            </a:r>
+            <a:r>
+              <a:rPr lang="ko-KR" altLang="en-US" baseline="0" dirty="0" smtClean="0"/>
+              <a:t> </a:t>
+            </a:r>
+            <a:r>
+              <a:rPr lang="ko-KR" altLang="en-US" baseline="0" dirty="0" err="1" smtClean="0"/>
+              <a:t>게임핵은</a:t>
+            </a:r>
+            <a:r>
+              <a:rPr lang="ko-KR" altLang="en-US" baseline="0" dirty="0" smtClean="0"/>
+              <a:t> 가까운 관계에 있습니다</a:t>
+            </a:r>
+            <a:r>
+              <a:rPr lang="en-US" altLang="ko-KR" baseline="0" dirty="0" smtClean="0"/>
+              <a:t>. </a:t>
+            </a:r>
+            <a:r>
+              <a:rPr lang="ko-KR" altLang="en-US" baseline="0" dirty="0" smtClean="0"/>
+              <a:t>게임의 구조를 분석해야 그 게임을 주무를 수 있으니까요</a:t>
+            </a:r>
+            <a:r>
+              <a:rPr lang="en-US" altLang="ko-KR" baseline="0" dirty="0" smtClean="0"/>
+              <a:t>.</a:t>
+            </a:r>
+          </a:p>
+          <a:p>
+            <a:endParaRPr lang="en-US" altLang="ko-KR" baseline="0" dirty="0" smtClean="0"/>
+          </a:p>
+          <a:p>
+            <a:r>
+              <a:rPr lang="ko-KR" altLang="en-US" baseline="0" dirty="0" smtClean="0"/>
+              <a:t>최근에 다시 </a:t>
+            </a:r>
+            <a:r>
+              <a:rPr lang="ko-KR" altLang="en-US" baseline="0" dirty="0" err="1" smtClean="0"/>
+              <a:t>트렌드</a:t>
+            </a:r>
+            <a:r>
+              <a:rPr lang="ko-KR" altLang="en-US" baseline="0" dirty="0" smtClean="0"/>
+              <a:t> 검색을 이용해봤는데 전체적으로 해당 키워드에 대한 </a:t>
+            </a:r>
+            <a:r>
+              <a:rPr lang="ko-KR" altLang="en-US" baseline="0" dirty="0" err="1" smtClean="0"/>
+              <a:t>검색률은</a:t>
+            </a:r>
+            <a:r>
+              <a:rPr lang="ko-KR" altLang="en-US" baseline="0" dirty="0" smtClean="0"/>
+              <a:t> 감소한 모습을 확인할 수 있었습니다</a:t>
+            </a:r>
+            <a:r>
+              <a:rPr lang="en-US" altLang="ko-KR" baseline="0" dirty="0" smtClean="0"/>
+              <a:t>.</a:t>
+            </a:r>
+          </a:p>
+          <a:p>
+            <a:r>
+              <a:rPr lang="ko-KR" altLang="en-US" baseline="0" dirty="0" smtClean="0"/>
+              <a:t>더 이상 조건 없는 공유 정신을 찾아 볼 수 없기에 나타난 결과로 보입니다</a:t>
+            </a:r>
+            <a:r>
+              <a:rPr lang="en-US" altLang="ko-KR" baseline="0" dirty="0" smtClean="0"/>
+              <a:t>.</a:t>
+            </a:r>
+            <a:r>
+              <a:rPr lang="ko-KR" altLang="en-US" baseline="0" dirty="0" smtClean="0"/>
+              <a:t> </a:t>
+            </a:r>
+            <a:endParaRPr lang="en-US" altLang="ko-KR" baseline="0" dirty="0" smtClean="0"/>
+          </a:p>
+          <a:p>
+            <a:endParaRPr lang="en-US" altLang="ko-KR" baseline="0" dirty="0" smtClean="0"/>
           </a:p>
         </p:txBody>
       </p:sp>
@@ -1306,47 +2886,114 @@
           <a:p>
             <a:r>
               <a:rPr lang="ko-KR" altLang="en-US" dirty="0" err="1" smtClean="0"/>
-              <a:t>후킹은</a:t>
+              <a:t>치트엔진의</a:t>
             </a:r>
             <a:r>
               <a:rPr lang="ko-KR" altLang="en-US" dirty="0" smtClean="0"/>
-              <a:t> 뒤에서 다룰 </a:t>
+              <a:t> 제제가 심해지고</a:t>
+            </a:r>
+            <a:r>
+              <a:rPr lang="en-US" altLang="ko-KR" dirty="0" smtClean="0"/>
+              <a:t>,</a:t>
+            </a:r>
+            <a:r>
+              <a:rPr lang="en-US" altLang="ko-KR" baseline="0" dirty="0" smtClean="0"/>
+              <a:t> </a:t>
+            </a:r>
+            <a:r>
+              <a:rPr lang="ko-KR" altLang="en-US" baseline="0" dirty="0" smtClean="0"/>
+              <a:t>개발 속도에 비해 보안솔루션에서 대응하는 속도가 빨라지자 등장한 기법이 </a:t>
+            </a:r>
+            <a:r>
+              <a:rPr lang="en-US" altLang="ko-KR" baseline="0" dirty="0" smtClean="0"/>
+              <a:t>DLL Injection</a:t>
+            </a:r>
+            <a:r>
+              <a:rPr lang="ko-KR" altLang="en-US" baseline="0" dirty="0" smtClean="0"/>
+              <a:t>입니다</a:t>
+            </a:r>
+            <a:r>
+              <a:rPr lang="en-US" altLang="ko-KR" baseline="0" dirty="0" smtClean="0"/>
+              <a:t>. </a:t>
+            </a:r>
+          </a:p>
+          <a:p>
+            <a:r>
+              <a:rPr lang="en-US" altLang="ko-KR" baseline="0" dirty="0" smtClean="0"/>
+              <a:t>DLL</a:t>
+            </a:r>
+            <a:r>
+              <a:rPr lang="ko-KR" altLang="en-US" baseline="0" dirty="0" smtClean="0"/>
+              <a:t>은 게임 프로세스 내부에서 동작해 외부 프로세스 탐지만을 위해 만들어진 보안솔루션이 빠른 대응을 하지 못해 문제가 </a:t>
+            </a:r>
+            <a:r>
+              <a:rPr lang="ko-KR" altLang="en-US" baseline="0" dirty="0" err="1" smtClean="0"/>
+              <a:t>됬었습니다</a:t>
+            </a:r>
+            <a:r>
+              <a:rPr lang="en-US" altLang="ko-KR" baseline="0" dirty="0" smtClean="0"/>
+              <a:t>.</a:t>
+            </a:r>
+          </a:p>
+          <a:p>
+            <a:r>
+              <a:rPr lang="en-US" altLang="ko-KR" dirty="0" smtClean="0"/>
+              <a:t>DLL</a:t>
+            </a:r>
+            <a:r>
+              <a:rPr lang="ko-KR" altLang="en-US" dirty="0" smtClean="0"/>
+              <a:t>은 </a:t>
             </a:r>
             <a:r>
               <a:rPr lang="ko-KR" altLang="en-US" dirty="0" err="1" smtClean="0"/>
-              <a:t>패킷과</a:t>
+              <a:t>여러가지</a:t>
             </a:r>
             <a:r>
               <a:rPr lang="ko-KR" altLang="en-US" dirty="0" smtClean="0"/>
-              <a:t> </a:t>
+              <a:t> 방법으로 많이 이용이 </a:t>
             </a:r>
             <a:r>
               <a:rPr lang="ko-KR" altLang="en-US" dirty="0" err="1" smtClean="0"/>
-              <a:t>관련있기도합니다</a:t>
+              <a:t>됬었습니다</a:t>
             </a:r>
             <a:r>
               <a:rPr lang="en-US" altLang="ko-KR" dirty="0" smtClean="0"/>
               <a:t>. </a:t>
             </a:r>
             <a:r>
+              <a:rPr lang="ko-KR" altLang="en-US" dirty="0" smtClean="0"/>
+              <a:t>예를 들어 메모리 스캔기능을 만들어 프로세스 내부에서 메모리를 </a:t>
+            </a:r>
+            <a:r>
               <a:rPr lang="ko-KR" altLang="en-US" dirty="0" err="1" smtClean="0"/>
-              <a:t>후킹을</a:t>
+              <a:t>조작한다던지</a:t>
+            </a:r>
+            <a:r>
+              <a:rPr lang="en-US" altLang="ko-KR" dirty="0" smtClean="0"/>
+              <a:t>, </a:t>
+            </a:r>
+            <a:r>
+              <a:rPr lang="ko-KR" altLang="en-US" dirty="0" err="1" smtClean="0"/>
+              <a:t>뒷</a:t>
             </a:r>
             <a:r>
               <a:rPr lang="ko-KR" altLang="en-US" dirty="0" smtClean="0"/>
-              <a:t> 이용하면 </a:t>
+              <a:t> 페이지에서 다룰 </a:t>
             </a:r>
             <a:r>
               <a:rPr lang="ko-KR" altLang="en-US" dirty="0" err="1" smtClean="0"/>
-              <a:t>못할것이</a:t>
+              <a:t>후킹과</a:t>
             </a:r>
             <a:r>
               <a:rPr lang="ko-KR" altLang="en-US" dirty="0" smtClean="0"/>
-              <a:t> 없다고 </a:t>
-            </a:r>
-            <a:r>
-              <a:rPr lang="ko-KR" altLang="en-US" dirty="0" err="1" smtClean="0"/>
-              <a:t>생각도되는데요</a:t>
+              <a:t> 같은</a:t>
+            </a:r>
+            <a:endParaRPr lang="en-US" altLang="ko-KR" dirty="0" smtClean="0"/>
+          </a:p>
+          <a:p>
+            <a:r>
+              <a:rPr lang="ko-KR" altLang="en-US" dirty="0" smtClean="0"/>
+              <a:t>동작을 했죠</a:t>
             </a:r>
             <a:r>
               <a:rPr lang="en-US" altLang="ko-KR" dirty="0" smtClean="0"/>
@@ -1355,38 +3002,6 @@
           </a:p>
           <a:p>
             <a:endParaRPr lang="en-US" altLang="ko-KR" dirty="0" smtClean="0"/>
-          </a:p>
-          <a:p>
-            <a:endParaRPr lang="en-US" altLang="ko-KR" dirty="0" smtClean="0"/>
-          </a:p>
-          <a:p>
-            <a:pPr marL="0" marR="0" indent="0" algn="l" defTabSz="914400" rtl="0" eaLnBrk="1" fontAlgn="auto" latinLnBrk="1" hangingPunct="1">
-              <a:lnSpc>
-                <a:spcPct val="100000"/>
-              </a:lnSpc>
-              <a:spcBef>
-                <a:spcPts val="0"/>
-              </a:spcBef>
-              <a:spcAft>
-                <a:spcPts val="0"/>
-              </a:spcAft>
-              <a:buClrTx/>
-              <a:buSzTx/>
-              <a:buFontTx/>
-              <a:buNone/>
-              <a:tabLst/>
-              <a:defRPr/>
-            </a:pPr>
-            <a:r>
-              <a:rPr lang="en-US" altLang="ko-KR" dirty="0" smtClean="0">
-                <a:hlinkClick r:id="rId3"/>
-              </a:rPr>
-              <a:t>https://www.youtube.com/watch?v=mzyJ3giegYg&amp;t=157s</a:t>
-            </a:r>
-            <a:endParaRPr lang="en-US" altLang="ko-KR" dirty="0" smtClean="0"/>
-          </a:p>
-          <a:p>
-            <a:endParaRPr lang="ko-KR" altLang="en-US" dirty="0"/>
           </a:p>
         </p:txBody>
       </p:sp>
@@ -1408,7 +3023,7 @@
             <a:fld id="{DCB4F9C5-ACDA-4CB2-BFCB-6D8E346EEAA7}" type="slidenum">
               <a:rPr lang="ko-KR" altLang="en-US" smtClean="0"/>
               <a:pPr/>
-              <a:t>8</a:t>
+              <a:t>6</a:t>
             </a:fld>
             <a:endParaRPr lang="ko-KR" altLang="en-US"/>
           </a:p>
@@ -1417,7 +3032,7 @@
     </p:spTree>
     <p:extLst>
       <p:ext uri="{BB962C8B-B14F-4D97-AF65-F5344CB8AC3E}">
-        <p14:creationId xmlns:p14="http://schemas.microsoft.com/office/powerpoint/2010/main" val="3578924401"/>
+        <p14:creationId xmlns:p14="http://schemas.microsoft.com/office/powerpoint/2010/main" val="1888962411"/>
       </p:ext>
     </p:extLst>
   </p:cSld>
@@ -1471,27 +3086,227 @@
           <a:bodyPr/>
           <a:lstStyle/>
           <a:p>
+            <a:pPr marL="0" marR="0" indent="0" algn="l" defTabSz="914400" rtl="0" eaLnBrk="1" fontAlgn="auto" latinLnBrk="1" hangingPunct="1">
+              <a:lnSpc>
+                <a:spcPct val="100000"/>
+              </a:lnSpc>
+              <a:spcBef>
+                <a:spcPts val="0"/>
+              </a:spcBef>
+              <a:spcAft>
+                <a:spcPts val="0"/>
+              </a:spcAft>
+              <a:buClrTx/>
+              <a:buSzTx/>
+              <a:buFontTx/>
+              <a:buNone/>
+              <a:tabLst/>
+              <a:defRPr/>
+            </a:pPr>
             <a:r>
               <a:rPr lang="ko-KR" altLang="en-US" dirty="0" smtClean="0"/>
-              <a:t>제가 </a:t>
+              <a:t>이 페이지는 동영상을 보고 </a:t>
+            </a:r>
+            <a:r>
+              <a:rPr lang="ko-KR" altLang="en-US" dirty="0" err="1" smtClean="0"/>
+              <a:t>말씀드리겠습니다</a:t>
             </a:r>
             <a:r>
               <a:rPr lang="en-US" altLang="ko-KR" dirty="0" smtClean="0"/>
-              <a:t>2016</a:t>
+              <a:t>!</a:t>
+            </a:r>
+            <a:r>
+              <a:rPr lang="en-US" altLang="ko-KR" baseline="0" dirty="0" smtClean="0"/>
+              <a:t> </a:t>
+            </a:r>
+            <a:r>
+              <a:rPr lang="en-US" altLang="ko-KR" dirty="0" smtClean="0"/>
+              <a:t>(</a:t>
             </a:r>
             <a:r>
               <a:rPr lang="ko-KR" altLang="en-US" dirty="0" smtClean="0"/>
-              <a:t>년 당시에 </a:t>
-            </a:r>
+              <a:t>동영상을 미리 보여주고</a:t>
+            </a:r>
+            <a:r>
+              <a:rPr lang="en-US" altLang="ko-KR" dirty="0" smtClean="0"/>
+              <a:t>) </a:t>
+            </a:r>
+          </a:p>
+          <a:p>
+            <a:pPr marL="0" marR="0" indent="0" algn="l" defTabSz="914400" rtl="0" eaLnBrk="1" fontAlgn="auto" latinLnBrk="1" hangingPunct="1">
+              <a:lnSpc>
+                <a:spcPct val="100000"/>
+              </a:lnSpc>
+              <a:spcBef>
+                <a:spcPts val="0"/>
+              </a:spcBef>
+              <a:spcAft>
+                <a:spcPts val="0"/>
+              </a:spcAft>
+              <a:buClrTx/>
+              <a:buSzTx/>
+              <a:buFontTx/>
+              <a:buNone/>
+              <a:tabLst/>
+              <a:defRPr/>
+            </a:pPr>
             <a:r>
               <a:rPr lang="ko-KR" altLang="en-US" dirty="0" err="1" smtClean="0"/>
-              <a:t>녹화해두었던</a:t>
+              <a:t>롤</a:t>
             </a:r>
             <a:r>
               <a:rPr lang="ko-KR" altLang="en-US" dirty="0" smtClean="0"/>
-              <a:t> 영상을</a:t>
-            </a:r>
-            <a:endParaRPr lang="ko-KR" altLang="en-US" dirty="0"/>
+              <a:t> </a:t>
+            </a:r>
+            <a:r>
+              <a:rPr lang="ko-KR" altLang="en-US" dirty="0" err="1" smtClean="0"/>
+              <a:t>헬퍼라는</a:t>
+            </a:r>
+            <a:r>
+              <a:rPr lang="ko-KR" altLang="en-US" dirty="0" smtClean="0"/>
+              <a:t> </a:t>
+            </a:r>
+            <a:r>
+              <a:rPr lang="ko-KR" altLang="en-US" dirty="0" smtClean="0"/>
+              <a:t>이름으로 널리 알려졌던 </a:t>
+            </a:r>
+            <a:r>
+              <a:rPr lang="ko-KR" altLang="en-US" dirty="0" smtClean="0"/>
+              <a:t>게임 핵입니다</a:t>
+            </a:r>
+            <a:r>
+              <a:rPr lang="en-US" altLang="ko-KR" dirty="0" smtClean="0"/>
+              <a:t>.</a:t>
+            </a:r>
+            <a:r>
+              <a:rPr lang="en-US" altLang="ko-KR" baseline="0" dirty="0" smtClean="0"/>
+              <a:t> </a:t>
+            </a:r>
+            <a:r>
+              <a:rPr lang="ko-KR" altLang="en-US" dirty="0" err="1" smtClean="0"/>
+              <a:t>롤</a:t>
+            </a:r>
+            <a:r>
+              <a:rPr lang="ko-KR" altLang="en-US" dirty="0" smtClean="0"/>
+              <a:t> </a:t>
+            </a:r>
+            <a:r>
+              <a:rPr lang="ko-KR" altLang="en-US" dirty="0" err="1" smtClean="0"/>
+              <a:t>헬퍼는</a:t>
+            </a:r>
+            <a:r>
+              <a:rPr lang="ko-KR" altLang="en-US" dirty="0" smtClean="0"/>
+              <a:t> 서버와 클라이언트 중간에 위치하며 </a:t>
+            </a:r>
+            <a:endParaRPr lang="en-US" altLang="ko-KR" dirty="0" smtClean="0"/>
+          </a:p>
+          <a:p>
+            <a:pPr marL="0" marR="0" indent="0" algn="l" defTabSz="914400" rtl="0" eaLnBrk="1" fontAlgn="auto" latinLnBrk="1" hangingPunct="1">
+              <a:lnSpc>
+                <a:spcPct val="100000"/>
+              </a:lnSpc>
+              <a:spcBef>
+                <a:spcPts val="0"/>
+              </a:spcBef>
+              <a:spcAft>
+                <a:spcPts val="0"/>
+              </a:spcAft>
+              <a:buClrTx/>
+              <a:buSzTx/>
+              <a:buFontTx/>
+              <a:buNone/>
+              <a:tabLst/>
+              <a:defRPr/>
+            </a:pPr>
+            <a:r>
+              <a:rPr lang="ko-KR" altLang="en-US" dirty="0" smtClean="0"/>
+              <a:t>선수와 인터넷 방송을 하는 </a:t>
+            </a:r>
+            <a:r>
+              <a:rPr lang="en-US" altLang="ko-KR" dirty="0" smtClean="0"/>
+              <a:t>BJ</a:t>
+            </a:r>
+            <a:r>
+              <a:rPr lang="ko-KR" altLang="en-US" dirty="0" smtClean="0"/>
+              <a:t>들 사이에서도 사용한다는 소문이 </a:t>
+            </a:r>
+            <a:r>
+              <a:rPr lang="ko-KR" altLang="en-US" dirty="0" smtClean="0"/>
+              <a:t>퍼지게 되었고</a:t>
+            </a:r>
+            <a:r>
+              <a:rPr lang="en-US" altLang="ko-KR" dirty="0" smtClean="0"/>
+              <a:t>,</a:t>
+            </a:r>
+            <a:r>
+              <a:rPr lang="en-US" altLang="ko-KR" baseline="0" dirty="0" smtClean="0"/>
+              <a:t> </a:t>
+            </a:r>
+            <a:r>
+              <a:rPr lang="ko-KR" altLang="en-US" baseline="0" dirty="0" smtClean="0"/>
+              <a:t>사건 이후로 게임사인 </a:t>
+            </a:r>
+            <a:r>
+              <a:rPr lang="ko-KR" altLang="en-US" baseline="0" dirty="0" err="1" smtClean="0"/>
+              <a:t>라이엇측에서는</a:t>
+            </a:r>
+            <a:endParaRPr lang="en-US" altLang="ko-KR" baseline="0" dirty="0" smtClean="0"/>
+          </a:p>
+          <a:p>
+            <a:pPr marL="0" marR="0" indent="0" algn="l" defTabSz="914400" rtl="0" eaLnBrk="1" fontAlgn="auto" latinLnBrk="1" hangingPunct="1">
+              <a:lnSpc>
+                <a:spcPct val="100000"/>
+              </a:lnSpc>
+              <a:spcBef>
+                <a:spcPts val="0"/>
+              </a:spcBef>
+              <a:spcAft>
+                <a:spcPts val="0"/>
+              </a:spcAft>
+              <a:buClrTx/>
+              <a:buSzTx/>
+              <a:buFontTx/>
+              <a:buNone/>
+              <a:tabLst/>
+              <a:defRPr/>
+            </a:pPr>
+            <a:r>
+              <a:rPr lang="ko-KR" altLang="en-US" baseline="0" dirty="0" smtClean="0"/>
+              <a:t>게임보안솔루션을 </a:t>
+            </a:r>
+            <a:r>
+              <a:rPr lang="ko-KR" altLang="en-US" baseline="0" dirty="0" err="1" smtClean="0"/>
+              <a:t>도입하게된</a:t>
+            </a:r>
+            <a:r>
+              <a:rPr lang="ko-KR" altLang="en-US" baseline="0" dirty="0" smtClean="0"/>
+              <a:t> </a:t>
+            </a:r>
+            <a:r>
+              <a:rPr lang="ko-KR" altLang="en-US" baseline="0" dirty="0" err="1" smtClean="0"/>
+              <a:t>계기가되었습니다</a:t>
+            </a:r>
+            <a:endParaRPr lang="en-US" altLang="ko-KR" baseline="0" dirty="0" smtClean="0"/>
+          </a:p>
+          <a:p>
+            <a:pPr marL="0" marR="0" indent="0" algn="l" defTabSz="914400" rtl="0" eaLnBrk="1" fontAlgn="auto" latinLnBrk="1" hangingPunct="1">
+              <a:lnSpc>
+                <a:spcPct val="100000"/>
+              </a:lnSpc>
+              <a:spcBef>
+                <a:spcPts val="0"/>
+              </a:spcBef>
+              <a:spcAft>
+                <a:spcPts val="0"/>
+              </a:spcAft>
+              <a:buClrTx/>
+              <a:buSzTx/>
+              <a:buFontTx/>
+              <a:buNone/>
+              <a:tabLst/>
+              <a:defRPr/>
+            </a:pPr>
+            <a:endParaRPr lang="en-US" altLang="ko-KR" dirty="0" smtClean="0"/>
           </a:p>
         </p:txBody>
       </p:sp>
@@ -1513,7 +3328,7 @@
             <a:fld id="{DCB4F9C5-ACDA-4CB2-BFCB-6D8E346EEAA7}" type="slidenum">
               <a:rPr lang="ko-KR" altLang="en-US" smtClean="0"/>
               <a:pPr/>
-              <a:t>10</a:t>
+              <a:t>7</a:t>
             </a:fld>
             <a:endParaRPr lang="ko-KR" altLang="en-US"/>
           </a:p>
@@ -1522,7 +3337,7 @@
     </p:spTree>
     <p:extLst>
       <p:ext uri="{BB962C8B-B14F-4D97-AF65-F5344CB8AC3E}">
-        <p14:creationId xmlns:p14="http://schemas.microsoft.com/office/powerpoint/2010/main" val="3716232607"/>
+        <p14:creationId xmlns:p14="http://schemas.microsoft.com/office/powerpoint/2010/main" val="3578924401"/>
       </p:ext>
     </p:extLst>
   </p:cSld>
@@ -1576,25 +3391,148 @@
           <a:bodyPr/>
           <a:lstStyle/>
           <a:p>
+            <a:pPr marL="0" marR="0" indent="0" algn="l" defTabSz="914400" rtl="0" eaLnBrk="1" fontAlgn="auto" latinLnBrk="1" hangingPunct="1">
+              <a:lnSpc>
+                <a:spcPct val="100000"/>
+              </a:lnSpc>
+              <a:spcBef>
+                <a:spcPts val="0"/>
+              </a:spcBef>
+              <a:spcAft>
+                <a:spcPts val="0"/>
+              </a:spcAft>
+              <a:buClrTx/>
+              <a:buSzTx/>
+              <a:buFontTx/>
+              <a:buNone/>
+              <a:tabLst/>
+              <a:defRPr/>
+            </a:pPr>
             <a:r>
               <a:rPr lang="ko-KR" altLang="en-US" dirty="0" smtClean="0"/>
-              <a:t>앞으로도 게임은 핵과의 전쟁을 </a:t>
+              <a:t>이 페이지는 동영상을 보고 </a:t>
             </a:r>
             <a:r>
               <a:rPr lang="ko-KR" altLang="en-US" dirty="0" err="1" smtClean="0"/>
-              <a:t>해나갈것이고</a:t>
+              <a:t>말씀드리겠습니다</a:t>
             </a:r>
             <a:r>
               <a:rPr lang="en-US" altLang="ko-KR" dirty="0" smtClean="0"/>
-              <a:t>,</a:t>
+              <a:t>!</a:t>
             </a:r>
             <a:r>
               <a:rPr lang="en-US" altLang="ko-KR" baseline="0" dirty="0" smtClean="0"/>
               <a:t> </a:t>
             </a:r>
             <a:r>
+              <a:rPr lang="en-US" altLang="ko-KR" dirty="0" smtClean="0"/>
+              <a:t>(</a:t>
+            </a:r>
+            <a:r>
+              <a:rPr lang="ko-KR" altLang="en-US" dirty="0" smtClean="0"/>
+              <a:t>동영상을 미리 보여주고</a:t>
+            </a:r>
+            <a:r>
+              <a:rPr lang="en-US" altLang="ko-KR" dirty="0" smtClean="0"/>
+              <a:t>) </a:t>
+            </a:r>
+          </a:p>
+          <a:p>
+            <a:pPr marL="0" marR="0" indent="0" algn="l" defTabSz="914400" rtl="0" eaLnBrk="1" fontAlgn="auto" latinLnBrk="1" hangingPunct="1">
+              <a:lnSpc>
+                <a:spcPct val="100000"/>
+              </a:lnSpc>
+              <a:spcBef>
+                <a:spcPts val="0"/>
+              </a:spcBef>
+              <a:spcAft>
+                <a:spcPts val="0"/>
+              </a:spcAft>
+              <a:buClrTx/>
+              <a:buSzTx/>
+              <a:buFontTx/>
+              <a:buNone/>
+              <a:tabLst/>
+              <a:defRPr/>
+            </a:pPr>
+            <a:r>
+              <a:rPr lang="ko-KR" altLang="en-US" dirty="0" err="1" smtClean="0"/>
+              <a:t>롤</a:t>
+            </a:r>
+            <a:r>
+              <a:rPr lang="ko-KR" altLang="en-US" dirty="0" smtClean="0"/>
+              <a:t> </a:t>
+            </a:r>
+            <a:r>
+              <a:rPr lang="ko-KR" altLang="en-US" dirty="0" err="1" smtClean="0"/>
+              <a:t>헬퍼라는</a:t>
+            </a:r>
+            <a:r>
+              <a:rPr lang="ko-KR" altLang="en-US" dirty="0" smtClean="0"/>
+              <a:t> </a:t>
+            </a:r>
+            <a:r>
+              <a:rPr lang="ko-KR" altLang="en-US" dirty="0" smtClean="0"/>
+              <a:t>이름으로 널리 알려졌던 </a:t>
+            </a:r>
+            <a:r>
+              <a:rPr lang="ko-KR" altLang="en-US" dirty="0" smtClean="0"/>
+              <a:t>게임 핵입니다</a:t>
+            </a:r>
+            <a:r>
+              <a:rPr lang="en-US" altLang="ko-KR" dirty="0" smtClean="0"/>
+              <a:t>.</a:t>
+            </a:r>
+            <a:r>
+              <a:rPr lang="en-US" altLang="ko-KR" baseline="0" dirty="0" smtClean="0"/>
+              <a:t> (</a:t>
+            </a:r>
+            <a:r>
+              <a:rPr lang="ko-KR" altLang="en-US" baseline="0" dirty="0" smtClean="0"/>
+              <a:t>다음페이지로 넘기며 </a:t>
+            </a:r>
+            <a:r>
+              <a:rPr lang="en-US" altLang="ko-KR" baseline="0" dirty="0" smtClean="0"/>
+              <a:t>)</a:t>
+            </a:r>
+          </a:p>
+          <a:p>
+            <a:pPr marL="0" marR="0" indent="0" algn="l" defTabSz="914400" rtl="0" eaLnBrk="1" fontAlgn="auto" latinLnBrk="1" hangingPunct="1">
+              <a:lnSpc>
+                <a:spcPct val="100000"/>
+              </a:lnSpc>
+              <a:spcBef>
+                <a:spcPts val="0"/>
+              </a:spcBef>
+              <a:spcAft>
+                <a:spcPts val="0"/>
+              </a:spcAft>
+              <a:buClrTx/>
+              <a:buSzTx/>
+              <a:buFontTx/>
+              <a:buNone/>
+              <a:tabLst/>
+              <a:defRPr/>
+            </a:pPr>
+            <a:r>
+              <a:rPr lang="ko-KR" altLang="en-US" dirty="0" err="1" smtClean="0"/>
+              <a:t>롤</a:t>
+            </a:r>
+            <a:r>
+              <a:rPr lang="ko-KR" altLang="en-US" dirty="0" smtClean="0"/>
+              <a:t> </a:t>
+            </a:r>
+            <a:r>
+              <a:rPr lang="ko-KR" altLang="en-US" dirty="0" err="1" smtClean="0"/>
+              <a:t>헬퍼는</a:t>
+            </a:r>
+            <a:r>
+              <a:rPr lang="ko-KR" altLang="en-US" dirty="0" smtClean="0"/>
+              <a:t> 서버와 클라이언트 중간에 위치하며 </a:t>
+            </a:r>
+            <a:r>
               <a:rPr lang="ko-KR" altLang="en-US" baseline="0" dirty="0" err="1" smtClean="0"/>
-              <a:t>게임측에서도</a:t>
+              <a:t>패킷을</a:t>
             </a:r>
             <a:r>
               <a:rPr lang="ko-KR" altLang="en-US" baseline="0" dirty="0" smtClean="0"/>
@@ -1602,13 +3540,262 @@
             </a:r>
             <a:r>
               <a:rPr lang="ko-KR" altLang="en-US" baseline="0" dirty="0" err="1" smtClean="0"/>
-              <a:t>핵측에서도</a:t>
+              <a:t>위변조를</a:t>
+            </a:r>
+            <a:r>
+              <a:rPr lang="ko-KR" altLang="en-US" baseline="0" dirty="0" smtClean="0"/>
+              <a:t> 하는 프로그램인데요</a:t>
             </a:r>
             <a:r>
               <a:rPr lang="en-US" altLang="ko-KR" baseline="0" dirty="0" smtClean="0"/>
-              <a:t>~~</a:t>
-            </a:r>
-            <a:endParaRPr lang="ko-KR" altLang="en-US" dirty="0"/>
+              <a:t>. </a:t>
+            </a:r>
+            <a:r>
+              <a:rPr lang="ko-KR" altLang="en-US" baseline="0" dirty="0" smtClean="0"/>
+              <a:t>게임 </a:t>
+            </a:r>
+            <a:r>
+              <a:rPr lang="ko-KR" altLang="en-US" baseline="0" dirty="0" err="1" smtClean="0"/>
+              <a:t>서버측은</a:t>
+            </a:r>
+            <a:r>
+              <a:rPr lang="ko-KR" altLang="en-US" baseline="0" dirty="0" smtClean="0"/>
+              <a:t> </a:t>
+            </a:r>
+            <a:r>
+              <a:rPr lang="ko-KR" altLang="en-US" baseline="0" dirty="0" err="1" smtClean="0"/>
+              <a:t>패킷만</a:t>
+            </a:r>
+            <a:r>
+              <a:rPr lang="ko-KR" altLang="en-US" baseline="0" dirty="0" smtClean="0"/>
+              <a:t> 가지고서는 핵인지 판단할 수가 없습니다</a:t>
+            </a:r>
+            <a:r>
+              <a:rPr lang="en-US" altLang="ko-KR" baseline="0" dirty="0" smtClean="0"/>
+              <a:t>.</a:t>
+            </a:r>
+          </a:p>
+          <a:p>
+            <a:pPr marL="0" marR="0" indent="0" algn="l" defTabSz="914400" rtl="0" eaLnBrk="1" fontAlgn="auto" latinLnBrk="1" hangingPunct="1">
+              <a:lnSpc>
+                <a:spcPct val="100000"/>
+              </a:lnSpc>
+              <a:spcBef>
+                <a:spcPts val="0"/>
+              </a:spcBef>
+              <a:spcAft>
+                <a:spcPts val="0"/>
+              </a:spcAft>
+              <a:buClrTx/>
+              <a:buSzTx/>
+              <a:buFontTx/>
+              <a:buNone/>
+              <a:tabLst/>
+              <a:defRPr/>
+            </a:pPr>
+            <a:r>
+              <a:rPr lang="ko-KR" altLang="en-US" baseline="0" dirty="0" smtClean="0"/>
+              <a:t>실제 게임 클라이언트가 만들어내는 </a:t>
+            </a:r>
+            <a:r>
+              <a:rPr lang="ko-KR" altLang="en-US" baseline="0" dirty="0" err="1" smtClean="0"/>
+              <a:t>패킷과</a:t>
+            </a:r>
+            <a:r>
+              <a:rPr lang="ko-KR" altLang="en-US" baseline="0" dirty="0" smtClean="0"/>
+              <a:t> 똑같은 </a:t>
+            </a:r>
+            <a:r>
+              <a:rPr lang="ko-KR" altLang="en-US" baseline="0" dirty="0" err="1" smtClean="0"/>
+              <a:t>패킷을</a:t>
+            </a:r>
+            <a:r>
+              <a:rPr lang="ko-KR" altLang="en-US" baseline="0" dirty="0" smtClean="0"/>
+              <a:t> 보내기 때문이죠</a:t>
+            </a:r>
+            <a:r>
+              <a:rPr lang="en-US" altLang="ko-KR" baseline="0" dirty="0" smtClean="0"/>
+              <a:t>.  </a:t>
+            </a:r>
+          </a:p>
+          <a:p>
+            <a:pPr marL="0" marR="0" indent="0" algn="l" defTabSz="914400" rtl="0" eaLnBrk="1" fontAlgn="auto" latinLnBrk="1" hangingPunct="1">
+              <a:lnSpc>
+                <a:spcPct val="100000"/>
+              </a:lnSpc>
+              <a:spcBef>
+                <a:spcPts val="0"/>
+              </a:spcBef>
+              <a:spcAft>
+                <a:spcPts val="0"/>
+              </a:spcAft>
+              <a:buClrTx/>
+              <a:buSzTx/>
+              <a:buFontTx/>
+              <a:buNone/>
+              <a:tabLst/>
+              <a:defRPr/>
+            </a:pPr>
+            <a:endParaRPr lang="en-US" altLang="ko-KR" baseline="0" dirty="0" smtClean="0"/>
+          </a:p>
+          <a:p>
+            <a:pPr marL="0" marR="0" indent="0" algn="l" defTabSz="914400" rtl="0" eaLnBrk="1" fontAlgn="auto" latinLnBrk="1" hangingPunct="1">
+              <a:lnSpc>
+                <a:spcPct val="100000"/>
+              </a:lnSpc>
+              <a:spcBef>
+                <a:spcPts val="0"/>
+              </a:spcBef>
+              <a:spcAft>
+                <a:spcPts val="0"/>
+              </a:spcAft>
+              <a:buClrTx/>
+              <a:buSzTx/>
+              <a:buFontTx/>
+              <a:buNone/>
+              <a:tabLst/>
+              <a:defRPr/>
+            </a:pPr>
+            <a:r>
+              <a:rPr lang="ko-KR" altLang="en-US" baseline="0" dirty="0" smtClean="0"/>
+              <a:t>이런 </a:t>
+            </a:r>
+            <a:r>
+              <a:rPr lang="ko-KR" altLang="en-US" baseline="0" dirty="0" err="1" smtClean="0"/>
+              <a:t>헬퍼가</a:t>
+            </a:r>
+            <a:r>
+              <a:rPr lang="ko-KR" altLang="en-US" baseline="0" dirty="0" smtClean="0"/>
+              <a:t> 하나 둘 사용하는 이용자가 급증했고</a:t>
+            </a:r>
+            <a:r>
+              <a:rPr lang="en-US" altLang="ko-KR" baseline="0" dirty="0" smtClean="0"/>
+              <a:t>, </a:t>
+            </a:r>
+          </a:p>
+          <a:p>
+            <a:pPr marL="0" marR="0" indent="0" algn="l" defTabSz="914400" rtl="0" eaLnBrk="1" fontAlgn="auto" latinLnBrk="1" hangingPunct="1">
+              <a:lnSpc>
+                <a:spcPct val="100000"/>
+              </a:lnSpc>
+              <a:spcBef>
+                <a:spcPts val="0"/>
+              </a:spcBef>
+              <a:spcAft>
+                <a:spcPts val="0"/>
+              </a:spcAft>
+              <a:buClrTx/>
+              <a:buSzTx/>
+              <a:buFontTx/>
+              <a:buNone/>
+              <a:tabLst/>
+              <a:defRPr/>
+            </a:pPr>
+            <a:r>
+              <a:rPr lang="ko-KR" altLang="en-US" dirty="0" smtClean="0"/>
+              <a:t>선수와 </a:t>
+            </a:r>
+            <a:r>
+              <a:rPr lang="ko-KR" altLang="en-US" dirty="0" smtClean="0"/>
+              <a:t>인터넷 방송을 하는 </a:t>
+            </a:r>
+            <a:r>
+              <a:rPr lang="en-US" altLang="ko-KR" dirty="0" smtClean="0"/>
+              <a:t>BJ</a:t>
+            </a:r>
+            <a:r>
+              <a:rPr lang="ko-KR" altLang="en-US" dirty="0" smtClean="0"/>
+              <a:t>들 사이에서도 사용한다는 소문이 </a:t>
+            </a:r>
+            <a:r>
+              <a:rPr lang="ko-KR" altLang="en-US" dirty="0" smtClean="0"/>
+              <a:t>퍼지게 되었습니다</a:t>
+            </a:r>
+            <a:r>
+              <a:rPr lang="en-US" altLang="ko-KR" dirty="0" smtClean="0"/>
+              <a:t>.</a:t>
+            </a:r>
+            <a:r>
+              <a:rPr lang="en-US" altLang="ko-KR" baseline="0" dirty="0" smtClean="0"/>
+              <a:t> </a:t>
+            </a:r>
+            <a:r>
+              <a:rPr lang="ko-KR" altLang="en-US" baseline="0" dirty="0" err="1" smtClean="0"/>
+              <a:t>이로인해</a:t>
+            </a:r>
+            <a:r>
+              <a:rPr lang="ko-KR" altLang="en-US" baseline="0" dirty="0" smtClean="0"/>
+              <a:t> 건전한 게이머가 많이 떠나가는 사태가 일어났고</a:t>
+            </a:r>
+            <a:endParaRPr lang="en-US" altLang="ko-KR" baseline="0" dirty="0" smtClean="0"/>
+          </a:p>
+          <a:p>
+            <a:pPr marL="0" marR="0" indent="0" algn="l" defTabSz="914400" rtl="0" eaLnBrk="1" fontAlgn="auto" latinLnBrk="1" hangingPunct="1">
+              <a:lnSpc>
+                <a:spcPct val="100000"/>
+              </a:lnSpc>
+              <a:spcBef>
+                <a:spcPts val="0"/>
+              </a:spcBef>
+              <a:spcAft>
+                <a:spcPts val="0"/>
+              </a:spcAft>
+              <a:buClrTx/>
+              <a:buSzTx/>
+              <a:buFontTx/>
+              <a:buNone/>
+              <a:tabLst/>
+              <a:defRPr/>
+            </a:pPr>
+            <a:r>
+              <a:rPr lang="ko-KR" altLang="en-US" baseline="0" dirty="0" smtClean="0"/>
+              <a:t>이후로는 </a:t>
+            </a:r>
+            <a:r>
+              <a:rPr lang="ko-KR" altLang="en-US" baseline="0" dirty="0" smtClean="0"/>
+              <a:t>게임사인 </a:t>
+            </a:r>
+            <a:r>
+              <a:rPr lang="ko-KR" altLang="en-US" baseline="0" dirty="0" err="1" smtClean="0"/>
+              <a:t>라이엇측에서는</a:t>
+            </a:r>
+            <a:r>
+              <a:rPr lang="ko-KR" altLang="en-US" baseline="0" dirty="0" smtClean="0"/>
+              <a:t> 게임보안솔루션을 </a:t>
+            </a:r>
+            <a:r>
+              <a:rPr lang="ko-KR" altLang="en-US" baseline="0" dirty="0" err="1" smtClean="0"/>
+              <a:t>도입하게된</a:t>
+            </a:r>
+            <a:r>
+              <a:rPr lang="ko-KR" altLang="en-US" baseline="0" dirty="0" smtClean="0"/>
+              <a:t> </a:t>
+            </a:r>
+            <a:r>
+              <a:rPr lang="ko-KR" altLang="en-US" baseline="0" dirty="0" err="1" smtClean="0"/>
+              <a:t>계기가되었습니다</a:t>
+            </a:r>
+            <a:endParaRPr lang="en-US" altLang="ko-KR" baseline="0" dirty="0" smtClean="0"/>
+          </a:p>
+          <a:p>
+            <a:pPr marL="0" marR="0" indent="0" algn="l" defTabSz="914400" rtl="0" eaLnBrk="1" fontAlgn="auto" latinLnBrk="1" hangingPunct="1">
+              <a:lnSpc>
+                <a:spcPct val="100000"/>
+              </a:lnSpc>
+              <a:spcBef>
+                <a:spcPts val="0"/>
+              </a:spcBef>
+              <a:spcAft>
+                <a:spcPts val="0"/>
+              </a:spcAft>
+              <a:buClrTx/>
+              <a:buSzTx/>
+              <a:buFontTx/>
+              <a:buNone/>
+              <a:tabLst/>
+              <a:defRPr/>
+            </a:pPr>
+            <a:endParaRPr lang="en-US" altLang="ko-KR" dirty="0" smtClean="0"/>
           </a:p>
         </p:txBody>
       </p:sp>
@@ -1630,7 +3817,7 @@
             <a:fld id="{DCB4F9C5-ACDA-4CB2-BFCB-6D8E346EEAA7}" type="slidenum">
               <a:rPr lang="ko-KR" altLang="en-US" smtClean="0"/>
               <a:pPr/>
-              <a:t>11</a:t>
+              <a:t>8</a:t>
             </a:fld>
             <a:endParaRPr lang="ko-KR" altLang="en-US"/>
           </a:p>
@@ -1639,7 +3826,7 @@
     </p:spTree>
     <p:extLst>
       <p:ext uri="{BB962C8B-B14F-4D97-AF65-F5344CB8AC3E}">
-        <p14:creationId xmlns:p14="http://schemas.microsoft.com/office/powerpoint/2010/main" val="1670291940"/>
+        <p14:creationId xmlns:p14="http://schemas.microsoft.com/office/powerpoint/2010/main" val="3578924401"/>
       </p:ext>
     </p:extLst>
   </p:cSld>
@@ -1694,41 +3881,140 @@
           <a:lstStyle/>
           <a:p>
             <a:r>
+              <a:rPr lang="ko-KR" altLang="en-US" dirty="0" err="1" smtClean="0"/>
+              <a:t>롤</a:t>
+            </a:r>
+            <a:r>
               <a:rPr lang="ko-KR" altLang="en-US" dirty="0" smtClean="0"/>
-              <a:t>발표를 마치겠습니다</a:t>
+              <a:t> </a:t>
+            </a:r>
+            <a:r>
+              <a:rPr lang="ko-KR" altLang="en-US" dirty="0" err="1" smtClean="0"/>
+              <a:t>헬퍼에</a:t>
+            </a:r>
+            <a:r>
+              <a:rPr lang="ko-KR" altLang="en-US" dirty="0" smtClean="0"/>
+              <a:t> 있던 특이점은 사용자가 스크립트를 작성할 수 </a:t>
+            </a:r>
+            <a:r>
+              <a:rPr lang="ko-KR" altLang="en-US" dirty="0" err="1" smtClean="0"/>
+              <a:t>있었다는것입니다</a:t>
             </a:r>
             <a:r>
               <a:rPr lang="en-US" altLang="ko-KR" dirty="0" smtClean="0"/>
-              <a:t>. </a:t>
+              <a:t>.</a:t>
+            </a:r>
+          </a:p>
+          <a:p>
+            <a:r>
+              <a:rPr lang="ko-KR" altLang="en-US" dirty="0" err="1" smtClean="0"/>
+              <a:t>롤은</a:t>
             </a:r>
             <a:r>
               <a:rPr lang="ko-KR" altLang="en-US" dirty="0" smtClean="0"/>
-              <a:t>혹시 궁금하셨던 부분이 있으시면 질문해주세요</a:t>
+              <a:t> </a:t>
             </a:r>
             <a:r>
               <a:rPr lang="en-US" altLang="ko-KR" dirty="0" smtClean="0"/>
-              <a:t>. </a:t>
-            </a:r>
-            <a:r>
-              <a:rPr lang="ko-KR" altLang="en-US" baseline="0" dirty="0" smtClean="0"/>
-              <a:t> 그리고 지금이 아니더라도</a:t>
-            </a:r>
-            <a:r>
-              <a:rPr lang="en-US" altLang="ko-KR" baseline="0" dirty="0" smtClean="0"/>
+              <a:t>100</a:t>
+            </a:r>
+            <a:r>
+              <a:rPr lang="ko-KR" altLang="en-US" dirty="0" err="1" smtClean="0"/>
+              <a:t>여개가</a:t>
+            </a:r>
+            <a:r>
+              <a:rPr lang="ko-KR" altLang="en-US" dirty="0" smtClean="0"/>
+              <a:t> 넘는 </a:t>
+            </a:r>
+            <a:r>
+              <a:rPr lang="ko-KR" altLang="en-US" dirty="0" err="1" smtClean="0"/>
+              <a:t>챔프가</a:t>
+            </a:r>
+            <a:r>
+              <a:rPr lang="ko-KR" altLang="en-US" dirty="0" smtClean="0"/>
+              <a:t> 존재하고</a:t>
+            </a:r>
+            <a:r>
+              <a:rPr lang="en-US" altLang="ko-KR" dirty="0" smtClean="0"/>
               <a:t>, </a:t>
             </a:r>
             <a:r>
-              <a:rPr lang="ko-KR" altLang="en-US" baseline="0" dirty="0" smtClean="0"/>
-              <a:t>개인적으로 이메일을 주셔도 </a:t>
-            </a:r>
-            <a:r>
-              <a:rPr lang="ko-KR" altLang="en-US" baseline="0" dirty="0" err="1" smtClean="0"/>
-              <a:t>답변가능합니다</a:t>
+              <a:rPr lang="ko-KR" altLang="en-US" dirty="0" err="1" smtClean="0"/>
+              <a:t>챔프별로</a:t>
+            </a:r>
+            <a:r>
+              <a:rPr lang="ko-KR" altLang="en-US" dirty="0" smtClean="0"/>
+              <a:t> 스크립트를 작성할 수 있었습니다</a:t>
+            </a:r>
+            <a:r>
+              <a:rPr lang="en-US" altLang="ko-KR" dirty="0" smtClean="0"/>
+              <a:t>.</a:t>
+            </a:r>
+          </a:p>
+          <a:p>
+            <a:r>
+              <a:rPr lang="ko-KR" altLang="en-US" dirty="0" smtClean="0"/>
+              <a:t>그리고 스크립트를 판매할 수 있었죠</a:t>
+            </a:r>
+            <a:r>
+              <a:rPr lang="en-US" altLang="ko-KR" dirty="0" smtClean="0"/>
+              <a:t>.</a:t>
+            </a:r>
+          </a:p>
+          <a:p>
+            <a:r>
+              <a:rPr lang="ko-KR" altLang="en-US" dirty="0" smtClean="0"/>
+              <a:t>실제로 해외 포럼에 올라왔던 글을 보면 직장을 </a:t>
+            </a:r>
+            <a:r>
+              <a:rPr lang="ko-KR" altLang="en-US" dirty="0" err="1" smtClean="0"/>
+              <a:t>때려치고</a:t>
+            </a:r>
+            <a:r>
+              <a:rPr lang="ko-KR" altLang="en-US" baseline="0" dirty="0" smtClean="0"/>
+              <a:t> </a:t>
+            </a:r>
+            <a:r>
+              <a:rPr lang="ko-KR" altLang="en-US" dirty="0" smtClean="0"/>
+              <a:t>스크립트를 판매해 월급보다 많이 번다 라는 글을</a:t>
+            </a:r>
+            <a:r>
+              <a:rPr lang="ko-KR" altLang="en-US" baseline="0" dirty="0" smtClean="0"/>
+              <a:t> 본적이 있습니다</a:t>
             </a:r>
             <a:r>
               <a:rPr lang="en-US" altLang="ko-KR" baseline="0" dirty="0" smtClean="0"/>
               <a:t>.</a:t>
             </a:r>
+            <a:endParaRPr lang="en-US" altLang="ko-KR" dirty="0" smtClean="0"/>
+          </a:p>
+          <a:p>
+            <a:endParaRPr lang="en-US" altLang="ko-KR" dirty="0" smtClean="0"/>
+          </a:p>
+          <a:p>
+            <a:r>
+              <a:rPr lang="ko-KR" altLang="en-US" dirty="0" smtClean="0"/>
+              <a:t>그리고 스크립트는 개발자와 친숙했던 </a:t>
+            </a:r>
+            <a:r>
+              <a:rPr lang="en-US" altLang="ko-KR" dirty="0" err="1" smtClean="0"/>
+              <a:t>lua</a:t>
+            </a:r>
+            <a:r>
+              <a:rPr lang="en-US" altLang="ko-KR" baseline="0" dirty="0" smtClean="0"/>
+              <a:t> </a:t>
+            </a:r>
+            <a:r>
+              <a:rPr lang="ko-KR" altLang="en-US" baseline="0" dirty="0" smtClean="0"/>
+              <a:t>스크립트였기에 스크립트시장이 따로 활성화가 많이 되었습니다</a:t>
+            </a:r>
+            <a:r>
+              <a:rPr lang="en-US" altLang="ko-KR" baseline="0" dirty="0" smtClean="0"/>
+              <a:t>.</a:t>
+            </a:r>
+            <a:endParaRPr lang="en-US" altLang="ko-KR" dirty="0" smtClean="0"/>
+          </a:p>
+          <a:p>
             <a:endParaRPr lang="ko-KR" altLang="en-US" dirty="0"/>
           </a:p>
         </p:txBody>
@@ -1751,7 +4037,7 @@
             <a:fld id="{DCB4F9C5-ACDA-4CB2-BFCB-6D8E346EEAA7}" type="slidenum">
               <a:rPr lang="ko-KR" altLang="en-US" smtClean="0"/>
               <a:pPr/>
-              <a:t>12</a:t>
+              <a:t>9</a:t>
             </a:fld>
             <a:endParaRPr lang="ko-KR" altLang="en-US"/>
           </a:p>
@@ -1760,7 +4046,7 @@
     </p:spTree>
     <p:extLst>
       <p:ext uri="{BB962C8B-B14F-4D97-AF65-F5344CB8AC3E}">
-        <p14:creationId xmlns:p14="http://schemas.microsoft.com/office/powerpoint/2010/main" val="2095587770"/>
+        <p14:creationId xmlns:p14="http://schemas.microsoft.com/office/powerpoint/2010/main" val="3057591237"/>
       </p:ext>
     </p:extLst>
   </p:cSld>
@@ -1958,7 +4244,7 @@
                 </a:solidFill>
               </a:rPr>
               <a:pPr/>
-              <a:t>2018-05-29</a:t>
+              <a:t>2018-06-17</a:t>
             </a:fld>
             <a:endParaRPr lang="ko-KR" altLang="en-US">
               <a:solidFill>
@@ -2167,7 +4453,7 @@
                 </a:solidFill>
               </a:rPr>
               <a:pPr/>
-              <a:t>2018-05-29</a:t>
+              <a:t>2018-06-17</a:t>
             </a:fld>
             <a:endParaRPr lang="ko-KR" altLang="en-US">
               <a:solidFill>
@@ -2386,7 +4672,7 @@
                 </a:solidFill>
               </a:rPr>
               <a:pPr/>
-              <a:t>2018-05-29</a:t>
+              <a:t>2018-06-17</a:t>
             </a:fld>
             <a:endParaRPr lang="ko-KR" altLang="en-US">
               <a:solidFill>
@@ -2696,7 +4982,7 @@
                 </a:solidFill>
               </a:rPr>
               <a:pPr/>
-              <a:t>2018-05-29</a:t>
+              <a:t>2018-06-17</a:t>
             </a:fld>
             <a:endParaRPr lang="ko-KR" altLang="en-US">
               <a:solidFill>
@@ -2988,7 +5274,7 @@
                 </a:solidFill>
               </a:rPr>
               <a:pPr/>
-              <a:t>2018-05-29</a:t>
+              <a:t>2018-06-17</a:t>
             </a:fld>
             <a:endParaRPr lang="ko-KR" altLang="en-US">
               <a:solidFill>
@@ -3315,7 +5601,7 @@
                 </a:solidFill>
               </a:rPr>
               <a:pPr/>
-              <a:t>2018-05-29</a:t>
+              <a:t>2018-06-17</a:t>
             </a:fld>
             <a:endParaRPr lang="ko-KR" altLang="en-US">
               <a:solidFill>
@@ -3776,7 +6062,7 @@
                 </a:solidFill>
               </a:rPr>
               <a:pPr/>
-              <a:t>2018-05-29</a:t>
+              <a:t>2018-06-17</a:t>
             </a:fld>
             <a:endParaRPr lang="ko-KR" altLang="en-US">
               <a:solidFill>
@@ -3933,7 +6219,7 @@
                 </a:solidFill>
               </a:rPr>
               <a:pPr/>
-              <a:t>2018-05-29</a:t>
+              <a:t>2018-06-17</a:t>
             </a:fld>
             <a:endParaRPr lang="ko-KR" altLang="en-US">
               <a:solidFill>
@@ -4067,7 +6353,7 @@
                 </a:solidFill>
               </a:rPr>
               <a:pPr/>
-              <a:t>2018-05-29</a:t>
+              <a:t>2018-06-17</a:t>
             </a:fld>
             <a:endParaRPr lang="ko-KR" altLang="en-US">
               <a:solidFill>
@@ -4383,7 +6669,7 @@
                 </a:solidFill>
               </a:rPr>
               <a:pPr/>
-              <a:t>2018-05-29</a:t>
+              <a:t>2018-06-17</a:t>
             </a:fld>
             <a:endParaRPr lang="ko-KR" altLang="en-US">
               <a:solidFill>
@@ -4675,7 +6961,7 @@
                 </a:solidFill>
               </a:rPr>
               <a:pPr/>
-              <a:t>2018-05-29</a:t>
+              <a:t>2018-06-17</a:t>
             </a:fld>
             <a:endParaRPr lang="ko-KR" altLang="en-US">
               <a:solidFill>
@@ -4928,7 +7214,7 @@
                 </a:solidFill>
               </a:rPr>
               <a:pPr defTabSz="914259"/>
-              <a:t>2018-05-29</a:t>
+              <a:t>2018-06-17</a:t>
             </a:fld>
             <a:endParaRPr lang="ko-KR" altLang="en-US">
               <a:solidFill>
@@ -5620,6 +7906,120 @@
       </p:grpSpPr>
       <p:pic>
         <p:nvPicPr>
+          <p:cNvPr id="5" name="그림 4"/>
+          <p:cNvPicPr>
+            <a:picLocks noChangeAspect="1"/>
+          </p:cNvPicPr>
+          <p:nvPr/>
+        </p:nvPicPr>
+        <p:blipFill>
+          <a:blip r:embed="rId2">
+            <a:extLst>
+              <a:ext uri="{28A0092B-C50C-407E-A947-70E740481C1C}">
+                <a14:useLocalDpi xmlns:a14="http://schemas.microsoft.com/office/drawing/2010/main" val="0"/>
+              </a:ext>
+            </a:extLst>
+          </a:blip>
+          <a:stretch>
+            <a:fillRect/>
+          </a:stretch>
+        </p:blipFill>
+        <p:spPr>
+          <a:xfrm>
+            <a:off x="6199284" y="5921414"/>
+            <a:ext cx="2146032" cy="495238"/>
+          </a:xfrm>
+          <a:prstGeom prst="rect">
+            <a:avLst/>
+          </a:prstGeom>
+        </p:spPr>
+      </p:pic>
+      <p:sp>
+        <p:nvSpPr>
+          <p:cNvPr id="3" name="TextBox 2"/>
+          <p:cNvSpPr txBox="1"/>
+          <p:nvPr/>
+        </p:nvSpPr>
+        <p:spPr>
+          <a:xfrm>
+            <a:off x="1871700" y="1196752"/>
+            <a:ext cx="5400600" cy="707886"/>
+          </a:xfrm>
+          <a:prstGeom prst="rect">
+            <a:avLst/>
+          </a:prstGeom>
+          <a:noFill/>
+        </p:spPr>
+        <p:txBody>
+          <a:bodyPr wrap="square" rtlCol="0">
+            <a:spAutoFit/>
+          </a:bodyPr>
+          <a:lstStyle/>
+          <a:p>
+            <a:pPr algn="ctr"/>
+            <a:r>
+              <a:rPr lang="en-US" altLang="ko-KR" sz="4000" b="1" dirty="0" smtClean="0">
+                <a:solidFill>
+                  <a:srgbClr val="7030A0"/>
+                </a:solidFill>
+              </a:rPr>
+              <a:t>Packet</a:t>
+            </a:r>
+            <a:endParaRPr lang="ko-KR" altLang="en-US" sz="4000" b="1" dirty="0">
+              <a:solidFill>
+                <a:srgbClr val="7030A0"/>
+              </a:solidFill>
+            </a:endParaRPr>
+          </a:p>
+        </p:txBody>
+      </p:sp>
+    </p:spTree>
+    <p:extLst>
+      <p:ext uri="{BB962C8B-B14F-4D97-AF65-F5344CB8AC3E}">
+        <p14:creationId xmlns:p14="http://schemas.microsoft.com/office/powerpoint/2010/main" val="1455454164"/>
+      </p:ext>
+    </p:extLst>
+  </p:cSld>
+  <p:clrMapOvr>
+    <a:masterClrMapping/>
+  </p:clrMapOvr>
+  <mc:AlternateContent xmlns:mc="http://schemas.openxmlformats.org/markup-compatibility/2006" xmlns:p14="http://schemas.microsoft.com/office/powerpoint/2010/main">
+    <mc:Choice Requires="p14">
+      <p:transition p14:dur="0"/>
+    </mc:Choice>
+    <mc:Fallback xmlns="">
+      <p:transition/>
+    </mc:Fallback>
+  </mc:AlternateContent>
+  <p:timing>
+    <p:tnLst>
+      <p:par>
+        <p:cTn id="1" dur="indefinite" restart="never" nodeType="tmRoot"/>
+      </p:par>
+    </p:tnLst>
+  </p:timing>
+</p:sld>
+</file>
+
+<file path=ppt/slides/slide11.xml><?xml version="1.0" encoding="utf-8"?>
+<p:sld xmlns:a="http://schemas.openxmlformats.org/drawingml/2006/main" xmlns:r="http://schemas.openxmlformats.org/officeDocument/2006/relationships" xmlns:p="http://schemas.openxmlformats.org/presentationml/2006/main">
+  <p:cSld>
+    <p:spTree>
+      <p:nvGrpSpPr>
+        <p:cNvPr id="1" name=""/>
+        <p:cNvGrpSpPr/>
+        <p:nvPr/>
+      </p:nvGrpSpPr>
+      <p:grpSpPr>
+        <a:xfrm>
+          <a:off x="0" y="0"/>
+          <a:ext cx="0" cy="0"/>
+          <a:chOff x="0" y="0"/>
+          <a:chExt cx="0" cy="0"/>
+        </a:xfrm>
+      </p:grpSpPr>
+      <p:pic>
+        <p:nvPicPr>
           <p:cNvPr id="25" name="그림 24"/>
           <p:cNvPicPr>
             <a:picLocks noChangeAspect="1"/>
@@ -5789,7 +8189,7 @@
 </p:sld>
 </file>
 
-<file path=ppt/slides/slide11.xml><?xml version="1.0" encoding="utf-8"?>
+<file path=ppt/slides/slide12.xml><?xml version="1.0" encoding="utf-8"?>
 <p:sld xmlns:a="http://schemas.openxmlformats.org/drawingml/2006/main" xmlns:r="http://schemas.openxmlformats.org/officeDocument/2006/relationships" xmlns:p="http://schemas.openxmlformats.org/presentationml/2006/main">
   <p:cSld>
     <p:spTree>
@@ -5806,6 +8206,370 @@
           <a:chExt cx="0" cy="0"/>
         </a:xfrm>
       </p:grpSpPr>
+      <p:pic>
+        <p:nvPicPr>
+          <p:cNvPr id="5" name="그림 4"/>
+          <p:cNvPicPr>
+            <a:picLocks noChangeAspect="1"/>
+          </p:cNvPicPr>
+          <p:nvPr/>
+        </p:nvPicPr>
+        <p:blipFill>
+          <a:blip r:embed="rId3">
+            <a:extLst>
+              <a:ext uri="{28A0092B-C50C-407E-A947-70E740481C1C}">
+                <a14:useLocalDpi xmlns:a14="http://schemas.microsoft.com/office/drawing/2010/main" val="0"/>
+              </a:ext>
+            </a:extLst>
+          </a:blip>
+          <a:stretch>
+            <a:fillRect/>
+          </a:stretch>
+        </p:blipFill>
+        <p:spPr>
+          <a:xfrm>
+            <a:off x="6199284" y="5921414"/>
+            <a:ext cx="2146032" cy="495238"/>
+          </a:xfrm>
+          <a:prstGeom prst="rect">
+            <a:avLst/>
+          </a:prstGeom>
+        </p:spPr>
+      </p:pic>
+      <p:sp>
+        <p:nvSpPr>
+          <p:cNvPr id="3" name="TextBox 2"/>
+          <p:cNvSpPr txBox="1"/>
+          <p:nvPr/>
+        </p:nvSpPr>
+        <p:spPr>
+          <a:xfrm>
+            <a:off x="1871700" y="1196752"/>
+            <a:ext cx="5400600" cy="707886"/>
+          </a:xfrm>
+          <a:prstGeom prst="rect">
+            <a:avLst/>
+          </a:prstGeom>
+          <a:noFill/>
+        </p:spPr>
+        <p:txBody>
+          <a:bodyPr wrap="square" rtlCol="0">
+            <a:spAutoFit/>
+          </a:bodyPr>
+          <a:lstStyle/>
+          <a:p>
+            <a:pPr algn="ctr"/>
+            <a:r>
+              <a:rPr lang="en-US" altLang="ko-KR" sz="4000" b="1" dirty="0" smtClean="0">
+                <a:solidFill>
+                  <a:srgbClr val="7030A0"/>
+                </a:solidFill>
+              </a:rPr>
+              <a:t>Driver</a:t>
+            </a:r>
+            <a:endParaRPr lang="ko-KR" altLang="en-US" sz="4000" b="1" dirty="0">
+              <a:solidFill>
+                <a:srgbClr val="7030A0"/>
+              </a:solidFill>
+            </a:endParaRPr>
+          </a:p>
+        </p:txBody>
+      </p:sp>
+      <p:pic>
+        <p:nvPicPr>
+          <p:cNvPr id="1026" name="Picture 2" descr="C:\Users\Kang\Desktop\MySpec\발표\CodeEngn\2018-06-15-1.png"/>
+          <p:cNvPicPr>
+            <a:picLocks noChangeAspect="1" noChangeArrowheads="1"/>
+          </p:cNvPicPr>
+          <p:nvPr/>
+        </p:nvPicPr>
+        <p:blipFill>
+          <a:blip r:embed="rId4">
+            <a:extLst>
+              <a:ext uri="{28A0092B-C50C-407E-A947-70E740481C1C}">
+                <a14:useLocalDpi xmlns:a14="http://schemas.microsoft.com/office/drawing/2010/main" val="0"/>
+              </a:ext>
+            </a:extLst>
+          </a:blip>
+          <a:srcRect/>
+          <a:stretch>
+            <a:fillRect/>
+          </a:stretch>
+        </p:blipFill>
+        <p:spPr bwMode="auto">
+          <a:xfrm>
+            <a:off x="2657474" y="2132856"/>
+            <a:ext cx="3829051" cy="2838450"/>
+          </a:xfrm>
+          <a:prstGeom prst="rect">
+            <a:avLst/>
+          </a:prstGeom>
+          <a:noFill/>
+          <a:extLst>
+            <a:ext uri="{909E8E84-426E-40DD-AFC4-6F175D3DCCD1}">
+              <a14:hiddenFill xmlns:a14="http://schemas.microsoft.com/office/drawing/2010/main">
+                <a:solidFill>
+                  <a:srgbClr val="FFFFFF"/>
+                </a:solidFill>
+              </a14:hiddenFill>
+            </a:ext>
+          </a:extLst>
+        </p:spPr>
+      </p:pic>
+    </p:spTree>
+    <p:extLst>
+      <p:ext uri="{BB962C8B-B14F-4D97-AF65-F5344CB8AC3E}">
+        <p14:creationId xmlns:p14="http://schemas.microsoft.com/office/powerpoint/2010/main" val="268922881"/>
+      </p:ext>
+    </p:extLst>
+  </p:cSld>
+  <p:clrMapOvr>
+    <a:masterClrMapping/>
+  </p:clrMapOvr>
+  <mc:AlternateContent xmlns:mc="http://schemas.openxmlformats.org/markup-compatibility/2006" xmlns:p14="http://schemas.microsoft.com/office/powerpoint/2010/main">
+    <mc:Choice Requires="p14">
+      <p:transition p14:dur="0"/>
+    </mc:Choice>
+    <mc:Fallback xmlns="">
+      <p:transition/>
+    </mc:Fallback>
+  </mc:AlternateContent>
+  <p:timing>
+    <p:tnLst>
+      <p:par>
+        <p:cTn id="1" dur="indefinite" restart="never" nodeType="tmRoot"/>
+      </p:par>
+    </p:tnLst>
+  </p:timing>
+</p:sld>
+</file>
+
+<file path=ppt/slides/slide13.xml><?xml version="1.0" encoding="utf-8"?>
+<p:sld xmlns:a="http://schemas.openxmlformats.org/drawingml/2006/main" xmlns:r="http://schemas.openxmlformats.org/officeDocument/2006/relationships" xmlns:p="http://schemas.openxmlformats.org/presentationml/2006/main">
+  <p:cSld>
+    <p:spTree>
+      <p:nvGrpSpPr>
+        <p:cNvPr id="1" name=""/>
+        <p:cNvGrpSpPr/>
+        <p:nvPr/>
+      </p:nvGrpSpPr>
+      <p:grpSpPr>
+        <a:xfrm>
+          <a:off x="0" y="0"/>
+          <a:ext cx="0" cy="0"/>
+          <a:chOff x="0" y="0"/>
+          <a:chExt cx="0" cy="0"/>
+        </a:xfrm>
+      </p:grpSpPr>
+      <p:pic>
+        <p:nvPicPr>
+          <p:cNvPr id="5" name="그림 4"/>
+          <p:cNvPicPr>
+            <a:picLocks noChangeAspect="1"/>
+          </p:cNvPicPr>
+          <p:nvPr/>
+        </p:nvPicPr>
+        <p:blipFill>
+          <a:blip r:embed="rId3">
+            <a:extLst>
+              <a:ext uri="{28A0092B-C50C-407E-A947-70E740481C1C}">
+                <a14:useLocalDpi xmlns:a14="http://schemas.microsoft.com/office/drawing/2010/main" val="0"/>
+              </a:ext>
+            </a:extLst>
+          </a:blip>
+          <a:stretch>
+            <a:fillRect/>
+          </a:stretch>
+        </p:blipFill>
+        <p:spPr>
+          <a:xfrm>
+            <a:off x="6199284" y="5921414"/>
+            <a:ext cx="2146032" cy="495238"/>
+          </a:xfrm>
+          <a:prstGeom prst="rect">
+            <a:avLst/>
+          </a:prstGeom>
+        </p:spPr>
+      </p:pic>
+      <p:sp>
+        <p:nvSpPr>
+          <p:cNvPr id="3" name="TextBox 2"/>
+          <p:cNvSpPr txBox="1"/>
+          <p:nvPr/>
+        </p:nvSpPr>
+        <p:spPr>
+          <a:xfrm>
+            <a:off x="1871700" y="1196752"/>
+            <a:ext cx="5400600" cy="707886"/>
+          </a:xfrm>
+          <a:prstGeom prst="rect">
+            <a:avLst/>
+          </a:prstGeom>
+          <a:noFill/>
+        </p:spPr>
+        <p:txBody>
+          <a:bodyPr wrap="square" rtlCol="0">
+            <a:spAutoFit/>
+          </a:bodyPr>
+          <a:lstStyle/>
+          <a:p>
+            <a:pPr algn="ctr"/>
+            <a:r>
+              <a:rPr lang="en-US" altLang="ko-KR" sz="4000" b="1" dirty="0" smtClean="0">
+                <a:solidFill>
+                  <a:srgbClr val="7030A0"/>
+                </a:solidFill>
+              </a:rPr>
+              <a:t>Driver</a:t>
+            </a:r>
+            <a:endParaRPr lang="ko-KR" altLang="en-US" sz="4000" b="1" dirty="0">
+              <a:solidFill>
+                <a:srgbClr val="7030A0"/>
+              </a:solidFill>
+            </a:endParaRPr>
+          </a:p>
+        </p:txBody>
+      </p:sp>
+      <p:pic>
+        <p:nvPicPr>
+          <p:cNvPr id="1026" name="Picture 2" descr="C:\Users\Kang\Desktop\MySpec\발표\CodeEngn\2018-06-15-1.png"/>
+          <p:cNvPicPr>
+            <a:picLocks noChangeAspect="1" noChangeArrowheads="1"/>
+          </p:cNvPicPr>
+          <p:nvPr/>
+        </p:nvPicPr>
+        <p:blipFill>
+          <a:blip r:embed="rId4">
+            <a:extLst>
+              <a:ext uri="{28A0092B-C50C-407E-A947-70E740481C1C}">
+                <a14:useLocalDpi xmlns:a14="http://schemas.microsoft.com/office/drawing/2010/main" val="0"/>
+              </a:ext>
+            </a:extLst>
+          </a:blip>
+          <a:srcRect/>
+          <a:stretch>
+            <a:fillRect/>
+          </a:stretch>
+        </p:blipFill>
+        <p:spPr bwMode="auto">
+          <a:xfrm>
+            <a:off x="2657474" y="2132856"/>
+            <a:ext cx="3829051" cy="2838450"/>
+          </a:xfrm>
+          <a:prstGeom prst="rect">
+            <a:avLst/>
+          </a:prstGeom>
+          <a:noFill/>
+          <a:extLst>
+            <a:ext uri="{909E8E84-426E-40DD-AFC4-6F175D3DCCD1}">
+              <a14:hiddenFill xmlns:a14="http://schemas.microsoft.com/office/drawing/2010/main">
+                <a:solidFill>
+                  <a:srgbClr val="FFFFFF"/>
+                </a:solidFill>
+              </a14:hiddenFill>
+            </a:ext>
+          </a:extLst>
+        </p:spPr>
+      </p:pic>
+      <p:pic>
+        <p:nvPicPr>
+          <p:cNvPr id="2050" name="Picture 2"/>
+          <p:cNvPicPr>
+            <a:picLocks noChangeAspect="1" noChangeArrowheads="1"/>
+          </p:cNvPicPr>
+          <p:nvPr/>
+        </p:nvPicPr>
+        <p:blipFill>
+          <a:blip r:embed="rId5">
+            <a:extLst>
+              <a:ext uri="{28A0092B-C50C-407E-A947-70E740481C1C}">
+                <a14:useLocalDpi xmlns:a14="http://schemas.microsoft.com/office/drawing/2010/main" val="0"/>
+              </a:ext>
+            </a:extLst>
+          </a:blip>
+          <a:srcRect/>
+          <a:stretch>
+            <a:fillRect/>
+          </a:stretch>
+        </p:blipFill>
+        <p:spPr bwMode="auto">
+          <a:xfrm>
+            <a:off x="1897857" y="2080069"/>
+            <a:ext cx="5348286" cy="3768279"/>
+          </a:xfrm>
+          <a:prstGeom prst="rect">
+            <a:avLst/>
+          </a:prstGeom>
+          <a:noFill/>
+          <a:ln>
+            <a:noFill/>
+          </a:ln>
+          <a:extLst>
+            <a:ext uri="{909E8E84-426E-40DD-AFC4-6F175D3DCCD1}">
+              <a14:hiddenFill xmlns:a14="http://schemas.microsoft.com/office/drawing/2010/main">
+                <a:solidFill>
+                  <a:schemeClr val="accent1"/>
+                </a:solidFill>
+              </a14:hiddenFill>
+            </a:ext>
+            <a:ext uri="{91240B29-F687-4F45-9708-019B960494DF}">
+              <a14:hiddenLine xmlns:a14="http://schemas.microsoft.com/office/drawing/2010/main" w="9525">
+                <a:solidFill>
+                  <a:schemeClr val="tx1"/>
+                </a:solidFill>
+                <a:miter lim="800000"/>
+                <a:headEnd/>
+                <a:tailEnd/>
+              </a14:hiddenLine>
+            </a:ext>
+          </a:extLst>
+        </p:spPr>
+      </p:pic>
+    </p:spTree>
+    <p:extLst>
+      <p:ext uri="{BB962C8B-B14F-4D97-AF65-F5344CB8AC3E}">
+        <p14:creationId xmlns:p14="http://schemas.microsoft.com/office/powerpoint/2010/main" val="3906246271"/>
+      </p:ext>
+    </p:extLst>
+  </p:cSld>
+  <p:clrMapOvr>
+    <a:masterClrMapping/>
+  </p:clrMapOvr>
+  <mc:AlternateContent xmlns:mc="http://schemas.openxmlformats.org/markup-compatibility/2006" xmlns:p14="http://schemas.microsoft.com/office/powerpoint/2010/main">
+    <mc:Choice Requires="p14">
+      <p:transition p14:dur="0"/>
+    </mc:Choice>
+    <mc:Fallback xmlns="">
+      <p:transition/>
+    </mc:Fallback>
+  </mc:AlternateContent>
+  <p:timing>
+    <p:tnLst>
+      <p:par>
+        <p:cTn id="1" dur="indefinite" restart="never" nodeType="tmRoot"/>
+      </p:par>
+    </p:tnLst>
+  </p:timing>
+</p:sld>
+</file>
+
+<file path=ppt/slides/slide14.xml><?xml version="1.0" encoding="utf-8"?>
+<p:sld xmlns:a="http://schemas.openxmlformats.org/drawingml/2006/main" xmlns:r="http://schemas.openxmlformats.org/officeDocument/2006/relationships" xmlns:p="http://schemas.openxmlformats.org/presentationml/2006/main">
+  <p:cSld>
+    <p:spTree>
+      <p:nvGrpSpPr>
+        <p:cNvPr id="1" name=""/>
+        <p:cNvGrpSpPr/>
+        <p:nvPr/>
+      </p:nvGrpSpPr>
+      <p:grpSpPr>
+        <a:xfrm>
+          <a:off x="0" y="0"/>
+          <a:ext cx="0" cy="0"/>
+          <a:chOff x="0" y="0"/>
+          <a:chExt cx="0" cy="0"/>
+        </a:xfrm>
+      </p:grpSpPr>
       <p:sp>
         <p:nvSpPr>
           <p:cNvPr id="2" name="슬라이드 번호 개체 틀 1"/>
@@ -5830,7 +8594,7 @@
                 </a:solidFill>
               </a:rPr>
               <a:pPr/>
-              <a:t>11</a:t>
+              <a:t>14</a:t>
             </a:fld>
             <a:endParaRPr lang="ko-KR" altLang="en-US">
               <a:solidFill>
@@ -6077,7 +8841,7 @@
 </p:sld>
 </file>
 
-<file path=ppt/slides/slide12.xml><?xml version="1.0" encoding="utf-8"?>
+<file path=ppt/slides/slide15.xml><?xml version="1.0" encoding="utf-8"?>
 <p:sld xmlns:a="http://schemas.openxmlformats.org/drawingml/2006/main" xmlns:r="http://schemas.openxmlformats.org/officeDocument/2006/relationships" xmlns:p="http://schemas.openxmlformats.org/presentationml/2006/main">
   <p:cSld>
     <p:spTree>
@@ -6148,7 +8912,7 @@
           <a:p>
             <a:pPr algn="ctr"/>
             <a:r>
-              <a:rPr lang="en-US" altLang="ko-KR" sz="4000" b="1" dirty="0" err="1" smtClean="0">
+              <a:rPr lang="ko-KR" altLang="en-US" sz="4000" b="1" dirty="0" smtClean="0">
                 <a:solidFill>
                   <a:schemeClr val="tx1">
                     <a:lumMod val="50000"/>
@@ -6156,7 +8920,18 @@
                   </a:schemeClr>
                 </a:solidFill>
               </a:rPr>
-              <a:t>QnA</a:t>
+              <a:t>끝으로</a:t>
+            </a:r>
+            <a:r>
+              <a:rPr lang="en-US" altLang="ko-KR" sz="4000" b="1" dirty="0" smtClean="0">
+                <a:solidFill>
+                  <a:schemeClr val="tx1">
+                    <a:lumMod val="50000"/>
+                    <a:lumOff val="50000"/>
+                  </a:schemeClr>
+                </a:solidFill>
+              </a:rPr>
+              <a:t>..</a:t>
             </a:r>
             <a:endParaRPr lang="ko-KR" altLang="en-US" sz="4000" b="1" dirty="0">
               <a:solidFill>
@@ -6197,7 +8972,7 @@
 </p:sld>
 </file>
 
-<file path=ppt/slides/slide13.xml><?xml version="1.0" encoding="utf-8"?>
+<file path=ppt/slides/slide16.xml><?xml version="1.0" encoding="utf-8"?>
 <p:sld xmlns:a="http://schemas.openxmlformats.org/drawingml/2006/main" xmlns:r="http://schemas.openxmlformats.org/officeDocument/2006/relationships" xmlns:p="http://schemas.openxmlformats.org/presentationml/2006/main">
   <p:cSld>
     <p:spTree>
@@ -6214,6 +8989,126 @@
           <a:chExt cx="0" cy="0"/>
         </a:xfrm>
       </p:grpSpPr>
+      <p:pic>
+        <p:nvPicPr>
+          <p:cNvPr id="25" name="그림 24"/>
+          <p:cNvPicPr>
+            <a:picLocks noChangeAspect="1"/>
+          </p:cNvPicPr>
+          <p:nvPr/>
+        </p:nvPicPr>
+        <p:blipFill>
+          <a:blip r:embed="rId3">
+            <a:extLst>
+              <a:ext uri="{28A0092B-C50C-407E-A947-70E740481C1C}">
+                <a14:useLocalDpi xmlns:a14="http://schemas.microsoft.com/office/drawing/2010/main" val="0"/>
+              </a:ext>
+            </a:extLst>
+          </a:blip>
+          <a:stretch>
+            <a:fillRect/>
+          </a:stretch>
+        </p:blipFill>
+        <p:spPr>
+          <a:xfrm>
+            <a:off x="6199284" y="5921414"/>
+            <a:ext cx="2146032" cy="495238"/>
+          </a:xfrm>
+          <a:prstGeom prst="rect">
+            <a:avLst/>
+          </a:prstGeom>
+        </p:spPr>
+      </p:pic>
+      <p:sp>
+        <p:nvSpPr>
+          <p:cNvPr id="26" name="TextBox 25"/>
+          <p:cNvSpPr txBox="1"/>
+          <p:nvPr/>
+        </p:nvSpPr>
+        <p:spPr>
+          <a:xfrm>
+            <a:off x="1871700" y="2643008"/>
+            <a:ext cx="5400600" cy="707886"/>
+          </a:xfrm>
+          <a:prstGeom prst="rect">
+            <a:avLst/>
+          </a:prstGeom>
+          <a:noFill/>
+        </p:spPr>
+        <p:txBody>
+          <a:bodyPr wrap="square" rtlCol="0">
+            <a:spAutoFit/>
+          </a:bodyPr>
+          <a:lstStyle/>
+          <a:p>
+            <a:pPr algn="ctr"/>
+            <a:r>
+              <a:rPr lang="en-US" altLang="ko-KR" sz="4000" b="1" dirty="0" err="1" smtClean="0">
+                <a:solidFill>
+                  <a:schemeClr val="tx1">
+                    <a:lumMod val="50000"/>
+                    <a:lumOff val="50000"/>
+                  </a:schemeClr>
+                </a:solidFill>
+              </a:rPr>
+              <a:t>QnA</a:t>
+            </a:r>
+            <a:endParaRPr lang="ko-KR" altLang="en-US" sz="4000" b="1" dirty="0">
+              <a:solidFill>
+                <a:schemeClr val="tx1">
+                  <a:lumMod val="50000"/>
+                  <a:lumOff val="50000"/>
+                </a:schemeClr>
+              </a:solidFill>
+            </a:endParaRPr>
+          </a:p>
+        </p:txBody>
+      </p:sp>
+    </p:spTree>
+    <p:extLst>
+      <p:ext uri="{BB962C8B-B14F-4D97-AF65-F5344CB8AC3E}">
+        <p14:creationId xmlns:p14="http://schemas.microsoft.com/office/powerpoint/2010/main" val="3146160280"/>
+      </p:ext>
+    </p:extLst>
+  </p:cSld>
+  <p:clrMapOvr>
+    <a:masterClrMapping/>
+  </p:clrMapOvr>
+  <mc:AlternateContent xmlns:mc="http://schemas.openxmlformats.org/markup-compatibility/2006" xmlns:p14="http://schemas.microsoft.com/office/powerpoint/2010/main">
+    <mc:Choice Requires="p14">
+      <p:transition p14:dur="0"/>
+    </mc:Choice>
+    <mc:Fallback xmlns="">
+      <p:transition/>
+    </mc:Fallback>
+  </mc:AlternateContent>
+  <p:timing>
+    <p:tnLst>
+      <p:par>
+        <p:cTn id="1" dur="indefinite" restart="never" nodeType="tmRoot"/>
+      </p:par>
+    </p:tnLst>
+  </p:timing>
+</p:sld>
+</file>
+
+<file path=ppt/slides/slide17.xml><?xml version="1.0" encoding="utf-8"?>
+<p:sld xmlns:a="http://schemas.openxmlformats.org/drawingml/2006/main" xmlns:r="http://schemas.openxmlformats.org/officeDocument/2006/relationships" xmlns:p="http://schemas.openxmlformats.org/presentationml/2006/main">
+  <p:cSld>
+    <p:spTree>
+      <p:nvGrpSpPr>
+        <p:cNvPr id="1" name=""/>
+        <p:cNvGrpSpPr/>
+        <p:nvPr/>
+      </p:nvGrpSpPr>
+      <p:grpSpPr>
+        <a:xfrm>
+          <a:off x="0" y="0"/>
+          <a:ext cx="0" cy="0"/>
+          <a:chOff x="0" y="0"/>
+          <a:chExt cx="0" cy="0"/>
+        </a:xfrm>
+      </p:grpSpPr>
       <p:sp>
         <p:nvSpPr>
           <p:cNvPr id="2" name="슬라이드 번호 개체 틀 1"/>
@@ -6238,7 +9133,7 @@
                 </a:solidFill>
               </a:rPr>
               <a:pPr/>
-              <a:t>13</a:t>
+              <a:t>17</a:t>
             </a:fld>
             <a:endParaRPr lang="ko-KR" altLang="en-US">
               <a:solidFill>
@@ -6525,122 +9420,47 @@
           </a:p>
         </p:txBody>
       </p:sp>
-      <p:sp>
-        <p:nvSpPr>
-          <p:cNvPr id="4" name="TextBox 3"/>
-          <p:cNvSpPr txBox="1"/>
+      <p:pic>
+        <p:nvPicPr>
+          <p:cNvPr id="2050" name="Picture 2" descr="C:\Users\Kang\Desktop\MySpec\발표\CodeEngn\2018-06-16-4.png"/>
+          <p:cNvPicPr>
+            <a:picLocks noChangeAspect="1" noChangeArrowheads="1"/>
+          </p:cNvPicPr>
           <p:nvPr/>
-        </p:nvSpPr>
-        <p:spPr>
+        </p:nvPicPr>
+        <p:blipFill>
+          <a:blip r:embed="rId4">
+            <a:extLst>
+              <a:ext uri="{28A0092B-C50C-407E-A947-70E740481C1C}">
+                <a14:useLocalDpi xmlns:a14="http://schemas.microsoft.com/office/drawing/2010/main" val="0"/>
+              </a:ext>
+            </a:extLst>
+          </a:blip>
+          <a:srcRect/>
+          <a:stretch>
+            <a:fillRect/>
+          </a:stretch>
+        </p:blipFill>
+        <p:spPr bwMode="auto">
           <a:xfrm>
-            <a:off x="1532301" y="2204864"/>
-            <a:ext cx="6079397" cy="646331"/>
+            <a:off x="2167520" y="2204864"/>
+            <a:ext cx="4781551" cy="3590925"/>
           </a:xfrm>
           <a:prstGeom prst="rect">
             <a:avLst/>
           </a:prstGeom>
           <a:noFill/>
+          <a:extLst>
+            <a:ext uri="{909E8E84-426E-40DD-AFC4-6F175D3DCCD1}">
+              <a14:hiddenFill xmlns:a14="http://schemas.microsoft.com/office/drawing/2010/main">
+                <a:solidFill>
+                  <a:srgbClr val="FFFFFF"/>
+                </a:solidFill>
+              </a14:hiddenFill>
+            </a:ext>
+          </a:extLst>
         </p:spPr>
-        <p:txBody>
-          <a:bodyPr wrap="square" rtlCol="0">
-            <a:spAutoFit/>
-          </a:bodyPr>
-          <a:lstStyle/>
-          <a:p>
-            <a:pPr marL="285750" indent="-285750">
-              <a:buFont typeface="Wingdings" panose="05000000000000000000" pitchFamily="2" charset="2"/>
-              <a:buChar char="u"/>
-            </a:pPr>
-            <a:r>
-              <a:rPr lang="ko-KR" altLang="en-US" dirty="0" smtClean="0"/>
-              <a:t>게임에서 인가하지 않은 방법으로 메모리나 </a:t>
-            </a:r>
-            <a:r>
-              <a:rPr lang="ko-KR" altLang="en-US" dirty="0" err="1" smtClean="0"/>
-              <a:t>패킷을</a:t>
-            </a:r>
-            <a:r>
-              <a:rPr lang="ko-KR" altLang="en-US" dirty="0" smtClean="0"/>
-              <a:t> </a:t>
-            </a:r>
-            <a:r>
-              <a:rPr lang="ko-KR" altLang="en-US" dirty="0" err="1" smtClean="0"/>
-              <a:t>위변조하여</a:t>
-            </a:r>
-            <a:r>
-              <a:rPr lang="ko-KR" altLang="en-US" dirty="0" smtClean="0"/>
-              <a:t> </a:t>
-            </a:r>
-            <a:r>
-              <a:rPr lang="ko-KR" altLang="en-US" dirty="0" err="1" smtClean="0"/>
-              <a:t>플레이하는</a:t>
-            </a:r>
-            <a:r>
-              <a:rPr lang="ko-KR" altLang="en-US" dirty="0" smtClean="0"/>
-              <a:t> 행위</a:t>
-            </a:r>
-            <a:endParaRPr lang="en-US" altLang="ko-KR" dirty="0" smtClean="0"/>
-          </a:p>
-        </p:txBody>
-      </p:sp>
-      <p:sp>
-        <p:nvSpPr>
-          <p:cNvPr id="6" name="TextBox 5"/>
-          <p:cNvSpPr txBox="1"/>
-          <p:nvPr/>
-        </p:nvSpPr>
-        <p:spPr>
-          <a:xfrm>
-            <a:off x="1532300" y="3031316"/>
-            <a:ext cx="6079397" cy="646331"/>
-          </a:xfrm>
-          <a:prstGeom prst="rect">
-            <a:avLst/>
-          </a:prstGeom>
-          <a:noFill/>
-        </p:spPr>
-        <p:txBody>
-          <a:bodyPr wrap="square" rtlCol="0">
-            <a:spAutoFit/>
-          </a:bodyPr>
-          <a:lstStyle/>
-          <a:p>
-            <a:pPr marL="285750" indent="-285750">
-              <a:buFont typeface="Wingdings" panose="05000000000000000000" pitchFamily="2" charset="2"/>
-              <a:buChar char="u"/>
-            </a:pPr>
-            <a:r>
-              <a:rPr lang="ko-KR" altLang="en-US" dirty="0" smtClean="0"/>
-              <a:t>게임에서 인가하지 않은 방법으로 메모리나 </a:t>
-            </a:r>
-            <a:r>
-              <a:rPr lang="ko-KR" altLang="en-US" dirty="0" err="1" smtClean="0"/>
-              <a:t>패킷을</a:t>
-            </a:r>
-            <a:r>
-              <a:rPr lang="ko-KR" altLang="en-US" dirty="0" smtClean="0"/>
-              <a:t> </a:t>
-            </a:r>
-            <a:r>
-              <a:rPr lang="ko-KR" altLang="en-US" dirty="0" err="1" smtClean="0"/>
-              <a:t>위변조하여</a:t>
-            </a:r>
-            <a:r>
-              <a:rPr lang="ko-KR" altLang="en-US" dirty="0" smtClean="0"/>
-              <a:t> </a:t>
-            </a:r>
-            <a:r>
-              <a:rPr lang="ko-KR" altLang="en-US" dirty="0" err="1" smtClean="0"/>
-              <a:t>플레이하는</a:t>
-            </a:r>
-            <a:r>
-              <a:rPr lang="ko-KR" altLang="en-US" dirty="0" smtClean="0"/>
-              <a:t> 행위</a:t>
-            </a:r>
-            <a:endParaRPr lang="en-US" altLang="ko-KR" dirty="0" smtClean="0"/>
-          </a:p>
-        </p:txBody>
-      </p:sp>
+      </p:pic>
     </p:spTree>
     <p:extLst>
       <p:ext uri="{BB962C8B-B14F-4D97-AF65-F5344CB8AC3E}">
@@ -6740,12 +9560,20 @@
           <a:p>
             <a:pPr algn="ctr"/>
             <a:r>
+              <a:rPr lang="ko-KR" altLang="en-US" sz="4000" b="1" dirty="0" smtClean="0">
+                <a:solidFill>
+                  <a:srgbClr val="FFC000"/>
+                </a:solidFill>
+              </a:rPr>
+              <a:t>태초의 </a:t>
+            </a:r>
+            <a:r>
               <a:rPr lang="ko-KR" altLang="en-US" sz="4000" b="1" dirty="0" err="1" smtClean="0">
                 <a:solidFill>
                   <a:srgbClr val="FFC000"/>
                 </a:solidFill>
               </a:rPr>
-              <a:t>치트</a:t>
+              <a:t>게임핵</a:t>
             </a:r>
             <a:r>
               <a:rPr lang="ko-KR" altLang="en-US" sz="4000" b="1" dirty="0" smtClean="0">
@@ -6753,7 +9581,7 @@
                   <a:srgbClr val="FFC000"/>
                 </a:solidFill>
               </a:rPr>
-              <a:t> 엔진</a:t>
+              <a:t> 문화</a:t>
             </a:r>
             <a:endParaRPr lang="ko-KR" altLang="en-US" sz="4000" b="1" dirty="0">
               <a:solidFill>
@@ -6763,9 +9591,39 @@
           </a:p>
         </p:txBody>
       </p:sp>
+      <p:sp>
+        <p:nvSpPr>
+          <p:cNvPr id="4" name="TextBox 3"/>
+          <p:cNvSpPr txBox="1"/>
+          <p:nvPr/>
+        </p:nvSpPr>
+        <p:spPr>
+          <a:xfrm>
+            <a:off x="2267744" y="3068960"/>
+            <a:ext cx="4104456" cy="369332"/>
+          </a:xfrm>
+          <a:prstGeom prst="rect">
+            <a:avLst/>
+          </a:prstGeom>
+          <a:noFill/>
+        </p:spPr>
+        <p:txBody>
+          <a:bodyPr wrap="square" rtlCol="0">
+            <a:spAutoFit/>
+          </a:bodyPr>
+          <a:lstStyle/>
+          <a:p>
+            <a:r>
+              <a:rPr lang="ko-KR" altLang="en-US" dirty="0" err="1" smtClean="0"/>
+              <a:t>치트엔진</a:t>
+            </a:r>
+            <a:endParaRPr lang="ko-KR" altLang="en-US" dirty="0"/>
+          </a:p>
+        </p:txBody>
+      </p:sp>
       <p:pic>
         <p:nvPicPr>
-          <p:cNvPr id="6" name="Picture 2"/>
+          <p:cNvPr id="1026" name="Picture 2" descr="C:\Users\Kang\Desktop\발표\CodeEngn\2018-05-15-2.png"/>
           <p:cNvPicPr>
             <a:picLocks noChangeAspect="1" noChangeArrowheads="1"/>
           </p:cNvPicPr>
@@ -6786,122 +9644,28 @@
         </p:blipFill>
         <p:spPr bwMode="auto">
           <a:xfrm>
-            <a:off x="71500" y="2204864"/>
-            <a:ext cx="9001000" cy="3130595"/>
+            <a:off x="749300" y="1899676"/>
+            <a:ext cx="7645400" cy="3429000"/>
           </a:xfrm>
           <a:prstGeom prst="rect">
             <a:avLst/>
           </a:prstGeom>
           <a:noFill/>
-          <a:ln>
-            <a:noFill/>
-          </a:ln>
           <a:extLst>
             <a:ext uri="{909E8E84-426E-40DD-AFC4-6F175D3DCCD1}">
               <a14:hiddenFill xmlns:a14="http://schemas.microsoft.com/office/drawing/2010/main">
                 <a:solidFill>
-                  <a:schemeClr val="accent1"/>
+                  <a:srgbClr val="FFFFFF"/>
                 </a:solidFill>
               </a14:hiddenFill>
-            </a:ext>
-            <a:ext uri="{91240B29-F687-4F45-9708-019B960494DF}">
-              <a14:hiddenLine xmlns:a14="http://schemas.microsoft.com/office/drawing/2010/main" w="9525">
-                <a:solidFill>
-                  <a:schemeClr val="tx1"/>
-                </a:solidFill>
-                <a:miter lim="800000"/>
-                <a:headEnd/>
-                <a:tailEnd/>
-              </a14:hiddenLine>
             </a:ext>
           </a:extLst>
         </p:spPr>
       </p:pic>
-      <p:sp>
-        <p:nvSpPr>
-          <p:cNvPr id="2" name="폭발 1 1"/>
-          <p:cNvSpPr/>
-          <p:nvPr/>
-        </p:nvSpPr>
-        <p:spPr>
-          <a:xfrm>
-            <a:off x="611560" y="1943110"/>
-            <a:ext cx="4464496" cy="1781321"/>
-          </a:xfrm>
-          <a:prstGeom prst="irregularSeal1">
-            <a:avLst/>
-          </a:prstGeom>
-          <a:solidFill>
-            <a:srgbClr val="FF0000"/>
-          </a:solidFill>
-        </p:spPr>
-        <p:style>
-          <a:lnRef idx="2">
-            <a:schemeClr val="accent1">
-              <a:shade val="50000"/>
-            </a:schemeClr>
-          </a:lnRef>
-          <a:fillRef idx="1">
-            <a:schemeClr val="accent1"/>
-          </a:fillRef>
-          <a:effectRef idx="0">
-            <a:schemeClr val="accent1"/>
-          </a:effectRef>
-          <a:fontRef idx="minor">
-            <a:schemeClr val="lt1"/>
-          </a:fontRef>
-        </p:style>
-        <p:txBody>
-          <a:bodyPr rtlCol="0" anchor="ctr"/>
-          <a:lstStyle/>
-          <a:p>
-            <a:pPr algn="ctr"/>
-            <a:endParaRPr lang="ko-KR" altLang="en-US"/>
-          </a:p>
-        </p:txBody>
-      </p:sp>
-      <p:sp>
-        <p:nvSpPr>
-          <p:cNvPr id="4" name="TextBox 3"/>
-          <p:cNvSpPr txBox="1"/>
-          <p:nvPr/>
-        </p:nvSpPr>
-        <p:spPr>
-          <a:xfrm>
-            <a:off x="1160038" y="2603376"/>
-            <a:ext cx="4068452" cy="369332"/>
-          </a:xfrm>
-          <a:prstGeom prst="rect">
-            <a:avLst/>
-          </a:prstGeom>
-          <a:noFill/>
-        </p:spPr>
-        <p:txBody>
-          <a:bodyPr wrap="square" rtlCol="0">
-            <a:spAutoFit/>
-          </a:bodyPr>
-          <a:lstStyle/>
-          <a:p>
-            <a:r>
-              <a:rPr lang="en-US" altLang="ko-KR" dirty="0" smtClean="0"/>
-              <a:t>2003</a:t>
-            </a:r>
-            <a:r>
-              <a:rPr lang="ko-KR" altLang="en-US" dirty="0" smtClean="0"/>
-              <a:t>년부터 시작된 </a:t>
-            </a:r>
-            <a:r>
-              <a:rPr lang="ko-KR" altLang="en-US" dirty="0" err="1" smtClean="0"/>
-              <a:t>치트엔진</a:t>
-            </a:r>
-            <a:endParaRPr lang="ko-KR" altLang="en-US" dirty="0"/>
-          </a:p>
-        </p:txBody>
-      </p:sp>
     </p:spTree>
     <p:extLst>
       <p:ext uri="{BB962C8B-B14F-4D97-AF65-F5344CB8AC3E}">
-        <p14:creationId xmlns:p14="http://schemas.microsoft.com/office/powerpoint/2010/main" val="2255101489"/>
+        <p14:creationId xmlns:p14="http://schemas.microsoft.com/office/powerpoint/2010/main" val="2185273779"/>
       </p:ext>
     </p:extLst>
   </p:cSld>
@@ -6997,28 +9761,20 @@
           <a:p>
             <a:pPr algn="ctr"/>
             <a:r>
+              <a:rPr lang="ko-KR" altLang="en-US" sz="4000" b="1" dirty="0" err="1" smtClean="0">
+                <a:solidFill>
+                  <a:srgbClr val="FFC000"/>
+                </a:solidFill>
+              </a:rPr>
+              <a:t>치트</a:t>
+            </a:r>
+            <a:r>
               <a:rPr lang="ko-KR" altLang="en-US" sz="4000" b="1" dirty="0" smtClean="0">
                 <a:solidFill>
                   <a:srgbClr val="FFC000"/>
                 </a:solidFill>
               </a:rPr>
-              <a:t>태초의 </a:t>
-            </a:r>
-            <a:r>
-              <a:rPr lang="ko-KR" altLang="en-US" sz="4000" b="1" dirty="0" err="1" smtClean="0">
-                <a:solidFill>
-                  <a:srgbClr val="FFC000"/>
-                </a:solidFill>
-              </a:rPr>
-              <a:t>게임핵</a:t>
-            </a:r>
-            <a:r>
-              <a:rPr lang="ko-KR" altLang="en-US" sz="4000" b="1" dirty="0" smtClean="0">
-                <a:solidFill>
-                  <a:srgbClr val="FFC000"/>
-                </a:solidFill>
-              </a:rPr>
-              <a:t> 문화</a:t>
+              <a:t> 엔진</a:t>
             </a:r>
             <a:endParaRPr lang="ko-KR" altLang="en-US" sz="4000" b="1" dirty="0">
               <a:solidFill>
@@ -7028,39 +9784,9 @@
           </a:p>
         </p:txBody>
       </p:sp>
-      <p:sp>
-        <p:nvSpPr>
-          <p:cNvPr id="4" name="TextBox 3"/>
-          <p:cNvSpPr txBox="1"/>
-          <p:nvPr/>
-        </p:nvSpPr>
-        <p:spPr>
-          <a:xfrm>
-            <a:off x="2267744" y="3068960"/>
-            <a:ext cx="4104456" cy="369332"/>
-          </a:xfrm>
-          <a:prstGeom prst="rect">
-            <a:avLst/>
-          </a:prstGeom>
-          <a:noFill/>
-        </p:spPr>
-        <p:txBody>
-          <a:bodyPr wrap="square" rtlCol="0">
-            <a:spAutoFit/>
-          </a:bodyPr>
-          <a:lstStyle/>
-          <a:p>
-            <a:r>
-              <a:rPr lang="ko-KR" altLang="en-US" dirty="0" err="1" smtClean="0"/>
-              <a:t>치트엔진</a:t>
-            </a:r>
-            <a:endParaRPr lang="ko-KR" altLang="en-US" dirty="0"/>
-          </a:p>
-        </p:txBody>
-      </p:sp>
       <p:pic>
         <p:nvPicPr>
-          <p:cNvPr id="1026" name="Picture 2" descr="C:\Users\Kang\Desktop\발표\CodeEngn\2018-05-15-2.png"/>
+          <p:cNvPr id="6" name="Picture 2"/>
           <p:cNvPicPr>
             <a:picLocks noChangeAspect="1" noChangeArrowheads="1"/>
           </p:cNvPicPr>
@@ -7081,28 +9807,122 @@
         </p:blipFill>
         <p:spPr bwMode="auto">
           <a:xfrm>
-            <a:off x="749300" y="1899676"/>
-            <a:ext cx="7645400" cy="3429000"/>
+            <a:off x="71500" y="2204864"/>
+            <a:ext cx="9001000" cy="3130595"/>
           </a:xfrm>
           <a:prstGeom prst="rect">
             <a:avLst/>
           </a:prstGeom>
           <a:noFill/>
+          <a:ln>
+            <a:noFill/>
+          </a:ln>
           <a:extLst>
             <a:ext uri="{909E8E84-426E-40DD-AFC4-6F175D3DCCD1}">
               <a14:hiddenFill xmlns:a14="http://schemas.microsoft.com/office/drawing/2010/main">
                 <a:solidFill>
-                  <a:srgbClr val="FFFFFF"/>
+                  <a:schemeClr val="accent1"/>
                 </a:solidFill>
               </a14:hiddenFill>
+            </a:ext>
+            <a:ext uri="{91240B29-F687-4F45-9708-019B960494DF}">
+              <a14:hiddenLine xmlns:a14="http://schemas.microsoft.com/office/drawing/2010/main" w="9525">
+                <a:solidFill>
+                  <a:schemeClr val="tx1"/>
+                </a:solidFill>
+                <a:miter lim="800000"/>
+                <a:headEnd/>
+                <a:tailEnd/>
+              </a14:hiddenLine>
             </a:ext>
           </a:extLst>
         </p:spPr>
       </p:pic>
+      <p:sp>
+        <p:nvSpPr>
+          <p:cNvPr id="2" name="폭발 1 1"/>
+          <p:cNvSpPr/>
+          <p:nvPr/>
+        </p:nvSpPr>
+        <p:spPr>
+          <a:xfrm>
+            <a:off x="611560" y="1943110"/>
+            <a:ext cx="4464496" cy="1781321"/>
+          </a:xfrm>
+          <a:prstGeom prst="irregularSeal1">
+            <a:avLst/>
+          </a:prstGeom>
+          <a:solidFill>
+            <a:srgbClr val="FF0000"/>
+          </a:solidFill>
+        </p:spPr>
+        <p:style>
+          <a:lnRef idx="2">
+            <a:schemeClr val="accent1">
+              <a:shade val="50000"/>
+            </a:schemeClr>
+          </a:lnRef>
+          <a:fillRef idx="1">
+            <a:schemeClr val="accent1"/>
+          </a:fillRef>
+          <a:effectRef idx="0">
+            <a:schemeClr val="accent1"/>
+          </a:effectRef>
+          <a:fontRef idx="minor">
+            <a:schemeClr val="lt1"/>
+          </a:fontRef>
+        </p:style>
+        <p:txBody>
+          <a:bodyPr rtlCol="0" anchor="ctr"/>
+          <a:lstStyle/>
+          <a:p>
+            <a:pPr algn="ctr"/>
+            <a:endParaRPr lang="ko-KR" altLang="en-US"/>
+          </a:p>
+        </p:txBody>
+      </p:sp>
+      <p:sp>
+        <p:nvSpPr>
+          <p:cNvPr id="4" name="TextBox 3"/>
+          <p:cNvSpPr txBox="1"/>
+          <p:nvPr/>
+        </p:nvSpPr>
+        <p:spPr>
+          <a:xfrm>
+            <a:off x="1160038" y="2603376"/>
+            <a:ext cx="4068452" cy="369332"/>
+          </a:xfrm>
+          <a:prstGeom prst="rect">
+            <a:avLst/>
+          </a:prstGeom>
+          <a:noFill/>
+        </p:spPr>
+        <p:txBody>
+          <a:bodyPr wrap="square" rtlCol="0">
+            <a:spAutoFit/>
+          </a:bodyPr>
+          <a:lstStyle/>
+          <a:p>
+            <a:r>
+              <a:rPr lang="en-US" altLang="ko-KR" dirty="0" smtClean="0"/>
+              <a:t>2003</a:t>
+            </a:r>
+            <a:r>
+              <a:rPr lang="ko-KR" altLang="en-US" dirty="0" smtClean="0"/>
+              <a:t>년부터 시작된 </a:t>
+            </a:r>
+            <a:r>
+              <a:rPr lang="ko-KR" altLang="en-US" dirty="0" err="1" smtClean="0"/>
+              <a:t>치트엔진</a:t>
+            </a:r>
+            <a:endParaRPr lang="ko-KR" altLang="en-US" dirty="0"/>
+          </a:p>
+        </p:txBody>
+      </p:sp>
     </p:spTree>
     <p:extLst>
       <p:ext uri="{BB962C8B-B14F-4D97-AF65-F5344CB8AC3E}">
-        <p14:creationId xmlns:p14="http://schemas.microsoft.com/office/powerpoint/2010/main" val="2185273779"/>
+        <p14:creationId xmlns:p14="http://schemas.microsoft.com/office/powerpoint/2010/main" val="2255101489"/>
       </p:ext>
     </p:extLst>
   </p:cSld>
@@ -7321,7 +10141,7 @@
           <p:nvPr/>
         </p:nvPicPr>
         <p:blipFill>
-          <a:blip r:embed="rId2">
+          <a:blip r:embed="rId3">
             <a:extLst>
               <a:ext uri="{28A0092B-C50C-407E-A947-70E740481C1C}">
                 <a14:useLocalDpi xmlns:a14="http://schemas.microsoft.com/office/drawing/2010/main" val="0"/>
@@ -7350,7 +10170,7 @@
         </p:nvSpPr>
         <p:spPr>
           <a:xfrm>
-            <a:off x="1871700" y="722080"/>
+            <a:off x="1871700" y="1055083"/>
             <a:ext cx="5400600" cy="707886"/>
           </a:xfrm>
           <a:prstGeom prst="rect">
@@ -7383,46 +10203,7 @@
       </p:sp>
       <p:pic>
         <p:nvPicPr>
-          <p:cNvPr id="2" name="Picture 2" descr="C:\Users\Kang\Desktop\MySpec\발표\CodeEngn\2018-05-07-1.png"/>
-          <p:cNvPicPr>
-            <a:picLocks noChangeAspect="1" noChangeArrowheads="1"/>
-          </p:cNvPicPr>
-          <p:nvPr/>
-        </p:nvPicPr>
-        <p:blipFill rotWithShape="1">
-          <a:blip r:embed="rId3">
-            <a:extLst>
-              <a:ext uri="{28A0092B-C50C-407E-A947-70E740481C1C}">
-                <a14:useLocalDpi xmlns:a14="http://schemas.microsoft.com/office/drawing/2010/main" val="0"/>
-              </a:ext>
-            </a:extLst>
-          </a:blip>
-          <a:srcRect l="1757" t="1988" b="47933"/>
-          <a:stretch/>
-        </p:blipFill>
-        <p:spPr bwMode="auto">
-          <a:xfrm>
-            <a:off x="2102174" y="1429966"/>
-            <a:ext cx="4939652" cy="2444798"/>
-          </a:xfrm>
-          <a:prstGeom prst="rect">
-            <a:avLst/>
-          </a:prstGeom>
-          <a:noFill/>
-          <a:extLst>
-            <a:ext uri="{909E8E84-426E-40DD-AFC4-6F175D3DCCD1}">
-              <a14:hiddenFill xmlns:a14="http://schemas.microsoft.com/office/drawing/2010/main">
-                <a:solidFill>
-                  <a:srgbClr val="FFFFFF"/>
-                </a:solidFill>
-              </a14:hiddenFill>
-            </a:ext>
-          </a:extLst>
-        </p:spPr>
-      </p:pic>
-      <p:pic>
-        <p:nvPicPr>
-          <p:cNvPr id="1027" name="Picture 3" descr="C:\Users\Kang\Desktop\MySpec\발표\CodeEngn\2018-05-07-2.png"/>
+          <p:cNvPr id="1026" name="Picture 2" descr="C:\Users\Kang\Desktop\MySpec\발표\CodeEngn\2018-05-20-1.png"/>
           <p:cNvPicPr>
             <a:picLocks noChangeAspect="1" noChangeArrowheads="1"/>
           </p:cNvPicPr>
@@ -7443,8 +10224,8 @@
         </p:blipFill>
         <p:spPr bwMode="auto">
           <a:xfrm>
-            <a:off x="1943708" y="3914029"/>
-            <a:ext cx="5256584" cy="1866590"/>
+            <a:off x="426086" y="1997921"/>
+            <a:ext cx="8291828" cy="4418731"/>
           </a:xfrm>
           <a:prstGeom prst="rect">
             <a:avLst/>
@@ -7464,7 +10245,7 @@
     </p:spTree>
     <p:extLst>
       <p:ext uri="{BB962C8B-B14F-4D97-AF65-F5344CB8AC3E}">
-        <p14:creationId xmlns:p14="http://schemas.microsoft.com/office/powerpoint/2010/main" val="2136220461"/>
+        <p14:creationId xmlns:p14="http://schemas.microsoft.com/office/powerpoint/2010/main" val="1480407646"/>
       </p:ext>
     </p:extLst>
   </p:cSld>
@@ -7515,7 +10296,7 @@
           <p:nvPr/>
         </p:nvPicPr>
         <p:blipFill>
-          <a:blip r:embed="rId2">
+          <a:blip r:embed="rId3">
             <a:extLst>
               <a:ext uri="{28A0092B-C50C-407E-A947-70E740481C1C}">
                 <a14:useLocalDpi xmlns:a14="http://schemas.microsoft.com/office/drawing/2010/main" val="0"/>
@@ -7544,7 +10325,7 @@
         </p:nvSpPr>
         <p:spPr>
           <a:xfrm>
-            <a:off x="1871700" y="1055083"/>
+            <a:off x="1871700" y="980728"/>
             <a:ext cx="5400600" cy="707886"/>
           </a:xfrm>
           <a:prstGeom prst="rect">
@@ -7562,14 +10343,14 @@
             <a:r>
               <a:rPr lang="en-US" altLang="ko-KR" sz="4000" b="1" dirty="0" smtClean="0">
                 <a:solidFill>
-                  <a:srgbClr val="00FF00"/>
+                  <a:srgbClr val="0070C0"/>
                 </a:solidFill>
               </a:rPr>
-              <a:t>DLL Injection</a:t>
+              <a:t>Hooking</a:t>
             </a:r>
             <a:endParaRPr lang="ko-KR" altLang="en-US" sz="4000" b="1" dirty="0">
               <a:solidFill>
-                <a:srgbClr val="00FF00"/>
+                <a:srgbClr val="0070C0"/>
               </a:solidFill>
             </a:endParaRPr>
           </a:p>
@@ -7577,14 +10358,16 @@
       </p:sp>
       <p:pic>
         <p:nvPicPr>
-          <p:cNvPr id="1026" name="Picture 2" descr="C:\Users\Kang\Desktop\MySpec\발표\CodeEngn\2018-05-20-1.png"/>
+          <p:cNvPr id="2050" name="Picture 2" descr="C:\Users\Kang\Desktop\MySpec\발표\CodeEngn\2018-05-21-3.png">
+            <a:hlinkClick r:id="rId4"/>
+          </p:cNvPr>
           <p:cNvPicPr>
             <a:picLocks noChangeAspect="1" noChangeArrowheads="1"/>
           </p:cNvPicPr>
           <p:nvPr/>
         </p:nvPicPr>
         <p:blipFill>
-          <a:blip r:embed="rId3">
+          <a:blip r:embed="rId5">
             <a:extLst>
               <a:ext uri="{28A0092B-C50C-407E-A947-70E740481C1C}">
                 <a14:useLocalDpi xmlns:a14="http://schemas.microsoft.com/office/drawing/2010/main" val="0"/>
@@ -7598,8 +10381,8 @@
         </p:blipFill>
         <p:spPr bwMode="auto">
           <a:xfrm>
-            <a:off x="168604" y="1844824"/>
-            <a:ext cx="8806792" cy="4693156"/>
+            <a:off x="476300" y="1742824"/>
+            <a:ext cx="8191399" cy="4161688"/>
           </a:xfrm>
           <a:prstGeom prst="rect">
             <a:avLst/>
@@ -7619,7 +10402,7 @@
     </p:spTree>
     <p:extLst>
       <p:ext uri="{BB962C8B-B14F-4D97-AF65-F5344CB8AC3E}">
-        <p14:creationId xmlns:p14="http://schemas.microsoft.com/office/powerpoint/2010/main" val="1480407646"/>
+        <p14:creationId xmlns:p14="http://schemas.microsoft.com/office/powerpoint/2010/main" val="2875629296"/>
       </p:ext>
     </p:extLst>
   </p:cSld>
@@ -7730,51 +10513,510 @@
           </a:p>
         </p:txBody>
       </p:sp>
-      <p:pic>
-        <p:nvPicPr>
-          <p:cNvPr id="2050" name="Picture 2" descr="C:\Users\Kang\Desktop\MySpec\발표\CodeEngn\2018-05-21-3.png"/>
-          <p:cNvPicPr>
-            <a:picLocks noChangeAspect="1" noChangeArrowheads="1"/>
-          </p:cNvPicPr>
+      <p:sp>
+        <p:nvSpPr>
+          <p:cNvPr id="13" name="직사각형 12"/>
+          <p:cNvSpPr/>
           <p:nvPr/>
-        </p:nvPicPr>
-        <p:blipFill>
-          <a:blip r:embed="rId4">
-            <a:extLst>
-              <a:ext uri="{28A0092B-C50C-407E-A947-70E740481C1C}">
-                <a14:useLocalDpi xmlns:a14="http://schemas.microsoft.com/office/drawing/2010/main" val="0"/>
-              </a:ext>
-            </a:extLst>
-          </a:blip>
-          <a:srcRect/>
-          <a:stretch>
-            <a:fillRect/>
-          </a:stretch>
-        </p:blipFill>
-        <p:spPr bwMode="auto">
+        </p:nvSpPr>
+        <p:spPr>
           <a:xfrm>
-            <a:off x="476300" y="1742824"/>
-            <a:ext cx="8191399" cy="4161688"/>
+            <a:off x="755576" y="3356992"/>
+            <a:ext cx="2232248" cy="1152128"/>
           </a:xfrm>
           <a:prstGeom prst="rect">
             <a:avLst/>
           </a:prstGeom>
           <a:noFill/>
-          <a:extLst>
-            <a:ext uri="{909E8E84-426E-40DD-AFC4-6F175D3DCCD1}">
-              <a14:hiddenFill xmlns:a14="http://schemas.microsoft.com/office/drawing/2010/main">
-                <a:solidFill>
-                  <a:srgbClr val="FFFFFF"/>
-                </a:solidFill>
-              </a14:hiddenFill>
-            </a:ext>
-          </a:extLst>
+          <a:ln>
+            <a:solidFill>
+              <a:schemeClr val="tx1"/>
+            </a:solidFill>
+          </a:ln>
         </p:spPr>
-      </p:pic>
+        <p:style>
+          <a:lnRef idx="2">
+            <a:schemeClr val="accent1">
+              <a:shade val="50000"/>
+            </a:schemeClr>
+          </a:lnRef>
+          <a:fillRef idx="1">
+            <a:schemeClr val="accent1"/>
+          </a:fillRef>
+          <a:effectRef idx="0">
+            <a:schemeClr val="accent1"/>
+          </a:effectRef>
+          <a:fontRef idx="minor">
+            <a:schemeClr val="lt1"/>
+          </a:fontRef>
+        </p:style>
+        <p:txBody>
+          <a:bodyPr rtlCol="0" anchor="ctr"/>
+          <a:lstStyle/>
+          <a:p>
+            <a:pPr algn="ctr"/>
+            <a:endParaRPr lang="ko-KR" altLang="en-US"/>
+          </a:p>
+        </p:txBody>
+      </p:sp>
+      <p:sp>
+        <p:nvSpPr>
+          <p:cNvPr id="16" name="직사각형 15"/>
+          <p:cNvSpPr/>
+          <p:nvPr/>
+        </p:nvSpPr>
+        <p:spPr>
+          <a:xfrm>
+            <a:off x="6100460" y="3356992"/>
+            <a:ext cx="2232248" cy="1152128"/>
+          </a:xfrm>
+          <a:prstGeom prst="rect">
+            <a:avLst/>
+          </a:prstGeom>
+          <a:noFill/>
+          <a:ln>
+            <a:solidFill>
+              <a:schemeClr val="tx1"/>
+            </a:solidFill>
+          </a:ln>
+        </p:spPr>
+        <p:style>
+          <a:lnRef idx="2">
+            <a:schemeClr val="accent1">
+              <a:shade val="50000"/>
+            </a:schemeClr>
+          </a:lnRef>
+          <a:fillRef idx="1">
+            <a:schemeClr val="accent1"/>
+          </a:fillRef>
+          <a:effectRef idx="0">
+            <a:schemeClr val="accent1"/>
+          </a:effectRef>
+          <a:fontRef idx="minor">
+            <a:schemeClr val="lt1"/>
+          </a:fontRef>
+        </p:style>
+        <p:txBody>
+          <a:bodyPr rtlCol="0" anchor="ctr"/>
+          <a:lstStyle/>
+          <a:p>
+            <a:pPr algn="ctr"/>
+            <a:endParaRPr lang="ko-KR" altLang="en-US"/>
+          </a:p>
+        </p:txBody>
+      </p:sp>
+      <p:sp>
+        <p:nvSpPr>
+          <p:cNvPr id="14" name="순서도: 연결자 13"/>
+          <p:cNvSpPr/>
+          <p:nvPr/>
+        </p:nvSpPr>
+        <p:spPr>
+          <a:xfrm>
+            <a:off x="3671900" y="1772816"/>
+            <a:ext cx="1800200" cy="1380346"/>
+          </a:xfrm>
+          <a:prstGeom prst="flowChartConnector">
+            <a:avLst/>
+          </a:prstGeom>
+          <a:noFill/>
+          <a:ln>
+            <a:solidFill>
+              <a:schemeClr val="tx1"/>
+            </a:solidFill>
+          </a:ln>
+        </p:spPr>
+        <p:style>
+          <a:lnRef idx="2">
+            <a:schemeClr val="accent1">
+              <a:shade val="50000"/>
+            </a:schemeClr>
+          </a:lnRef>
+          <a:fillRef idx="1">
+            <a:schemeClr val="accent1"/>
+          </a:fillRef>
+          <a:effectRef idx="0">
+            <a:schemeClr val="accent1"/>
+          </a:effectRef>
+          <a:fontRef idx="minor">
+            <a:schemeClr val="lt1"/>
+          </a:fontRef>
+        </p:style>
+        <p:txBody>
+          <a:bodyPr rtlCol="0" anchor="ctr"/>
+          <a:lstStyle/>
+          <a:p>
+            <a:pPr algn="ctr"/>
+            <a:endParaRPr lang="ko-KR" altLang="en-US"/>
+          </a:p>
+        </p:txBody>
+      </p:sp>
+      <p:sp>
+        <p:nvSpPr>
+          <p:cNvPr id="15" name="TextBox 14"/>
+          <p:cNvSpPr txBox="1"/>
+          <p:nvPr/>
+        </p:nvSpPr>
+        <p:spPr>
+          <a:xfrm>
+            <a:off x="930576" y="3789682"/>
+            <a:ext cx="1882247" cy="369332"/>
+          </a:xfrm>
+          <a:prstGeom prst="rect">
+            <a:avLst/>
+          </a:prstGeom>
+          <a:noFill/>
+        </p:spPr>
+        <p:txBody>
+          <a:bodyPr wrap="none" rtlCol="0">
+            <a:spAutoFit/>
+          </a:bodyPr>
+          <a:lstStyle/>
+          <a:p>
+            <a:r>
+              <a:rPr lang="ko-KR" altLang="en-US" smtClean="0"/>
+              <a:t>게임 클라이언트</a:t>
+            </a:r>
+            <a:endParaRPr lang="ko-KR" altLang="en-US"/>
+          </a:p>
+        </p:txBody>
+      </p:sp>
+      <p:sp>
+        <p:nvSpPr>
+          <p:cNvPr id="19" name="TextBox 18"/>
+          <p:cNvSpPr txBox="1"/>
+          <p:nvPr/>
+        </p:nvSpPr>
+        <p:spPr>
+          <a:xfrm>
+            <a:off x="6677425" y="3748390"/>
+            <a:ext cx="1189749" cy="369332"/>
+          </a:xfrm>
+          <a:prstGeom prst="rect">
+            <a:avLst/>
+          </a:prstGeom>
+          <a:noFill/>
+        </p:spPr>
+        <p:txBody>
+          <a:bodyPr wrap="none" rtlCol="0">
+            <a:spAutoFit/>
+          </a:bodyPr>
+          <a:lstStyle/>
+          <a:p>
+            <a:r>
+              <a:rPr lang="ko-KR" altLang="en-US" dirty="0" smtClean="0"/>
+              <a:t>게임 서버</a:t>
+            </a:r>
+            <a:endParaRPr lang="ko-KR" altLang="en-US" dirty="0"/>
+          </a:p>
+        </p:txBody>
+      </p:sp>
+      <p:sp>
+        <p:nvSpPr>
+          <p:cNvPr id="20" name="TextBox 19"/>
+          <p:cNvSpPr txBox="1"/>
+          <p:nvPr/>
+        </p:nvSpPr>
+        <p:spPr>
+          <a:xfrm>
+            <a:off x="4092541" y="2278323"/>
+            <a:ext cx="958917" cy="369332"/>
+          </a:xfrm>
+          <a:prstGeom prst="rect">
+            <a:avLst/>
+          </a:prstGeom>
+          <a:noFill/>
+        </p:spPr>
+        <p:txBody>
+          <a:bodyPr wrap="none" rtlCol="0">
+            <a:spAutoFit/>
+          </a:bodyPr>
+          <a:lstStyle/>
+          <a:p>
+            <a:r>
+              <a:rPr lang="ko-KR" altLang="en-US" smtClean="0"/>
+              <a:t>롤</a:t>
+            </a:r>
+            <a:r>
+              <a:rPr lang="ko-KR" altLang="en-US" dirty="0" smtClean="0"/>
+              <a:t> </a:t>
+            </a:r>
+            <a:r>
+              <a:rPr lang="ko-KR" altLang="en-US" dirty="0" err="1" smtClean="0"/>
+              <a:t>헬퍼</a:t>
+            </a:r>
+            <a:endParaRPr lang="ko-KR" altLang="en-US" dirty="0"/>
+          </a:p>
+        </p:txBody>
+      </p:sp>
+      <p:cxnSp>
+        <p:nvCxnSpPr>
+          <p:cNvPr id="18" name="직선 화살표 연결선 17"/>
+          <p:cNvCxnSpPr/>
+          <p:nvPr/>
+        </p:nvCxnSpPr>
+        <p:spPr>
+          <a:xfrm flipV="1">
+            <a:off x="2987824" y="2780928"/>
+            <a:ext cx="504056" cy="432048"/>
+          </a:xfrm>
+          <a:prstGeom prst="straightConnector1">
+            <a:avLst/>
+          </a:prstGeom>
+          <a:ln>
+            <a:solidFill>
+              <a:schemeClr val="tx1"/>
+            </a:solidFill>
+            <a:tailEnd type="arrow"/>
+          </a:ln>
+        </p:spPr>
+        <p:style>
+          <a:lnRef idx="1">
+            <a:schemeClr val="accent1"/>
+          </a:lnRef>
+          <a:fillRef idx="0">
+            <a:schemeClr val="accent1"/>
+          </a:fillRef>
+          <a:effectRef idx="0">
+            <a:schemeClr val="accent1"/>
+          </a:effectRef>
+          <a:fontRef idx="minor">
+            <a:schemeClr val="tx1"/>
+          </a:fontRef>
+        </p:style>
+      </p:cxnSp>
+      <p:cxnSp>
+        <p:nvCxnSpPr>
+          <p:cNvPr id="23" name="직선 화살표 연결선 22"/>
+          <p:cNvCxnSpPr/>
+          <p:nvPr/>
+        </p:nvCxnSpPr>
+        <p:spPr>
+          <a:xfrm flipH="1">
+            <a:off x="3231468" y="2996952"/>
+            <a:ext cx="440432" cy="424306"/>
+          </a:xfrm>
+          <a:prstGeom prst="straightConnector1">
+            <a:avLst/>
+          </a:prstGeom>
+          <a:ln>
+            <a:solidFill>
+              <a:schemeClr val="tx1"/>
+            </a:solidFill>
+            <a:tailEnd type="arrow"/>
+          </a:ln>
+        </p:spPr>
+        <p:style>
+          <a:lnRef idx="1">
+            <a:schemeClr val="accent1"/>
+          </a:lnRef>
+          <a:fillRef idx="0">
+            <a:schemeClr val="accent1"/>
+          </a:fillRef>
+          <a:effectRef idx="0">
+            <a:schemeClr val="accent1"/>
+          </a:effectRef>
+          <a:fontRef idx="minor">
+            <a:schemeClr val="tx1"/>
+          </a:fontRef>
+        </p:style>
+      </p:cxnSp>
+      <p:cxnSp>
+        <p:nvCxnSpPr>
+          <p:cNvPr id="25" name="직선 화살표 연결선 24"/>
+          <p:cNvCxnSpPr/>
+          <p:nvPr/>
+        </p:nvCxnSpPr>
+        <p:spPr>
+          <a:xfrm>
+            <a:off x="5674314" y="2810774"/>
+            <a:ext cx="524970" cy="402202"/>
+          </a:xfrm>
+          <a:prstGeom prst="straightConnector1">
+            <a:avLst/>
+          </a:prstGeom>
+          <a:ln>
+            <a:solidFill>
+              <a:schemeClr val="tx1"/>
+            </a:solidFill>
+            <a:tailEnd type="arrow"/>
+          </a:ln>
+        </p:spPr>
+        <p:style>
+          <a:lnRef idx="1">
+            <a:schemeClr val="accent1"/>
+          </a:lnRef>
+          <a:fillRef idx="0">
+            <a:schemeClr val="accent1"/>
+          </a:fillRef>
+          <a:effectRef idx="0">
+            <a:schemeClr val="accent1"/>
+          </a:effectRef>
+          <a:fontRef idx="minor">
+            <a:schemeClr val="tx1"/>
+          </a:fontRef>
+        </p:style>
+      </p:cxnSp>
+      <p:cxnSp>
+        <p:nvCxnSpPr>
+          <p:cNvPr id="26" name="직선 화살표 연결선 25"/>
+          <p:cNvCxnSpPr/>
+          <p:nvPr/>
+        </p:nvCxnSpPr>
+        <p:spPr>
+          <a:xfrm flipH="1" flipV="1">
+            <a:off x="5364088" y="2996952"/>
+            <a:ext cx="548444" cy="424308"/>
+          </a:xfrm>
+          <a:prstGeom prst="straightConnector1">
+            <a:avLst/>
+          </a:prstGeom>
+          <a:ln>
+            <a:solidFill>
+              <a:schemeClr val="tx1"/>
+            </a:solidFill>
+            <a:tailEnd type="arrow"/>
+          </a:ln>
+        </p:spPr>
+        <p:style>
+          <a:lnRef idx="1">
+            <a:schemeClr val="accent1"/>
+          </a:lnRef>
+          <a:fillRef idx="0">
+            <a:schemeClr val="accent1"/>
+          </a:fillRef>
+          <a:effectRef idx="0">
+            <a:schemeClr val="accent1"/>
+          </a:effectRef>
+          <a:fontRef idx="minor">
+            <a:schemeClr val="tx1"/>
+          </a:fontRef>
+        </p:style>
+      </p:cxnSp>
+      <p:sp>
+        <p:nvSpPr>
+          <p:cNvPr id="31" name="TextBox 30"/>
+          <p:cNvSpPr txBox="1"/>
+          <p:nvPr/>
+        </p:nvSpPr>
+        <p:spPr>
+          <a:xfrm>
+            <a:off x="2635003" y="2647655"/>
+            <a:ext cx="705642" cy="369332"/>
+          </a:xfrm>
+          <a:prstGeom prst="rect">
+            <a:avLst/>
+          </a:prstGeom>
+          <a:noFill/>
+        </p:spPr>
+        <p:txBody>
+          <a:bodyPr wrap="none" rtlCol="0">
+            <a:spAutoFit/>
+          </a:bodyPr>
+          <a:lstStyle/>
+          <a:p>
+            <a:r>
+              <a:rPr lang="en-US" altLang="ko-KR" dirty="0" smtClean="0"/>
+              <a:t>Send</a:t>
+            </a:r>
+            <a:endParaRPr lang="ko-KR" altLang="en-US" dirty="0"/>
+          </a:p>
+        </p:txBody>
+      </p:sp>
+      <p:sp>
+        <p:nvSpPr>
+          <p:cNvPr id="34" name="TextBox 33"/>
+          <p:cNvSpPr txBox="1"/>
+          <p:nvPr/>
+        </p:nvSpPr>
+        <p:spPr>
+          <a:xfrm>
+            <a:off x="3429154" y="3236594"/>
+            <a:ext cx="663387" cy="369332"/>
+          </a:xfrm>
+          <a:prstGeom prst="rect">
+            <a:avLst/>
+          </a:prstGeom>
+          <a:noFill/>
+        </p:spPr>
+        <p:txBody>
+          <a:bodyPr wrap="none" rtlCol="0">
+            <a:spAutoFit/>
+          </a:bodyPr>
+          <a:lstStyle/>
+          <a:p>
+            <a:r>
+              <a:rPr lang="en-US" altLang="ko-KR" dirty="0" err="1" smtClean="0"/>
+              <a:t>Recv</a:t>
+            </a:r>
+            <a:endParaRPr lang="ko-KR" altLang="en-US" dirty="0"/>
+          </a:p>
+        </p:txBody>
+      </p:sp>
+      <p:sp>
+        <p:nvSpPr>
+          <p:cNvPr id="36" name="TextBox 35"/>
+          <p:cNvSpPr txBox="1"/>
+          <p:nvPr/>
+        </p:nvSpPr>
+        <p:spPr>
+          <a:xfrm>
+            <a:off x="5846463" y="2642543"/>
+            <a:ext cx="705642" cy="369332"/>
+          </a:xfrm>
+          <a:prstGeom prst="rect">
+            <a:avLst/>
+          </a:prstGeom>
+          <a:noFill/>
+        </p:spPr>
+        <p:txBody>
+          <a:bodyPr wrap="none" rtlCol="0">
+            <a:spAutoFit/>
+          </a:bodyPr>
+          <a:lstStyle/>
+          <a:p>
+            <a:r>
+              <a:rPr lang="en-US" altLang="ko-KR" dirty="0" smtClean="0"/>
+              <a:t>Send</a:t>
+            </a:r>
+            <a:endParaRPr lang="ko-KR" altLang="en-US" dirty="0"/>
+          </a:p>
+        </p:txBody>
+      </p:sp>
+      <p:sp>
+        <p:nvSpPr>
+          <p:cNvPr id="37" name="TextBox 36"/>
+          <p:cNvSpPr txBox="1"/>
+          <p:nvPr/>
+        </p:nvSpPr>
+        <p:spPr>
+          <a:xfrm>
+            <a:off x="5032394" y="3236594"/>
+            <a:ext cx="663387" cy="369332"/>
+          </a:xfrm>
+          <a:prstGeom prst="rect">
+            <a:avLst/>
+          </a:prstGeom>
+          <a:noFill/>
+        </p:spPr>
+        <p:txBody>
+          <a:bodyPr wrap="none" rtlCol="0">
+            <a:spAutoFit/>
+          </a:bodyPr>
+          <a:lstStyle/>
+          <a:p>
+            <a:r>
+              <a:rPr lang="en-US" altLang="ko-KR" dirty="0" err="1" smtClean="0"/>
+              <a:t>Recv</a:t>
+            </a:r>
+            <a:endParaRPr lang="ko-KR" altLang="en-US" dirty="0"/>
+          </a:p>
+        </p:txBody>
+      </p:sp>
     </p:spTree>
     <p:extLst>
       <p:ext uri="{BB962C8B-B14F-4D97-AF65-F5344CB8AC3E}">
-        <p14:creationId xmlns:p14="http://schemas.microsoft.com/office/powerpoint/2010/main" val="2875629296"/>
+        <p14:creationId xmlns:p14="http://schemas.microsoft.com/office/powerpoint/2010/main" val="2671307570"/>
       </p:ext>
     </p:extLst>
   </p:cSld>
@@ -7825,7 +11067,7 @@
           <p:nvPr/>
         </p:nvPicPr>
         <p:blipFill>
-          <a:blip r:embed="rId2">
+          <a:blip r:embed="rId3">
             <a:extLst>
               <a:ext uri="{28A0092B-C50C-407E-A947-70E740481C1C}">
                 <a14:useLocalDpi xmlns:a14="http://schemas.microsoft.com/office/drawing/2010/main" val="0"/>
@@ -7854,7 +11096,7 @@
         </p:nvSpPr>
         <p:spPr>
           <a:xfrm>
-            <a:off x="1871700" y="1196752"/>
+            <a:off x="1871700" y="722080"/>
             <a:ext cx="5400600" cy="707886"/>
           </a:xfrm>
           <a:prstGeom prst="rect">
@@ -7872,23 +11114,103 @@
             <a:r>
               <a:rPr lang="en-US" altLang="ko-KR" sz="4000" b="1" dirty="0" smtClean="0">
                 <a:solidFill>
-                  <a:srgbClr val="7030A0"/>
+                  <a:srgbClr val="00FF00"/>
                 </a:solidFill>
               </a:rPr>
-              <a:t>Packet</a:t>
+              <a:t>Script</a:t>
             </a:r>
             <a:endParaRPr lang="ko-KR" altLang="en-US" sz="4000" b="1" dirty="0">
               <a:solidFill>
-                <a:srgbClr val="7030A0"/>
+                <a:srgbClr val="00FF00"/>
               </a:solidFill>
             </a:endParaRPr>
           </a:p>
         </p:txBody>
       </p:sp>
+      <p:pic>
+        <p:nvPicPr>
+          <p:cNvPr id="2" name="Picture 2" descr="C:\Users\Kang\Desktop\MySpec\발표\CodeEngn\2018-05-07-1.png"/>
+          <p:cNvPicPr>
+            <a:picLocks noChangeAspect="1" noChangeArrowheads="1"/>
+          </p:cNvPicPr>
+          <p:nvPr/>
+        </p:nvPicPr>
+        <p:blipFill rotWithShape="1">
+          <a:blip r:embed="rId4">
+            <a:extLst>
+              <a:ext uri="{28A0092B-C50C-407E-A947-70E740481C1C}">
+                <a14:useLocalDpi xmlns:a14="http://schemas.microsoft.com/office/drawing/2010/main" val="0"/>
+              </a:ext>
+            </a:extLst>
+          </a:blip>
+          <a:srcRect l="1757" t="1988" b="47933"/>
+          <a:stretch/>
+        </p:blipFill>
+        <p:spPr bwMode="auto">
+          <a:xfrm>
+            <a:off x="2102174" y="1429966"/>
+            <a:ext cx="4939652" cy="2444798"/>
+          </a:xfrm>
+          <a:prstGeom prst="rect">
+            <a:avLst/>
+          </a:prstGeom>
+          <a:noFill/>
+          <a:extLst>
+            <a:ext uri="{909E8E84-426E-40DD-AFC4-6F175D3DCCD1}">
+              <a14:hiddenFill xmlns:a14="http://schemas.microsoft.com/office/drawing/2010/main">
+                <a:solidFill>
+                  <a:srgbClr val="FFFFFF"/>
+                </a:solidFill>
+              </a14:hiddenFill>
+            </a:ext>
+          </a:extLst>
+        </p:spPr>
+      </p:pic>
+      <p:pic>
+        <p:nvPicPr>
+          <p:cNvPr id="1027" name="Picture 3" descr="C:\Users\Kang\Desktop\MySpec\발표\CodeEngn\2018-05-07-2.png"/>
+          <p:cNvPicPr>
+            <a:picLocks noChangeAspect="1" noChangeArrowheads="1"/>
+          </p:cNvPicPr>
+          <p:nvPr/>
+        </p:nvPicPr>
+        <p:blipFill>
+          <a:blip r:embed="rId5">
+            <a:extLst>
+              <a:ext uri="{28A0092B-C50C-407E-A947-70E740481C1C}">
+                <a14:useLocalDpi xmlns:a14="http://schemas.microsoft.com/office/drawing/2010/main" val="0"/>
+              </a:ext>
+            </a:extLst>
+          </a:blip>
+          <a:srcRect/>
+          <a:stretch>
+            <a:fillRect/>
+          </a:stretch>
+        </p:blipFill>
+        <p:spPr bwMode="auto">
+          <a:xfrm>
+            <a:off x="1943708" y="3914029"/>
+            <a:ext cx="5256584" cy="1866590"/>
+          </a:xfrm>
+          <a:prstGeom prst="rect">
+            <a:avLst/>
+          </a:prstGeom>
+          <a:noFill/>
+          <a:extLst>
+            <a:ext uri="{909E8E84-426E-40DD-AFC4-6F175D3DCCD1}">
+              <a14:hiddenFill xmlns:a14="http://schemas.microsoft.com/office/drawing/2010/main">
+                <a:solidFill>
+                  <a:srgbClr val="FFFFFF"/>
+                </a:solidFill>
+              </a14:hiddenFill>
+            </a:ext>
+          </a:extLst>
+        </p:spPr>
+      </p:pic>
     </p:spTree>
     <p:extLst>
       <p:ext uri="{BB962C8B-B14F-4D97-AF65-F5344CB8AC3E}">
-        <p14:creationId xmlns:p14="http://schemas.microsoft.com/office/powerpoint/2010/main" val="1455454164"/>
+        <p14:creationId xmlns:p14="http://schemas.microsoft.com/office/powerpoint/2010/main" val="2136220461"/>
       </p:ext>
     </p:extLst>
   </p:cSld>

--- a/##########################################################Code_Engn[강민수].pptx
+++ b/##########################################################Code_Engn[강민수].pptx
@@ -5,7 +5,7 @@
     <p:sldMasterId id="2147483673" r:id="rId1"/>
   </p:sldMasterIdLst>
   <p:notesMasterIdLst>
-    <p:notesMasterId r:id="rId19"/>
+    <p:notesMasterId r:id="rId20"/>
   </p:notesMasterIdLst>
   <p:sldIdLst>
     <p:sldId id="305" r:id="rId2"/>
@@ -15,16 +15,17 @@
     <p:sldId id="535" r:id="rId6"/>
     <p:sldId id="544" r:id="rId7"/>
     <p:sldId id="538" r:id="rId8"/>
-    <p:sldId id="547" r:id="rId9"/>
-    <p:sldId id="537" r:id="rId10"/>
-    <p:sldId id="539" r:id="rId11"/>
-    <p:sldId id="534" r:id="rId12"/>
-    <p:sldId id="545" r:id="rId13"/>
-    <p:sldId id="548" r:id="rId14"/>
-    <p:sldId id="540" r:id="rId15"/>
-    <p:sldId id="536" r:id="rId16"/>
-    <p:sldId id="546" r:id="rId17"/>
-    <p:sldId id="541" r:id="rId18"/>
+    <p:sldId id="549" r:id="rId9"/>
+    <p:sldId id="547" r:id="rId10"/>
+    <p:sldId id="537" r:id="rId11"/>
+    <p:sldId id="539" r:id="rId12"/>
+    <p:sldId id="534" r:id="rId13"/>
+    <p:sldId id="545" r:id="rId14"/>
+    <p:sldId id="548" r:id="rId15"/>
+    <p:sldId id="540" r:id="rId16"/>
+    <p:sldId id="536" r:id="rId17"/>
+    <p:sldId id="546" r:id="rId18"/>
+    <p:sldId id="541" r:id="rId19"/>
   </p:sldIdLst>
   <p:sldSz cx="9144000" cy="6858000" type="screen4x3"/>
   <p:notesSz cx="6858000" cy="9144000"/>
@@ -125,7 +126,7 @@
   </p:defaultTextStyle>
   <p:extLst>
     <p:ext uri="{EFAFB233-063F-42B5-8137-9DF3F51BA10A}">
-      <p15:sldGuideLst xmlns="" xmlns:p15="http://schemas.microsoft.com/office/powerpoint/2012/main">
+      <p15:sldGuideLst xmlns:p15="http://schemas.microsoft.com/office/powerpoint/2012/main" xmlns="">
         <p15:guide id="1" orient="horz" pos="3884">
           <p15:clr>
             <a:srgbClr val="A4A3A4"/>
@@ -187,11 +188,14 @@
           <a:bodyPr vert="horz" lIns="91440" tIns="45720" rIns="91440" bIns="45720" rtlCol="0"/>
           <a:lstStyle>
             <a:lvl1pPr algn="l">
-              <a:defRPr sz="1200"/>
+              <a:defRPr sz="1200">
+                <a:latin typeface="Noto Sans CJK KR DemiLight" pitchFamily="34" charset="-127"/>
+                <a:ea typeface="Noto Sans CJK KR DemiLight" pitchFamily="34" charset="-127"/>
+              </a:defRPr>
             </a:lvl1pPr>
           </a:lstStyle>
           <a:p>
-            <a:endParaRPr lang="ko-KR" altLang="en-US"/>
+            <a:endParaRPr lang="ko-KR" altLang="en-US" dirty="0"/>
           </a:p>
         </p:txBody>
       </p:sp>
@@ -218,16 +222,19 @@
           <a:bodyPr vert="horz" lIns="91440" tIns="45720" rIns="91440" bIns="45720" rtlCol="0"/>
           <a:lstStyle>
             <a:lvl1pPr algn="r">
-              <a:defRPr sz="1200"/>
+              <a:defRPr sz="1200">
+                <a:latin typeface="Noto Sans CJK KR DemiLight" pitchFamily="34" charset="-127"/>
+                <a:ea typeface="Noto Sans CJK KR DemiLight" pitchFamily="34" charset="-127"/>
+              </a:defRPr>
             </a:lvl1pPr>
           </a:lstStyle>
           <a:p>
             <a:fld id="{4762C306-CA61-459E-92ED-0E3AE579F76A}" type="datetimeFigureOut">
               <a:rPr lang="ko-KR" altLang="en-US" smtClean="0"/>
               <a:pPr/>
-              <a:t>2018-06-17</a:t>
+              <a:t>2018-06-25</a:t>
             </a:fld>
-            <a:endParaRPr lang="ko-KR" altLang="en-US"/>
+            <a:endParaRPr lang="ko-KR" altLang="en-US" dirty="0"/>
           </a:p>
         </p:txBody>
       </p:sp>
@@ -260,7 +267,7 @@
           <a:bodyPr vert="horz" lIns="91440" tIns="45720" rIns="91440" bIns="45720" rtlCol="0" anchor="ctr"/>
           <a:lstStyle/>
           <a:p>
-            <a:endParaRPr lang="ko-KR" altLang="en-US"/>
+            <a:endParaRPr lang="ko-KR" altLang="en-US" dirty="0"/>
           </a:p>
         </p:txBody>
       </p:sp>
@@ -291,38 +298,38 @@
           <a:p>
             <a:pPr lvl="0"/>
             <a:r>
-              <a:rPr lang="ko-KR" altLang="en-US" smtClean="0"/>
+              <a:rPr lang="ko-KR" altLang="en-US" dirty="0" smtClean="0"/>
               <a:t>마스터 텍스트 스타일을 편집합니다</a:t>
             </a:r>
           </a:p>
           <a:p>
             <a:pPr lvl="1"/>
             <a:r>
-              <a:rPr lang="ko-KR" altLang="en-US" smtClean="0"/>
+              <a:rPr lang="ko-KR" altLang="en-US" dirty="0" smtClean="0"/>
               <a:t>둘째 수준</a:t>
             </a:r>
           </a:p>
           <a:p>
             <a:pPr lvl="2"/>
             <a:r>
-              <a:rPr lang="ko-KR" altLang="en-US" smtClean="0"/>
+              <a:rPr lang="ko-KR" altLang="en-US" dirty="0" smtClean="0"/>
               <a:t>셋째 수준</a:t>
             </a:r>
           </a:p>
           <a:p>
             <a:pPr lvl="3"/>
             <a:r>
-              <a:rPr lang="ko-KR" altLang="en-US" smtClean="0"/>
+              <a:rPr lang="ko-KR" altLang="en-US" dirty="0" smtClean="0"/>
               <a:t>넷째 수준</a:t>
             </a:r>
           </a:p>
           <a:p>
             <a:pPr lvl="4"/>
             <a:r>
-              <a:rPr lang="ko-KR" altLang="en-US" smtClean="0"/>
+              <a:rPr lang="ko-KR" altLang="en-US" dirty="0" smtClean="0"/>
               <a:t>다섯째 수준</a:t>
             </a:r>
-            <a:endParaRPr lang="ko-KR" altLang="en-US"/>
+            <a:endParaRPr lang="ko-KR" altLang="en-US" dirty="0"/>
           </a:p>
         </p:txBody>
       </p:sp>
@@ -349,11 +356,14 @@
           <a:bodyPr vert="horz" lIns="91440" tIns="45720" rIns="91440" bIns="45720" rtlCol="0" anchor="b"/>
           <a:lstStyle>
             <a:lvl1pPr algn="l">
-              <a:defRPr sz="1200"/>
+              <a:defRPr sz="1200">
+                <a:latin typeface="Noto Sans CJK KR DemiLight" pitchFamily="34" charset="-127"/>
+                <a:ea typeface="Noto Sans CJK KR DemiLight" pitchFamily="34" charset="-127"/>
+              </a:defRPr>
             </a:lvl1pPr>
           </a:lstStyle>
           <a:p>
-            <a:endParaRPr lang="ko-KR" altLang="en-US"/>
+            <a:endParaRPr lang="ko-KR" altLang="en-US" dirty="0"/>
           </a:p>
         </p:txBody>
       </p:sp>
@@ -380,7 +390,10 @@
           <a:bodyPr vert="horz" lIns="91440" tIns="45720" rIns="91440" bIns="45720" rtlCol="0" anchor="b"/>
           <a:lstStyle>
             <a:lvl1pPr algn="r">
-              <a:defRPr sz="1200"/>
+              <a:defRPr sz="1200">
+                <a:latin typeface="Noto Sans CJK KR DemiLight" pitchFamily="34" charset="-127"/>
+                <a:ea typeface="Noto Sans CJK KR DemiLight" pitchFamily="34" charset="-127"/>
+              </a:defRPr>
             </a:lvl1pPr>
           </a:lstStyle>
           <a:p>
@@ -389,7 +402,7 @@
               <a:pPr/>
               <a:t>‹#›</a:t>
             </a:fld>
-            <a:endParaRPr lang="ko-KR" altLang="en-US"/>
+            <a:endParaRPr lang="ko-KR" altLang="en-US" dirty="0"/>
           </a:p>
         </p:txBody>
       </p:sp>
@@ -407,8 +420,8 @@
         <a:solidFill>
           <a:schemeClr val="tx1"/>
         </a:solidFill>
-        <a:latin typeface="+mn-lt"/>
-        <a:ea typeface="+mn-ea"/>
+        <a:latin typeface="Noto Sans CJK KR DemiLight" pitchFamily="34" charset="-127"/>
+        <a:ea typeface="Noto Sans CJK KR DemiLight" pitchFamily="34" charset="-127"/>
         <a:cs typeface="+mn-cs"/>
       </a:defRPr>
     </a:lvl1pPr>
@@ -417,8 +430,8 @@
         <a:solidFill>
           <a:schemeClr val="tx1"/>
         </a:solidFill>
-        <a:latin typeface="+mn-lt"/>
-        <a:ea typeface="+mn-ea"/>
+        <a:latin typeface="Noto Sans CJK KR DemiLight" pitchFamily="34" charset="-127"/>
+        <a:ea typeface="Noto Sans CJK KR DemiLight" pitchFamily="34" charset="-127"/>
         <a:cs typeface="+mn-cs"/>
       </a:defRPr>
     </a:lvl2pPr>
@@ -427,8 +440,8 @@
         <a:solidFill>
           <a:schemeClr val="tx1"/>
         </a:solidFill>
-        <a:latin typeface="+mn-lt"/>
-        <a:ea typeface="+mn-ea"/>
+        <a:latin typeface="Noto Sans CJK KR DemiLight" pitchFamily="34" charset="-127"/>
+        <a:ea typeface="Noto Sans CJK KR DemiLight" pitchFamily="34" charset="-127"/>
         <a:cs typeface="+mn-cs"/>
       </a:defRPr>
     </a:lvl3pPr>
@@ -437,8 +450,8 @@
         <a:solidFill>
           <a:schemeClr val="tx1"/>
         </a:solidFill>
-        <a:latin typeface="+mn-lt"/>
-        <a:ea typeface="+mn-ea"/>
+        <a:latin typeface="Noto Sans CJK KR DemiLight" pitchFamily="34" charset="-127"/>
+        <a:ea typeface="Noto Sans CJK KR DemiLight" pitchFamily="34" charset="-127"/>
         <a:cs typeface="+mn-cs"/>
       </a:defRPr>
     </a:lvl4pPr>
@@ -447,8 +460,8 @@
         <a:solidFill>
           <a:schemeClr val="tx1"/>
         </a:solidFill>
-        <a:latin typeface="+mn-lt"/>
-        <a:ea typeface="+mn-ea"/>
+        <a:latin typeface="Noto Sans CJK KR DemiLight" pitchFamily="34" charset="-127"/>
+        <a:ea typeface="Noto Sans CJK KR DemiLight" pitchFamily="34" charset="-127"/>
         <a:cs typeface="+mn-cs"/>
       </a:defRPr>
     </a:lvl5pPr>
@@ -558,7 +571,39 @@
             </a:r>
             <a:r>
               <a:rPr lang="ko-KR" altLang="en-US" baseline="0" dirty="0" smtClean="0"/>
-              <a:t>어디까지 왔나 요기까지 왔지</a:t>
+              <a:t>어디까지 왔나 요기까지 왔지 발표시간 </a:t>
+            </a:r>
+            <a:r>
+              <a:rPr lang="en-US" altLang="ko-KR" baseline="0" dirty="0" smtClean="0"/>
+              <a:t>40</a:t>
+            </a:r>
+            <a:r>
+              <a:rPr lang="ko-KR" altLang="en-US" baseline="0" dirty="0" smtClean="0"/>
+              <a:t>분  </a:t>
+            </a:r>
+            <a:r>
+              <a:rPr lang="en-US" altLang="ko-KR" baseline="0" dirty="0" smtClean="0"/>
+              <a:t>6</a:t>
+            </a:r>
+            <a:r>
+              <a:rPr lang="ko-KR" altLang="en-US" baseline="0" dirty="0" smtClean="0"/>
+              <a:t>시 </a:t>
+            </a:r>
+            <a:r>
+              <a:rPr lang="en-US" altLang="ko-KR" baseline="0" dirty="0" smtClean="0"/>
+              <a:t>~ 6</a:t>
+            </a:r>
+            <a:r>
+              <a:rPr lang="ko-KR" altLang="en-US" baseline="0" dirty="0" smtClean="0"/>
+              <a:t>시</a:t>
+            </a:r>
+            <a:r>
+              <a:rPr lang="en-US" altLang="ko-KR" baseline="0" dirty="0" smtClean="0"/>
+              <a:t>40</a:t>
+            </a:r>
+            <a:r>
+              <a:rPr lang="ko-KR" altLang="en-US" baseline="0" dirty="0" smtClean="0"/>
+              <a:t>분</a:t>
             </a:r>
             <a:endParaRPr lang="en-US" altLang="ko-KR" dirty="0" smtClean="0"/>
           </a:p>
@@ -577,11 +622,7 @@
             </a:r>
             <a:r>
               <a:rPr lang="ko-KR" altLang="en-US" baseline="0" dirty="0" smtClean="0"/>
-              <a:t>온라인게임 해킹이라는 주제로 발표를 </a:t>
-            </a:r>
-            <a:r>
-              <a:rPr lang="ko-KR" altLang="en-US" baseline="0" dirty="0" smtClean="0"/>
-              <a:t>하게 된 </a:t>
+              <a:t>온라인게임 해킹이라는 주제로 발표를 하게 된 </a:t>
             </a:r>
             <a:r>
               <a:rPr lang="ko-KR" altLang="en-US" baseline="0" dirty="0" err="1" smtClean="0"/>
@@ -599,11 +640,7 @@
           <a:p>
             <a:r>
               <a:rPr lang="ko-KR" altLang="en-US" baseline="0" dirty="0" smtClean="0"/>
-              <a:t>무척 </a:t>
-            </a:r>
-            <a:r>
-              <a:rPr lang="ko-KR" altLang="en-US" baseline="0" dirty="0" smtClean="0"/>
-              <a:t>이 주제로 많은 사람에게 떠들고 싶었고</a:t>
+              <a:t>무척 이 주제로 많은 사람에게 떠들고 싶었고</a:t>
             </a:r>
             <a:r>
               <a:rPr lang="en-US" altLang="ko-KR" baseline="0" dirty="0" smtClean="0"/>
@@ -611,42 +648,17 @@
             </a:r>
             <a:r>
               <a:rPr lang="ko-KR" altLang="en-US" baseline="0" dirty="0" smtClean="0"/>
-              <a:t>저는 지금 </a:t>
-            </a:r>
-            <a:r>
-              <a:rPr lang="ko-KR" altLang="en-US" baseline="0" dirty="0" smtClean="0"/>
-              <a:t>그럴 수 있게 되었습니다</a:t>
+              <a:t>저는 지금 그럴 수 있게 되었습니다</a:t>
             </a:r>
             <a:r>
               <a:rPr lang="en-US" altLang="ko-KR" baseline="0" dirty="0" smtClean="0"/>
               <a:t>.</a:t>
             </a:r>
-            <a:endParaRPr lang="en-US" altLang="ko-KR" baseline="0" dirty="0" smtClean="0"/>
-          </a:p>
-          <a:p>
-            <a:r>
-              <a:rPr lang="ko-KR" altLang="en-US" baseline="0" dirty="0" smtClean="0"/>
-              <a:t>첫 </a:t>
-            </a:r>
-            <a:r>
-              <a:rPr lang="ko-KR" altLang="en-US" baseline="0" dirty="0" smtClean="0"/>
-              <a:t>페이지에는 </a:t>
-            </a:r>
-            <a:r>
-              <a:rPr lang="ko-KR" altLang="en-US" baseline="0" dirty="0" smtClean="0"/>
-              <a:t>제 메일이 있으니 발표가 </a:t>
-            </a:r>
-            <a:r>
-              <a:rPr lang="ko-KR" altLang="en-US" baseline="0" dirty="0" smtClean="0"/>
-              <a:t>끝나고도 </a:t>
-            </a:r>
-            <a:r>
-              <a:rPr lang="ko-KR" altLang="en-US" baseline="0" dirty="0" smtClean="0"/>
-              <a:t>미처 생각나지 않은 질문은 메일로 </a:t>
-            </a:r>
-            <a:r>
-              <a:rPr lang="ko-KR" altLang="en-US" baseline="0" dirty="0" smtClean="0"/>
-              <a:t>주시면 </a:t>
+          </a:p>
+          <a:p>
+            <a:r>
+              <a:rPr lang="ko-KR" altLang="en-US" baseline="0" dirty="0" smtClean="0"/>
+              <a:t>첫 페이지에는 제 메일이 있으니 발표가 끝나고도 미처 생각나지 않은 질문은 메일로 주시면 </a:t>
             </a:r>
             <a:r>
               <a:rPr lang="ko-KR" altLang="en-US" baseline="0" dirty="0" err="1" smtClean="0"/>
@@ -656,9 +668,16 @@
               <a:rPr lang="en-US" altLang="ko-KR" baseline="0" dirty="0" smtClean="0"/>
               <a:t>.</a:t>
             </a:r>
-            <a:endParaRPr lang="en-US" altLang="ko-KR" baseline="0" dirty="0" smtClean="0"/>
-          </a:p>
-          <a:p>
+          </a:p>
+          <a:p>
+            <a:r>
+              <a:rPr lang="ko-KR" altLang="en-US" dirty="0" smtClean="0"/>
+              <a:t>그럼 시작하겠습니다</a:t>
+            </a:r>
+            <a:r>
+              <a:rPr lang="en-US" altLang="ko-KR" dirty="0" smtClean="0"/>
+              <a:t>.</a:t>
+            </a:r>
             <a:endParaRPr lang="ko-KR" altLang="en-US" dirty="0"/>
           </a:p>
         </p:txBody>
@@ -745,30 +764,6 @@
           <a:lstStyle/>
           <a:p>
             <a:r>
-              <a:rPr lang="ko-KR" altLang="en-US" dirty="0" smtClean="0"/>
-              <a:t>제가 </a:t>
-            </a:r>
-            <a:r>
-              <a:rPr lang="en-US" altLang="ko-KR" dirty="0" smtClean="0"/>
-              <a:t>2016</a:t>
-            </a:r>
-            <a:r>
-              <a:rPr lang="ko-KR" altLang="en-US" dirty="0" smtClean="0"/>
-              <a:t>년 당시에 녹화해두었던 </a:t>
-            </a:r>
-            <a:r>
-              <a:rPr lang="ko-KR" altLang="en-US" dirty="0" smtClean="0"/>
-              <a:t>영상입니다</a:t>
-            </a:r>
-            <a:r>
-              <a:rPr lang="en-US" altLang="ko-KR" dirty="0" smtClean="0"/>
-              <a:t>. </a:t>
-            </a:r>
-            <a:r>
-              <a:rPr lang="ko-KR" altLang="en-US" dirty="0" smtClean="0"/>
-              <a:t>위에서 발표했었던 </a:t>
-            </a:r>
-            <a:r>
               <a:rPr lang="ko-KR" altLang="en-US" dirty="0" err="1" smtClean="0"/>
               <a:t>롤</a:t>
             </a:r>
@@ -778,23 +773,61 @@
             </a:r>
             <a:r>
               <a:rPr lang="ko-KR" altLang="en-US" dirty="0" err="1" smtClean="0"/>
-              <a:t>헬퍼와</a:t>
+              <a:t>헬퍼에</a:t>
             </a:r>
             <a:r>
               <a:rPr lang="ko-KR" altLang="en-US" dirty="0" smtClean="0"/>
-              <a:t> 완전히 같은 구조로 동작하는 </a:t>
+              <a:t> 있던 특이점은 사용자가 스크립트를 작성할 수 </a:t>
             </a:r>
             <a:r>
               <a:rPr lang="ko-KR" altLang="en-US" dirty="0" err="1" smtClean="0"/>
-              <a:t>바람의나라</a:t>
+              <a:t>있었다는것입니다</a:t>
+            </a:r>
+            <a:r>
+              <a:rPr lang="en-US" altLang="ko-KR" dirty="0" smtClean="0"/>
+              <a:t>.</a:t>
+            </a:r>
+          </a:p>
+          <a:p>
+            <a:r>
+              <a:rPr lang="ko-KR" altLang="en-US" dirty="0" err="1" smtClean="0"/>
+              <a:t>롤은</a:t>
             </a:r>
             <a:r>
               <a:rPr lang="ko-KR" altLang="en-US" dirty="0" smtClean="0"/>
               <a:t> </a:t>
             </a:r>
             <a:r>
+              <a:rPr lang="en-US" altLang="ko-KR" dirty="0" smtClean="0"/>
+              <a:t>100</a:t>
+            </a:r>
+            <a:r>
               <a:rPr lang="ko-KR" altLang="en-US" dirty="0" err="1" smtClean="0"/>
-              <a:t>헬퍼입니다</a:t>
+              <a:t>여개가</a:t>
+            </a:r>
+            <a:r>
+              <a:rPr lang="ko-KR" altLang="en-US" dirty="0" smtClean="0"/>
+              <a:t> 넘는 </a:t>
+            </a:r>
+            <a:r>
+              <a:rPr lang="ko-KR" altLang="en-US" dirty="0" err="1" smtClean="0"/>
+              <a:t>챔프가</a:t>
+            </a:r>
+            <a:r>
+              <a:rPr lang="ko-KR" altLang="en-US" dirty="0" smtClean="0"/>
+              <a:t> 존재하고</a:t>
+            </a:r>
+            <a:r>
+              <a:rPr lang="en-US" altLang="ko-KR" dirty="0" smtClean="0"/>
+              <a:t>, </a:t>
+            </a:r>
+            <a:r>
+              <a:rPr lang="ko-KR" altLang="en-US" dirty="0" err="1" smtClean="0"/>
+              <a:t>챔프별로</a:t>
+            </a:r>
+            <a:r>
+              <a:rPr lang="ko-KR" altLang="en-US" dirty="0" smtClean="0"/>
+              <a:t> 스크립트를 작성할 수 있었습니다</a:t>
             </a:r>
             <a:r>
               <a:rPr lang="en-US" altLang="ko-KR" dirty="0" smtClean="0"/>
@@ -804,35 +837,21 @@
           <a:p>
             <a:r>
               <a:rPr lang="ko-KR" altLang="en-US" dirty="0" smtClean="0"/>
-              <a:t>실제 유저들이 </a:t>
-            </a:r>
-            <a:r>
-              <a:rPr lang="ko-KR" altLang="en-US" dirty="0" err="1" smtClean="0"/>
-              <a:t>조작하는것과</a:t>
-            </a:r>
+              <a:t>그리고 스크립트를 판매할 수 있었죠</a:t>
+            </a:r>
+            <a:r>
+              <a:rPr lang="en-US" altLang="ko-KR" dirty="0" smtClean="0"/>
+              <a:t>.</a:t>
+            </a:r>
+          </a:p>
+          <a:p>
             <a:r>
               <a:rPr lang="ko-KR" altLang="en-US" dirty="0" smtClean="0"/>
-              <a:t> 차이가 없는데요</a:t>
+              <a:t>그리고 스크립트는 개발자와 친숙했던 </a:t>
             </a:r>
             <a:r>
               <a:rPr lang="en-US" altLang="ko-KR" dirty="0" smtClean="0"/>
-              <a:t>. </a:t>
-            </a:r>
-            <a:r>
-              <a:rPr lang="ko-KR" altLang="en-US" dirty="0" err="1" smtClean="0"/>
-              <a:t>보고나서</a:t>
-            </a:r>
-            <a:r>
-              <a:rPr lang="ko-KR" altLang="en-US" dirty="0" smtClean="0"/>
-              <a:t> 이어서 </a:t>
-            </a:r>
-            <a:r>
-              <a:rPr lang="ko-KR" altLang="en-US" dirty="0" err="1" smtClean="0"/>
-              <a:t>말씀드리겠습니다</a:t>
-            </a:r>
-            <a:r>
-              <a:rPr lang="en-US" altLang="ko-KR" dirty="0" smtClean="0"/>
-              <a:t>.(</a:t>
+              <a:t>LUA</a:t>
             </a:r>
             <a:r>
               <a:rPr lang="en-US" altLang="ko-KR" baseline="0" dirty="0" smtClean="0"/>
@@ -840,62 +859,15 @@
             </a:r>
             <a:r>
               <a:rPr lang="ko-KR" altLang="en-US" baseline="0" dirty="0" smtClean="0"/>
-              <a:t>보여주며 </a:t>
+              <a:t>스크립트였기에 스크립트시장이 활성화가 많이 되었습니다</a:t>
             </a:r>
             <a:r>
               <a:rPr lang="en-US" altLang="ko-KR" baseline="0" dirty="0" smtClean="0"/>
-              <a:t>)</a:t>
-            </a:r>
-          </a:p>
-          <a:p>
-            <a:r>
-              <a:rPr lang="ko-KR" altLang="en-US" baseline="0" dirty="0" smtClean="0"/>
-              <a:t>이는 특히 </a:t>
-            </a:r>
-            <a:r>
-              <a:rPr lang="en-US" altLang="ko-KR" baseline="0" dirty="0" smtClean="0"/>
-              <a:t>RPG</a:t>
-            </a:r>
-            <a:r>
-              <a:rPr lang="ko-KR" altLang="en-US" baseline="0" dirty="0" smtClean="0"/>
-              <a:t> 게임에 위험한 영향을 끼치는 이유는 </a:t>
-            </a:r>
-            <a:r>
-              <a:rPr lang="en-US" altLang="ko-KR" baseline="0" dirty="0" smtClean="0"/>
-              <a:t>24</a:t>
-            </a:r>
-            <a:r>
-              <a:rPr lang="ko-KR" altLang="en-US" baseline="0" dirty="0" smtClean="0"/>
-              <a:t>시간 동작하며</a:t>
-            </a:r>
-            <a:r>
-              <a:rPr lang="en-US" altLang="ko-KR" baseline="0" dirty="0" smtClean="0"/>
-              <a:t>, </a:t>
-            </a:r>
-            <a:r>
-              <a:rPr lang="ko-KR" altLang="en-US" baseline="0" dirty="0" smtClean="0"/>
-              <a:t>사람이 노력하지 않고도 생산적인 활동을 하며</a:t>
-            </a:r>
-            <a:r>
-              <a:rPr lang="en-US" altLang="ko-KR" baseline="0" dirty="0" smtClean="0"/>
-              <a:t> </a:t>
-            </a:r>
-            <a:r>
-              <a:rPr lang="ko-KR" altLang="en-US" baseline="0" dirty="0" smtClean="0"/>
-              <a:t>모든 </a:t>
-            </a:r>
-            <a:r>
-              <a:rPr lang="ko-KR" altLang="en-US" baseline="0" dirty="0" err="1" smtClean="0"/>
-              <a:t>컨텐츠를</a:t>
-            </a:r>
-            <a:r>
-              <a:rPr lang="ko-KR" altLang="en-US" baseline="0" dirty="0" smtClean="0"/>
-              <a:t> 잠식할 수 있기 때문입니다</a:t>
-            </a:r>
-            <a:r>
-              <a:rPr lang="en-US" altLang="ko-KR" baseline="0" dirty="0" smtClean="0"/>
-              <a:t>. </a:t>
-            </a:r>
+              <a:t>.</a:t>
+            </a:r>
+            <a:endParaRPr lang="en-US" altLang="ko-KR" dirty="0" smtClean="0"/>
+          </a:p>
+          <a:p>
             <a:endParaRPr lang="ko-KR" altLang="en-US" dirty="0"/>
           </a:p>
         </p:txBody>
@@ -918,7 +890,7 @@
             <a:fld id="{DCB4F9C5-ACDA-4CB2-BFCB-6D8E346EEAA7}" type="slidenum">
               <a:rPr lang="ko-KR" altLang="en-US" smtClean="0"/>
               <a:pPr/>
-              <a:t>11</a:t>
+              <a:t>10</a:t>
             </a:fld>
             <a:endParaRPr lang="ko-KR" altLang="en-US"/>
           </a:p>
@@ -927,7 +899,7 @@
     </p:spTree>
     <p:extLst>
       <p:ext uri="{BB962C8B-B14F-4D97-AF65-F5344CB8AC3E}">
-        <p14:creationId xmlns:p14="http://schemas.microsoft.com/office/powerpoint/2010/main" val="3716232607"/>
+        <p14:creationId xmlns:p14="http://schemas.microsoft.com/office/powerpoint/2010/main" val="3057591237"/>
       </p:ext>
     </p:extLst>
   </p:cSld>
@@ -983,15 +955,123 @@
           <a:p>
             <a:r>
               <a:rPr lang="ko-KR" altLang="en-US" dirty="0" smtClean="0"/>
-              <a:t>이 프로그램은 </a:t>
+              <a:t>제가 </a:t>
             </a:r>
             <a:r>
               <a:rPr lang="en-US" altLang="ko-KR" dirty="0" smtClean="0"/>
-              <a:t>2000</a:t>
+              <a:t>2016</a:t>
             </a:r>
             <a:r>
               <a:rPr lang="ko-KR" altLang="en-US" dirty="0" smtClean="0"/>
-              <a:t>년 후반</a:t>
+              <a:t>년 당시에 녹화해두었던 영상입니다</a:t>
+            </a:r>
+            <a:r>
+              <a:rPr lang="en-US" altLang="ko-KR" dirty="0" smtClean="0"/>
+              <a:t>. </a:t>
+            </a:r>
+            <a:r>
+              <a:rPr lang="ko-KR" altLang="en-US" dirty="0" smtClean="0"/>
+              <a:t>위에서 발표했었던 </a:t>
+            </a:r>
+            <a:r>
+              <a:rPr lang="ko-KR" altLang="en-US" dirty="0" err="1" smtClean="0"/>
+              <a:t>롤</a:t>
+            </a:r>
+            <a:r>
+              <a:rPr lang="ko-KR" altLang="en-US" dirty="0" smtClean="0"/>
+              <a:t> </a:t>
+            </a:r>
+            <a:r>
+              <a:rPr lang="ko-KR" altLang="en-US" dirty="0" err="1" smtClean="0"/>
+              <a:t>헬퍼와</a:t>
+            </a:r>
+            <a:r>
+              <a:rPr lang="ko-KR" altLang="en-US" dirty="0" smtClean="0"/>
+              <a:t> 완전히 같은 구조로 동작하는 </a:t>
+            </a:r>
+            <a:r>
+              <a:rPr lang="ko-KR" altLang="en-US" dirty="0" err="1" smtClean="0"/>
+              <a:t>바람의나라</a:t>
+            </a:r>
+            <a:r>
+              <a:rPr lang="ko-KR" altLang="en-US" dirty="0" smtClean="0"/>
+              <a:t> </a:t>
+            </a:r>
+            <a:r>
+              <a:rPr lang="ko-KR" altLang="en-US" dirty="0" err="1" smtClean="0"/>
+              <a:t>헬퍼입니다</a:t>
+            </a:r>
+            <a:r>
+              <a:rPr lang="en-US" altLang="ko-KR" dirty="0" smtClean="0"/>
+              <a:t>.</a:t>
+            </a:r>
+          </a:p>
+          <a:p>
+            <a:r>
+              <a:rPr lang="ko-KR" altLang="en-US" dirty="0" smtClean="0"/>
+              <a:t>실제 유저들이 </a:t>
+            </a:r>
+            <a:r>
+              <a:rPr lang="ko-KR" altLang="en-US" dirty="0" err="1" smtClean="0"/>
+              <a:t>조작하는것과</a:t>
+            </a:r>
+            <a:r>
+              <a:rPr lang="ko-KR" altLang="en-US" dirty="0" smtClean="0"/>
+              <a:t> 차이가 없는데요</a:t>
+            </a:r>
+            <a:r>
+              <a:rPr lang="en-US" altLang="ko-KR" dirty="0" smtClean="0"/>
+              <a:t>. </a:t>
+            </a:r>
+            <a:r>
+              <a:rPr lang="ko-KR" altLang="en-US" dirty="0" err="1" smtClean="0"/>
+              <a:t>보고나서</a:t>
+            </a:r>
+            <a:r>
+              <a:rPr lang="ko-KR" altLang="en-US" dirty="0" smtClean="0"/>
+              <a:t> 이어서 </a:t>
+            </a:r>
+            <a:r>
+              <a:rPr lang="ko-KR" altLang="en-US" dirty="0" err="1" smtClean="0"/>
+              <a:t>말씀드리겠습니다</a:t>
+            </a:r>
+            <a:r>
+              <a:rPr lang="en-US" altLang="ko-KR" dirty="0" smtClean="0"/>
+              <a:t>.(</a:t>
+            </a:r>
+            <a:r>
+              <a:rPr lang="en-US" altLang="ko-KR" baseline="0" dirty="0" smtClean="0"/>
+              <a:t> </a:t>
+            </a:r>
+            <a:r>
+              <a:rPr lang="ko-KR" altLang="en-US" baseline="0" dirty="0" smtClean="0"/>
+              <a:t>보여주며 </a:t>
+            </a:r>
+            <a:r>
+              <a:rPr lang="en-US" altLang="ko-KR" baseline="0" dirty="0" smtClean="0"/>
+              <a:t>)</a:t>
+            </a:r>
+          </a:p>
+          <a:p>
+            <a:r>
+              <a:rPr lang="ko-KR" altLang="en-US" baseline="0" dirty="0" smtClean="0"/>
+              <a:t>이는 특히 </a:t>
+            </a:r>
+            <a:r>
+              <a:rPr lang="en-US" altLang="ko-KR" baseline="0" dirty="0" smtClean="0"/>
+              <a:t>RPG</a:t>
+            </a:r>
+            <a:r>
+              <a:rPr lang="ko-KR" altLang="en-US" baseline="0" dirty="0" smtClean="0"/>
+              <a:t> 게임에 위험한 영향을 끼치는 이유는 </a:t>
+            </a:r>
+            <a:r>
+              <a:rPr lang="en-US" altLang="ko-KR" baseline="0" dirty="0" smtClean="0"/>
+              <a:t>24</a:t>
+            </a:r>
+            <a:r>
+              <a:rPr lang="ko-KR" altLang="en-US" baseline="0" dirty="0" smtClean="0"/>
+              <a:t>시간 동작하며</a:t>
             </a:r>
             <a:r>
               <a:rPr lang="en-US" altLang="ko-KR" baseline="0" dirty="0" smtClean="0"/>
@@ -999,7 +1079,7 @@
             </a:r>
             <a:r>
               <a:rPr lang="ko-KR" altLang="en-US" baseline="0" dirty="0" smtClean="0"/>
-              <a:t>선린인터넷고등학교에 재학중인 학생이 만들었던</a:t>
+              <a:t>사람이 노력하지 않고도 생산적인 활동을 하며</a:t>
             </a:r>
             <a:r>
               <a:rPr lang="en-US" altLang="ko-KR" baseline="0" dirty="0" smtClean="0"/>
@@ -1007,71 +1087,19 @@
             </a:r>
             <a:r>
               <a:rPr lang="ko-KR" altLang="en-US" baseline="0" dirty="0" smtClean="0"/>
-              <a:t>인터넷 카페를 시끄럽게 했던 프로그램인데요</a:t>
+              <a:t>모든 </a:t>
+            </a:r>
+            <a:r>
+              <a:rPr lang="ko-KR" altLang="en-US" baseline="0" dirty="0" err="1" smtClean="0"/>
+              <a:t>컨텐츠를</a:t>
+            </a:r>
+            <a:r>
+              <a:rPr lang="ko-KR" altLang="en-US" baseline="0" dirty="0" smtClean="0"/>
+              <a:t> 잠식할 수 있기 때문입니다</a:t>
             </a:r>
             <a:r>
               <a:rPr lang="en-US" altLang="ko-KR" baseline="0" dirty="0" smtClean="0"/>
-              <a:t>.</a:t>
-            </a:r>
-          </a:p>
-          <a:p>
-            <a:r>
-              <a:rPr lang="ko-KR" altLang="en-US" baseline="0" dirty="0" smtClean="0"/>
-              <a:t>이 프로그램을 이용하면 </a:t>
-            </a:r>
-            <a:r>
-              <a:rPr lang="ko-KR" altLang="en-US" baseline="0" dirty="0" err="1" smtClean="0"/>
-              <a:t>치트엔진같은</a:t>
-            </a:r>
-            <a:r>
-              <a:rPr lang="ko-KR" altLang="en-US" baseline="0" dirty="0" smtClean="0"/>
-              <a:t> 프로세스를 게임보안솔루션에 탐지되지 않을 수 있었습니다</a:t>
-            </a:r>
-            <a:r>
-              <a:rPr lang="en-US" altLang="ko-KR" baseline="0" dirty="0" smtClean="0"/>
-              <a:t>.</a:t>
-            </a:r>
-          </a:p>
-          <a:p>
-            <a:endParaRPr lang="en-US" altLang="ko-KR" baseline="0" dirty="0" smtClean="0"/>
-          </a:p>
-          <a:p>
-            <a:r>
-              <a:rPr lang="ko-KR" altLang="en-US" baseline="0" dirty="0" err="1" smtClean="0"/>
-              <a:t>커널을</a:t>
-            </a:r>
-            <a:r>
-              <a:rPr lang="ko-KR" altLang="en-US" baseline="0" dirty="0" smtClean="0"/>
-              <a:t> </a:t>
-            </a:r>
-            <a:r>
-              <a:rPr lang="ko-KR" altLang="en-US" baseline="0" dirty="0" err="1" smtClean="0"/>
-              <a:t>이용했었기때문인데요</a:t>
-            </a:r>
-            <a:r>
-              <a:rPr lang="en-US" altLang="ko-KR" baseline="0" dirty="0" smtClean="0"/>
-              <a:t>.</a:t>
-            </a:r>
-          </a:p>
-          <a:p>
-            <a:r>
-              <a:rPr lang="ko-KR" altLang="en-US" baseline="0" dirty="0" smtClean="0"/>
-              <a:t>오늘날 </a:t>
-            </a:r>
-            <a:r>
-              <a:rPr lang="ko-KR" altLang="en-US" baseline="0" dirty="0" err="1" smtClean="0"/>
-              <a:t>커널은</a:t>
-            </a:r>
-            <a:r>
-              <a:rPr lang="ko-KR" altLang="en-US" baseline="0" dirty="0" smtClean="0"/>
-              <a:t> </a:t>
-            </a:r>
-            <a:endParaRPr lang="en-US" altLang="ko-KR" baseline="0" dirty="0" smtClean="0"/>
-          </a:p>
-          <a:p>
-            <a:r>
-              <a:rPr lang="en-US" altLang="ko-KR" dirty="0" smtClean="0"/>
-              <a:t> --</a:t>
+              <a:t>. </a:t>
             </a:r>
             <a:endParaRPr lang="ko-KR" altLang="en-US" dirty="0"/>
           </a:p>
@@ -1104,7 +1132,7 @@
     </p:spTree>
     <p:extLst>
       <p:ext uri="{BB962C8B-B14F-4D97-AF65-F5344CB8AC3E}">
-        <p14:creationId xmlns:p14="http://schemas.microsoft.com/office/powerpoint/2010/main" val="4026292536"/>
+        <p14:creationId xmlns:p14="http://schemas.microsoft.com/office/powerpoint/2010/main" val="3716232607"/>
       </p:ext>
     </p:extLst>
   </p:cSld>
@@ -1227,18 +1255,68 @@
             </a:r>
             <a:r>
               <a:rPr lang="en-US" altLang="ko-KR" baseline="0" dirty="0" smtClean="0"/>
+              <a:t>. </a:t>
+            </a:r>
+            <a:r>
+              <a:rPr lang="ko-KR" altLang="en-US" baseline="0" dirty="0" smtClean="0"/>
+              <a:t>오늘날에는 </a:t>
+            </a:r>
+            <a:r>
+              <a:rPr lang="en-US" altLang="ko-KR" baseline="0" dirty="0" smtClean="0"/>
+              <a:t>64</a:t>
+            </a:r>
+            <a:r>
+              <a:rPr lang="ko-KR" altLang="en-US" baseline="0" dirty="0" smtClean="0"/>
+              <a:t>비트 </a:t>
+            </a:r>
+            <a:r>
+              <a:rPr lang="en-US" altLang="ko-KR" baseline="0" dirty="0" smtClean="0"/>
+              <a:t>PC</a:t>
+            </a:r>
+            <a:r>
+              <a:rPr lang="ko-KR" altLang="en-US" baseline="0" dirty="0" smtClean="0"/>
+              <a:t>에서는 서명이 된 드라이버만이 로드 될 수 있게 되었습니다</a:t>
+            </a:r>
+            <a:r>
+              <a:rPr lang="en-US" altLang="ko-KR" baseline="0" dirty="0" smtClean="0"/>
               <a:t>.</a:t>
             </a:r>
           </a:p>
           <a:p>
             <a:r>
               <a:rPr lang="ko-KR" altLang="en-US" baseline="0" dirty="0" smtClean="0"/>
-              <a:t>오늘날 </a:t>
+              <a:t>그런데 </a:t>
             </a:r>
             <a:r>
               <a:rPr lang="ko-KR" altLang="en-US" baseline="0" dirty="0" err="1" smtClean="0"/>
-              <a:t>커널은</a:t>
-            </a:r>
+              <a:t>배틀그라운드나</a:t>
+            </a:r>
+            <a:r>
+              <a:rPr lang="ko-KR" altLang="en-US" baseline="0" dirty="0" smtClean="0"/>
+              <a:t> 요즘 </a:t>
+            </a:r>
+            <a:r>
+              <a:rPr lang="ko-KR" altLang="en-US" baseline="0" dirty="0" err="1" smtClean="0"/>
+              <a:t>핫한</a:t>
+            </a:r>
+            <a:r>
+              <a:rPr lang="ko-KR" altLang="en-US" baseline="0" dirty="0" smtClean="0"/>
+              <a:t> 게임은 </a:t>
+            </a:r>
+            <a:r>
+              <a:rPr lang="en-US" altLang="ko-KR" baseline="0" dirty="0" smtClean="0"/>
+              <a:t>64</a:t>
+            </a:r>
+            <a:r>
+              <a:rPr lang="ko-KR" altLang="en-US" baseline="0" dirty="0" smtClean="0"/>
+              <a:t>비트에서만 실행할 수 있습니다</a:t>
+            </a:r>
+            <a:r>
+              <a:rPr lang="en-US" altLang="ko-KR" baseline="0" dirty="0" smtClean="0"/>
+              <a:t>...</a:t>
+            </a:r>
+          </a:p>
+          <a:p>
             <a:r>
               <a:rPr lang="ko-KR" altLang="en-US" baseline="0" dirty="0" smtClean="0"/>
               <a:t> </a:t>
@@ -1335,152 +1413,7 @@
           <a:bodyPr/>
           <a:lstStyle/>
           <a:p>
-            <a:r>
-              <a:rPr lang="ko-KR" altLang="en-US" baseline="0" dirty="0" smtClean="0"/>
-              <a:t>인지도가 있었던  게임 보안 솔루션들입니다</a:t>
-            </a:r>
-            <a:r>
-              <a:rPr lang="en-US" altLang="ko-KR" baseline="0" dirty="0" smtClean="0"/>
-              <a:t>.</a:t>
-            </a:r>
-          </a:p>
-          <a:p>
-            <a:r>
-              <a:rPr lang="ko-KR" altLang="en-US" baseline="0" dirty="0" smtClean="0"/>
-              <a:t>이 </a:t>
-            </a:r>
-            <a:r>
-              <a:rPr lang="ko-KR" altLang="en-US" baseline="0" dirty="0" smtClean="0"/>
-              <a:t>중에는 사업을 접은 솔루션도 있습니다</a:t>
-            </a:r>
-            <a:r>
-              <a:rPr lang="en-US" altLang="ko-KR" baseline="0" dirty="0" smtClean="0"/>
-              <a:t>. </a:t>
-            </a:r>
-            <a:r>
-              <a:rPr lang="ko-KR" altLang="en-US" baseline="0" dirty="0" smtClean="0"/>
-              <a:t>어디선가 주워듣기로는</a:t>
-            </a:r>
-            <a:r>
-              <a:rPr lang="en-US" altLang="ko-KR" baseline="0" dirty="0" smtClean="0"/>
-              <a:t> </a:t>
-            </a:r>
-            <a:r>
-              <a:rPr lang="ko-KR" altLang="en-US" baseline="0" dirty="0" smtClean="0"/>
-              <a:t>서로 가격 경쟁을 하다가 시장이 </a:t>
-            </a:r>
-            <a:r>
-              <a:rPr lang="ko-KR" altLang="en-US" baseline="0" dirty="0" smtClean="0"/>
-              <a:t>초토화되었다는</a:t>
-            </a:r>
-            <a:r>
-              <a:rPr lang="en-US" altLang="ko-KR" baseline="0" dirty="0" smtClean="0"/>
-              <a:t> </a:t>
-            </a:r>
-            <a:r>
-              <a:rPr lang="ko-KR" altLang="en-US" baseline="0" dirty="0" smtClean="0"/>
-              <a:t>말을 들었습니다</a:t>
-            </a:r>
-            <a:r>
-              <a:rPr lang="en-US" altLang="ko-KR" baseline="0" dirty="0" smtClean="0"/>
-              <a:t>.</a:t>
-            </a:r>
-            <a:endParaRPr lang="en-US" altLang="ko-KR" baseline="0" dirty="0" smtClean="0"/>
-          </a:p>
-          <a:p>
-            <a:r>
-              <a:rPr lang="ko-KR" altLang="en-US" dirty="0" smtClean="0"/>
-              <a:t>하지만 그래도 살아남았고</a:t>
-            </a:r>
-            <a:r>
-              <a:rPr lang="en-US" altLang="ko-KR" dirty="0" smtClean="0"/>
-              <a:t>, </a:t>
-            </a:r>
-            <a:r>
-              <a:rPr lang="ko-KR" altLang="en-US" dirty="0" smtClean="0"/>
-              <a:t>게임은  보안솔루션과 함께 핵과의 전쟁을 해 나갈 </a:t>
-            </a:r>
-            <a:r>
-              <a:rPr lang="ko-KR" altLang="en-US" baseline="0" dirty="0" smtClean="0"/>
-              <a:t>것이라 생각합니다</a:t>
-            </a:r>
-            <a:r>
-              <a:rPr lang="en-US" altLang="ko-KR" baseline="0" dirty="0" smtClean="0"/>
-              <a:t>.</a:t>
-            </a:r>
-          </a:p>
-          <a:p>
-            <a:endParaRPr lang="en-US" altLang="ko-KR" dirty="0" smtClean="0"/>
-          </a:p>
-          <a:p>
-            <a:r>
-              <a:rPr lang="ko-KR" altLang="en-US" dirty="0" smtClean="0"/>
-              <a:t>게임 보안</a:t>
-            </a:r>
-            <a:r>
-              <a:rPr lang="en-US" altLang="ko-KR" dirty="0" smtClean="0"/>
-              <a:t>.</a:t>
-            </a:r>
-            <a:r>
-              <a:rPr lang="en-US" altLang="ko-KR" baseline="0" dirty="0" smtClean="0"/>
-              <a:t> </a:t>
-            </a:r>
-            <a:r>
-              <a:rPr lang="ko-KR" altLang="en-US" baseline="0" dirty="0" err="1" smtClean="0"/>
-              <a:t>완벽해지는것은</a:t>
-            </a:r>
-            <a:r>
-              <a:rPr lang="ko-KR" altLang="en-US" baseline="0" dirty="0" smtClean="0"/>
-              <a:t> 불가능할지 모르지만</a:t>
-            </a:r>
-            <a:r>
-              <a:rPr lang="en-US" altLang="ko-KR" baseline="0" dirty="0" smtClean="0"/>
-              <a:t>, </a:t>
-            </a:r>
-            <a:r>
-              <a:rPr lang="ko-KR" altLang="en-US" baseline="0" dirty="0" smtClean="0"/>
-              <a:t>최선을 다한다면 먼저 공격하는 입장에서 지치지 않을까요</a:t>
-            </a:r>
-            <a:r>
-              <a:rPr lang="en-US" altLang="ko-KR" baseline="0" dirty="0" smtClean="0"/>
-              <a:t>? </a:t>
-            </a:r>
-            <a:r>
-              <a:rPr lang="ko-KR" altLang="en-US" baseline="0" dirty="0" smtClean="0"/>
-              <a:t>최선을 다하려면 그 만큼의 가치를 부여시켜</a:t>
-            </a:r>
-            <a:endParaRPr lang="en-US" altLang="ko-KR" baseline="0" dirty="0" smtClean="0"/>
-          </a:p>
-          <a:p>
-            <a:r>
-              <a:rPr lang="ko-KR" altLang="en-US" baseline="0" dirty="0" err="1" smtClean="0"/>
-              <a:t>주어야한다고</a:t>
-            </a:r>
-            <a:r>
-              <a:rPr lang="ko-KR" altLang="en-US" baseline="0" dirty="0" smtClean="0"/>
-              <a:t> 생각합니다</a:t>
-            </a:r>
-            <a:r>
-              <a:rPr lang="en-US" altLang="ko-KR" baseline="0" dirty="0" smtClean="0"/>
-              <a:t>. </a:t>
-            </a:r>
-            <a:r>
-              <a:rPr lang="ko-KR" altLang="en-US" baseline="0" dirty="0" smtClean="0"/>
-              <a:t>게임보안이 </a:t>
-            </a:r>
-            <a:r>
-              <a:rPr lang="ko-KR" altLang="en-US" baseline="0" dirty="0" err="1" smtClean="0"/>
-              <a:t>게임핵보다</a:t>
-            </a:r>
-            <a:r>
-              <a:rPr lang="ko-KR" altLang="en-US" baseline="0" dirty="0" smtClean="0"/>
-              <a:t> 많이 버는 세상이 오는 순간이 왔으면 합니다</a:t>
-            </a:r>
-            <a:r>
-              <a:rPr lang="en-US" altLang="ko-KR" baseline="0" dirty="0" smtClean="0"/>
-              <a:t>. </a:t>
-            </a:r>
-            <a:endParaRPr lang="en-US" altLang="ko-KR" dirty="0" smtClean="0"/>
+            <a:endParaRPr lang="ko-KR" altLang="en-US" dirty="0"/>
           </a:p>
         </p:txBody>
       </p:sp>
@@ -1511,7 +1444,7 @@
     </p:spTree>
     <p:extLst>
       <p:ext uri="{BB962C8B-B14F-4D97-AF65-F5344CB8AC3E}">
-        <p14:creationId xmlns:p14="http://schemas.microsoft.com/office/powerpoint/2010/main" val="1670291940"/>
+        <p14:creationId xmlns:p14="http://schemas.microsoft.com/office/powerpoint/2010/main" val="4026292536"/>
       </p:ext>
     </p:extLst>
   </p:cSld>
@@ -1566,161 +1499,142 @@
           <a:lstStyle/>
           <a:p>
             <a:r>
+              <a:rPr lang="ko-KR" altLang="en-US" baseline="0" dirty="0" smtClean="0"/>
+              <a:t>위는 인지도가 있었던  게임 보안 솔루션들입니다</a:t>
+            </a:r>
+            <a:r>
+              <a:rPr lang="en-US" altLang="ko-KR" baseline="0" dirty="0" smtClean="0"/>
+              <a:t>.</a:t>
+            </a:r>
+          </a:p>
+          <a:p>
+            <a:r>
+              <a:rPr lang="ko-KR" altLang="en-US" baseline="0" dirty="0" smtClean="0"/>
+              <a:t>이 중에는 사업을 접은 솔루션도 있습니다</a:t>
+            </a:r>
+            <a:r>
+              <a:rPr lang="en-US" altLang="ko-KR" baseline="0" dirty="0" smtClean="0"/>
+              <a:t>. </a:t>
+            </a:r>
+            <a:r>
+              <a:rPr lang="ko-KR" altLang="en-US" baseline="0" dirty="0" smtClean="0"/>
+              <a:t>어디선가 주워듣기로는</a:t>
+            </a:r>
+            <a:r>
+              <a:rPr lang="en-US" altLang="ko-KR" baseline="0" dirty="0" smtClean="0"/>
+              <a:t> </a:t>
+            </a:r>
+            <a:r>
+              <a:rPr lang="ko-KR" altLang="en-US" baseline="0" dirty="0" smtClean="0"/>
+              <a:t>서로 가격 경쟁을 하다가 시장이 초토화되었다는</a:t>
+            </a:r>
+            <a:r>
+              <a:rPr lang="en-US" altLang="ko-KR" baseline="0" dirty="0" smtClean="0"/>
+              <a:t> </a:t>
+            </a:r>
+            <a:r>
+              <a:rPr lang="ko-KR" altLang="en-US" baseline="0" dirty="0" smtClean="0"/>
+              <a:t>말을 들었는데요</a:t>
+            </a:r>
+            <a:r>
+              <a:rPr lang="en-US" altLang="ko-KR" baseline="0" dirty="0" smtClean="0"/>
+              <a:t>.</a:t>
+            </a:r>
+          </a:p>
+          <a:p>
+            <a:r>
               <a:rPr lang="ko-KR" altLang="en-US" dirty="0" smtClean="0"/>
-              <a:t>제가 드리고 싶은 </a:t>
+              <a:t>하지만 그래도 살아남았고</a:t>
+            </a:r>
+            <a:r>
+              <a:rPr lang="en-US" altLang="ko-KR" dirty="0" smtClean="0"/>
+              <a:t>, </a:t>
             </a:r>
             <a:r>
               <a:rPr lang="ko-KR" altLang="en-US" dirty="0" smtClean="0"/>
-              <a:t>말씀이 있습니다</a:t>
-            </a:r>
-            <a:r>
-              <a:rPr lang="en-US" altLang="ko-KR" dirty="0" smtClean="0"/>
-              <a:t>. </a:t>
-            </a:r>
+              <a:t>앞으로도 게임은 보안솔루션과 함께 핵과의 전쟁을 해 나갈 </a:t>
+            </a:r>
+            <a:r>
+              <a:rPr lang="ko-KR" altLang="en-US" baseline="0" dirty="0" smtClean="0"/>
+              <a:t>것이라 생각합니다</a:t>
+            </a:r>
+            <a:r>
+              <a:rPr lang="en-US" altLang="ko-KR" baseline="0" dirty="0" smtClean="0"/>
+              <a:t>.</a:t>
+            </a:r>
+          </a:p>
+          <a:p>
+            <a:endParaRPr lang="en-US" altLang="ko-KR" dirty="0" smtClean="0"/>
+          </a:p>
+          <a:p>
             <a:r>
               <a:rPr lang="ko-KR" altLang="en-US" dirty="0" smtClean="0"/>
-              <a:t>저는 이번 발표를</a:t>
-            </a:r>
-            <a:r>
-              <a:rPr lang="ko-KR" altLang="en-US" baseline="0" dirty="0" smtClean="0"/>
-              <a:t> 못하는</a:t>
-            </a:r>
-            <a:r>
-              <a:rPr lang="ko-KR" altLang="en-US" dirty="0" smtClean="0"/>
-              <a:t> 줄 알았습니다</a:t>
+              <a:t>게임 보안</a:t>
             </a:r>
             <a:r>
               <a:rPr lang="en-US" altLang="ko-KR" dirty="0" smtClean="0"/>
               <a:t>.</a:t>
             </a:r>
-          </a:p>
-          <a:p>
-            <a:r>
-              <a:rPr lang="ko-KR" altLang="en-US" dirty="0" smtClean="0"/>
-              <a:t>제가 과거에 핵을 판매했던 적이 있다는 이유에서입니다</a:t>
-            </a:r>
-            <a:r>
-              <a:rPr lang="en-US" altLang="ko-KR" dirty="0" smtClean="0"/>
-              <a:t>. </a:t>
-            </a:r>
-            <a:r>
-              <a:rPr lang="ko-KR" altLang="en-US" dirty="0" smtClean="0"/>
+            <a:r>
+              <a:rPr lang="en-US" altLang="ko-KR" baseline="0" dirty="0" smtClean="0"/>
               <a:t> </a:t>
             </a:r>
-            <a:endParaRPr lang="en-US" altLang="ko-KR" dirty="0" smtClean="0"/>
-          </a:p>
-          <a:p>
-            <a:endParaRPr lang="en-US" altLang="ko-KR" dirty="0" smtClean="0"/>
-          </a:p>
-          <a:p>
-            <a:r>
-              <a:rPr lang="ko-KR" altLang="en-US" dirty="0" smtClean="0"/>
-              <a:t>실제로 월에 </a:t>
-            </a:r>
-            <a:r>
-              <a:rPr lang="en-US" altLang="ko-KR" dirty="0" smtClean="0"/>
-              <a:t>3</a:t>
-            </a:r>
-            <a:r>
-              <a:rPr lang="ko-KR" altLang="en-US" dirty="0" smtClean="0"/>
-              <a:t>만원씩 </a:t>
-            </a:r>
-            <a:r>
-              <a:rPr lang="en-US" altLang="ko-KR" dirty="0" smtClean="0"/>
-              <a:t>5</a:t>
-            </a:r>
-            <a:r>
-              <a:rPr lang="ko-KR" altLang="en-US" dirty="0" smtClean="0"/>
-              <a:t>명 정도에게 판매했던 적이 있습니다</a:t>
-            </a:r>
-            <a:r>
-              <a:rPr lang="en-US" altLang="ko-KR" smtClean="0"/>
-              <a:t>. </a:t>
-            </a:r>
-            <a:endParaRPr lang="en-US" altLang="ko-KR" dirty="0" smtClean="0"/>
-          </a:p>
-          <a:p>
-            <a:r>
-              <a:rPr lang="ko-KR" altLang="en-US" dirty="0" smtClean="0"/>
-              <a:t>하지만 </a:t>
-            </a:r>
-            <a:r>
-              <a:rPr lang="en-US" altLang="ko-KR" dirty="0" smtClean="0"/>
-              <a:t>2017</a:t>
-            </a:r>
-            <a:r>
-              <a:rPr lang="ko-KR" altLang="en-US" dirty="0" smtClean="0"/>
-              <a:t>년 초 게임</a:t>
-            </a:r>
-            <a:r>
-              <a:rPr lang="ko-KR" altLang="en-US" baseline="0" dirty="0" smtClean="0"/>
-              <a:t>사의 문의 게시판을 통해 관련된 자료를 모두 전달하였고</a:t>
+            <a:r>
+              <a:rPr lang="ko-KR" altLang="en-US" baseline="0" dirty="0" err="1" smtClean="0"/>
+              <a:t>완벽해지는것은</a:t>
+            </a:r>
+            <a:r>
+              <a:rPr lang="ko-KR" altLang="en-US" baseline="0" dirty="0" smtClean="0"/>
+              <a:t> 불가능할지 모르지만</a:t>
             </a:r>
             <a:r>
               <a:rPr lang="en-US" altLang="ko-KR" baseline="0" dirty="0" smtClean="0"/>
               <a:t>, </a:t>
             </a:r>
-          </a:p>
-          <a:p>
-            <a:r>
-              <a:rPr lang="ko-KR" altLang="en-US" baseline="0" dirty="0" smtClean="0"/>
-              <a:t>현재는 하고 있지 않습니다</a:t>
+            <a:r>
+              <a:rPr lang="ko-KR" altLang="en-US" baseline="0" dirty="0" smtClean="0"/>
+              <a:t>최선을 다한다면 먼저 공격하는 입장에서 지치지 않을까요</a:t>
+            </a:r>
+            <a:r>
+              <a:rPr lang="en-US" altLang="ko-KR" baseline="0" dirty="0" smtClean="0"/>
+              <a:t>? </a:t>
+            </a:r>
+            <a:r>
+              <a:rPr lang="ko-KR" altLang="en-US" baseline="0" dirty="0" smtClean="0"/>
+              <a:t>최선을 다하려면 그 만큼의 가치를 부여시켜</a:t>
+            </a:r>
+            <a:endParaRPr lang="en-US" altLang="ko-KR" baseline="0" dirty="0" smtClean="0"/>
+          </a:p>
+          <a:p>
+            <a:r>
+              <a:rPr lang="ko-KR" altLang="en-US" baseline="0" dirty="0" err="1" smtClean="0"/>
+              <a:t>주어야한다고</a:t>
+            </a:r>
+            <a:r>
+              <a:rPr lang="ko-KR" altLang="en-US" baseline="0" dirty="0" smtClean="0"/>
+              <a:t> 생각합니다</a:t>
             </a:r>
             <a:r>
               <a:rPr lang="en-US" altLang="ko-KR" baseline="0" dirty="0" smtClean="0"/>
               <a:t>. </a:t>
             </a:r>
-          </a:p>
-          <a:p>
-            <a:r>
-              <a:rPr lang="ko-KR" altLang="en-US" dirty="0" smtClean="0"/>
-              <a:t>보안을 위해 애쓰시는 여러분께 죄송합니다</a:t>
-            </a:r>
-            <a:r>
-              <a:rPr lang="en-US" altLang="ko-KR" dirty="0" smtClean="0"/>
-              <a:t>.</a:t>
-            </a:r>
-          </a:p>
-          <a:p>
-            <a:endParaRPr lang="en-US" altLang="ko-KR" baseline="0" dirty="0" smtClean="0"/>
-          </a:p>
-          <a:p>
-            <a:pPr marL="0" marR="0" indent="0" algn="l" defTabSz="914400" rtl="0" eaLnBrk="1" fontAlgn="auto" latinLnBrk="1" hangingPunct="1">
-              <a:lnSpc>
-                <a:spcPct val="100000"/>
-              </a:lnSpc>
-              <a:spcBef>
-                <a:spcPts val="0"/>
-              </a:spcBef>
-              <a:spcAft>
-                <a:spcPts val="0"/>
-              </a:spcAft>
-              <a:buClrTx/>
-              <a:buSzTx/>
-              <a:buFontTx/>
-              <a:buNone/>
-              <a:tabLst/>
-              <a:defRPr/>
-            </a:pPr>
-            <a:r>
-              <a:rPr lang="ko-KR" altLang="en-US" baseline="0" dirty="0" smtClean="0"/>
-              <a:t>그럼에도 제가 알고 있는 것들을 조금이나마 나누고 싶어 이렇게 발표를 하였습니다</a:t>
+            <a:r>
+              <a:rPr lang="ko-KR" altLang="en-US" baseline="0" dirty="0" smtClean="0"/>
+              <a:t>게임보안이 </a:t>
+            </a:r>
+            <a:r>
+              <a:rPr lang="ko-KR" altLang="en-US" baseline="0" dirty="0" err="1" smtClean="0"/>
+              <a:t>게임핵보다</a:t>
+            </a:r>
+            <a:r>
+              <a:rPr lang="ko-KR" altLang="en-US" baseline="0" dirty="0" smtClean="0"/>
+              <a:t> 많이 버는 세상이 오는 순간이 왔으면 합니다</a:t>
             </a:r>
             <a:r>
               <a:rPr lang="en-US" altLang="ko-KR" baseline="0" dirty="0" smtClean="0"/>
               <a:t>. </a:t>
             </a:r>
-            <a:r>
-              <a:rPr lang="ko-KR" altLang="en-US" baseline="0" dirty="0" smtClean="0"/>
-              <a:t>감사합니다</a:t>
-            </a:r>
-            <a:r>
-              <a:rPr lang="en-US" altLang="ko-KR" baseline="0" dirty="0" smtClean="0"/>
-              <a:t>.</a:t>
-            </a:r>
-          </a:p>
-          <a:p>
-            <a:endParaRPr lang="ko-KR" altLang="en-US" dirty="0"/>
+            <a:endParaRPr lang="en-US" altLang="ko-KR" dirty="0" smtClean="0"/>
           </a:p>
         </p:txBody>
       </p:sp>
@@ -1751,7 +1665,7 @@
     </p:spTree>
     <p:extLst>
       <p:ext uri="{BB962C8B-B14F-4D97-AF65-F5344CB8AC3E}">
-        <p14:creationId xmlns:p14="http://schemas.microsoft.com/office/powerpoint/2010/main" val="2095587770"/>
+        <p14:creationId xmlns:p14="http://schemas.microsoft.com/office/powerpoint/2010/main" val="1670291940"/>
       </p:ext>
     </p:extLst>
   </p:cSld>
@@ -1807,23 +1721,146 @@
           <a:p>
             <a:r>
               <a:rPr lang="ko-KR" altLang="en-US" dirty="0" smtClean="0"/>
-              <a:t>혹시 궁금하셨던 부분이 있으시면 질문해주세요</a:t>
+              <a:t>제가 드리고 싶은 말씀이 있습니다</a:t>
             </a:r>
             <a:r>
               <a:rPr lang="en-US" altLang="ko-KR" dirty="0" smtClean="0"/>
               <a:t>. </a:t>
             </a:r>
             <a:r>
-              <a:rPr lang="ko-KR" altLang="en-US" baseline="0" dirty="0" smtClean="0"/>
-              <a:t> 그리고 지금이 아니더라도</a:t>
+              <a:rPr lang="ko-KR" altLang="en-US" dirty="0" smtClean="0"/>
+              <a:t>저는 이번 발표를</a:t>
+            </a:r>
+            <a:r>
+              <a:rPr lang="ko-KR" altLang="en-US" baseline="0" dirty="0" smtClean="0"/>
+              <a:t> 못하는</a:t>
+            </a:r>
+            <a:r>
+              <a:rPr lang="ko-KR" altLang="en-US" dirty="0" smtClean="0"/>
+              <a:t> 줄 알았습니다</a:t>
+            </a:r>
+            <a:r>
+              <a:rPr lang="en-US" altLang="ko-KR" dirty="0" smtClean="0"/>
+              <a:t>.</a:t>
+            </a:r>
+          </a:p>
+          <a:p>
+            <a:r>
+              <a:rPr lang="ko-KR" altLang="en-US" dirty="0" smtClean="0"/>
+              <a:t>제가 과거에 핵을 판매했던 적이 있기 때문입니다</a:t>
+            </a:r>
+            <a:r>
+              <a:rPr lang="en-US" altLang="ko-KR" dirty="0" smtClean="0"/>
+              <a:t>.</a:t>
+            </a:r>
+          </a:p>
+          <a:p>
+            <a:endParaRPr lang="en-US" altLang="ko-KR" dirty="0" smtClean="0"/>
+          </a:p>
+          <a:p>
+            <a:r>
+              <a:rPr lang="ko-KR" altLang="en-US" dirty="0" smtClean="0"/>
+              <a:t>실제로 월에 </a:t>
+            </a:r>
+            <a:r>
+              <a:rPr lang="en-US" altLang="ko-KR" dirty="0" smtClean="0"/>
+              <a:t>3</a:t>
+            </a:r>
+            <a:r>
+              <a:rPr lang="ko-KR" altLang="en-US" dirty="0" smtClean="0"/>
+              <a:t>만원씩 </a:t>
+            </a:r>
+            <a:r>
+              <a:rPr lang="en-US" altLang="ko-KR" dirty="0" smtClean="0"/>
+              <a:t>5</a:t>
+            </a:r>
+            <a:r>
+              <a:rPr lang="ko-KR" altLang="en-US" dirty="0" smtClean="0"/>
+              <a:t>명 정도에게 판매했던 적이 있습니다</a:t>
+            </a:r>
+            <a:r>
+              <a:rPr lang="en-US" altLang="ko-KR" dirty="0" smtClean="0"/>
+              <a:t>. </a:t>
+            </a:r>
+          </a:p>
+          <a:p>
+            <a:r>
+              <a:rPr lang="ko-KR" altLang="en-US" dirty="0" smtClean="0"/>
+              <a:t>하지만 </a:t>
+            </a:r>
+            <a:r>
+              <a:rPr lang="en-US" altLang="ko-KR" dirty="0" smtClean="0"/>
+              <a:t>2017</a:t>
+            </a:r>
+            <a:r>
+              <a:rPr lang="ko-KR" altLang="en-US" dirty="0" smtClean="0"/>
+              <a:t>년 초 게임</a:t>
+            </a:r>
+            <a:r>
+              <a:rPr lang="ko-KR" altLang="en-US" baseline="0" dirty="0" smtClean="0"/>
+              <a:t>사의 문의 게시판을 통해 관련된 자료를 모두 전달하였고</a:t>
             </a:r>
             <a:r>
               <a:rPr lang="en-US" altLang="ko-KR" baseline="0" dirty="0" smtClean="0"/>
               <a:t>, </a:t>
             </a:r>
-            <a:r>
-              <a:rPr lang="ko-KR" altLang="en-US" baseline="0" dirty="0" smtClean="0"/>
-              <a:t>개인적으로 이메일을 주셔도 답변 가능합니다</a:t>
+          </a:p>
+          <a:p>
+            <a:r>
+              <a:rPr lang="ko-KR" altLang="en-US" baseline="0" dirty="0" smtClean="0"/>
+              <a:t>현재는 하고 있지 않습니다</a:t>
+            </a:r>
+            <a:r>
+              <a:rPr lang="en-US" altLang="ko-KR" baseline="0" dirty="0" smtClean="0"/>
+              <a:t>. </a:t>
+            </a:r>
+          </a:p>
+          <a:p>
+            <a:r>
+              <a:rPr lang="ko-KR" altLang="en-US" dirty="0" smtClean="0"/>
+              <a:t>보안을 위해 애쓰시는 여러분께 죄송합니다</a:t>
+            </a:r>
+            <a:r>
+              <a:rPr lang="en-US" altLang="ko-KR" dirty="0" smtClean="0"/>
+              <a:t>.</a:t>
+            </a:r>
+          </a:p>
+          <a:p>
+            <a:endParaRPr lang="en-US" altLang="ko-KR" baseline="0" dirty="0" smtClean="0"/>
+          </a:p>
+          <a:p>
+            <a:pPr marL="0" marR="0" indent="0" algn="l" defTabSz="914400" rtl="0" eaLnBrk="1" fontAlgn="auto" latinLnBrk="1" hangingPunct="1">
+              <a:lnSpc>
+                <a:spcPct val="100000"/>
+              </a:lnSpc>
+              <a:spcBef>
+                <a:spcPts val="0"/>
+              </a:spcBef>
+              <a:spcAft>
+                <a:spcPts val="0"/>
+              </a:spcAft>
+              <a:buClrTx/>
+              <a:buSzTx/>
+              <a:buFontTx/>
+              <a:buNone/>
+              <a:tabLst/>
+              <a:defRPr/>
+            </a:pPr>
+            <a:r>
+              <a:rPr lang="ko-KR" altLang="en-US" baseline="0" dirty="0" smtClean="0"/>
+              <a:t>그럼에도 제가 알고 있는 것들을 조금이나마 나누고 싶어 이렇게 발표를 </a:t>
+            </a:r>
+            <a:r>
+              <a:rPr lang="ko-KR" altLang="en-US" baseline="0" dirty="0" err="1" smtClean="0"/>
+              <a:t>하게되었습니다</a:t>
+            </a:r>
+            <a:r>
+              <a:rPr lang="en-US" altLang="ko-KR" baseline="0" dirty="0" smtClean="0"/>
+              <a:t>.  </a:t>
+            </a:r>
+            <a:r>
+              <a:rPr lang="ko-KR" altLang="en-US" baseline="0" dirty="0" smtClean="0"/>
+              <a:t>들어주셔서 감사합니다</a:t>
             </a:r>
             <a:r>
               <a:rPr lang="en-US" altLang="ko-KR" baseline="0" dirty="0" smtClean="0"/>
@@ -1854,6 +1891,117 @@
               <a:rPr lang="ko-KR" altLang="en-US" smtClean="0"/>
               <a:pPr/>
               <a:t>16</a:t>
+            </a:fld>
+            <a:endParaRPr lang="ko-KR" altLang="en-US"/>
+          </a:p>
+        </p:txBody>
+      </p:sp>
+    </p:spTree>
+    <p:extLst>
+      <p:ext uri="{BB962C8B-B14F-4D97-AF65-F5344CB8AC3E}">
+        <p14:creationId xmlns:p14="http://schemas.microsoft.com/office/powerpoint/2010/main" val="2095587770"/>
+      </p:ext>
+    </p:extLst>
+  </p:cSld>
+  <p:clrMapOvr>
+    <a:masterClrMapping/>
+  </p:clrMapOvr>
+</p:notes>
+</file>
+
+<file path=ppt/notesSlides/notesSlide16.xml><?xml version="1.0" encoding="utf-8"?>
+<p:notes xmlns:a="http://schemas.openxmlformats.org/drawingml/2006/main" xmlns:r="http://schemas.openxmlformats.org/officeDocument/2006/relationships" xmlns:p="http://schemas.openxmlformats.org/presentationml/2006/main">
+  <p:cSld>
+    <p:spTree>
+      <p:nvGrpSpPr>
+        <p:cNvPr id="1" name=""/>
+        <p:cNvGrpSpPr/>
+        <p:nvPr/>
+      </p:nvGrpSpPr>
+      <p:grpSpPr>
+        <a:xfrm>
+          <a:off x="0" y="0"/>
+          <a:ext cx="0" cy="0"/>
+          <a:chOff x="0" y="0"/>
+          <a:chExt cx="0" cy="0"/>
+        </a:xfrm>
+      </p:grpSpPr>
+      <p:sp>
+        <p:nvSpPr>
+          <p:cNvPr id="2" name="슬라이드 이미지 개체 틀 1"/>
+          <p:cNvSpPr>
+            <a:spLocks noGrp="1" noRot="1" noChangeAspect="1"/>
+          </p:cNvSpPr>
+          <p:nvPr>
+            <p:ph type="sldImg"/>
+          </p:nvPr>
+        </p:nvSpPr>
+        <p:spPr/>
+      </p:sp>
+      <p:sp>
+        <p:nvSpPr>
+          <p:cNvPr id="3" name="슬라이드 노트 개체 틀 2"/>
+          <p:cNvSpPr>
+            <a:spLocks noGrp="1"/>
+          </p:cNvSpPr>
+          <p:nvPr>
+            <p:ph type="body" idx="1"/>
+          </p:nvPr>
+        </p:nvSpPr>
+        <p:spPr/>
+        <p:txBody>
+          <a:bodyPr/>
+          <a:lstStyle/>
+          <a:p>
+            <a:r>
+              <a:rPr lang="ko-KR" altLang="en-US" dirty="0" smtClean="0"/>
+              <a:t>혹시 궁금하셨던 부분이 있으시다면 질문해주세요</a:t>
+            </a:r>
+            <a:r>
+              <a:rPr lang="en-US" altLang="ko-KR" dirty="0" smtClean="0"/>
+              <a:t>. </a:t>
+            </a:r>
+            <a:r>
+              <a:rPr lang="ko-KR" altLang="en-US" baseline="0" dirty="0" smtClean="0"/>
+              <a:t> 그리고 지금이 아니더라도</a:t>
+            </a:r>
+            <a:r>
+              <a:rPr lang="en-US" altLang="ko-KR" baseline="0" dirty="0" smtClean="0"/>
+              <a:t>, </a:t>
+            </a:r>
+            <a:r>
+              <a:rPr lang="ko-KR" altLang="en-US" baseline="0" dirty="0" smtClean="0"/>
+              <a:t>개인적으로 이메일을 주셔도 답변이 가능합니다</a:t>
+            </a:r>
+            <a:r>
+              <a:rPr lang="en-US" altLang="ko-KR" baseline="0" dirty="0" smtClean="0"/>
+              <a:t>.</a:t>
+            </a:r>
+          </a:p>
+          <a:p>
+            <a:endParaRPr lang="ko-KR" altLang="en-US" dirty="0"/>
+          </a:p>
+        </p:txBody>
+      </p:sp>
+      <p:sp>
+        <p:nvSpPr>
+          <p:cNvPr id="4" name="슬라이드 번호 개체 틀 3"/>
+          <p:cNvSpPr>
+            <a:spLocks noGrp="1"/>
+          </p:cNvSpPr>
+          <p:nvPr>
+            <p:ph type="sldNum" sz="quarter" idx="10"/>
+          </p:nvPr>
+        </p:nvSpPr>
+        <p:spPr/>
+        <p:txBody>
+          <a:bodyPr/>
+          <a:lstStyle/>
+          <a:p>
+            <a:fld id="{DCB4F9C5-ACDA-4CB2-BFCB-6D8E346EEAA7}" type="slidenum">
+              <a:rPr lang="ko-KR" altLang="en-US" smtClean="0"/>
+              <a:pPr/>
+              <a:t>17</a:t>
             </a:fld>
             <a:endParaRPr lang="ko-KR" altLang="en-US"/>
           </a:p>
@@ -1922,26 +2070,17 @@
             </a:r>
             <a:r>
               <a:rPr lang="ko-KR" altLang="en-US" baseline="0" dirty="0" smtClean="0"/>
-              <a:t> 단어는 게임을 플레이 하는 게이머들에게는 낯설지가 </a:t>
-            </a:r>
-            <a:r>
-              <a:rPr lang="ko-KR" altLang="en-US" baseline="0" dirty="0" smtClean="0"/>
-              <a:t>않은 말입니다</a:t>
+              <a:t> 단어는 게임을 플레이 하는 게이머들에게는 낯설지가 않은 말입니다</a:t>
             </a:r>
             <a:r>
               <a:rPr lang="en-US" altLang="ko-KR" baseline="0" dirty="0" smtClean="0"/>
               <a:t>.</a:t>
             </a:r>
-            <a:endParaRPr lang="en-US" altLang="ko-KR" baseline="0" dirty="0" smtClean="0"/>
-          </a:p>
-          <a:p>
-            <a:r>
-              <a:rPr lang="ko-KR" altLang="en-US" baseline="0" dirty="0" smtClean="0"/>
-              <a:t>하루에도 </a:t>
-            </a:r>
-            <a:r>
-              <a:rPr lang="ko-KR" altLang="en-US" baseline="0" dirty="0" smtClean="0"/>
-              <a:t>몇 번씩 </a:t>
+          </a:p>
+          <a:p>
+            <a:r>
+              <a:rPr lang="ko-KR" altLang="en-US" baseline="0" dirty="0" smtClean="0"/>
+              <a:t>하루에도 몇 번씩 </a:t>
             </a:r>
             <a:r>
               <a:rPr lang="en-US" altLang="ko-KR" baseline="0" dirty="0" smtClean="0"/>
@@ -1957,23 +2096,7 @@
             </a:r>
             <a:r>
               <a:rPr lang="ko-KR" altLang="en-US" baseline="0" dirty="0" smtClean="0"/>
-              <a:t>라고 </a:t>
-            </a:r>
-            <a:r>
-              <a:rPr lang="ko-KR" altLang="en-US" baseline="0" dirty="0" smtClean="0"/>
-              <a:t> 말을 </a:t>
-            </a:r>
-            <a:r>
-              <a:rPr lang="ko-KR" altLang="en-US" baseline="0" dirty="0" smtClean="0"/>
-              <a:t>하는 </a:t>
-            </a:r>
-            <a:r>
-              <a:rPr lang="ko-KR" altLang="en-US" baseline="0" dirty="0" smtClean="0"/>
-              <a:t>사람들도 심심찮게 많아졌을 </a:t>
-            </a:r>
-            <a:r>
-              <a:rPr lang="ko-KR" altLang="en-US" baseline="0" dirty="0" smtClean="0"/>
-              <a:t>정도로 부정한 방법으로 게임을 즐기는 사람이</a:t>
+              <a:t>라고  말을 하는 사람들도 심심찮게 있을 정도로 부정한 방법으로 게임을 즐기는 사람이</a:t>
             </a:r>
             <a:endParaRPr lang="en-US" altLang="ko-KR" baseline="0" dirty="0" smtClean="0"/>
           </a:p>
@@ -1988,7 +2111,7 @@
             </a:r>
             <a:r>
               <a:rPr lang="ko-KR" altLang="en-US" baseline="0" dirty="0" smtClean="0"/>
-              <a:t>하지만 그  사람은 핵일 수도 있지만 아닐 수 도 있겠죠</a:t>
+              <a:t>하지만 그  사람은 핵일 아닐 수 도 있겠죠</a:t>
             </a:r>
             <a:r>
               <a:rPr lang="en-US" altLang="ko-KR" baseline="0" dirty="0" smtClean="0"/>
@@ -2014,20 +2137,11 @@
               <a:rPr lang="en-US" altLang="ko-KR" baseline="0" dirty="0" smtClean="0"/>
               <a:t>.</a:t>
             </a:r>
-            <a:endParaRPr lang="en-US" altLang="ko-KR" baseline="0" dirty="0" smtClean="0"/>
-          </a:p>
-          <a:p>
-            <a:r>
-              <a:rPr lang="ko-KR" altLang="en-US" baseline="0" dirty="0" smtClean="0"/>
-              <a:t>제가 생각하는 게임 </a:t>
-            </a:r>
-            <a:r>
-              <a:rPr lang="ko-KR" altLang="en-US" baseline="0" dirty="0" smtClean="0"/>
-              <a:t>핵의 </a:t>
-            </a:r>
-            <a:r>
-              <a:rPr lang="ko-KR" altLang="en-US" baseline="0" dirty="0" smtClean="0"/>
-              <a:t>정의는 게임에서 인가하지 않은 방법으로 메모리나 </a:t>
+          </a:p>
+          <a:p>
+            <a:r>
+              <a:rPr lang="ko-KR" altLang="en-US" baseline="0" dirty="0" smtClean="0"/>
+              <a:t>제가 생각하는 게임 핵의 정의는 게임에서 인가하지 않은 방법으로 메모리나 </a:t>
             </a:r>
             <a:r>
               <a:rPr lang="ko-KR" altLang="en-US" baseline="0" dirty="0" err="1" smtClean="0"/>
@@ -2051,9 +2165,6 @@
             </a:r>
           </a:p>
           <a:p>
-            <a:endParaRPr lang="en-US" altLang="ko-KR" baseline="0" dirty="0" smtClean="0"/>
-          </a:p>
-          <a:p>
             <a:r>
               <a:rPr lang="ko-KR" altLang="en-US" baseline="0" dirty="0" smtClean="0"/>
               <a:t>물론 다른 행위도 해당될 수 있습니다</a:t>
@@ -2062,33 +2173,6 @@
               <a:rPr lang="en-US" altLang="ko-KR" baseline="0" dirty="0" smtClean="0"/>
               <a:t>. </a:t>
             </a:r>
-            <a:endParaRPr lang="en-US" altLang="ko-KR" baseline="0" dirty="0" smtClean="0"/>
-          </a:p>
-          <a:p>
-            <a:endParaRPr lang="en-US" altLang="ko-KR" dirty="0" smtClean="0"/>
-          </a:p>
-          <a:p>
-            <a:r>
-              <a:rPr lang="ko-KR" altLang="en-US" dirty="0" smtClean="0"/>
-              <a:t>아 </a:t>
-            </a:r>
-            <a:r>
-              <a:rPr lang="ko-KR" altLang="en-US" dirty="0" err="1" smtClean="0"/>
-              <a:t>지뢰찾기는</a:t>
-            </a:r>
-            <a:r>
-              <a:rPr lang="ko-KR" altLang="en-US" dirty="0" smtClean="0"/>
-              <a:t> 온라인 게임이라고 하기에는 </a:t>
-            </a:r>
-            <a:r>
-              <a:rPr lang="ko-KR" altLang="en-US" dirty="0" err="1" smtClean="0"/>
-              <a:t>좀그렇죠</a:t>
-            </a:r>
-            <a:r>
-              <a:rPr lang="en-US" altLang="ko-KR" dirty="0" smtClean="0"/>
-              <a:t>??</a:t>
-            </a:r>
-            <a:endParaRPr lang="ko-KR" altLang="en-US" dirty="0"/>
           </a:p>
         </p:txBody>
       </p:sp>
@@ -2175,6 +2259,43 @@
           <a:p>
             <a:r>
               <a:rPr lang="ko-KR" altLang="en-US" dirty="0" smtClean="0"/>
+              <a:t>제 발표주제가 게임 핵과 보안솔루션의 전쟁입니다</a:t>
+            </a:r>
+            <a:r>
+              <a:rPr lang="en-US" altLang="ko-KR" dirty="0" smtClean="0"/>
+              <a:t>. </a:t>
+            </a:r>
+            <a:r>
+              <a:rPr lang="ko-KR" altLang="en-US" dirty="0" smtClean="0"/>
+              <a:t>그런데 과거에는 핵이 별로 없었고</a:t>
+            </a:r>
+            <a:r>
+              <a:rPr lang="en-US" altLang="ko-KR" dirty="0" smtClean="0"/>
+              <a:t>, </a:t>
+            </a:r>
+            <a:r>
+              <a:rPr lang="ko-KR" altLang="en-US" dirty="0" smtClean="0"/>
+              <a:t>발전해 있지도 않았습니다</a:t>
+            </a:r>
+            <a:r>
+              <a:rPr lang="en-US" altLang="ko-KR" dirty="0" smtClean="0"/>
+              <a:t>.</a:t>
+            </a:r>
+            <a:br>
+              <a:rPr lang="en-US" altLang="ko-KR" dirty="0" smtClean="0"/>
+            </a:br>
+            <a:r>
+              <a:rPr lang="ko-KR" altLang="en-US" dirty="0" smtClean="0"/>
+              <a:t>청동기시대에는 철이 없이 전쟁을 한 것 처럼요</a:t>
+            </a:r>
+            <a:r>
+              <a:rPr lang="en-US" altLang="ko-KR" dirty="0" smtClean="0"/>
+              <a:t>.</a:t>
+            </a:r>
+          </a:p>
+          <a:p>
+            <a:r>
+              <a:rPr lang="ko-KR" altLang="en-US" dirty="0" smtClean="0"/>
               <a:t>초기의 </a:t>
             </a:r>
             <a:r>
@@ -2233,6 +2354,14 @@
               <a:t>, </a:t>
             </a:r>
             <a:r>
+              <a:rPr lang="ko-KR" altLang="en-US" baseline="0" dirty="0" smtClean="0"/>
+              <a:t>제가 생각했을 때</a:t>
+            </a:r>
+            <a:r>
+              <a:rPr lang="en-US" altLang="ko-KR" baseline="0" dirty="0" smtClean="0"/>
+              <a:t>, </a:t>
+            </a:r>
+            <a:r>
               <a:rPr lang="en-US" altLang="ko-KR" dirty="0" smtClean="0"/>
               <a:t>2008</a:t>
             </a:r>
@@ -2250,11 +2379,19 @@
             </a:r>
             <a:r>
               <a:rPr lang="ko-KR" altLang="en-US" baseline="0" dirty="0" smtClean="0"/>
-              <a:t>앞선 우리나라의 공유정신을 보여주었습니다</a:t>
+              <a:t>앞선 우리나라의 공유정신을 볼 수 있었다고 생각합니다</a:t>
             </a:r>
             <a:r>
               <a:rPr lang="en-US" altLang="ko-KR" baseline="0" dirty="0" smtClean="0"/>
-              <a:t>.</a:t>
+              <a:t>. (</a:t>
+            </a:r>
+            <a:r>
+              <a:rPr lang="ko-KR" altLang="en-US" baseline="0" dirty="0" smtClean="0"/>
+              <a:t>아랫줄도</a:t>
+            </a:r>
+            <a:r>
+              <a:rPr lang="en-US" altLang="ko-KR" baseline="0" dirty="0" smtClean="0"/>
+              <a:t>)</a:t>
             </a:r>
           </a:p>
           <a:p>
@@ -2557,6 +2694,22 @@
               <a:rPr lang="ko-KR" altLang="en-US" baseline="0" dirty="0" err="1" smtClean="0"/>
               <a:t>시연ㄱㄱ</a:t>
             </a:r>
+            <a:r>
+              <a:rPr lang="ko-KR" altLang="en-US" baseline="0" dirty="0" smtClean="0"/>
+              <a:t> </a:t>
+            </a:r>
+            <a:r>
+              <a:rPr lang="en-US" altLang="ko-KR" baseline="0" dirty="0" smtClean="0"/>
+              <a:t>(</a:t>
+            </a:r>
+            <a:r>
+              <a:rPr lang="ko-KR" altLang="en-US" baseline="0" dirty="0" smtClean="0"/>
+              <a:t>아랫줄도</a:t>
+            </a:r>
+            <a:r>
+              <a:rPr lang="en-US" altLang="ko-KR" baseline="0" dirty="0" smtClean="0"/>
+              <a:t>)</a:t>
+            </a:r>
             <a:endParaRPr lang="en-US" altLang="ko-KR" dirty="0" smtClean="0"/>
           </a:p>
           <a:p>
@@ -2685,35 +2838,23 @@
             </a:r>
             <a:r>
               <a:rPr lang="ko-KR" altLang="en-US" dirty="0" smtClean="0"/>
-              <a:t>의 검색 빈도를 </a:t>
-            </a:r>
-            <a:r>
-              <a:rPr lang="ko-KR" altLang="en-US" dirty="0" err="1" smtClean="0"/>
-              <a:t>나타내본</a:t>
-            </a:r>
-            <a:r>
-              <a:rPr lang="ko-KR" altLang="en-US" dirty="0" smtClean="0"/>
-              <a:t> 결과입니다</a:t>
+              <a:t>의 검색 빈도를 나타내 본 결과입니다</a:t>
             </a:r>
             <a:r>
               <a:rPr lang="en-US" altLang="ko-KR" dirty="0" smtClean="0"/>
               <a:t>. </a:t>
             </a:r>
             <a:r>
-              <a:rPr lang="en-US" altLang="ko-KR" baseline="0" dirty="0" smtClean="0"/>
-              <a:t> </a:t>
-            </a:r>
-            <a:r>
-              <a:rPr lang="ko-KR" altLang="en-US" baseline="0" dirty="0" smtClean="0"/>
-              <a:t>뭔가 </a:t>
+              <a:rPr lang="ko-KR" altLang="en-US" baseline="0" dirty="0" smtClean="0"/>
+              <a:t>정확하진 않아도 </a:t>
             </a:r>
             <a:r>
               <a:rPr lang="ko-KR" altLang="en-US" baseline="0" dirty="0" err="1" smtClean="0"/>
-              <a:t>비슷한듯</a:t>
-            </a:r>
-            <a:r>
-              <a:rPr lang="ko-KR" altLang="en-US" baseline="0" dirty="0" smtClean="0"/>
-              <a:t> 합니다</a:t>
+              <a:t>코인판</a:t>
+            </a:r>
+            <a:r>
+              <a:rPr lang="ko-KR" altLang="en-US" baseline="0" dirty="0" smtClean="0"/>
+              <a:t> 보다는 그럴듯한 차트입니다</a:t>
             </a:r>
             <a:r>
               <a:rPr lang="en-US" altLang="ko-KR" baseline="0" dirty="0" smtClean="0"/>
@@ -2796,7 +2937,18 @@
               <a:rPr lang="ko-KR" altLang="en-US" baseline="0" dirty="0" smtClean="0"/>
               <a:t> </a:t>
             </a:r>
-            <a:endParaRPr lang="en-US" altLang="ko-KR" baseline="0" dirty="0" smtClean="0"/>
+            <a:r>
+              <a:rPr lang="en-US" altLang="ko-KR" baseline="0" dirty="0" smtClean="0"/>
+              <a:t> (</a:t>
+            </a:r>
+            <a:r>
+              <a:rPr lang="ko-KR" altLang="en-US" baseline="0" dirty="0" smtClean="0"/>
+              <a:t>후퇴한 대한민국</a:t>
+            </a:r>
+            <a:r>
+              <a:rPr lang="en-US" altLang="ko-KR" baseline="0" dirty="0" smtClean="0"/>
+              <a:t>)</a:t>
+            </a:r>
           </a:p>
           <a:p>
             <a:endParaRPr lang="en-US" altLang="ko-KR" baseline="0" dirty="0" smtClean="0"/>
@@ -2885,6 +3037,29 @@
           <a:lstStyle/>
           <a:p>
             <a:r>
+              <a:rPr lang="ko-KR" altLang="en-US" dirty="0" smtClean="0"/>
+              <a:t>이번</a:t>
+            </a:r>
+            <a:r>
+              <a:rPr lang="ko-KR" altLang="en-US" baseline="0" dirty="0" smtClean="0"/>
+              <a:t> 페이지에서는 </a:t>
+            </a:r>
+            <a:r>
+              <a:rPr lang="en-US" altLang="ko-KR" baseline="0" dirty="0" smtClean="0"/>
+              <a:t>DLL Injection</a:t>
+            </a:r>
+            <a:r>
+              <a:rPr lang="ko-KR" altLang="en-US" baseline="0" dirty="0" smtClean="0"/>
+              <a:t>에 대해 설명하고자 합니다</a:t>
+            </a:r>
+            <a:r>
+              <a:rPr lang="en-US" altLang="ko-KR" baseline="0" dirty="0" smtClean="0"/>
+              <a:t>.</a:t>
+            </a:r>
+            <a:endParaRPr lang="en-US" altLang="ko-KR" dirty="0" smtClean="0"/>
+          </a:p>
+          <a:p>
+            <a:r>
               <a:rPr lang="ko-KR" altLang="en-US" dirty="0" err="1" smtClean="0"/>
               <a:t>치트엔진의</a:t>
             </a:r>
@@ -2902,7 +3077,7 @@
             </a:r>
             <a:r>
               <a:rPr lang="ko-KR" altLang="en-US" baseline="0" dirty="0" smtClean="0"/>
-              <a:t>개발 속도에 비해 보안솔루션에서 대응하는 속도가 빨라지자 등장한 기법이 </a:t>
+              <a:t>공격을 위한 개발 속도에 비해 보안솔루션에서 대응하는 속도가 빨라지자 등장한 기법이 </a:t>
             </a:r>
             <a:r>
               <a:rPr lang="en-US" altLang="ko-KR" baseline="0" dirty="0" smtClean="0"/>
@@ -2970,15 +3145,7 @@
             </a:r>
             <a:r>
               <a:rPr lang="en-US" altLang="ko-KR" dirty="0" smtClean="0"/>
-              <a:t>, </a:t>
-            </a:r>
-            <a:r>
-              <a:rPr lang="ko-KR" altLang="en-US" dirty="0" err="1" smtClean="0"/>
-              <a:t>뒷</a:t>
-            </a:r>
-            <a:r>
-              <a:rPr lang="ko-KR" altLang="en-US" dirty="0" smtClean="0"/>
-              <a:t> 페이지에서 다룰 </a:t>
+              <a:t>, API </a:t>
             </a:r>
             <a:r>
               <a:rPr lang="ko-KR" altLang="en-US" dirty="0" err="1" smtClean="0"/>
@@ -2999,8 +3166,42 @@
               <a:rPr lang="en-US" altLang="ko-KR" dirty="0" smtClean="0"/>
               <a:t>.</a:t>
             </a:r>
-          </a:p>
-          <a:p>
+            <a:r>
+              <a:rPr lang="en-US" altLang="ko-KR" baseline="0" dirty="0" smtClean="0"/>
+              <a:t> </a:t>
+            </a:r>
+            <a:r>
+              <a:rPr lang="ko-KR" altLang="en-US" baseline="0" dirty="0" smtClean="0"/>
+              <a:t>하지만</a:t>
+            </a:r>
+            <a:r>
+              <a:rPr lang="en-US" altLang="ko-KR" baseline="0" dirty="0" smtClean="0"/>
+              <a:t>, </a:t>
+            </a:r>
+            <a:r>
+              <a:rPr lang="ko-KR" altLang="en-US" baseline="0" dirty="0" smtClean="0"/>
+              <a:t>오늘날은 </a:t>
+            </a:r>
+            <a:r>
+              <a:rPr lang="en-US" altLang="ko-KR" baseline="0" dirty="0" smtClean="0"/>
+              <a:t>DLL</a:t>
+            </a:r>
+            <a:r>
+              <a:rPr lang="ko-KR" altLang="en-US" baseline="0" dirty="0" smtClean="0"/>
+              <a:t>은 많이 사용되지 않습니다</a:t>
+            </a:r>
+            <a:r>
+              <a:rPr lang="en-US" altLang="ko-KR" baseline="0" dirty="0" smtClean="0"/>
+              <a:t>. </a:t>
+            </a:r>
+            <a:r>
+              <a:rPr lang="ko-KR" altLang="en-US" baseline="0" dirty="0" smtClean="0"/>
+              <a:t>기본적으로 탐지를 매우 잘하고 있기 때문에요</a:t>
+            </a:r>
+            <a:r>
+              <a:rPr lang="en-US" altLang="ko-KR" baseline="0" dirty="0" smtClean="0"/>
+              <a:t>. </a:t>
+            </a:r>
             <a:endParaRPr lang="en-US" altLang="ko-KR" dirty="0" smtClean="0"/>
           </a:p>
         </p:txBody>
@@ -3164,15 +3365,7 @@
             </a:r>
             <a:r>
               <a:rPr lang="ko-KR" altLang="en-US" dirty="0" smtClean="0"/>
-              <a:t> </a:t>
-            </a:r>
-            <a:r>
-              <a:rPr lang="ko-KR" altLang="en-US" dirty="0" smtClean="0"/>
-              <a:t>이름으로 널리 알려졌던 </a:t>
-            </a:r>
-            <a:r>
-              <a:rPr lang="ko-KR" altLang="en-US" dirty="0" smtClean="0"/>
-              <a:t>게임 핵입니다</a:t>
+              <a:t> 이름으로 널리 알려졌던 게임 핵입니다</a:t>
             </a:r>
             <a:r>
               <a:rPr lang="en-US" altLang="ko-KR" dirty="0" smtClean="0"/>
@@ -3228,11 +3421,7 @@
             </a:r>
             <a:r>
               <a:rPr lang="ko-KR" altLang="en-US" dirty="0" smtClean="0"/>
-              <a:t>들 사이에서도 사용한다는 소문이 </a:t>
-            </a:r>
-            <a:r>
-              <a:rPr lang="ko-KR" altLang="en-US" dirty="0" smtClean="0"/>
-              <a:t>퍼지게 되었고</a:t>
+              <a:t>들 사이에서도 사용한다는 소문이 퍼지게 되었고</a:t>
             </a:r>
             <a:r>
               <a:rPr lang="en-US" altLang="ko-KR" dirty="0" smtClean="0"/>
@@ -3306,6 +3495,30 @@
               <a:tabLst/>
               <a:defRPr/>
             </a:pPr>
+            <a:r>
+              <a:rPr lang="ko-KR" altLang="en-US" baseline="0" dirty="0" smtClean="0"/>
+              <a:t>저는 </a:t>
+            </a:r>
+            <a:r>
+              <a:rPr lang="ko-KR" altLang="en-US" baseline="0" dirty="0" err="1" smtClean="0"/>
+              <a:t>이런건</a:t>
+            </a:r>
+            <a:r>
+              <a:rPr lang="ko-KR" altLang="en-US" baseline="0" dirty="0" smtClean="0"/>
+              <a:t> 어떻게 하는지 </a:t>
+            </a:r>
+            <a:r>
+              <a:rPr lang="ko-KR" altLang="en-US" baseline="0" dirty="0" err="1" smtClean="0"/>
+              <a:t>궁금했었던게</a:t>
+            </a:r>
+            <a:r>
+              <a:rPr lang="ko-KR" altLang="en-US" baseline="0" dirty="0" smtClean="0"/>
+              <a:t> 생생히 기억나네요</a:t>
+            </a:r>
+            <a:r>
+              <a:rPr lang="en-US" altLang="ko-KR" baseline="0" dirty="0" smtClean="0"/>
+              <a:t>.</a:t>
+            </a:r>
             <a:endParaRPr lang="en-US" altLang="ko-KR" dirty="0" smtClean="0"/>
           </a:p>
         </p:txBody>
@@ -3469,15 +3682,7 @@
             </a:r>
             <a:r>
               <a:rPr lang="ko-KR" altLang="en-US" dirty="0" smtClean="0"/>
-              <a:t> </a:t>
-            </a:r>
-            <a:r>
-              <a:rPr lang="ko-KR" altLang="en-US" dirty="0" smtClean="0"/>
-              <a:t>이름으로 널리 알려졌던 </a:t>
-            </a:r>
-            <a:r>
-              <a:rPr lang="ko-KR" altLang="en-US" dirty="0" smtClean="0"/>
-              <a:t>게임 핵입니다</a:t>
+              <a:t> 이름으로 널리 알려졌던 게임 핵입니다</a:t>
             </a:r>
             <a:r>
               <a:rPr lang="en-US" altLang="ko-KR" dirty="0" smtClean="0"/>
@@ -3693,11 +3898,7 @@
             </a:pPr>
             <a:r>
               <a:rPr lang="ko-KR" altLang="en-US" dirty="0" smtClean="0"/>
-              <a:t>선수와 </a:t>
-            </a:r>
-            <a:r>
-              <a:rPr lang="ko-KR" altLang="en-US" dirty="0" smtClean="0"/>
-              <a:t>인터넷 방송을 하는 </a:t>
+              <a:t>선수와 인터넷 방송을 하는 </a:t>
             </a:r>
             <a:r>
               <a:rPr lang="en-US" altLang="ko-KR" dirty="0" smtClean="0"/>
@@ -3705,11 +3906,7 @@
             </a:r>
             <a:r>
               <a:rPr lang="ko-KR" altLang="en-US" dirty="0" smtClean="0"/>
-              <a:t>들 사이에서도 사용한다는 소문이 </a:t>
-            </a:r>
-            <a:r>
-              <a:rPr lang="ko-KR" altLang="en-US" dirty="0" smtClean="0"/>
-              <a:t>퍼지게 되었습니다</a:t>
+              <a:t>들 사이에서도 사용한다는 소문이 퍼지게 되었습니다</a:t>
             </a:r>
             <a:r>
               <a:rPr lang="en-US" altLang="ko-KR" dirty="0" smtClean="0"/>
@@ -3749,11 +3946,7 @@
             </a:pPr>
             <a:r>
               <a:rPr lang="ko-KR" altLang="en-US" baseline="0" dirty="0" smtClean="0"/>
-              <a:t>이후로는 </a:t>
-            </a:r>
-            <a:r>
-              <a:rPr lang="ko-KR" altLang="en-US" baseline="0" dirty="0" smtClean="0"/>
-              <a:t>게임사인 </a:t>
+              <a:t>이후로는 게임사인 </a:t>
             </a:r>
             <a:r>
               <a:rPr lang="ko-KR" altLang="en-US" baseline="0" dirty="0" err="1" smtClean="0"/>
@@ -3880,6 +4073,70 @@
           <a:bodyPr/>
           <a:lstStyle/>
           <a:p>
+            <a:pPr marL="0" marR="0" indent="0" algn="l" defTabSz="914400" rtl="0" eaLnBrk="1" fontAlgn="auto" latinLnBrk="1" hangingPunct="1">
+              <a:lnSpc>
+                <a:spcPct val="100000"/>
+              </a:lnSpc>
+              <a:spcBef>
+                <a:spcPts val="0"/>
+              </a:spcBef>
+              <a:spcAft>
+                <a:spcPts val="0"/>
+              </a:spcAft>
+              <a:buClrTx/>
+              <a:buSzTx/>
+              <a:buFontTx/>
+              <a:buNone/>
+              <a:tabLst/>
+              <a:defRPr/>
+            </a:pPr>
+            <a:r>
+              <a:rPr lang="ko-KR" altLang="en-US" dirty="0" smtClean="0"/>
+              <a:t>이 페이지는 동영상을 보고 </a:t>
+            </a:r>
+            <a:r>
+              <a:rPr lang="ko-KR" altLang="en-US" dirty="0" err="1" smtClean="0"/>
+              <a:t>말씀드리겠습니다</a:t>
+            </a:r>
+            <a:r>
+              <a:rPr lang="en-US" altLang="ko-KR" dirty="0" smtClean="0"/>
+              <a:t>!</a:t>
+            </a:r>
+            <a:r>
+              <a:rPr lang="en-US" altLang="ko-KR" baseline="0" dirty="0" smtClean="0"/>
+              <a:t> </a:t>
+            </a:r>
+            <a:r>
+              <a:rPr lang="en-US" altLang="ko-KR" dirty="0" smtClean="0"/>
+              <a:t>(</a:t>
+            </a:r>
+            <a:r>
+              <a:rPr lang="ko-KR" altLang="en-US" dirty="0" smtClean="0"/>
+              <a:t>동영상을 미리 보여주고</a:t>
+            </a:r>
+            <a:r>
+              <a:rPr lang="en-US" altLang="ko-KR" dirty="0" smtClean="0"/>
+              <a:t>) </a:t>
+            </a:r>
+          </a:p>
+          <a:p>
+            <a:pPr marL="0" marR="0" indent="0" algn="l" defTabSz="914400" rtl="0" eaLnBrk="1" fontAlgn="auto" latinLnBrk="1" hangingPunct="1">
+              <a:lnSpc>
+                <a:spcPct val="100000"/>
+              </a:lnSpc>
+              <a:spcBef>
+                <a:spcPts val="0"/>
+              </a:spcBef>
+              <a:spcAft>
+                <a:spcPts val="0"/>
+              </a:spcAft>
+              <a:buClrTx/>
+              <a:buSzTx/>
+              <a:buFontTx/>
+              <a:buNone/>
+              <a:tabLst/>
+              <a:defRPr/>
+            </a:pPr>
             <a:r>
               <a:rPr lang="ko-KR" altLang="en-US" dirty="0" err="1" smtClean="0"/>
               <a:t>롤</a:t>
@@ -3890,132 +4147,317 @@
             </a:r>
             <a:r>
               <a:rPr lang="ko-KR" altLang="en-US" dirty="0" err="1" smtClean="0"/>
-              <a:t>헬퍼에</a:t>
+              <a:t>헬퍼라는</a:t>
             </a:r>
             <a:r>
               <a:rPr lang="ko-KR" altLang="en-US" dirty="0" smtClean="0"/>
-              <a:t> 있던 특이점은 사용자가 스크립트를 작성할 수 </a:t>
-            </a:r>
-            <a:r>
-              <a:rPr lang="ko-KR" altLang="en-US" dirty="0" err="1" smtClean="0"/>
-              <a:t>있었다는것입니다</a:t>
+              <a:t> 이름으로 널리 알려졌던 게임 핵입니다</a:t>
             </a:r>
             <a:r>
               <a:rPr lang="en-US" altLang="ko-KR" dirty="0" smtClean="0"/>
               <a:t>.</a:t>
             </a:r>
-          </a:p>
-          <a:p>
+            <a:r>
+              <a:rPr lang="en-US" altLang="ko-KR" baseline="0" dirty="0" smtClean="0"/>
+              <a:t> (</a:t>
+            </a:r>
+            <a:r>
+              <a:rPr lang="ko-KR" altLang="en-US" baseline="0" dirty="0" smtClean="0"/>
+              <a:t>다음페이지로 넘기며 </a:t>
+            </a:r>
+            <a:r>
+              <a:rPr lang="en-US" altLang="ko-KR" baseline="0" dirty="0" smtClean="0"/>
+              <a:t>)</a:t>
+            </a:r>
+          </a:p>
+          <a:p>
+            <a:pPr marL="0" marR="0" indent="0" algn="l" defTabSz="914400" rtl="0" eaLnBrk="1" fontAlgn="auto" latinLnBrk="1" hangingPunct="1">
+              <a:lnSpc>
+                <a:spcPct val="100000"/>
+              </a:lnSpc>
+              <a:spcBef>
+                <a:spcPts val="0"/>
+              </a:spcBef>
+              <a:spcAft>
+                <a:spcPts val="0"/>
+              </a:spcAft>
+              <a:buClrTx/>
+              <a:buSzTx/>
+              <a:buFontTx/>
+              <a:buNone/>
+              <a:tabLst/>
+              <a:defRPr/>
+            </a:pPr>
             <a:r>
               <a:rPr lang="ko-KR" altLang="en-US" dirty="0" err="1" smtClean="0"/>
-              <a:t>롤은</a:t>
+              <a:t>롤</a:t>
             </a:r>
             <a:r>
               <a:rPr lang="ko-KR" altLang="en-US" dirty="0" smtClean="0"/>
               <a:t> </a:t>
             </a:r>
             <a:r>
+              <a:rPr lang="ko-KR" altLang="en-US" dirty="0" err="1" smtClean="0"/>
+              <a:t>헬퍼는</a:t>
+            </a:r>
+            <a:r>
+              <a:rPr lang="ko-KR" altLang="en-US" dirty="0" smtClean="0"/>
+              <a:t> 서버와 클라이언트 중간에 위치하며 </a:t>
+            </a:r>
+            <a:r>
+              <a:rPr lang="ko-KR" altLang="en-US" baseline="0" dirty="0" err="1" smtClean="0"/>
+              <a:t>패킷을</a:t>
+            </a:r>
+            <a:r>
+              <a:rPr lang="ko-KR" altLang="en-US" baseline="0" dirty="0" smtClean="0"/>
+              <a:t> </a:t>
+            </a:r>
+            <a:r>
+              <a:rPr lang="ko-KR" altLang="en-US" baseline="0" dirty="0" err="1" smtClean="0"/>
+              <a:t>위변조를</a:t>
+            </a:r>
+            <a:r>
+              <a:rPr lang="ko-KR" altLang="en-US" baseline="0" dirty="0" smtClean="0"/>
+              <a:t> 하는 프로그램인데요</a:t>
+            </a:r>
+            <a:r>
+              <a:rPr lang="en-US" altLang="ko-KR" baseline="0" dirty="0" smtClean="0"/>
+              <a:t>. </a:t>
+            </a:r>
+            <a:r>
+              <a:rPr lang="ko-KR" altLang="en-US" baseline="0" dirty="0" smtClean="0"/>
+              <a:t>게임 </a:t>
+            </a:r>
+            <a:r>
+              <a:rPr lang="ko-KR" altLang="en-US" baseline="0" dirty="0" err="1" smtClean="0"/>
+              <a:t>서버측은</a:t>
+            </a:r>
+            <a:r>
+              <a:rPr lang="ko-KR" altLang="en-US" baseline="0" dirty="0" smtClean="0"/>
+              <a:t> </a:t>
+            </a:r>
+            <a:r>
+              <a:rPr lang="ko-KR" altLang="en-US" baseline="0" dirty="0" err="1" smtClean="0"/>
+              <a:t>패킷만</a:t>
+            </a:r>
+            <a:r>
+              <a:rPr lang="ko-KR" altLang="en-US" baseline="0" dirty="0" smtClean="0"/>
+              <a:t> 가지고서는 핵인지 판단할 수가 없습니다</a:t>
+            </a:r>
+            <a:r>
+              <a:rPr lang="en-US" altLang="ko-KR" baseline="0" dirty="0" smtClean="0"/>
+              <a:t>.</a:t>
+            </a:r>
+          </a:p>
+          <a:p>
+            <a:pPr marL="0" marR="0" indent="0" algn="l" defTabSz="914400" rtl="0" eaLnBrk="1" fontAlgn="auto" latinLnBrk="1" hangingPunct="1">
+              <a:lnSpc>
+                <a:spcPct val="100000"/>
+              </a:lnSpc>
+              <a:spcBef>
+                <a:spcPts val="0"/>
+              </a:spcBef>
+              <a:spcAft>
+                <a:spcPts val="0"/>
+              </a:spcAft>
+              <a:buClrTx/>
+              <a:buSzTx/>
+              <a:buFontTx/>
+              <a:buNone/>
+              <a:tabLst/>
+              <a:defRPr/>
+            </a:pPr>
+            <a:r>
+              <a:rPr lang="ko-KR" altLang="en-US" baseline="0" dirty="0" smtClean="0"/>
+              <a:t>실제 게임 클라이언트가 만들어내는 </a:t>
+            </a:r>
+            <a:r>
+              <a:rPr lang="ko-KR" altLang="en-US" baseline="0" dirty="0" err="1" smtClean="0"/>
+              <a:t>패킷과</a:t>
+            </a:r>
+            <a:r>
+              <a:rPr lang="ko-KR" altLang="en-US" baseline="0" dirty="0" smtClean="0"/>
+              <a:t> 똑같은 </a:t>
+            </a:r>
+            <a:r>
+              <a:rPr lang="ko-KR" altLang="en-US" baseline="0" dirty="0" err="1" smtClean="0"/>
+              <a:t>패킷을</a:t>
+            </a:r>
+            <a:r>
+              <a:rPr lang="ko-KR" altLang="en-US" baseline="0" dirty="0" smtClean="0"/>
+              <a:t> 보내기 때문이죠</a:t>
+            </a:r>
+            <a:r>
+              <a:rPr lang="en-US" altLang="ko-KR" baseline="0" dirty="0" smtClean="0"/>
+              <a:t>.  </a:t>
+            </a:r>
+          </a:p>
+          <a:p>
+            <a:pPr marL="0" marR="0" indent="0" algn="l" defTabSz="914400" rtl="0" eaLnBrk="1" fontAlgn="auto" latinLnBrk="1" hangingPunct="1">
+              <a:lnSpc>
+                <a:spcPct val="100000"/>
+              </a:lnSpc>
+              <a:spcBef>
+                <a:spcPts val="0"/>
+              </a:spcBef>
+              <a:spcAft>
+                <a:spcPts val="0"/>
+              </a:spcAft>
+              <a:buClrTx/>
+              <a:buSzTx/>
+              <a:buFontTx/>
+              <a:buNone/>
+              <a:tabLst/>
+              <a:defRPr/>
+            </a:pPr>
+            <a:endParaRPr lang="en-US" altLang="ko-KR" baseline="0" dirty="0" smtClean="0"/>
+          </a:p>
+          <a:p>
+            <a:pPr marL="0" marR="0" indent="0" algn="l" defTabSz="914400" rtl="0" eaLnBrk="1" fontAlgn="auto" latinLnBrk="1" hangingPunct="1">
+              <a:lnSpc>
+                <a:spcPct val="100000"/>
+              </a:lnSpc>
+              <a:spcBef>
+                <a:spcPts val="0"/>
+              </a:spcBef>
+              <a:spcAft>
+                <a:spcPts val="0"/>
+              </a:spcAft>
+              <a:buClrTx/>
+              <a:buSzTx/>
+              <a:buFontTx/>
+              <a:buNone/>
+              <a:tabLst/>
+              <a:defRPr/>
+            </a:pPr>
+            <a:r>
+              <a:rPr lang="ko-KR" altLang="en-US" baseline="0" dirty="0" smtClean="0"/>
+              <a:t>이런 </a:t>
+            </a:r>
+            <a:r>
+              <a:rPr lang="ko-KR" altLang="en-US" baseline="0" dirty="0" err="1" smtClean="0"/>
+              <a:t>헬퍼가</a:t>
+            </a:r>
+            <a:r>
+              <a:rPr lang="ko-KR" altLang="en-US" baseline="0" dirty="0" smtClean="0"/>
+              <a:t> 하나 둘 사용하는 이용자가 급증했고</a:t>
+            </a:r>
+            <a:r>
+              <a:rPr lang="en-US" altLang="ko-KR" baseline="0" dirty="0" smtClean="0"/>
+              <a:t>, </a:t>
+            </a:r>
+          </a:p>
+          <a:p>
+            <a:pPr marL="0" marR="0" indent="0" algn="l" defTabSz="914400" rtl="0" eaLnBrk="1" fontAlgn="auto" latinLnBrk="1" hangingPunct="1">
+              <a:lnSpc>
+                <a:spcPct val="100000"/>
+              </a:lnSpc>
+              <a:spcBef>
+                <a:spcPts val="0"/>
+              </a:spcBef>
+              <a:spcAft>
+                <a:spcPts val="0"/>
+              </a:spcAft>
+              <a:buClrTx/>
+              <a:buSzTx/>
+              <a:buFontTx/>
+              <a:buNone/>
+              <a:tabLst/>
+              <a:defRPr/>
+            </a:pPr>
+            <a:r>
+              <a:rPr lang="ko-KR" altLang="en-US" dirty="0" smtClean="0"/>
+              <a:t>선수와 인터넷 방송을 하는 </a:t>
+            </a:r>
+            <a:r>
               <a:rPr lang="en-US" altLang="ko-KR" dirty="0" smtClean="0"/>
-              <a:t>100</a:t>
-            </a:r>
-            <a:r>
-              <a:rPr lang="ko-KR" altLang="en-US" dirty="0" err="1" smtClean="0"/>
-              <a:t>여개가</a:t>
+              <a:t>BJ</a:t>
             </a:r>
             <a:r>
               <a:rPr lang="ko-KR" altLang="en-US" dirty="0" smtClean="0"/>
-              <a:t> 넘는 </a:t>
-            </a:r>
-            <a:r>
-              <a:rPr lang="ko-KR" altLang="en-US" dirty="0" err="1" smtClean="0"/>
-              <a:t>챔프가</a:t>
-            </a:r>
-            <a:r>
-              <a:rPr lang="ko-KR" altLang="en-US" dirty="0" smtClean="0"/>
-              <a:t> 존재하고</a:t>
-            </a:r>
-            <a:r>
-              <a:rPr lang="en-US" altLang="ko-KR" dirty="0" smtClean="0"/>
-              <a:t>, </a:t>
-            </a:r>
-            <a:r>
-              <a:rPr lang="ko-KR" altLang="en-US" dirty="0" err="1" smtClean="0"/>
-              <a:t>챔프별로</a:t>
-            </a:r>
-            <a:r>
-              <a:rPr lang="ko-KR" altLang="en-US" dirty="0" smtClean="0"/>
-              <a:t> 스크립트를 작성할 수 있었습니다</a:t>
+              <a:t>들 사이에서도 사용한다는 소문이 퍼지게 되었습니다</a:t>
             </a:r>
             <a:r>
               <a:rPr lang="en-US" altLang="ko-KR" dirty="0" smtClean="0"/>
               <a:t>.</a:t>
             </a:r>
-          </a:p>
-          <a:p>
-            <a:r>
-              <a:rPr lang="ko-KR" altLang="en-US" dirty="0" smtClean="0"/>
-              <a:t>그리고 스크립트를 판매할 수 있었죠</a:t>
-            </a:r>
-            <a:r>
-              <a:rPr lang="en-US" altLang="ko-KR" dirty="0" smtClean="0"/>
-              <a:t>.</a:t>
-            </a:r>
-          </a:p>
-          <a:p>
-            <a:r>
-              <a:rPr lang="ko-KR" altLang="en-US" dirty="0" smtClean="0"/>
-              <a:t>실제로 해외 포럼에 올라왔던 글을 보면 직장을 </a:t>
-            </a:r>
-            <a:r>
-              <a:rPr lang="ko-KR" altLang="en-US" dirty="0" err="1" smtClean="0"/>
-              <a:t>때려치고</a:t>
-            </a:r>
-            <a:r>
-              <a:rPr lang="ko-KR" altLang="en-US" baseline="0" dirty="0" smtClean="0"/>
-              <a:t> </a:t>
-            </a:r>
-            <a:r>
-              <a:rPr lang="ko-KR" altLang="en-US" dirty="0" smtClean="0"/>
-              <a:t>스크립트를 판매해 월급보다 많이 번다 라는 글을</a:t>
-            </a:r>
-            <a:r>
-              <a:rPr lang="ko-KR" altLang="en-US" baseline="0" dirty="0" smtClean="0"/>
-              <a:t> 본적이 있습니다</a:t>
-            </a:r>
-            <a:r>
-              <a:rPr lang="en-US" altLang="ko-KR" baseline="0" dirty="0" smtClean="0"/>
-              <a:t>.</a:t>
-            </a:r>
-            <a:endParaRPr lang="en-US" altLang="ko-KR" dirty="0" smtClean="0"/>
-          </a:p>
-          <a:p>
-            <a:endParaRPr lang="en-US" altLang="ko-KR" dirty="0" smtClean="0"/>
-          </a:p>
-          <a:p>
-            <a:r>
-              <a:rPr lang="ko-KR" altLang="en-US" dirty="0" smtClean="0"/>
-              <a:t>그리고 스크립트는 개발자와 친숙했던 </a:t>
-            </a:r>
-            <a:r>
-              <a:rPr lang="en-US" altLang="ko-KR" dirty="0" err="1" smtClean="0"/>
-              <a:t>lua</a:t>
-            </a:r>
             <a:r>
               <a:rPr lang="en-US" altLang="ko-KR" baseline="0" dirty="0" smtClean="0"/>
               <a:t> </a:t>
             </a:r>
             <a:r>
-              <a:rPr lang="ko-KR" altLang="en-US" baseline="0" dirty="0" smtClean="0"/>
-              <a:t>스크립트였기에 스크립트시장이 따로 활성화가 많이 되었습니다</a:t>
-            </a:r>
-            <a:r>
-              <a:rPr lang="en-US" altLang="ko-KR" baseline="0" dirty="0" smtClean="0"/>
-              <a:t>.</a:t>
-            </a:r>
+              <a:rPr lang="ko-KR" altLang="en-US" baseline="0" dirty="0" err="1" smtClean="0"/>
+              <a:t>이로인해</a:t>
+            </a:r>
+            <a:r>
+              <a:rPr lang="ko-KR" altLang="en-US" baseline="0" dirty="0" smtClean="0"/>
+              <a:t> 건전한 게이머가 많이 떠나가는 사태가 일어났고</a:t>
+            </a:r>
+            <a:endParaRPr lang="en-US" altLang="ko-KR" baseline="0" dirty="0" smtClean="0"/>
+          </a:p>
+          <a:p>
+            <a:pPr marL="0" marR="0" indent="0" algn="l" defTabSz="914400" rtl="0" eaLnBrk="1" fontAlgn="auto" latinLnBrk="1" hangingPunct="1">
+              <a:lnSpc>
+                <a:spcPct val="100000"/>
+              </a:lnSpc>
+              <a:spcBef>
+                <a:spcPts val="0"/>
+              </a:spcBef>
+              <a:spcAft>
+                <a:spcPts val="0"/>
+              </a:spcAft>
+              <a:buClrTx/>
+              <a:buSzTx/>
+              <a:buFontTx/>
+              <a:buNone/>
+              <a:tabLst/>
+              <a:defRPr/>
+            </a:pPr>
+            <a:r>
+              <a:rPr lang="ko-KR" altLang="en-US" baseline="0" dirty="0" smtClean="0"/>
+              <a:t>이후로는 게임사인 </a:t>
+            </a:r>
+            <a:r>
+              <a:rPr lang="ko-KR" altLang="en-US" baseline="0" dirty="0" err="1" smtClean="0"/>
+              <a:t>라이엇측에서는</a:t>
+            </a:r>
+            <a:r>
+              <a:rPr lang="ko-KR" altLang="en-US" baseline="0" dirty="0" smtClean="0"/>
+              <a:t> 게임보안솔루션을 </a:t>
+            </a:r>
+            <a:r>
+              <a:rPr lang="ko-KR" altLang="en-US" baseline="0" dirty="0" err="1" smtClean="0"/>
+              <a:t>도입하게된</a:t>
+            </a:r>
+            <a:r>
+              <a:rPr lang="ko-KR" altLang="en-US" baseline="0" dirty="0" smtClean="0"/>
+              <a:t> </a:t>
+            </a:r>
+            <a:r>
+              <a:rPr lang="ko-KR" altLang="en-US" baseline="0" dirty="0" err="1" smtClean="0"/>
+              <a:t>계기가되었습니다</a:t>
+            </a:r>
+            <a:endParaRPr lang="en-US" altLang="ko-KR" baseline="0" dirty="0" smtClean="0"/>
+          </a:p>
+          <a:p>
+            <a:pPr marL="0" marR="0" indent="0" algn="l" defTabSz="914400" rtl="0" eaLnBrk="1" fontAlgn="auto" latinLnBrk="1" hangingPunct="1">
+              <a:lnSpc>
+                <a:spcPct val="100000"/>
+              </a:lnSpc>
+              <a:spcBef>
+                <a:spcPts val="0"/>
+              </a:spcBef>
+              <a:spcAft>
+                <a:spcPts val="0"/>
+              </a:spcAft>
+              <a:buClrTx/>
+              <a:buSzTx/>
+              <a:buFontTx/>
+              <a:buNone/>
+              <a:tabLst/>
+              <a:defRPr/>
+            </a:pPr>
             <a:endParaRPr lang="en-US" altLang="ko-KR" dirty="0" smtClean="0"/>
-          </a:p>
-          <a:p>
-            <a:endParaRPr lang="ko-KR" altLang="en-US" dirty="0"/>
           </a:p>
         </p:txBody>
       </p:sp>
@@ -4046,7 +4488,7 @@
     </p:spTree>
     <p:extLst>
       <p:ext uri="{BB962C8B-B14F-4D97-AF65-F5344CB8AC3E}">
-        <p14:creationId xmlns:p14="http://schemas.microsoft.com/office/powerpoint/2010/main" val="3057591237"/>
+        <p14:creationId xmlns:p14="http://schemas.microsoft.com/office/powerpoint/2010/main" val="3578924401"/>
       </p:ext>
     </p:extLst>
   </p:cSld>
@@ -4244,7 +4686,7 @@
                 </a:solidFill>
               </a:rPr>
               <a:pPr/>
-              <a:t>2018-06-17</a:t>
+              <a:t>2018-06-25</a:t>
             </a:fld>
             <a:endParaRPr lang="ko-KR" altLang="en-US">
               <a:solidFill>
@@ -4453,7 +4895,7 @@
                 </a:solidFill>
               </a:rPr>
               <a:pPr/>
-              <a:t>2018-06-17</a:t>
+              <a:t>2018-06-25</a:t>
             </a:fld>
             <a:endParaRPr lang="ko-KR" altLang="en-US">
               <a:solidFill>
@@ -4672,7 +5114,7 @@
                 </a:solidFill>
               </a:rPr>
               <a:pPr/>
-              <a:t>2018-06-17</a:t>
+              <a:t>2018-06-25</a:t>
             </a:fld>
             <a:endParaRPr lang="ko-KR" altLang="en-US">
               <a:solidFill>
@@ -4982,7 +5424,7 @@
                 </a:solidFill>
               </a:rPr>
               <a:pPr/>
-              <a:t>2018-06-17</a:t>
+              <a:t>2018-06-25</a:t>
             </a:fld>
             <a:endParaRPr lang="ko-KR" altLang="en-US">
               <a:solidFill>
@@ -5274,7 +5716,7 @@
                 </a:solidFill>
               </a:rPr>
               <a:pPr/>
-              <a:t>2018-06-17</a:t>
+              <a:t>2018-06-25</a:t>
             </a:fld>
             <a:endParaRPr lang="ko-KR" altLang="en-US">
               <a:solidFill>
@@ -5601,7 +6043,7 @@
                 </a:solidFill>
               </a:rPr>
               <a:pPr/>
-              <a:t>2018-06-17</a:t>
+              <a:t>2018-06-25</a:t>
             </a:fld>
             <a:endParaRPr lang="ko-KR" altLang="en-US">
               <a:solidFill>
@@ -6062,7 +6504,7 @@
                 </a:solidFill>
               </a:rPr>
               <a:pPr/>
-              <a:t>2018-06-17</a:t>
+              <a:t>2018-06-25</a:t>
             </a:fld>
             <a:endParaRPr lang="ko-KR" altLang="en-US">
               <a:solidFill>
@@ -6219,7 +6661,7 @@
                 </a:solidFill>
               </a:rPr>
               <a:pPr/>
-              <a:t>2018-06-17</a:t>
+              <a:t>2018-06-25</a:t>
             </a:fld>
             <a:endParaRPr lang="ko-KR" altLang="en-US">
               <a:solidFill>
@@ -6353,7 +6795,7 @@
                 </a:solidFill>
               </a:rPr>
               <a:pPr/>
-              <a:t>2018-06-17</a:t>
+              <a:t>2018-06-25</a:t>
             </a:fld>
             <a:endParaRPr lang="ko-KR" altLang="en-US">
               <a:solidFill>
@@ -6669,7 +7111,7 @@
                 </a:solidFill>
               </a:rPr>
               <a:pPr/>
-              <a:t>2018-06-17</a:t>
+              <a:t>2018-06-25</a:t>
             </a:fld>
             <a:endParaRPr lang="ko-KR" altLang="en-US">
               <a:solidFill>
@@ -6961,7 +7403,7 @@
                 </a:solidFill>
               </a:rPr>
               <a:pPr/>
-              <a:t>2018-06-17</a:t>
+              <a:t>2018-06-25</a:t>
             </a:fld>
             <a:endParaRPr lang="ko-KR" altLang="en-US">
               <a:solidFill>
@@ -7058,9 +7500,14 @@
 <p:sldMaster xmlns:a="http://schemas.openxmlformats.org/drawingml/2006/main" xmlns:r="http://schemas.openxmlformats.org/officeDocument/2006/relationships" xmlns:p="http://schemas.openxmlformats.org/presentationml/2006/main">
   <p:cSld>
     <p:bg>
-      <p:bgRef idx="1001">
-        <a:schemeClr val="bg1"/>
-      </p:bgRef>
+      <p:bgPr>
+        <a:solidFill>
+          <a:srgbClr val="F5F5F5">
+            <a:alpha val="20000"/>
+          </a:srgbClr>
+        </a:solidFill>
+        <a:effectLst/>
+      </p:bgPr>
     </p:bg>
     <p:spTree>
       <p:nvGrpSpPr>
@@ -7102,10 +7549,10 @@
           <a:lstStyle/>
           <a:p>
             <a:r>
-              <a:rPr lang="ko-KR" altLang="en-US" smtClean="0"/>
+              <a:rPr lang="ko-KR" altLang="en-US" dirty="0" smtClean="0"/>
               <a:t>마스터 제목 스타일 편집</a:t>
             </a:r>
-            <a:endParaRPr lang="ko-KR" altLang="en-US"/>
+            <a:endParaRPr lang="ko-KR" altLang="en-US" dirty="0"/>
           </a:p>
         </p:txBody>
       </p:sp>
@@ -7136,38 +7583,38 @@
           <a:p>
             <a:pPr lvl="0"/>
             <a:r>
-              <a:rPr lang="ko-KR" altLang="en-US" smtClean="0"/>
+              <a:rPr lang="ko-KR" altLang="en-US" dirty="0" smtClean="0"/>
               <a:t>마스터 텍스트 스타일을 편집합니다</a:t>
             </a:r>
           </a:p>
           <a:p>
             <a:pPr lvl="1"/>
             <a:r>
-              <a:rPr lang="ko-KR" altLang="en-US" smtClean="0"/>
+              <a:rPr lang="ko-KR" altLang="en-US" dirty="0" smtClean="0"/>
               <a:t>둘째 수준</a:t>
             </a:r>
           </a:p>
           <a:p>
             <a:pPr lvl="2"/>
             <a:r>
-              <a:rPr lang="ko-KR" altLang="en-US" smtClean="0"/>
+              <a:rPr lang="ko-KR" altLang="en-US" dirty="0" smtClean="0"/>
               <a:t>셋째 수준</a:t>
             </a:r>
           </a:p>
           <a:p>
             <a:pPr lvl="3"/>
             <a:r>
-              <a:rPr lang="ko-KR" altLang="en-US" smtClean="0"/>
+              <a:rPr lang="ko-KR" altLang="en-US" dirty="0" smtClean="0"/>
               <a:t>넷째 수준</a:t>
             </a:r>
           </a:p>
           <a:p>
             <a:pPr lvl="4"/>
             <a:r>
-              <a:rPr lang="ko-KR" altLang="en-US" smtClean="0"/>
+              <a:rPr lang="ko-KR" altLang="en-US" dirty="0" smtClean="0"/>
               <a:t>다섯째 수준</a:t>
             </a:r>
-            <a:endParaRPr lang="ko-KR" altLang="en-US"/>
+            <a:endParaRPr lang="ko-KR" altLang="en-US" dirty="0"/>
           </a:p>
         </p:txBody>
       </p:sp>
@@ -7200,6 +7647,8 @@
                     <a:tint val="75000"/>
                   </a:schemeClr>
                 </a:solidFill>
+                <a:latin typeface="Noto Sans CJK KR DemiLight" pitchFamily="34" charset="-127"/>
+                <a:ea typeface="Noto Sans CJK KR DemiLight" pitchFamily="34" charset="-127"/>
               </a:defRPr>
             </a:lvl1pPr>
           </a:lstStyle>
@@ -7214,9 +7663,9 @@
                 </a:solidFill>
               </a:rPr>
               <a:pPr defTabSz="914259"/>
-              <a:t>2018-06-17</a:t>
+              <a:t>2018-06-25</a:t>
             </a:fld>
-            <a:endParaRPr lang="ko-KR" altLang="en-US">
+            <a:endParaRPr lang="ko-KR" altLang="en-US" dirty="0">
               <a:solidFill>
                 <a:prstClr val="black">
                   <a:tint val="75000"/>
@@ -7255,12 +7704,14 @@
                     <a:tint val="75000"/>
                   </a:schemeClr>
                 </a:solidFill>
+                <a:latin typeface="Noto Sans CJK KR DemiLight" pitchFamily="34" charset="-127"/>
+                <a:ea typeface="Noto Sans CJK KR DemiLight" pitchFamily="34" charset="-127"/>
               </a:defRPr>
             </a:lvl1pPr>
           </a:lstStyle>
           <a:p>
             <a:pPr defTabSz="914259"/>
-            <a:endParaRPr lang="ko-KR" altLang="en-US">
+            <a:endParaRPr lang="ko-KR" altLang="en-US" dirty="0">
               <a:solidFill>
                 <a:prstClr val="black">
                   <a:tint val="75000"/>
@@ -7299,6 +7750,8 @@
                     <a:tint val="75000"/>
                   </a:schemeClr>
                 </a:solidFill>
+                <a:latin typeface="Noto Sans CJK KR DemiLight" pitchFamily="34" charset="-127"/>
+                <a:ea typeface="Noto Sans CJK KR DemiLight" pitchFamily="34" charset="-127"/>
               </a:defRPr>
             </a:lvl1pPr>
           </a:lstStyle>
@@ -7315,7 +7768,7 @@
               <a:pPr defTabSz="914259"/>
               <a:t>‹#›</a:t>
             </a:fld>
-            <a:endParaRPr lang="ko-KR" altLang="en-US">
+            <a:endParaRPr lang="ko-KR" altLang="en-US" dirty="0">
               <a:solidFill>
                 <a:prstClr val="black">
                   <a:tint val="75000"/>
@@ -7365,8 +7818,8 @@
           <a:solidFill>
             <a:schemeClr val="tx1"/>
           </a:solidFill>
-          <a:latin typeface="+mj-lt"/>
-          <a:ea typeface="+mj-ea"/>
+          <a:latin typeface="Noto Sans CJK KR DemiLight" pitchFamily="34" charset="-127"/>
+          <a:ea typeface="Noto Sans CJK KR DemiLight" pitchFamily="34" charset="-127"/>
           <a:cs typeface="+mj-cs"/>
         </a:defRPr>
       </a:lvl1pPr>
@@ -7382,8 +7835,8 @@
           <a:solidFill>
             <a:schemeClr val="tx1"/>
           </a:solidFill>
-          <a:latin typeface="+mn-lt"/>
-          <a:ea typeface="+mn-ea"/>
+          <a:latin typeface="Noto Sans CJK KR DemiLight" pitchFamily="34" charset="-127"/>
+          <a:ea typeface="Noto Sans CJK KR DemiLight" pitchFamily="34" charset="-127"/>
           <a:cs typeface="+mn-cs"/>
         </a:defRPr>
       </a:lvl1pPr>
@@ -7397,8 +7850,8 @@
           <a:solidFill>
             <a:schemeClr val="tx1"/>
           </a:solidFill>
-          <a:latin typeface="+mn-lt"/>
-          <a:ea typeface="+mn-ea"/>
+          <a:latin typeface="Noto Sans CJK KR DemiLight" pitchFamily="34" charset="-127"/>
+          <a:ea typeface="Noto Sans CJK KR DemiLight" pitchFamily="34" charset="-127"/>
           <a:cs typeface="+mn-cs"/>
         </a:defRPr>
       </a:lvl2pPr>
@@ -7412,8 +7865,8 @@
           <a:solidFill>
             <a:schemeClr val="tx1"/>
           </a:solidFill>
-          <a:latin typeface="+mn-lt"/>
-          <a:ea typeface="+mn-ea"/>
+          <a:latin typeface="Noto Sans CJK KR DemiLight" pitchFamily="34" charset="-127"/>
+          <a:ea typeface="Noto Sans CJK KR DemiLight" pitchFamily="34" charset="-127"/>
           <a:cs typeface="+mn-cs"/>
         </a:defRPr>
       </a:lvl3pPr>
@@ -7427,8 +7880,8 @@
           <a:solidFill>
             <a:schemeClr val="tx1"/>
           </a:solidFill>
-          <a:latin typeface="+mn-lt"/>
-          <a:ea typeface="+mn-ea"/>
+          <a:latin typeface="Noto Sans CJK KR DemiLight" pitchFamily="34" charset="-127"/>
+          <a:ea typeface="Noto Sans CJK KR DemiLight" pitchFamily="34" charset="-127"/>
           <a:cs typeface="+mn-cs"/>
         </a:defRPr>
       </a:lvl4pPr>
@@ -7442,8 +7895,8 @@
           <a:solidFill>
             <a:schemeClr val="tx1"/>
           </a:solidFill>
-          <a:latin typeface="+mn-lt"/>
-          <a:ea typeface="+mn-ea"/>
+          <a:latin typeface="Noto Sans CJK KR DemiLight" pitchFamily="34" charset="-127"/>
+          <a:ea typeface="Noto Sans CJK KR DemiLight" pitchFamily="34" charset="-127"/>
           <a:cs typeface="+mn-cs"/>
         </a:defRPr>
       </a:lvl5pPr>
@@ -7632,8 +8085,8 @@
         </p:nvSpPr>
         <p:spPr>
           <a:xfrm>
-            <a:off x="1001754" y="4723084"/>
-            <a:ext cx="7200800" cy="954107"/>
+            <a:off x="989194" y="5430404"/>
+            <a:ext cx="7200800" cy="707886"/>
           </a:xfrm>
           <a:prstGeom prst="rect">
             <a:avLst/>
@@ -7646,83 +8099,46 @@
           </a:bodyPr>
           <a:lstStyle/>
           <a:p>
-            <a:pPr algn="ctr"/>
-            <a:r>
-              <a:rPr lang="ko-KR" altLang="en-US" sz="2800" dirty="0" err="1" smtClean="0">
-                <a:solidFill>
-                  <a:schemeClr val="tx1">
-                    <a:lumMod val="65000"/>
-                    <a:lumOff val="35000"/>
-                  </a:schemeClr>
-                </a:solidFill>
+            <a:r>
+              <a:rPr lang="ko-KR" altLang="en-US" sz="2000" dirty="0" err="1" smtClean="0">
+                <a:latin typeface="Noto Sans CJK KR DemiLight" pitchFamily="34" charset="-127"/>
+                <a:ea typeface="Noto Sans CJK KR DemiLight" pitchFamily="34" charset="-127"/>
               </a:rPr>
               <a:t>강민수</a:t>
             </a:r>
             <a:r>
-              <a:rPr lang="en-US" altLang="ko-KR" sz="2800" dirty="0" smtClean="0">
-                <a:solidFill>
-                  <a:schemeClr val="tx1">
-                    <a:lumMod val="65000"/>
-                    <a:lumOff val="35000"/>
-                  </a:schemeClr>
-                </a:solidFill>
+              <a:rPr lang="en-US" altLang="ko-KR" sz="2000" dirty="0" smtClean="0">
+                <a:latin typeface="Noto Sans CJK KR DemiLight" pitchFamily="34" charset="-127"/>
+                <a:ea typeface="Noto Sans CJK KR DemiLight" pitchFamily="34" charset="-127"/>
               </a:rPr>
               <a:t>(</a:t>
             </a:r>
             <a:r>
-              <a:rPr lang="ko-KR" altLang="en-US" sz="2800" dirty="0" err="1" smtClean="0">
-                <a:solidFill>
-                  <a:schemeClr val="tx1">
-                    <a:lumMod val="65000"/>
-                    <a:lumOff val="35000"/>
-                  </a:schemeClr>
-                </a:solidFill>
+              <a:rPr lang="ko-KR" altLang="en-US" sz="2000" dirty="0" err="1" smtClean="0">
+                <a:latin typeface="Noto Sans CJK KR DemiLight" pitchFamily="34" charset="-127"/>
+                <a:ea typeface="Noto Sans CJK KR DemiLight" pitchFamily="34" charset="-127"/>
               </a:rPr>
               <a:t>강명석</a:t>
             </a:r>
             <a:r>
-              <a:rPr lang="en-US" altLang="ko-KR" sz="2800" dirty="0" smtClean="0">
-                <a:solidFill>
-                  <a:schemeClr val="tx1">
-                    <a:lumMod val="65000"/>
-                    <a:lumOff val="35000"/>
-                  </a:schemeClr>
-                </a:solidFill>
+              <a:rPr lang="en-US" altLang="ko-KR" sz="2000" dirty="0" smtClean="0">
+                <a:latin typeface="Noto Sans CJK KR DemiLight" pitchFamily="34" charset="-127"/>
+                <a:ea typeface="Noto Sans CJK KR DemiLight" pitchFamily="34" charset="-127"/>
               </a:rPr>
               <a:t>)</a:t>
             </a:r>
           </a:p>
           <a:p>
-            <a:pPr algn="ctr"/>
-            <a:r>
-              <a:rPr lang="en-US" altLang="ko-KR" sz="2800" dirty="0" smtClean="0">
-                <a:solidFill>
-                  <a:schemeClr val="tx1">
-                    <a:lumMod val="65000"/>
-                    <a:lumOff val="35000"/>
-                  </a:schemeClr>
-                </a:solidFill>
+            <a:r>
+              <a:rPr lang="en-US" altLang="ko-KR" sz="2000" dirty="0" smtClean="0">
+                <a:latin typeface="Noto Sans CJK KR DemiLight" pitchFamily="34" charset="-127"/>
+                <a:ea typeface="Noto Sans CJK KR DemiLight" pitchFamily="34" charset="-127"/>
               </a:rPr>
-              <a:t>Email: </a:t>
-            </a:r>
-            <a:r>
-              <a:rPr lang="en-US" altLang="ko-KR" sz="2800" dirty="0" err="1" smtClean="0">
-                <a:solidFill>
-                  <a:schemeClr val="tx1">
-                    <a:lumMod val="65000"/>
-                    <a:lumOff val="35000"/>
-                  </a:schemeClr>
-                </a:solidFill>
-              </a:rPr>
-              <a:t>admin@hack.kr</a:t>
-            </a:r>
-            <a:endParaRPr lang="ko-KR" altLang="en-US" sz="2800" dirty="0">
-              <a:solidFill>
-                <a:schemeClr val="tx1">
-                  <a:lumMod val="65000"/>
-                  <a:lumOff val="35000"/>
-                </a:schemeClr>
-              </a:solidFill>
+              <a:t>Email : admin@hack.kr</a:t>
+            </a:r>
+            <a:endParaRPr lang="ko-KR" altLang="en-US" sz="2000" dirty="0">
+              <a:latin typeface="Noto Sans CJK KR DemiLight" pitchFamily="34" charset="-127"/>
+              <a:ea typeface="Noto Sans CJK KR DemiLight" pitchFamily="34" charset="-127"/>
             </a:endParaRPr>
           </a:p>
         </p:txBody>
@@ -7735,8 +8151,8 @@
         </p:nvSpPr>
         <p:spPr>
           <a:xfrm>
-            <a:off x="1871700" y="1196752"/>
-            <a:ext cx="5400600" cy="707886"/>
+            <a:off x="1235780" y="764704"/>
+            <a:ext cx="6732748" cy="1323439"/>
           </a:xfrm>
           <a:prstGeom prst="rect">
             <a:avLst/>
@@ -7751,26 +8167,16 @@
           <a:p>
             <a:pPr algn="ctr"/>
             <a:r>
-              <a:rPr lang="ko-KR" altLang="en-US" sz="4000" b="1" dirty="0" err="1" smtClean="0">
-                <a:solidFill>
-                  <a:srgbClr val="FF0000"/>
-                </a:solidFill>
+              <a:rPr lang="en-US" altLang="ko-KR" sz="4000" b="1" dirty="0" smtClean="0">
+                <a:latin typeface="Pixel" panose="00000400000000000000" pitchFamily="2" charset="0"/>
+                <a:ea typeface="Noto Sans CJK KR DemiLight" pitchFamily="34" charset="-127"/>
               </a:rPr>
-              <a:t>온라인게임</a:t>
-            </a:r>
-            <a:r>
-              <a:rPr lang="ko-KR" altLang="en-US" sz="4000" b="1" dirty="0" smtClean="0"/>
-              <a:t> </a:t>
-            </a:r>
-            <a:r>
-              <a:rPr lang="ko-KR" altLang="en-US" sz="4000" b="1" dirty="0" smtClean="0">
-                <a:solidFill>
-                  <a:srgbClr val="00FF00"/>
-                </a:solidFill>
-              </a:rPr>
-              <a:t>해킹</a:t>
-            </a:r>
-            <a:endParaRPr lang="ko-KR" altLang="en-US" sz="4000" b="1" dirty="0"/>
+              <a:t>ONLINE GAME HACKING</a:t>
+            </a:r>
+            <a:endParaRPr lang="en-US" altLang="ko-KR" sz="4000" b="1" dirty="0" smtClean="0">
+              <a:latin typeface="Pixel" panose="00000400000000000000" pitchFamily="2" charset="0"/>
+              <a:ea typeface="Noto Sans CJK KR DemiLight" pitchFamily="34" charset="-127"/>
+            </a:endParaRPr>
           </a:p>
         </p:txBody>
       </p:sp>
@@ -7913,6 +8319,204 @@
           <p:nvPr/>
         </p:nvPicPr>
         <p:blipFill>
+          <a:blip r:embed="rId3">
+            <a:extLst>
+              <a:ext uri="{28A0092B-C50C-407E-A947-70E740481C1C}">
+                <a14:useLocalDpi xmlns:a14="http://schemas.microsoft.com/office/drawing/2010/main" val="0"/>
+              </a:ext>
+            </a:extLst>
+          </a:blip>
+          <a:stretch>
+            <a:fillRect/>
+          </a:stretch>
+        </p:blipFill>
+        <p:spPr>
+          <a:xfrm>
+            <a:off x="6199284" y="5921414"/>
+            <a:ext cx="2146032" cy="495238"/>
+          </a:xfrm>
+          <a:prstGeom prst="rect">
+            <a:avLst/>
+          </a:prstGeom>
+        </p:spPr>
+      </p:pic>
+      <p:sp>
+        <p:nvSpPr>
+          <p:cNvPr id="3" name="TextBox 2"/>
+          <p:cNvSpPr txBox="1"/>
+          <p:nvPr/>
+        </p:nvSpPr>
+        <p:spPr>
+          <a:xfrm>
+            <a:off x="1871700" y="722080"/>
+            <a:ext cx="5400600" cy="707886"/>
+          </a:xfrm>
+          <a:prstGeom prst="rect">
+            <a:avLst/>
+          </a:prstGeom>
+          <a:noFill/>
+        </p:spPr>
+        <p:txBody>
+          <a:bodyPr wrap="square" rtlCol="0">
+            <a:spAutoFit/>
+          </a:bodyPr>
+          <a:lstStyle/>
+          <a:p>
+            <a:pPr algn="ctr"/>
+            <a:r>
+              <a:rPr lang="en-US" altLang="ko-KR" sz="4000" b="1" dirty="0" smtClean="0">
+                <a:solidFill>
+                  <a:srgbClr val="00FF00"/>
+                </a:solidFill>
+                <a:latin typeface="Noto Sans CJK KR DemiLight" pitchFamily="34" charset="-127"/>
+                <a:ea typeface="Noto Sans CJK KR DemiLight" pitchFamily="34" charset="-127"/>
+              </a:rPr>
+              <a:t>Script</a:t>
+            </a:r>
+            <a:endParaRPr lang="ko-KR" altLang="en-US" sz="4000" b="1" dirty="0">
+              <a:solidFill>
+                <a:srgbClr val="00FF00"/>
+              </a:solidFill>
+              <a:latin typeface="Noto Sans CJK KR DemiLight" pitchFamily="34" charset="-127"/>
+              <a:ea typeface="Noto Sans CJK KR DemiLight" pitchFamily="34" charset="-127"/>
+            </a:endParaRPr>
+          </a:p>
+        </p:txBody>
+      </p:sp>
+      <p:pic>
+        <p:nvPicPr>
+          <p:cNvPr id="2" name="Picture 2" descr="C:\Users\Kang\Desktop\MySpec\발표\CodeEngn\2018-05-07-1.png"/>
+          <p:cNvPicPr>
+            <a:picLocks noChangeAspect="1" noChangeArrowheads="1"/>
+          </p:cNvPicPr>
+          <p:nvPr/>
+        </p:nvPicPr>
+        <p:blipFill rotWithShape="1">
+          <a:blip r:embed="rId4">
+            <a:extLst>
+              <a:ext uri="{28A0092B-C50C-407E-A947-70E740481C1C}">
+                <a14:useLocalDpi xmlns:a14="http://schemas.microsoft.com/office/drawing/2010/main" val="0"/>
+              </a:ext>
+            </a:extLst>
+          </a:blip>
+          <a:srcRect l="1757" t="1988" b="47933"/>
+          <a:stretch/>
+        </p:blipFill>
+        <p:spPr bwMode="auto">
+          <a:xfrm>
+            <a:off x="2102174" y="1429966"/>
+            <a:ext cx="4939652" cy="2444798"/>
+          </a:xfrm>
+          <a:prstGeom prst="rect">
+            <a:avLst/>
+          </a:prstGeom>
+          <a:noFill/>
+          <a:extLst>
+            <a:ext uri="{909E8E84-426E-40DD-AFC4-6F175D3DCCD1}">
+              <a14:hiddenFill xmlns:a14="http://schemas.microsoft.com/office/drawing/2010/main">
+                <a:solidFill>
+                  <a:srgbClr val="FFFFFF"/>
+                </a:solidFill>
+              </a14:hiddenFill>
+            </a:ext>
+          </a:extLst>
+        </p:spPr>
+      </p:pic>
+      <p:pic>
+        <p:nvPicPr>
+          <p:cNvPr id="1027" name="Picture 3" descr="C:\Users\Kang\Desktop\MySpec\발표\CodeEngn\2018-05-07-2.png"/>
+          <p:cNvPicPr>
+            <a:picLocks noChangeAspect="1" noChangeArrowheads="1"/>
+          </p:cNvPicPr>
+          <p:nvPr/>
+        </p:nvPicPr>
+        <p:blipFill>
+          <a:blip r:embed="rId5">
+            <a:extLst>
+              <a:ext uri="{28A0092B-C50C-407E-A947-70E740481C1C}">
+                <a14:useLocalDpi xmlns:a14="http://schemas.microsoft.com/office/drawing/2010/main" val="0"/>
+              </a:ext>
+            </a:extLst>
+          </a:blip>
+          <a:srcRect/>
+          <a:stretch>
+            <a:fillRect/>
+          </a:stretch>
+        </p:blipFill>
+        <p:spPr bwMode="auto">
+          <a:xfrm>
+            <a:off x="1943708" y="3914029"/>
+            <a:ext cx="5256584" cy="1866590"/>
+          </a:xfrm>
+          <a:prstGeom prst="rect">
+            <a:avLst/>
+          </a:prstGeom>
+          <a:noFill/>
+          <a:extLst>
+            <a:ext uri="{909E8E84-426E-40DD-AFC4-6F175D3DCCD1}">
+              <a14:hiddenFill xmlns:a14="http://schemas.microsoft.com/office/drawing/2010/main">
+                <a:solidFill>
+                  <a:srgbClr val="FFFFFF"/>
+                </a:solidFill>
+              </a14:hiddenFill>
+            </a:ext>
+          </a:extLst>
+        </p:spPr>
+      </p:pic>
+    </p:spTree>
+    <p:extLst>
+      <p:ext uri="{BB962C8B-B14F-4D97-AF65-F5344CB8AC3E}">
+        <p14:creationId xmlns:p14="http://schemas.microsoft.com/office/powerpoint/2010/main" val="2136220461"/>
+      </p:ext>
+    </p:extLst>
+  </p:cSld>
+  <p:clrMapOvr>
+    <a:masterClrMapping/>
+  </p:clrMapOvr>
+  <mc:AlternateContent xmlns:mc="http://schemas.openxmlformats.org/markup-compatibility/2006" xmlns:p14="http://schemas.microsoft.com/office/powerpoint/2010/main">
+    <mc:Choice Requires="p14">
+      <p:transition p14:dur="0"/>
+    </mc:Choice>
+    <mc:Fallback xmlns="">
+      <p:transition/>
+    </mc:Fallback>
+  </mc:AlternateContent>
+  <p:timing>
+    <p:tnLst>
+      <p:par>
+        <p:cTn id="1" dur="indefinite" restart="never" nodeType="tmRoot"/>
+      </p:par>
+    </p:tnLst>
+  </p:timing>
+</p:sld>
+</file>
+
+<file path=ppt/slides/slide11.xml><?xml version="1.0" encoding="utf-8"?>
+<p:sld xmlns:a="http://schemas.openxmlformats.org/drawingml/2006/main" xmlns:r="http://schemas.openxmlformats.org/officeDocument/2006/relationships" xmlns:p="http://schemas.openxmlformats.org/presentationml/2006/main">
+  <p:cSld>
+    <p:spTree>
+      <p:nvGrpSpPr>
+        <p:cNvPr id="1" name=""/>
+        <p:cNvGrpSpPr/>
+        <p:nvPr/>
+      </p:nvGrpSpPr>
+      <p:grpSpPr>
+        <a:xfrm>
+          <a:off x="0" y="0"/>
+          <a:ext cx="0" cy="0"/>
+          <a:chOff x="0" y="0"/>
+          <a:chExt cx="0" cy="0"/>
+        </a:xfrm>
+      </p:grpSpPr>
+      <p:pic>
+        <p:nvPicPr>
+          <p:cNvPr id="5" name="그림 4"/>
+          <p:cNvPicPr>
+            <a:picLocks noChangeAspect="1"/>
+          </p:cNvPicPr>
+          <p:nvPr/>
+        </p:nvPicPr>
+        <p:blipFill>
           <a:blip r:embed="rId2">
             <a:extLst>
               <a:ext uri="{28A0092B-C50C-407E-A947-70E740481C1C}">
@@ -7962,6 +8566,8 @@
                 <a:solidFill>
                   <a:srgbClr val="7030A0"/>
                 </a:solidFill>
+                <a:latin typeface="Noto Sans CJK KR DemiLight" pitchFamily="34" charset="-127"/>
+                <a:ea typeface="Noto Sans CJK KR DemiLight" pitchFamily="34" charset="-127"/>
               </a:rPr>
               <a:t>Packet</a:t>
             </a:r>
@@ -7969,6 +8575,8 @@
               <a:solidFill>
                 <a:srgbClr val="7030A0"/>
               </a:solidFill>
+              <a:latin typeface="Noto Sans CJK KR DemiLight" pitchFamily="34" charset="-127"/>
+              <a:ea typeface="Noto Sans CJK KR DemiLight" pitchFamily="34" charset="-127"/>
             </a:endParaRPr>
           </a:p>
         </p:txBody>
@@ -8001,7 +8609,7 @@
 </p:sld>
 </file>
 
-<file path=ppt/slides/slide11.xml><?xml version="1.0" encoding="utf-8"?>
+<file path=ppt/slides/slide12.xml><?xml version="1.0" encoding="utf-8"?>
 <p:sld xmlns:a="http://schemas.openxmlformats.org/drawingml/2006/main" xmlns:r="http://schemas.openxmlformats.org/officeDocument/2006/relationships" xmlns:p="http://schemas.openxmlformats.org/presentationml/2006/main">
   <p:cSld>
     <p:spTree>
@@ -8053,7 +8661,7 @@
           <p:cNvPr id="30" name="그림 29">
             <a:extLst>
               <a:ext uri="{FF2B5EF4-FFF2-40B4-BE49-F238E27FC236}">
-                <a16:creationId xmlns="" xmlns:a16="http://schemas.microsoft.com/office/drawing/2014/main" id="{C5B1B6BF-C2AC-41D0-8176-F88E66B4EC69}"/>
+                <a16:creationId xmlns:a16="http://schemas.microsoft.com/office/drawing/2014/main" xmlns="" id="{C5B1B6BF-C2AC-41D0-8176-F88E66B4EC69}"/>
               </a:ext>
             </a:extLst>
           </p:cNvPr>
@@ -8147,6 +8755,8 @@
                     <a:lumOff val="50000"/>
                   </a:schemeClr>
                 </a:solidFill>
+                <a:latin typeface="Noto Sans CJK KR DemiLight" pitchFamily="34" charset="-127"/>
+                <a:ea typeface="Noto Sans CJK KR DemiLight" pitchFamily="34" charset="-127"/>
               </a:rPr>
               <a:t>Demo</a:t>
             </a:r>
@@ -8157,6 +8767,8 @@
                   <a:lumOff val="50000"/>
                 </a:schemeClr>
               </a:solidFill>
+              <a:latin typeface="Noto Sans CJK KR DemiLight" pitchFamily="34" charset="-127"/>
+              <a:ea typeface="Noto Sans CJK KR DemiLight" pitchFamily="34" charset="-127"/>
             </a:endParaRPr>
           </a:p>
         </p:txBody>
@@ -8165,161 +8777,6 @@
     <p:extLst>
       <p:ext uri="{BB962C8B-B14F-4D97-AF65-F5344CB8AC3E}">
         <p14:creationId xmlns:p14="http://schemas.microsoft.com/office/powerpoint/2010/main" val="2412473355"/>
-      </p:ext>
-    </p:extLst>
-  </p:cSld>
-  <p:clrMapOvr>
-    <a:masterClrMapping/>
-  </p:clrMapOvr>
-  <mc:AlternateContent xmlns:mc="http://schemas.openxmlformats.org/markup-compatibility/2006" xmlns:p14="http://schemas.microsoft.com/office/powerpoint/2010/main">
-    <mc:Choice Requires="p14">
-      <p:transition p14:dur="0"/>
-    </mc:Choice>
-    <mc:Fallback xmlns="">
-      <p:transition/>
-    </mc:Fallback>
-  </mc:AlternateContent>
-  <p:timing>
-    <p:tnLst>
-      <p:par>
-        <p:cTn id="1" dur="indefinite" restart="never" nodeType="tmRoot"/>
-      </p:par>
-    </p:tnLst>
-  </p:timing>
-</p:sld>
-</file>
-
-<file path=ppt/slides/slide12.xml><?xml version="1.0" encoding="utf-8"?>
-<p:sld xmlns:a="http://schemas.openxmlformats.org/drawingml/2006/main" xmlns:r="http://schemas.openxmlformats.org/officeDocument/2006/relationships" xmlns:p="http://schemas.openxmlformats.org/presentationml/2006/main">
-  <p:cSld>
-    <p:spTree>
-      <p:nvGrpSpPr>
-        <p:cNvPr id="1" name=""/>
-        <p:cNvGrpSpPr/>
-        <p:nvPr/>
-      </p:nvGrpSpPr>
-      <p:grpSpPr>
-        <a:xfrm>
-          <a:off x="0" y="0"/>
-          <a:ext cx="0" cy="0"/>
-          <a:chOff x="0" y="0"/>
-          <a:chExt cx="0" cy="0"/>
-        </a:xfrm>
-      </p:grpSpPr>
-      <p:pic>
-        <p:nvPicPr>
-          <p:cNvPr id="5" name="그림 4"/>
-          <p:cNvPicPr>
-            <a:picLocks noChangeAspect="1"/>
-          </p:cNvPicPr>
-          <p:nvPr/>
-        </p:nvPicPr>
-        <p:blipFill>
-          <a:blip r:embed="rId3">
-            <a:extLst>
-              <a:ext uri="{28A0092B-C50C-407E-A947-70E740481C1C}">
-                <a14:useLocalDpi xmlns:a14="http://schemas.microsoft.com/office/drawing/2010/main" val="0"/>
-              </a:ext>
-            </a:extLst>
-          </a:blip>
-          <a:stretch>
-            <a:fillRect/>
-          </a:stretch>
-        </p:blipFill>
-        <p:spPr>
-          <a:xfrm>
-            <a:off x="6199284" y="5921414"/>
-            <a:ext cx="2146032" cy="495238"/>
-          </a:xfrm>
-          <a:prstGeom prst="rect">
-            <a:avLst/>
-          </a:prstGeom>
-        </p:spPr>
-      </p:pic>
-      <p:sp>
-        <p:nvSpPr>
-          <p:cNvPr id="3" name="TextBox 2"/>
-          <p:cNvSpPr txBox="1"/>
-          <p:nvPr/>
-        </p:nvSpPr>
-        <p:spPr>
-          <a:xfrm>
-            <a:off x="1871700" y="1196752"/>
-            <a:ext cx="5400600" cy="707886"/>
-          </a:xfrm>
-          <a:prstGeom prst="rect">
-            <a:avLst/>
-          </a:prstGeom>
-          <a:noFill/>
-        </p:spPr>
-        <p:txBody>
-          <a:bodyPr wrap="square" rtlCol="0">
-            <a:spAutoFit/>
-          </a:bodyPr>
-          <a:lstStyle/>
-          <a:p>
-            <a:pPr algn="ctr"/>
-            <a:r>
-              <a:rPr lang="en-US" altLang="ko-KR" sz="4000" b="1" dirty="0" smtClean="0">
-                <a:solidFill>
-                  <a:srgbClr val="7030A0"/>
-                </a:solidFill>
-              </a:rPr>
-              <a:t>Driver</a:t>
-            </a:r>
-            <a:endParaRPr lang="ko-KR" altLang="en-US" sz="4000" b="1" dirty="0">
-              <a:solidFill>
-                <a:srgbClr val="7030A0"/>
-              </a:solidFill>
-            </a:endParaRPr>
-          </a:p>
-        </p:txBody>
-      </p:sp>
-      <p:pic>
-        <p:nvPicPr>
-          <p:cNvPr id="1026" name="Picture 2" descr="C:\Users\Kang\Desktop\MySpec\발표\CodeEngn\2018-06-15-1.png"/>
-          <p:cNvPicPr>
-            <a:picLocks noChangeAspect="1" noChangeArrowheads="1"/>
-          </p:cNvPicPr>
-          <p:nvPr/>
-        </p:nvPicPr>
-        <p:blipFill>
-          <a:blip r:embed="rId4">
-            <a:extLst>
-              <a:ext uri="{28A0092B-C50C-407E-A947-70E740481C1C}">
-                <a14:useLocalDpi xmlns:a14="http://schemas.microsoft.com/office/drawing/2010/main" val="0"/>
-              </a:ext>
-            </a:extLst>
-          </a:blip>
-          <a:srcRect/>
-          <a:stretch>
-            <a:fillRect/>
-          </a:stretch>
-        </p:blipFill>
-        <p:spPr bwMode="auto">
-          <a:xfrm>
-            <a:off x="2657474" y="2132856"/>
-            <a:ext cx="3829051" cy="2838450"/>
-          </a:xfrm>
-          <a:prstGeom prst="rect">
-            <a:avLst/>
-          </a:prstGeom>
-          <a:noFill/>
-          <a:extLst>
-            <a:ext uri="{909E8E84-426E-40DD-AFC4-6F175D3DCCD1}">
-              <a14:hiddenFill xmlns:a14="http://schemas.microsoft.com/office/drawing/2010/main">
-                <a:solidFill>
-                  <a:srgbClr val="FFFFFF"/>
-                </a:solidFill>
-              </a14:hiddenFill>
-            </a:ext>
-          </a:extLst>
-        </p:spPr>
-      </p:pic>
-    </p:spTree>
-    <p:extLst>
-      <p:ext uri="{BB962C8B-B14F-4D97-AF65-F5344CB8AC3E}">
-        <p14:creationId xmlns:p14="http://schemas.microsoft.com/office/powerpoint/2010/main" val="268922881"/>
       </p:ext>
     </p:extLst>
   </p:cSld>
@@ -8419,6 +8876,8 @@
                 <a:solidFill>
                   <a:srgbClr val="7030A0"/>
                 </a:solidFill>
+                <a:latin typeface="Noto Sans CJK KR DemiLight" pitchFamily="34" charset="-127"/>
+                <a:ea typeface="Noto Sans CJK KR DemiLight" pitchFamily="34" charset="-127"/>
               </a:rPr>
               <a:t>Driver</a:t>
             </a:r>
@@ -8426,6 +8885,167 @@
               <a:solidFill>
                 <a:srgbClr val="7030A0"/>
               </a:solidFill>
+              <a:latin typeface="Noto Sans CJK KR DemiLight" pitchFamily="34" charset="-127"/>
+              <a:ea typeface="Noto Sans CJK KR DemiLight" pitchFamily="34" charset="-127"/>
+            </a:endParaRPr>
+          </a:p>
+        </p:txBody>
+      </p:sp>
+      <p:pic>
+        <p:nvPicPr>
+          <p:cNvPr id="1026" name="Picture 2" descr="C:\Users\Kang\Desktop\MySpec\발표\CodeEngn\2018-06-15-1.png"/>
+          <p:cNvPicPr>
+            <a:picLocks noChangeAspect="1" noChangeArrowheads="1"/>
+          </p:cNvPicPr>
+          <p:nvPr/>
+        </p:nvPicPr>
+        <p:blipFill>
+          <a:blip r:embed="rId4">
+            <a:extLst>
+              <a:ext uri="{28A0092B-C50C-407E-A947-70E740481C1C}">
+                <a14:useLocalDpi xmlns:a14="http://schemas.microsoft.com/office/drawing/2010/main" val="0"/>
+              </a:ext>
+            </a:extLst>
+          </a:blip>
+          <a:srcRect/>
+          <a:stretch>
+            <a:fillRect/>
+          </a:stretch>
+        </p:blipFill>
+        <p:spPr bwMode="auto">
+          <a:xfrm>
+            <a:off x="2657474" y="2132856"/>
+            <a:ext cx="3829051" cy="2838450"/>
+          </a:xfrm>
+          <a:prstGeom prst="rect">
+            <a:avLst/>
+          </a:prstGeom>
+          <a:noFill/>
+          <a:extLst>
+            <a:ext uri="{909E8E84-426E-40DD-AFC4-6F175D3DCCD1}">
+              <a14:hiddenFill xmlns:a14="http://schemas.microsoft.com/office/drawing/2010/main">
+                <a:solidFill>
+                  <a:srgbClr val="FFFFFF"/>
+                </a:solidFill>
+              </a14:hiddenFill>
+            </a:ext>
+          </a:extLst>
+        </p:spPr>
+      </p:pic>
+    </p:spTree>
+    <p:extLst>
+      <p:ext uri="{BB962C8B-B14F-4D97-AF65-F5344CB8AC3E}">
+        <p14:creationId xmlns:p14="http://schemas.microsoft.com/office/powerpoint/2010/main" val="268922881"/>
+      </p:ext>
+    </p:extLst>
+  </p:cSld>
+  <p:clrMapOvr>
+    <a:masterClrMapping/>
+  </p:clrMapOvr>
+  <mc:AlternateContent xmlns:mc="http://schemas.openxmlformats.org/markup-compatibility/2006" xmlns:p14="http://schemas.microsoft.com/office/powerpoint/2010/main">
+    <mc:Choice Requires="p14">
+      <p:transition p14:dur="0"/>
+    </mc:Choice>
+    <mc:Fallback xmlns="">
+      <p:transition/>
+    </mc:Fallback>
+  </mc:AlternateContent>
+  <p:timing>
+    <p:tnLst>
+      <p:par>
+        <p:cTn id="1" dur="indefinite" restart="never" nodeType="tmRoot"/>
+      </p:par>
+    </p:tnLst>
+  </p:timing>
+</p:sld>
+</file>
+
+<file path=ppt/slides/slide14.xml><?xml version="1.0" encoding="utf-8"?>
+<p:sld xmlns:a="http://schemas.openxmlformats.org/drawingml/2006/main" xmlns:r="http://schemas.openxmlformats.org/officeDocument/2006/relationships" xmlns:p="http://schemas.openxmlformats.org/presentationml/2006/main">
+  <p:cSld>
+    <p:spTree>
+      <p:nvGrpSpPr>
+        <p:cNvPr id="1" name=""/>
+        <p:cNvGrpSpPr/>
+        <p:nvPr/>
+      </p:nvGrpSpPr>
+      <p:grpSpPr>
+        <a:xfrm>
+          <a:off x="0" y="0"/>
+          <a:ext cx="0" cy="0"/>
+          <a:chOff x="0" y="0"/>
+          <a:chExt cx="0" cy="0"/>
+        </a:xfrm>
+      </p:grpSpPr>
+      <p:pic>
+        <p:nvPicPr>
+          <p:cNvPr id="5" name="그림 4"/>
+          <p:cNvPicPr>
+            <a:picLocks noChangeAspect="1"/>
+          </p:cNvPicPr>
+          <p:nvPr/>
+        </p:nvPicPr>
+        <p:blipFill>
+          <a:blip r:embed="rId3">
+            <a:extLst>
+              <a:ext uri="{28A0092B-C50C-407E-A947-70E740481C1C}">
+                <a14:useLocalDpi xmlns:a14="http://schemas.microsoft.com/office/drawing/2010/main" val="0"/>
+              </a:ext>
+            </a:extLst>
+          </a:blip>
+          <a:stretch>
+            <a:fillRect/>
+          </a:stretch>
+        </p:blipFill>
+        <p:spPr>
+          <a:xfrm>
+            <a:off x="6199284" y="5921414"/>
+            <a:ext cx="2146032" cy="495238"/>
+          </a:xfrm>
+          <a:prstGeom prst="rect">
+            <a:avLst/>
+          </a:prstGeom>
+        </p:spPr>
+      </p:pic>
+      <p:sp>
+        <p:nvSpPr>
+          <p:cNvPr id="3" name="TextBox 2"/>
+          <p:cNvSpPr txBox="1"/>
+          <p:nvPr/>
+        </p:nvSpPr>
+        <p:spPr>
+          <a:xfrm>
+            <a:off x="1871700" y="1196752"/>
+            <a:ext cx="5400600" cy="707886"/>
+          </a:xfrm>
+          <a:prstGeom prst="rect">
+            <a:avLst/>
+          </a:prstGeom>
+          <a:noFill/>
+        </p:spPr>
+        <p:txBody>
+          <a:bodyPr wrap="square" rtlCol="0">
+            <a:spAutoFit/>
+          </a:bodyPr>
+          <a:lstStyle/>
+          <a:p>
+            <a:pPr algn="ctr"/>
+            <a:r>
+              <a:rPr lang="en-US" altLang="ko-KR" sz="4000" b="1" dirty="0" smtClean="0">
+                <a:solidFill>
+                  <a:srgbClr val="7030A0"/>
+                </a:solidFill>
+                <a:latin typeface="Noto Sans CJK KR DemiLight" pitchFamily="34" charset="-127"/>
+                <a:ea typeface="Noto Sans CJK KR DemiLight" pitchFamily="34" charset="-127"/>
+              </a:rPr>
+              <a:t>Driver</a:t>
+            </a:r>
+            <a:endParaRPr lang="ko-KR" altLang="en-US" sz="4000" b="1" dirty="0">
+              <a:solidFill>
+                <a:srgbClr val="7030A0"/>
+              </a:solidFill>
+              <a:latin typeface="Noto Sans CJK KR DemiLight" pitchFamily="34" charset="-127"/>
+              <a:ea typeface="Noto Sans CJK KR DemiLight" pitchFamily="34" charset="-127"/>
             </a:endParaRPr>
           </a:p>
         </p:txBody>
@@ -8553,7 +9173,7 @@
 </p:sld>
 </file>
 
-<file path=ppt/slides/slide14.xml><?xml version="1.0" encoding="utf-8"?>
+<file path=ppt/slides/slide15.xml><?xml version="1.0" encoding="utf-8"?>
 <p:sld xmlns:a="http://schemas.openxmlformats.org/drawingml/2006/main" xmlns:r="http://schemas.openxmlformats.org/officeDocument/2006/relationships" xmlns:p="http://schemas.openxmlformats.org/presentationml/2006/main">
   <p:cSld>
     <p:spTree>
@@ -8594,7 +9214,7 @@
                 </a:solidFill>
               </a:rPr>
               <a:pPr/>
-              <a:t>14</a:t>
+              <a:t>15</a:t>
             </a:fld>
             <a:endParaRPr lang="ko-KR" altLang="en-US">
               <a:solidFill>
@@ -8757,6 +9377,8 @@
                 <a:solidFill>
                   <a:srgbClr val="7030A0"/>
                 </a:solidFill>
+                <a:latin typeface="Noto Sans CJK KR DemiLight" pitchFamily="34" charset="-127"/>
+                <a:ea typeface="Noto Sans CJK KR DemiLight" pitchFamily="34" charset="-127"/>
               </a:rPr>
               <a:t>Security</a:t>
             </a:r>
@@ -8764,6 +9386,8 @@
               <a:solidFill>
                 <a:srgbClr val="7030A0"/>
               </a:solidFill>
+              <a:latin typeface="Noto Sans CJK KR DemiLight" pitchFamily="34" charset="-127"/>
+              <a:ea typeface="Noto Sans CJK KR DemiLight" pitchFamily="34" charset="-127"/>
             </a:endParaRPr>
           </a:p>
         </p:txBody>
@@ -8841,137 +9465,6 @@
 </p:sld>
 </file>
 
-<file path=ppt/slides/slide15.xml><?xml version="1.0" encoding="utf-8"?>
-<p:sld xmlns:a="http://schemas.openxmlformats.org/drawingml/2006/main" xmlns:r="http://schemas.openxmlformats.org/officeDocument/2006/relationships" xmlns:p="http://schemas.openxmlformats.org/presentationml/2006/main">
-  <p:cSld>
-    <p:spTree>
-      <p:nvGrpSpPr>
-        <p:cNvPr id="1" name=""/>
-        <p:cNvGrpSpPr/>
-        <p:nvPr/>
-      </p:nvGrpSpPr>
-      <p:grpSpPr>
-        <a:xfrm>
-          <a:off x="0" y="0"/>
-          <a:ext cx="0" cy="0"/>
-          <a:chOff x="0" y="0"/>
-          <a:chExt cx="0" cy="0"/>
-        </a:xfrm>
-      </p:grpSpPr>
-      <p:pic>
-        <p:nvPicPr>
-          <p:cNvPr id="25" name="그림 24"/>
-          <p:cNvPicPr>
-            <a:picLocks noChangeAspect="1"/>
-          </p:cNvPicPr>
-          <p:nvPr/>
-        </p:nvPicPr>
-        <p:blipFill>
-          <a:blip r:embed="rId3">
-            <a:extLst>
-              <a:ext uri="{28A0092B-C50C-407E-A947-70E740481C1C}">
-                <a14:useLocalDpi xmlns:a14="http://schemas.microsoft.com/office/drawing/2010/main" val="0"/>
-              </a:ext>
-            </a:extLst>
-          </a:blip>
-          <a:stretch>
-            <a:fillRect/>
-          </a:stretch>
-        </p:blipFill>
-        <p:spPr>
-          <a:xfrm>
-            <a:off x="6199284" y="5921414"/>
-            <a:ext cx="2146032" cy="495238"/>
-          </a:xfrm>
-          <a:prstGeom prst="rect">
-            <a:avLst/>
-          </a:prstGeom>
-        </p:spPr>
-      </p:pic>
-      <p:sp>
-        <p:nvSpPr>
-          <p:cNvPr id="26" name="TextBox 25"/>
-          <p:cNvSpPr txBox="1"/>
-          <p:nvPr/>
-        </p:nvSpPr>
-        <p:spPr>
-          <a:xfrm>
-            <a:off x="1871700" y="2643008"/>
-            <a:ext cx="5400600" cy="707886"/>
-          </a:xfrm>
-          <a:prstGeom prst="rect">
-            <a:avLst/>
-          </a:prstGeom>
-          <a:noFill/>
-        </p:spPr>
-        <p:txBody>
-          <a:bodyPr wrap="square" rtlCol="0">
-            <a:spAutoFit/>
-          </a:bodyPr>
-          <a:lstStyle/>
-          <a:p>
-            <a:pPr algn="ctr"/>
-            <a:r>
-              <a:rPr lang="ko-KR" altLang="en-US" sz="4000" b="1" dirty="0" smtClean="0">
-                <a:solidFill>
-                  <a:schemeClr val="tx1">
-                    <a:lumMod val="50000"/>
-                    <a:lumOff val="50000"/>
-                  </a:schemeClr>
-                </a:solidFill>
-              </a:rPr>
-              <a:t>끝으로</a:t>
-            </a:r>
-            <a:r>
-              <a:rPr lang="en-US" altLang="ko-KR" sz="4000" b="1" dirty="0" smtClean="0">
-                <a:solidFill>
-                  <a:schemeClr val="tx1">
-                    <a:lumMod val="50000"/>
-                    <a:lumOff val="50000"/>
-                  </a:schemeClr>
-                </a:solidFill>
-              </a:rPr>
-              <a:t>..</a:t>
-            </a:r>
-            <a:endParaRPr lang="ko-KR" altLang="en-US" sz="4000" b="1" dirty="0">
-              <a:solidFill>
-                <a:schemeClr val="tx1">
-                  <a:lumMod val="50000"/>
-                  <a:lumOff val="50000"/>
-                </a:schemeClr>
-              </a:solidFill>
-            </a:endParaRPr>
-          </a:p>
-        </p:txBody>
-      </p:sp>
-    </p:spTree>
-    <p:extLst>
-      <p:ext uri="{BB962C8B-B14F-4D97-AF65-F5344CB8AC3E}">
-        <p14:creationId xmlns:p14="http://schemas.microsoft.com/office/powerpoint/2010/main" val="4076100508"/>
-      </p:ext>
-    </p:extLst>
-  </p:cSld>
-  <p:clrMapOvr>
-    <a:masterClrMapping/>
-  </p:clrMapOvr>
-  <mc:AlternateContent xmlns:mc="http://schemas.openxmlformats.org/markup-compatibility/2006" xmlns:p14="http://schemas.microsoft.com/office/powerpoint/2010/main">
-    <mc:Choice Requires="p14">
-      <p:transition p14:dur="0"/>
-    </mc:Choice>
-    <mc:Fallback xmlns="">
-      <p:transition/>
-    </mc:Fallback>
-  </mc:AlternateContent>
-  <p:timing>
-    <p:tnLst>
-      <p:par>
-        <p:cTn id="1" dur="indefinite" restart="never" nodeType="tmRoot"/>
-      </p:par>
-    </p:tnLst>
-  </p:timing>
-</p:sld>
-</file>
-
 <file path=ppt/slides/slide16.xml><?xml version="1.0" encoding="utf-8"?>
 <p:sld xmlns:a="http://schemas.openxmlformats.org/drawingml/2006/main" xmlns:r="http://schemas.openxmlformats.org/officeDocument/2006/relationships" xmlns:p="http://schemas.openxmlformats.org/presentationml/2006/main">
   <p:cSld>
@@ -9043,15 +9536,30 @@
           <a:p>
             <a:pPr algn="ctr"/>
             <a:r>
-              <a:rPr lang="en-US" altLang="ko-KR" sz="4000" b="1" dirty="0" err="1" smtClean="0">
+              <a:rPr lang="ko-KR" altLang="en-US" sz="4000" b="1" dirty="0" smtClean="0">
                 <a:solidFill>
                   <a:schemeClr val="tx1">
                     <a:lumMod val="50000"/>
                     <a:lumOff val="50000"/>
                   </a:schemeClr>
                 </a:solidFill>
+                <a:latin typeface="Noto Sans CJK KR DemiLight" pitchFamily="34" charset="-127"/>
+                <a:ea typeface="Noto Sans CJK KR DemiLight" pitchFamily="34" charset="-127"/>
               </a:rPr>
-              <a:t>QnA</a:t>
+              <a:t>끝으로</a:t>
+            </a:r>
+            <a:r>
+              <a:rPr lang="en-US" altLang="ko-KR" sz="4000" b="1" dirty="0" smtClean="0">
+                <a:solidFill>
+                  <a:schemeClr val="tx1">
+                    <a:lumMod val="50000"/>
+                    <a:lumOff val="50000"/>
+                  </a:schemeClr>
+                </a:solidFill>
+                <a:latin typeface="Noto Sans CJK KR DemiLight" pitchFamily="34" charset="-127"/>
+                <a:ea typeface="Noto Sans CJK KR DemiLight" pitchFamily="34" charset="-127"/>
+              </a:rPr>
+              <a:t>..</a:t>
             </a:r>
             <a:endParaRPr lang="ko-KR" altLang="en-US" sz="4000" b="1" dirty="0">
               <a:solidFill>
@@ -9060,6 +9568,8 @@
                   <a:lumOff val="50000"/>
                 </a:schemeClr>
               </a:solidFill>
+              <a:latin typeface="Noto Sans CJK KR DemiLight" pitchFamily="34" charset="-127"/>
+              <a:ea typeface="Noto Sans CJK KR DemiLight" pitchFamily="34" charset="-127"/>
             </a:endParaRPr>
           </a:p>
         </p:txBody>
@@ -9067,7 +9577,7 @@
     </p:spTree>
     <p:extLst>
       <p:ext uri="{BB962C8B-B14F-4D97-AF65-F5344CB8AC3E}">
-        <p14:creationId xmlns:p14="http://schemas.microsoft.com/office/powerpoint/2010/main" val="3146160280"/>
+        <p14:creationId xmlns:p14="http://schemas.microsoft.com/office/powerpoint/2010/main" val="4076100508"/>
       </p:ext>
     </p:extLst>
   </p:cSld>
@@ -9109,6 +9619,130 @@
           <a:chExt cx="0" cy="0"/>
         </a:xfrm>
       </p:grpSpPr>
+      <p:pic>
+        <p:nvPicPr>
+          <p:cNvPr id="25" name="그림 24"/>
+          <p:cNvPicPr>
+            <a:picLocks noChangeAspect="1"/>
+          </p:cNvPicPr>
+          <p:nvPr/>
+        </p:nvPicPr>
+        <p:blipFill>
+          <a:blip r:embed="rId3">
+            <a:extLst>
+              <a:ext uri="{28A0092B-C50C-407E-A947-70E740481C1C}">
+                <a14:useLocalDpi xmlns:a14="http://schemas.microsoft.com/office/drawing/2010/main" val="0"/>
+              </a:ext>
+            </a:extLst>
+          </a:blip>
+          <a:stretch>
+            <a:fillRect/>
+          </a:stretch>
+        </p:blipFill>
+        <p:spPr>
+          <a:xfrm>
+            <a:off x="6199284" y="5921414"/>
+            <a:ext cx="2146032" cy="495238"/>
+          </a:xfrm>
+          <a:prstGeom prst="rect">
+            <a:avLst/>
+          </a:prstGeom>
+        </p:spPr>
+      </p:pic>
+      <p:sp>
+        <p:nvSpPr>
+          <p:cNvPr id="26" name="TextBox 25"/>
+          <p:cNvSpPr txBox="1"/>
+          <p:nvPr/>
+        </p:nvSpPr>
+        <p:spPr>
+          <a:xfrm>
+            <a:off x="1871700" y="2643008"/>
+            <a:ext cx="5400600" cy="707886"/>
+          </a:xfrm>
+          <a:prstGeom prst="rect">
+            <a:avLst/>
+          </a:prstGeom>
+          <a:noFill/>
+        </p:spPr>
+        <p:txBody>
+          <a:bodyPr wrap="square" rtlCol="0">
+            <a:spAutoFit/>
+          </a:bodyPr>
+          <a:lstStyle/>
+          <a:p>
+            <a:pPr algn="ctr"/>
+            <a:r>
+              <a:rPr lang="en-US" altLang="ko-KR" sz="4000" b="1" dirty="0" err="1" smtClean="0">
+                <a:solidFill>
+                  <a:schemeClr val="tx1">
+                    <a:lumMod val="50000"/>
+                    <a:lumOff val="50000"/>
+                  </a:schemeClr>
+                </a:solidFill>
+                <a:latin typeface="Noto Sans CJK KR DemiLight" pitchFamily="34" charset="-127"/>
+                <a:ea typeface="Noto Sans CJK KR DemiLight" pitchFamily="34" charset="-127"/>
+              </a:rPr>
+              <a:t>QnA</a:t>
+            </a:r>
+            <a:endParaRPr lang="ko-KR" altLang="en-US" sz="4000" b="1" dirty="0">
+              <a:solidFill>
+                <a:schemeClr val="tx1">
+                  <a:lumMod val="50000"/>
+                  <a:lumOff val="50000"/>
+                </a:schemeClr>
+              </a:solidFill>
+              <a:latin typeface="Noto Sans CJK KR DemiLight" pitchFamily="34" charset="-127"/>
+              <a:ea typeface="Noto Sans CJK KR DemiLight" pitchFamily="34" charset="-127"/>
+            </a:endParaRPr>
+          </a:p>
+        </p:txBody>
+      </p:sp>
+    </p:spTree>
+    <p:extLst>
+      <p:ext uri="{BB962C8B-B14F-4D97-AF65-F5344CB8AC3E}">
+        <p14:creationId xmlns:p14="http://schemas.microsoft.com/office/powerpoint/2010/main" val="3146160280"/>
+      </p:ext>
+    </p:extLst>
+  </p:cSld>
+  <p:clrMapOvr>
+    <a:masterClrMapping/>
+  </p:clrMapOvr>
+  <mc:AlternateContent xmlns:mc="http://schemas.openxmlformats.org/markup-compatibility/2006" xmlns:p14="http://schemas.microsoft.com/office/powerpoint/2010/main">
+    <mc:Choice Requires="p14">
+      <p:transition p14:dur="0"/>
+    </mc:Choice>
+    <mc:Fallback xmlns="">
+      <p:transition/>
+    </mc:Fallback>
+  </mc:AlternateContent>
+  <p:timing>
+    <p:tnLst>
+      <p:par>
+        <p:cTn id="1" dur="indefinite" restart="never" nodeType="tmRoot"/>
+      </p:par>
+    </p:tnLst>
+  </p:timing>
+</p:sld>
+</file>
+
+<file path=ppt/slides/slide18.xml><?xml version="1.0" encoding="utf-8"?>
+<p:sld xmlns:a="http://schemas.openxmlformats.org/drawingml/2006/main" xmlns:r="http://schemas.openxmlformats.org/officeDocument/2006/relationships" xmlns:p="http://schemas.openxmlformats.org/presentationml/2006/main">
+  <p:cSld>
+    <p:spTree>
+      <p:nvGrpSpPr>
+        <p:cNvPr id="1" name=""/>
+        <p:cNvGrpSpPr/>
+        <p:nvPr/>
+      </p:nvGrpSpPr>
+      <p:grpSpPr>
+        <a:xfrm>
+          <a:off x="0" y="0"/>
+          <a:ext cx="0" cy="0"/>
+          <a:chOff x="0" y="0"/>
+          <a:chExt cx="0" cy="0"/>
+        </a:xfrm>
+      </p:grpSpPr>
       <p:sp>
         <p:nvSpPr>
           <p:cNvPr id="2" name="슬라이드 번호 개체 틀 1"/>
@@ -9133,7 +9767,7 @@
                 </a:solidFill>
               </a:rPr>
               <a:pPr/>
-              <a:t>17</a:t>
+              <a:t>18</a:t>
             </a:fld>
             <a:endParaRPr lang="ko-KR" altLang="en-US">
               <a:solidFill>
@@ -9154,7 +9788,7 @@
         <p:spPr>
           <a:xfrm>
             <a:off x="2627784" y="1844824"/>
-            <a:ext cx="5259773" cy="2031325"/>
+            <a:ext cx="4830168" cy="2031325"/>
           </a:xfrm>
           <a:prstGeom prst="rect">
             <a:avLst/>
@@ -9168,137 +9802,236 @@
           <a:lstStyle/>
           <a:p>
             <a:r>
-              <a:rPr lang="ko-KR" altLang="en-US" dirty="0" smtClean="0"/>
+              <a:rPr lang="ko-KR" altLang="en-US" dirty="0" smtClean="0">
+                <a:latin typeface="Noto Sans CJK KR DemiLight" pitchFamily="34" charset="-127"/>
+                <a:ea typeface="Noto Sans CJK KR DemiLight" pitchFamily="34" charset="-127"/>
+              </a:rPr>
               <a:t>어떻게 진화했고</a:t>
             </a:r>
             <a:r>
-              <a:rPr lang="en-US" altLang="ko-KR" dirty="0" smtClean="0"/>
+              <a:rPr lang="en-US" altLang="ko-KR" dirty="0" smtClean="0">
+                <a:latin typeface="Noto Sans CJK KR DemiLight" pitchFamily="34" charset="-127"/>
+                <a:ea typeface="Noto Sans CJK KR DemiLight" pitchFamily="34" charset="-127"/>
+              </a:rPr>
               <a:t>?</a:t>
             </a:r>
           </a:p>
           <a:p>
             <a:r>
-              <a:rPr lang="en-US" altLang="ko-KR" dirty="0" err="1" smtClean="0"/>
+              <a:rPr lang="en-US" altLang="ko-KR" dirty="0" err="1" smtClean="0">
+                <a:latin typeface="Noto Sans CJK KR DemiLight" pitchFamily="34" charset="-127"/>
+                <a:ea typeface="Noto Sans CJK KR DemiLight" pitchFamily="34" charset="-127"/>
+              </a:rPr>
               <a:t>Dll</a:t>
             </a:r>
             <a:r>
-              <a:rPr lang="en-US" altLang="ko-KR" dirty="0" smtClean="0"/>
+              <a:rPr lang="en-US" altLang="ko-KR" dirty="0" smtClean="0">
+                <a:latin typeface="Noto Sans CJK KR DemiLight" pitchFamily="34" charset="-127"/>
+                <a:ea typeface="Noto Sans CJK KR DemiLight" pitchFamily="34" charset="-127"/>
+              </a:rPr>
               <a:t> </a:t>
             </a:r>
             <a:r>
-              <a:rPr lang="ko-KR" altLang="en-US" dirty="0" smtClean="0"/>
+              <a:rPr lang="ko-KR" altLang="en-US" dirty="0" smtClean="0">
+                <a:latin typeface="Noto Sans CJK KR DemiLight" pitchFamily="34" charset="-127"/>
+                <a:ea typeface="Noto Sans CJK KR DemiLight" pitchFamily="34" charset="-127"/>
+              </a:rPr>
               <a:t>메모리조작</a:t>
             </a:r>
-            <a:endParaRPr lang="en-US" altLang="ko-KR" dirty="0" smtClean="0"/>
-          </a:p>
-          <a:p>
-            <a:r>
-              <a:rPr lang="ko-KR" altLang="en-US" dirty="0" err="1" smtClean="0"/>
+            <a:endParaRPr lang="en-US" altLang="ko-KR" dirty="0" smtClean="0">
+              <a:latin typeface="Noto Sans CJK KR DemiLight" pitchFamily="34" charset="-127"/>
+              <a:ea typeface="Noto Sans CJK KR DemiLight" pitchFamily="34" charset="-127"/>
+            </a:endParaRPr>
+          </a:p>
+          <a:p>
+            <a:r>
+              <a:rPr lang="ko-KR" altLang="en-US" dirty="0" err="1" smtClean="0">
+                <a:latin typeface="Noto Sans CJK KR DemiLight" pitchFamily="34" charset="-127"/>
+                <a:ea typeface="Noto Sans CJK KR DemiLight" pitchFamily="34" charset="-127"/>
+              </a:rPr>
               <a:t>커널을</a:t>
             </a:r>
             <a:r>
-              <a:rPr lang="ko-KR" altLang="en-US" dirty="0" smtClean="0"/>
+              <a:rPr lang="ko-KR" altLang="en-US" dirty="0" smtClean="0">
+                <a:latin typeface="Noto Sans CJK KR DemiLight" pitchFamily="34" charset="-127"/>
+                <a:ea typeface="Noto Sans CJK KR DemiLight" pitchFamily="34" charset="-127"/>
+              </a:rPr>
               <a:t> 이용하면</a:t>
             </a:r>
             <a:r>
-              <a:rPr lang="en-US" altLang="ko-KR" dirty="0" smtClean="0"/>
+              <a:rPr lang="en-US" altLang="ko-KR" dirty="0" smtClean="0">
+                <a:latin typeface="Noto Sans CJK KR DemiLight" pitchFamily="34" charset="-127"/>
+                <a:ea typeface="Noto Sans CJK KR DemiLight" pitchFamily="34" charset="-127"/>
+              </a:rPr>
               <a:t>?</a:t>
             </a:r>
           </a:p>
           <a:p>
             <a:r>
-              <a:rPr lang="ko-KR" altLang="en-US" dirty="0" smtClean="0"/>
+              <a:rPr lang="ko-KR" altLang="en-US" dirty="0" smtClean="0">
+                <a:latin typeface="Noto Sans CJK KR DemiLight" pitchFamily="34" charset="-127"/>
+                <a:ea typeface="Noto Sans CJK KR DemiLight" pitchFamily="34" charset="-127"/>
+              </a:rPr>
               <a:t>매크로</a:t>
             </a:r>
             <a:r>
-              <a:rPr lang="en-US" altLang="ko-KR" dirty="0" smtClean="0"/>
+              <a:rPr lang="en-US" altLang="ko-KR" dirty="0" smtClean="0">
+                <a:latin typeface="Noto Sans CJK KR DemiLight" pitchFamily="34" charset="-127"/>
+                <a:ea typeface="Noto Sans CJK KR DemiLight" pitchFamily="34" charset="-127"/>
+              </a:rPr>
               <a:t>, </a:t>
             </a:r>
             <a:r>
-              <a:rPr lang="en-US" altLang="ko-KR" dirty="0" err="1" smtClean="0"/>
+              <a:rPr lang="en-US" altLang="ko-KR" dirty="0" err="1" smtClean="0">
+                <a:latin typeface="Noto Sans CJK KR DemiLight" pitchFamily="34" charset="-127"/>
+                <a:ea typeface="Noto Sans CJK KR DemiLight" pitchFamily="34" charset="-127"/>
+              </a:rPr>
               <a:t>lua</a:t>
             </a:r>
             <a:r>
-              <a:rPr lang="ko-KR" altLang="en-US" dirty="0" smtClean="0"/>
+              <a:rPr lang="ko-KR" altLang="en-US" dirty="0" smtClean="0">
+                <a:latin typeface="Noto Sans CJK KR DemiLight" pitchFamily="34" charset="-127"/>
+                <a:ea typeface="Noto Sans CJK KR DemiLight" pitchFamily="34" charset="-127"/>
+              </a:rPr>
               <a:t>로 작성한다고</a:t>
             </a:r>
             <a:r>
-              <a:rPr lang="en-US" altLang="ko-KR" dirty="0" smtClean="0"/>
+              <a:rPr lang="en-US" altLang="ko-KR" dirty="0" smtClean="0">
+                <a:latin typeface="Noto Sans CJK KR DemiLight" pitchFamily="34" charset="-127"/>
+                <a:ea typeface="Noto Sans CJK KR DemiLight" pitchFamily="34" charset="-127"/>
+              </a:rPr>
               <a:t>?</a:t>
             </a:r>
           </a:p>
           <a:p>
             <a:r>
-              <a:rPr lang="ko-KR" altLang="en-US" dirty="0" err="1" smtClean="0"/>
+              <a:rPr lang="ko-KR" altLang="en-US" dirty="0" err="1" smtClean="0">
+                <a:latin typeface="Noto Sans CJK KR DemiLight" pitchFamily="34" charset="-127"/>
+                <a:ea typeface="Noto Sans CJK KR DemiLight" pitchFamily="34" charset="-127"/>
+              </a:rPr>
               <a:t>후킹</a:t>
             </a:r>
             <a:r>
-              <a:rPr lang="en-US" altLang="ko-KR" dirty="0" smtClean="0"/>
+              <a:rPr lang="en-US" altLang="ko-KR" dirty="0" smtClean="0">
+                <a:latin typeface="Noto Sans CJK KR DemiLight" pitchFamily="34" charset="-127"/>
+                <a:ea typeface="Noto Sans CJK KR DemiLight" pitchFamily="34" charset="-127"/>
+              </a:rPr>
               <a:t>,</a:t>
             </a:r>
             <a:r>
-              <a:rPr lang="ko-KR" altLang="en-US" dirty="0"/>
+              <a:rPr lang="ko-KR" altLang="en-US" dirty="0">
+                <a:latin typeface="Noto Sans CJK KR DemiLight" pitchFamily="34" charset="-127"/>
+                <a:ea typeface="Noto Sans CJK KR DemiLight" pitchFamily="34" charset="-127"/>
+              </a:rPr>
               <a:t> </a:t>
             </a:r>
             <a:r>
-              <a:rPr lang="ko-KR" altLang="en-US" dirty="0" err="1" smtClean="0"/>
+              <a:rPr lang="ko-KR" altLang="en-US" dirty="0" err="1" smtClean="0">
+                <a:latin typeface="Noto Sans CJK KR DemiLight" pitchFamily="34" charset="-127"/>
+                <a:ea typeface="Noto Sans CJK KR DemiLight" pitchFamily="34" charset="-127"/>
+              </a:rPr>
               <a:t>월핵</a:t>
             </a:r>
             <a:r>
-              <a:rPr lang="en-US" altLang="ko-KR" dirty="0" smtClean="0"/>
+              <a:rPr lang="en-US" altLang="ko-KR" dirty="0" smtClean="0">
+                <a:latin typeface="Noto Sans CJK KR DemiLight" pitchFamily="34" charset="-127"/>
+                <a:ea typeface="Noto Sans CJK KR DemiLight" pitchFamily="34" charset="-127"/>
+              </a:rPr>
               <a:t>, </a:t>
             </a:r>
             <a:r>
-              <a:rPr lang="ko-KR" altLang="en-US" dirty="0" smtClean="0"/>
+              <a:rPr lang="ko-KR" altLang="en-US" dirty="0" smtClean="0">
+                <a:latin typeface="Noto Sans CJK KR DemiLight" pitchFamily="34" charset="-127"/>
+                <a:ea typeface="Noto Sans CJK KR DemiLight" pitchFamily="34" charset="-127"/>
+              </a:rPr>
               <a:t>소켓</a:t>
             </a:r>
-            <a:endParaRPr lang="en-US" altLang="ko-KR" dirty="0"/>
-          </a:p>
-          <a:p>
-            <a:r>
-              <a:rPr lang="ko-KR" altLang="en-US" dirty="0" err="1" smtClean="0"/>
+            <a:endParaRPr lang="en-US" altLang="ko-KR" dirty="0">
+              <a:latin typeface="Noto Sans CJK KR DemiLight" pitchFamily="34" charset="-127"/>
+              <a:ea typeface="Noto Sans CJK KR DemiLight" pitchFamily="34" charset="-127"/>
+            </a:endParaRPr>
+          </a:p>
+          <a:p>
+            <a:r>
+              <a:rPr lang="ko-KR" altLang="en-US" dirty="0" err="1" smtClean="0">
+                <a:latin typeface="Noto Sans CJK KR DemiLight" pitchFamily="34" charset="-127"/>
+                <a:ea typeface="Noto Sans CJK KR DemiLight" pitchFamily="34" charset="-127"/>
+              </a:rPr>
               <a:t>리버싱</a:t>
             </a:r>
             <a:r>
-              <a:rPr lang="en-US" altLang="ko-KR" dirty="0" smtClean="0"/>
+              <a:rPr lang="en-US" altLang="ko-KR" dirty="0" smtClean="0">
+                <a:latin typeface="Noto Sans CJK KR DemiLight" pitchFamily="34" charset="-127"/>
+                <a:ea typeface="Noto Sans CJK KR DemiLight" pitchFamily="34" charset="-127"/>
+              </a:rPr>
               <a:t>, </a:t>
             </a:r>
             <a:r>
-              <a:rPr lang="ko-KR" altLang="en-US" dirty="0" err="1" smtClean="0"/>
+              <a:rPr lang="ko-KR" altLang="en-US" dirty="0" err="1" smtClean="0">
+                <a:latin typeface="Noto Sans CJK KR DemiLight" pitchFamily="34" charset="-127"/>
+                <a:ea typeface="Noto Sans CJK KR DemiLight" pitchFamily="34" charset="-127"/>
+              </a:rPr>
               <a:t>게임핵의</a:t>
             </a:r>
             <a:r>
-              <a:rPr lang="ko-KR" altLang="en-US" dirty="0" smtClean="0"/>
+              <a:rPr lang="ko-KR" altLang="en-US" dirty="0" smtClean="0">
+                <a:latin typeface="Noto Sans CJK KR DemiLight" pitchFamily="34" charset="-127"/>
+                <a:ea typeface="Noto Sans CJK KR DemiLight" pitchFamily="34" charset="-127"/>
+              </a:rPr>
               <a:t> 관심</a:t>
             </a:r>
-            <a:endParaRPr lang="en-US" altLang="ko-KR" dirty="0" smtClean="0"/>
-          </a:p>
-          <a:p>
-            <a:r>
-              <a:rPr lang="ko-KR" altLang="en-US" dirty="0" smtClean="0"/>
+            <a:endParaRPr lang="en-US" altLang="ko-KR" dirty="0" smtClean="0">
+              <a:latin typeface="Noto Sans CJK KR DemiLight" pitchFamily="34" charset="-127"/>
+              <a:ea typeface="Noto Sans CJK KR DemiLight" pitchFamily="34" charset="-127"/>
+            </a:endParaRPr>
+          </a:p>
+          <a:p>
+            <a:r>
+              <a:rPr lang="ko-KR" altLang="en-US" dirty="0" smtClean="0">
+                <a:latin typeface="Noto Sans CJK KR DemiLight" pitchFamily="34" charset="-127"/>
+                <a:ea typeface="Noto Sans CJK KR DemiLight" pitchFamily="34" charset="-127"/>
+              </a:rPr>
               <a:t>다음시장은 </a:t>
             </a:r>
             <a:r>
-              <a:rPr lang="ko-KR" altLang="en-US" dirty="0" err="1" smtClean="0"/>
+              <a:rPr lang="ko-KR" altLang="en-US" dirty="0" err="1" smtClean="0">
+                <a:latin typeface="Noto Sans CJK KR DemiLight" pitchFamily="34" charset="-127"/>
+                <a:ea typeface="Noto Sans CJK KR DemiLight" pitchFamily="34" charset="-127"/>
+              </a:rPr>
               <a:t>모바일인가</a:t>
             </a:r>
             <a:r>
-              <a:rPr lang="en-US" altLang="ko-KR" dirty="0" smtClean="0"/>
+              <a:rPr lang="en-US" altLang="ko-KR" dirty="0" smtClean="0">
+                <a:latin typeface="Noto Sans CJK KR DemiLight" pitchFamily="34" charset="-127"/>
+                <a:ea typeface="Noto Sans CJK KR DemiLight" pitchFamily="34" charset="-127"/>
+              </a:rPr>
               <a:t>? -&gt; </a:t>
             </a:r>
             <a:r>
-              <a:rPr lang="ko-KR" altLang="en-US" dirty="0" err="1" smtClean="0"/>
+              <a:rPr lang="ko-KR" altLang="en-US" dirty="0" err="1" smtClean="0">
+                <a:latin typeface="Noto Sans CJK KR DemiLight" pitchFamily="34" charset="-127"/>
+                <a:ea typeface="Noto Sans CJK KR DemiLight" pitchFamily="34" charset="-127"/>
+              </a:rPr>
               <a:t>안드로이드</a:t>
             </a:r>
             <a:r>
-              <a:rPr lang="ko-KR" altLang="en-US" dirty="0" smtClean="0"/>
+              <a:rPr lang="ko-KR" altLang="en-US" dirty="0" smtClean="0">
+                <a:latin typeface="Noto Sans CJK KR DemiLight" pitchFamily="34" charset="-127"/>
+                <a:ea typeface="Noto Sans CJK KR DemiLight" pitchFamily="34" charset="-127"/>
+              </a:rPr>
               <a:t> </a:t>
             </a:r>
             <a:r>
-              <a:rPr lang="ko-KR" altLang="en-US" dirty="0" err="1" smtClean="0"/>
+              <a:rPr lang="ko-KR" altLang="en-US" dirty="0" err="1" smtClean="0">
+                <a:latin typeface="Noto Sans CJK KR DemiLight" pitchFamily="34" charset="-127"/>
+                <a:ea typeface="Noto Sans CJK KR DemiLight" pitchFamily="34" charset="-127"/>
+              </a:rPr>
               <a:t>리퍼블릭</a:t>
             </a:r>
-            <a:endParaRPr lang="en-US" altLang="ko-KR" dirty="0" smtClean="0"/>
+            <a:endParaRPr lang="en-US" altLang="ko-KR" dirty="0" smtClean="0">
+              <a:latin typeface="Noto Sans CJK KR DemiLight" pitchFamily="34" charset="-127"/>
+              <a:ea typeface="Noto Sans CJK KR DemiLight" pitchFamily="34" charset="-127"/>
+            </a:endParaRPr>
           </a:p>
         </p:txBody>
       </p:sp>
@@ -9405,17 +10138,21 @@
           <a:p>
             <a:pPr algn="ctr"/>
             <a:r>
-              <a:rPr lang="ko-KR" altLang="en-US" sz="4000" b="1" dirty="0" smtClean="0">
+              <a:rPr lang="en-US" altLang="ko-KR" sz="4000" b="1" dirty="0" smtClean="0">
                 <a:solidFill>
                   <a:srgbClr val="FFC000"/>
                 </a:solidFill>
+                <a:latin typeface="Pixel" panose="00000400000000000000" pitchFamily="2" charset="0"/>
+                <a:ea typeface="Noto Sans CJK KR DemiLight" pitchFamily="34" charset="-127"/>
               </a:rPr>
-              <a:t>게임 핵</a:t>
+              <a:t>GAME HACK</a:t>
             </a:r>
             <a:endParaRPr lang="en-US" altLang="ko-KR" sz="4000" b="1" dirty="0" smtClean="0">
               <a:solidFill>
                 <a:srgbClr val="FFC000"/>
               </a:solidFill>
+              <a:latin typeface="Pixel" panose="00000400000000000000" pitchFamily="2" charset="0"/>
+              <a:ea typeface="Noto Sans CJK KR DemiLight" pitchFamily="34" charset="-127"/>
             </a:endParaRPr>
           </a:p>
         </p:txBody>
@@ -9560,33 +10297,21 @@
           <a:p>
             <a:pPr algn="ctr"/>
             <a:r>
-              <a:rPr lang="ko-KR" altLang="en-US" sz="4000" b="1" dirty="0" smtClean="0">
+              <a:rPr lang="en-US" altLang="ko-KR" sz="4000" b="1" dirty="0" smtClean="0">
                 <a:solidFill>
                   <a:srgbClr val="FFC000"/>
                 </a:solidFill>
+                <a:latin typeface="Pixel" panose="00000400000000000000" pitchFamily="2" charset="0"/>
+                <a:ea typeface="Noto Sans CJK KR DemiLight" pitchFamily="34" charset="-127"/>
               </a:rPr>
-              <a:t>태초의 </a:t>
-            </a:r>
-            <a:r>
-              <a:rPr lang="ko-KR" altLang="en-US" sz="4000" b="1" dirty="0" err="1" smtClean="0">
-                <a:solidFill>
-                  <a:srgbClr val="FFC000"/>
-                </a:solidFill>
-              </a:rPr>
-              <a:t>게임핵</a:t>
-            </a:r>
-            <a:r>
-              <a:rPr lang="ko-KR" altLang="en-US" sz="4000" b="1" dirty="0" smtClean="0">
-                <a:solidFill>
-                  <a:srgbClr val="FFC000"/>
-                </a:solidFill>
-              </a:rPr>
-              <a:t> 문화</a:t>
+              <a:t>CULTURE</a:t>
             </a:r>
             <a:endParaRPr lang="ko-KR" altLang="en-US" sz="4000" b="1" dirty="0">
               <a:solidFill>
                 <a:srgbClr val="FFC000"/>
               </a:solidFill>
+              <a:latin typeface="Pixel" panose="00000400000000000000" pitchFamily="2" charset="0"/>
+              <a:ea typeface="Noto Sans CJK KR DemiLight" pitchFamily="34" charset="-127"/>
             </a:endParaRPr>
           </a:p>
         </p:txBody>
@@ -9614,10 +10339,16 @@
           <a:lstStyle/>
           <a:p>
             <a:r>
-              <a:rPr lang="ko-KR" altLang="en-US" dirty="0" err="1" smtClean="0"/>
+              <a:rPr lang="ko-KR" altLang="en-US" dirty="0" err="1" smtClean="0">
+                <a:latin typeface="Noto Sans CJK KR DemiLight" pitchFamily="34" charset="-127"/>
+                <a:ea typeface="Noto Sans CJK KR DemiLight" pitchFamily="34" charset="-127"/>
+              </a:rPr>
               <a:t>치트엔진</a:t>
             </a:r>
-            <a:endParaRPr lang="ko-KR" altLang="en-US" dirty="0"/>
+            <a:endParaRPr lang="ko-KR" altLang="en-US" dirty="0">
+              <a:latin typeface="Noto Sans CJK KR DemiLight" pitchFamily="34" charset="-127"/>
+              <a:ea typeface="Noto Sans CJK KR DemiLight" pitchFamily="34" charset="-127"/>
+            </a:endParaRPr>
           </a:p>
         </p:txBody>
       </p:sp>
@@ -9761,25 +10492,21 @@
           <a:p>
             <a:pPr algn="ctr"/>
             <a:r>
-              <a:rPr lang="ko-KR" altLang="en-US" sz="4000" b="1" dirty="0" err="1" smtClean="0">
+              <a:rPr lang="en-US" altLang="ko-KR" sz="4000" b="1" dirty="0" smtClean="0">
                 <a:solidFill>
                   <a:srgbClr val="FFC000"/>
                 </a:solidFill>
+                <a:latin typeface="Pixel" panose="00000400000000000000" pitchFamily="2" charset="0"/>
+                <a:ea typeface="Noto Sans CJK KR DemiLight" pitchFamily="34" charset="-127"/>
               </a:rPr>
-              <a:t>치트</a:t>
-            </a:r>
-            <a:r>
-              <a:rPr lang="ko-KR" altLang="en-US" sz="4000" b="1" dirty="0" smtClean="0">
-                <a:solidFill>
-                  <a:srgbClr val="FFC000"/>
-                </a:solidFill>
-              </a:rPr>
-              <a:t> 엔진</a:t>
+              <a:t>CHEAT ENGINE</a:t>
             </a:r>
             <a:endParaRPr lang="ko-KR" altLang="en-US" sz="4000" b="1" dirty="0">
               <a:solidFill>
                 <a:srgbClr val="FFC000"/>
               </a:solidFill>
+              <a:latin typeface="Pixel" panose="00000400000000000000" pitchFamily="2" charset="0"/>
+              <a:ea typeface="Noto Sans CJK KR DemiLight" pitchFamily="34" charset="-127"/>
             </a:endParaRPr>
           </a:p>
         </p:txBody>
@@ -9877,7 +10604,10 @@
           <a:lstStyle/>
           <a:p>
             <a:pPr algn="ctr"/>
-            <a:endParaRPr lang="ko-KR" altLang="en-US"/>
+            <a:endParaRPr lang="ko-KR" altLang="en-US" dirty="0">
+              <a:latin typeface="Noto Sans CJK KR DemiLight" pitchFamily="34" charset="-127"/>
+              <a:ea typeface="Noto Sans CJK KR DemiLight" pitchFamily="34" charset="-127"/>
+            </a:endParaRPr>
           </a:p>
         </p:txBody>
       </p:sp>
@@ -9904,18 +10634,30 @@
           <a:lstStyle/>
           <a:p>
             <a:r>
-              <a:rPr lang="en-US" altLang="ko-KR" dirty="0" smtClean="0"/>
+              <a:rPr lang="en-US" altLang="ko-KR" dirty="0" smtClean="0">
+                <a:latin typeface="Noto Sans CJK KR DemiLight" pitchFamily="34" charset="-127"/>
+                <a:ea typeface="Noto Sans CJK KR DemiLight" pitchFamily="34" charset="-127"/>
+              </a:rPr>
               <a:t>2003</a:t>
             </a:r>
             <a:r>
-              <a:rPr lang="ko-KR" altLang="en-US" dirty="0" smtClean="0"/>
+              <a:rPr lang="ko-KR" altLang="en-US" dirty="0" smtClean="0">
+                <a:latin typeface="Noto Sans CJK KR DemiLight" pitchFamily="34" charset="-127"/>
+                <a:ea typeface="Noto Sans CJK KR DemiLight" pitchFamily="34" charset="-127"/>
+              </a:rPr>
               <a:t>년부터 시작된 </a:t>
             </a:r>
             <a:r>
-              <a:rPr lang="ko-KR" altLang="en-US" dirty="0" err="1" smtClean="0"/>
+              <a:rPr lang="ko-KR" altLang="en-US" dirty="0" err="1" smtClean="0">
+                <a:latin typeface="Noto Sans CJK KR DemiLight" pitchFamily="34" charset="-127"/>
+                <a:ea typeface="Noto Sans CJK KR DemiLight" pitchFamily="34" charset="-127"/>
+              </a:rPr>
               <a:t>치트엔진</a:t>
             </a:r>
-            <a:endParaRPr lang="ko-KR" altLang="en-US" dirty="0"/>
+            <a:endParaRPr lang="ko-KR" altLang="en-US" dirty="0">
+              <a:latin typeface="Noto Sans CJK KR DemiLight" pitchFamily="34" charset="-127"/>
+              <a:ea typeface="Noto Sans CJK KR DemiLight" pitchFamily="34" charset="-127"/>
+            </a:endParaRPr>
           </a:p>
         </p:txBody>
       </p:sp>
@@ -10032,8 +10774,8 @@
         </p:nvSpPr>
         <p:spPr>
           <a:xfrm>
-            <a:off x="1871700" y="1143998"/>
-            <a:ext cx="5400600" cy="707886"/>
+            <a:off x="611189" y="1143998"/>
+            <a:ext cx="7921624" cy="707886"/>
           </a:xfrm>
           <a:prstGeom prst="rect">
             <a:avLst/>
@@ -10048,41 +10790,21 @@
           <a:p>
             <a:pPr algn="ctr"/>
             <a:r>
-              <a:rPr lang="ko-KR" altLang="en-US" sz="4000" b="1" dirty="0" err="1" smtClean="0">
-                <a:solidFill>
-                  <a:srgbClr val="F8F200"/>
-                </a:solidFill>
-              </a:rPr>
-              <a:t>게임핵을</a:t>
-            </a:r>
-            <a:r>
-              <a:rPr lang="ko-KR" altLang="en-US" sz="4000" b="1" dirty="0" smtClean="0">
-                <a:solidFill>
-                  <a:srgbClr val="F8F200"/>
-                </a:solidFill>
-              </a:rPr>
-              <a:t> </a:t>
-            </a:r>
-            <a:r>
-              <a:rPr lang="ko-KR" altLang="en-US" sz="4000" b="1" dirty="0" err="1" smtClean="0">
-                <a:solidFill>
-                  <a:srgbClr val="F8F200"/>
-                </a:solidFill>
-              </a:rPr>
-              <a:t>쓰고싶어서</a:t>
-            </a:r>
-            <a:r>
               <a:rPr lang="en-US" altLang="ko-KR" sz="4000" b="1" dirty="0" smtClean="0">
                 <a:solidFill>
                   <a:srgbClr val="F8F200"/>
                 </a:solidFill>
+                <a:latin typeface="Pixel" panose="00000400000000000000" pitchFamily="2" charset="0"/>
+                <a:ea typeface="Noto Sans CJK KR DemiLight" pitchFamily="34" charset="-127"/>
               </a:rPr>
-              <a:t>..</a:t>
+              <a:t>REVERSING == HACK</a:t>
             </a:r>
             <a:endParaRPr lang="ko-KR" altLang="en-US" sz="4000" b="1" dirty="0">
               <a:solidFill>
                 <a:srgbClr val="F8F200"/>
               </a:solidFill>
+              <a:latin typeface="Pixel" panose="00000400000000000000" pitchFamily="2" charset="0"/>
+              <a:ea typeface="Noto Sans CJK KR DemiLight" pitchFamily="34" charset="-127"/>
             </a:endParaRPr>
           </a:p>
         </p:txBody>
@@ -10190,13 +10912,27 @@
                 <a:solidFill>
                   <a:srgbClr val="00FF00"/>
                 </a:solidFill>
+                <a:latin typeface="Pixel" panose="00000400000000000000" pitchFamily="2" charset="0"/>
+                <a:ea typeface="Noto Sans CJK KR DemiLight" pitchFamily="34" charset="-127"/>
               </a:rPr>
-              <a:t>DLL Injection</a:t>
+              <a:t>DLL </a:t>
+            </a:r>
+            <a:r>
+              <a:rPr lang="en-US" altLang="ko-KR" sz="4000" b="1" dirty="0" smtClean="0">
+                <a:solidFill>
+                  <a:srgbClr val="00FF00"/>
+                </a:solidFill>
+                <a:latin typeface="Pixel" panose="00000400000000000000" pitchFamily="2" charset="0"/>
+                <a:ea typeface="Noto Sans CJK KR DemiLight" pitchFamily="34" charset="-127"/>
+              </a:rPr>
+              <a:t>INJECTION</a:t>
             </a:r>
             <a:endParaRPr lang="ko-KR" altLang="en-US" sz="4000" b="1" dirty="0">
               <a:solidFill>
                 <a:srgbClr val="00FF00"/>
               </a:solidFill>
+              <a:latin typeface="Pixel" panose="00000400000000000000" pitchFamily="2" charset="0"/>
+              <a:ea typeface="Noto Sans CJK KR DemiLight" pitchFamily="34" charset="-127"/>
             </a:endParaRPr>
           </a:p>
         </p:txBody>
@@ -10317,45 +11053,6 @@
           </a:prstGeom>
         </p:spPr>
       </p:pic>
-      <p:sp>
-        <p:nvSpPr>
-          <p:cNvPr id="3" name="TextBox 2"/>
-          <p:cNvSpPr txBox="1"/>
-          <p:nvPr/>
-        </p:nvSpPr>
-        <p:spPr>
-          <a:xfrm>
-            <a:off x="1871700" y="980728"/>
-            <a:ext cx="5400600" cy="707886"/>
-          </a:xfrm>
-          <a:prstGeom prst="rect">
-            <a:avLst/>
-          </a:prstGeom>
-          <a:noFill/>
-        </p:spPr>
-        <p:txBody>
-          <a:bodyPr wrap="square" rtlCol="0">
-            <a:spAutoFit/>
-          </a:bodyPr>
-          <a:lstStyle/>
-          <a:p>
-            <a:pPr algn="ctr"/>
-            <a:r>
-              <a:rPr lang="en-US" altLang="ko-KR" sz="4000" b="1" dirty="0" smtClean="0">
-                <a:solidFill>
-                  <a:srgbClr val="0070C0"/>
-                </a:solidFill>
-              </a:rPr>
-              <a:t>Hooking</a:t>
-            </a:r>
-            <a:endParaRPr lang="ko-KR" altLang="en-US" sz="4000" b="1" dirty="0">
-              <a:solidFill>
-                <a:srgbClr val="0070C0"/>
-              </a:solidFill>
-            </a:endParaRPr>
-          </a:p>
-        </p:txBody>
-      </p:sp>
       <p:pic>
         <p:nvPicPr>
           <p:cNvPr id="2050" name="Picture 2" descr="C:\Users\Kang\Desktop\MySpec\발표\CodeEngn\2018-05-21-3.png">
@@ -10399,6 +11096,49 @@
           </a:extLst>
         </p:spPr>
       </p:pic>
+      <p:sp>
+        <p:nvSpPr>
+          <p:cNvPr id="6" name="TextBox 5"/>
+          <p:cNvSpPr txBox="1"/>
+          <p:nvPr/>
+        </p:nvSpPr>
+        <p:spPr>
+          <a:xfrm>
+            <a:off x="1871700" y="980728"/>
+            <a:ext cx="5400600" cy="707886"/>
+          </a:xfrm>
+          <a:prstGeom prst="rect">
+            <a:avLst/>
+          </a:prstGeom>
+          <a:noFill/>
+        </p:spPr>
+        <p:txBody>
+          <a:bodyPr wrap="square" rtlCol="0">
+            <a:spAutoFit/>
+          </a:bodyPr>
+          <a:lstStyle/>
+          <a:p>
+            <a:pPr algn="ctr"/>
+            <a:r>
+              <a:rPr lang="en-US" altLang="ko-KR" sz="4000" b="1" dirty="0" smtClean="0">
+                <a:solidFill>
+                  <a:srgbClr val="0070C0"/>
+                </a:solidFill>
+                <a:latin typeface="Pixel" panose="00000400000000000000" pitchFamily="2" charset="0"/>
+                <a:ea typeface="Noto Sans CJK KR DemiLight" pitchFamily="34" charset="-127"/>
+              </a:rPr>
+              <a:t>HOOKING</a:t>
+            </a:r>
+            <a:endParaRPr lang="ko-KR" altLang="en-US" sz="4000" b="1" dirty="0">
+              <a:solidFill>
+                <a:srgbClr val="0070C0"/>
+              </a:solidFill>
+              <a:latin typeface="Pixel" panose="00000400000000000000" pitchFamily="2" charset="0"/>
+              <a:ea typeface="Noto Sans CJK KR DemiLight" pitchFamily="34" charset="-127"/>
+            </a:endParaRPr>
+          </a:p>
+        </p:txBody>
+      </p:sp>
     </p:spTree>
     <p:extLst>
       <p:ext uri="{BB962C8B-B14F-4D97-AF65-F5344CB8AC3E}">
@@ -10446,6 +11186,389 @@
       </p:grpSpPr>
       <p:pic>
         <p:nvPicPr>
+          <p:cNvPr id="1026" name="Picture 2" descr="C:\Users\Kang\Desktop\MySpec\발표\CodeEngn\2018-06-24-2.png"/>
+          <p:cNvPicPr>
+            <a:picLocks noChangeAspect="1" noChangeArrowheads="1"/>
+          </p:cNvPicPr>
+          <p:nvPr/>
+        </p:nvPicPr>
+        <p:blipFill>
+          <a:blip r:embed="rId3">
+            <a:extLst>
+              <a:ext uri="{28A0092B-C50C-407E-A947-70E740481C1C}">
+                <a14:useLocalDpi xmlns:a14="http://schemas.microsoft.com/office/drawing/2010/main" val="0"/>
+              </a:ext>
+            </a:extLst>
+          </a:blip>
+          <a:srcRect/>
+          <a:stretch>
+            <a:fillRect/>
+          </a:stretch>
+        </p:blipFill>
+        <p:spPr bwMode="auto">
+          <a:xfrm>
+            <a:off x="6588224" y="1688614"/>
+            <a:ext cx="2171700" cy="4705350"/>
+          </a:xfrm>
+          <a:prstGeom prst="rect">
+            <a:avLst/>
+          </a:prstGeom>
+          <a:noFill/>
+          <a:extLst>
+            <a:ext uri="{909E8E84-426E-40DD-AFC4-6F175D3DCCD1}">
+              <a14:hiddenFill xmlns:a14="http://schemas.microsoft.com/office/drawing/2010/main">
+                <a:solidFill>
+                  <a:srgbClr val="FFFFFF"/>
+                </a:solidFill>
+              </a14:hiddenFill>
+            </a:ext>
+          </a:extLst>
+        </p:spPr>
+      </p:pic>
+      <p:pic>
+        <p:nvPicPr>
+          <p:cNvPr id="5" name="그림 4"/>
+          <p:cNvPicPr>
+            <a:picLocks noChangeAspect="1"/>
+          </p:cNvPicPr>
+          <p:nvPr/>
+        </p:nvPicPr>
+        <p:blipFill>
+          <a:blip r:embed="rId4">
+            <a:extLst>
+              <a:ext uri="{28A0092B-C50C-407E-A947-70E740481C1C}">
+                <a14:useLocalDpi xmlns:a14="http://schemas.microsoft.com/office/drawing/2010/main" val="0"/>
+              </a:ext>
+            </a:extLst>
+          </a:blip>
+          <a:stretch>
+            <a:fillRect/>
+          </a:stretch>
+        </p:blipFill>
+        <p:spPr>
+          <a:xfrm>
+            <a:off x="4932040" y="5813487"/>
+            <a:ext cx="2146032" cy="495238"/>
+          </a:xfrm>
+          <a:prstGeom prst="rect">
+            <a:avLst/>
+          </a:prstGeom>
+        </p:spPr>
+      </p:pic>
+      <p:sp>
+        <p:nvSpPr>
+          <p:cNvPr id="3" name="TextBox 2"/>
+          <p:cNvSpPr txBox="1"/>
+          <p:nvPr/>
+        </p:nvSpPr>
+        <p:spPr>
+          <a:xfrm>
+            <a:off x="1871700" y="980728"/>
+            <a:ext cx="5400600" cy="707886"/>
+          </a:xfrm>
+          <a:prstGeom prst="rect">
+            <a:avLst/>
+          </a:prstGeom>
+          <a:noFill/>
+        </p:spPr>
+        <p:txBody>
+          <a:bodyPr wrap="square" rtlCol="0">
+            <a:spAutoFit/>
+          </a:bodyPr>
+          <a:lstStyle/>
+          <a:p>
+            <a:pPr algn="ctr"/>
+            <a:r>
+              <a:rPr lang="en-US" altLang="ko-KR" sz="4000" b="1" dirty="0" smtClean="0">
+                <a:solidFill>
+                  <a:srgbClr val="0070C0"/>
+                </a:solidFill>
+                <a:latin typeface="Pixel" panose="00000400000000000000" pitchFamily="2" charset="0"/>
+                <a:ea typeface="Noto Sans CJK KR DemiLight" pitchFamily="34" charset="-127"/>
+              </a:rPr>
+              <a:t>HOOKING</a:t>
+            </a:r>
+            <a:endParaRPr lang="ko-KR" altLang="en-US" sz="4000" b="1" dirty="0">
+              <a:solidFill>
+                <a:srgbClr val="0070C0"/>
+              </a:solidFill>
+              <a:latin typeface="Pixel" panose="00000400000000000000" pitchFamily="2" charset="0"/>
+              <a:ea typeface="Noto Sans CJK KR DemiLight" pitchFamily="34" charset="-127"/>
+            </a:endParaRPr>
+          </a:p>
+        </p:txBody>
+      </p:sp>
+      <p:sp>
+        <p:nvSpPr>
+          <p:cNvPr id="2" name="직사각형 1"/>
+          <p:cNvSpPr/>
+          <p:nvPr/>
+        </p:nvSpPr>
+        <p:spPr>
+          <a:xfrm>
+            <a:off x="741126" y="1988840"/>
+            <a:ext cx="7661748" cy="2677656"/>
+          </a:xfrm>
+          <a:prstGeom prst="rect">
+            <a:avLst/>
+          </a:prstGeom>
+        </p:spPr>
+        <p:txBody>
+          <a:bodyPr wrap="square">
+            <a:spAutoFit/>
+          </a:bodyPr>
+          <a:lstStyle/>
+          <a:p>
+            <a:r>
+              <a:rPr lang="en-US" altLang="ko-KR" sz="2800" dirty="0" smtClean="0">
+                <a:latin typeface="Noto Sans CJK KR DemiLight" pitchFamily="34" charset="-127"/>
+                <a:ea typeface="Noto Sans CJK KR DemiLight" pitchFamily="34" charset="-127"/>
+              </a:rPr>
+              <a:t>1) </a:t>
+            </a:r>
+            <a:r>
+              <a:rPr lang="en-US" altLang="ko-KR" sz="2800" dirty="0">
+                <a:latin typeface="Noto Sans CJK KR DemiLight" pitchFamily="34" charset="-127"/>
+                <a:ea typeface="Noto Sans CJK KR DemiLight" pitchFamily="34" charset="-127"/>
+              </a:rPr>
+              <a:t>Connect </a:t>
+            </a:r>
+            <a:r>
+              <a:rPr lang="ko-KR" altLang="en-US" sz="2800" dirty="0" smtClean="0">
+                <a:latin typeface="Noto Sans CJK KR DemiLight" pitchFamily="34" charset="-127"/>
+                <a:ea typeface="Noto Sans CJK KR DemiLight" pitchFamily="34" charset="-127"/>
+              </a:rPr>
+              <a:t>함수를 </a:t>
+            </a:r>
+            <a:r>
+              <a:rPr lang="ko-KR" altLang="en-US" sz="2800" dirty="0" err="1" smtClean="0">
+                <a:latin typeface="Noto Sans CJK KR DemiLight" pitchFamily="34" charset="-127"/>
+                <a:ea typeface="Noto Sans CJK KR DemiLight" pitchFamily="34" charset="-127"/>
+              </a:rPr>
+              <a:t>후킹</a:t>
+            </a:r>
+            <a:r>
+              <a:rPr lang="ko-KR" altLang="en-US" sz="2800" dirty="0" smtClean="0">
+                <a:latin typeface="Noto Sans CJK KR DemiLight" pitchFamily="34" charset="-127"/>
+                <a:ea typeface="Noto Sans CJK KR DemiLight" pitchFamily="34" charset="-127"/>
+              </a:rPr>
+              <a:t> </a:t>
+            </a:r>
+          </a:p>
+          <a:p>
+            <a:r>
+              <a:rPr lang="en-US" altLang="ko-KR" sz="2800" dirty="0" smtClean="0">
+                <a:latin typeface="Noto Sans CJK KR DemiLight" pitchFamily="34" charset="-127"/>
+                <a:ea typeface="Noto Sans CJK KR DemiLight" pitchFamily="34" charset="-127"/>
+              </a:rPr>
+              <a:t>2) </a:t>
+            </a:r>
+            <a:r>
+              <a:rPr lang="ko-KR" altLang="en-US" sz="2800" dirty="0" smtClean="0">
+                <a:latin typeface="Noto Sans CJK KR DemiLight" pitchFamily="34" charset="-127"/>
+                <a:ea typeface="Noto Sans CJK KR DemiLight" pitchFamily="34" charset="-127"/>
+              </a:rPr>
+              <a:t>내가 만든 </a:t>
+            </a:r>
+            <a:r>
+              <a:rPr lang="en-US" altLang="ko-KR" sz="2800" dirty="0" smtClean="0">
+                <a:latin typeface="Noto Sans CJK KR DemiLight" pitchFamily="34" charset="-127"/>
+                <a:ea typeface="Noto Sans CJK KR DemiLight" pitchFamily="34" charset="-127"/>
+              </a:rPr>
+              <a:t>DLL</a:t>
+            </a:r>
+            <a:r>
+              <a:rPr lang="ko-KR" altLang="en-US" sz="2800" dirty="0" smtClean="0">
+                <a:latin typeface="Noto Sans CJK KR DemiLight" pitchFamily="34" charset="-127"/>
+                <a:ea typeface="Noto Sans CJK KR DemiLight" pitchFamily="34" charset="-127"/>
+              </a:rPr>
+              <a:t>에서 소켓을 </a:t>
+            </a:r>
+            <a:r>
+              <a:rPr lang="ko-KR" altLang="en-US" sz="2800" dirty="0">
+                <a:latin typeface="Noto Sans CJK KR DemiLight" pitchFamily="34" charset="-127"/>
+                <a:ea typeface="Noto Sans CJK KR DemiLight" pitchFamily="34" charset="-127"/>
+              </a:rPr>
+              <a:t>생성하여 내 </a:t>
+            </a:r>
+            <a:r>
+              <a:rPr lang="ko-KR" altLang="en-US" sz="2800" dirty="0" smtClean="0">
+                <a:latin typeface="Noto Sans CJK KR DemiLight" pitchFamily="34" charset="-127"/>
+                <a:ea typeface="Noto Sans CJK KR DemiLight" pitchFamily="34" charset="-127"/>
+              </a:rPr>
+              <a:t>소켓으로 연결</a:t>
+            </a:r>
+            <a:endParaRPr lang="ko-KR" altLang="en-US" sz="2800" dirty="0">
+              <a:latin typeface="Noto Sans CJK KR DemiLight" pitchFamily="34" charset="-127"/>
+              <a:ea typeface="Noto Sans CJK KR DemiLight" pitchFamily="34" charset="-127"/>
+            </a:endParaRPr>
+          </a:p>
+          <a:p>
+            <a:r>
+              <a:rPr lang="en-US" altLang="ko-KR" sz="2800" dirty="0" smtClean="0">
+                <a:latin typeface="Noto Sans CJK KR DemiLight" pitchFamily="34" charset="-127"/>
+                <a:ea typeface="Noto Sans CJK KR DemiLight" pitchFamily="34" charset="-127"/>
+              </a:rPr>
+              <a:t>3) </a:t>
+            </a:r>
+            <a:r>
+              <a:rPr lang="ko-KR" altLang="en-US" sz="2800" dirty="0" smtClean="0">
+                <a:latin typeface="Noto Sans CJK KR DemiLight" pitchFamily="34" charset="-127"/>
+                <a:ea typeface="Noto Sans CJK KR DemiLight" pitchFamily="34" charset="-127"/>
+              </a:rPr>
+              <a:t>나</a:t>
+            </a:r>
+            <a:r>
+              <a:rPr lang="ko-KR" altLang="en-US" sz="2800" dirty="0">
+                <a:latin typeface="Noto Sans CJK KR DemiLight" pitchFamily="34" charset="-127"/>
+                <a:ea typeface="Noto Sans CJK KR DemiLight" pitchFamily="34" charset="-127"/>
+              </a:rPr>
+              <a:t>의</a:t>
+            </a:r>
+            <a:r>
+              <a:rPr lang="ko-KR" altLang="en-US" sz="2800" dirty="0" smtClean="0">
+                <a:latin typeface="Noto Sans CJK KR DemiLight" pitchFamily="34" charset="-127"/>
+                <a:ea typeface="Noto Sans CJK KR DemiLight" pitchFamily="34" charset="-127"/>
+              </a:rPr>
+              <a:t> </a:t>
+            </a:r>
+            <a:r>
+              <a:rPr lang="en-US" altLang="ko-KR" sz="2800" dirty="0" smtClean="0">
+                <a:latin typeface="Noto Sans CJK KR DemiLight" pitchFamily="34" charset="-127"/>
+                <a:ea typeface="Noto Sans CJK KR DemiLight" pitchFamily="34" charset="-127"/>
+              </a:rPr>
+              <a:t>DLL</a:t>
+            </a:r>
+            <a:r>
+              <a:rPr lang="ko-KR" altLang="en-US" sz="2800" dirty="0" smtClean="0">
+                <a:latin typeface="Noto Sans CJK KR DemiLight" pitchFamily="34" charset="-127"/>
+                <a:ea typeface="Noto Sans CJK KR DemiLight" pitchFamily="34" charset="-127"/>
+              </a:rPr>
+              <a:t>에서 </a:t>
+            </a:r>
+            <a:r>
+              <a:rPr lang="ko-KR" altLang="en-US" sz="2800" dirty="0" err="1" smtClean="0">
+                <a:latin typeface="Noto Sans CJK KR DemiLight" pitchFamily="34" charset="-127"/>
+                <a:ea typeface="Noto Sans CJK KR DemiLight" pitchFamily="34" charset="-127"/>
+              </a:rPr>
+              <a:t>패킷을</a:t>
+            </a:r>
+            <a:r>
+              <a:rPr lang="ko-KR" altLang="en-US" sz="2800" dirty="0" smtClean="0">
+                <a:latin typeface="Noto Sans CJK KR DemiLight" pitchFamily="34" charset="-127"/>
+                <a:ea typeface="Noto Sans CJK KR DemiLight" pitchFamily="34" charset="-127"/>
+              </a:rPr>
+              <a:t> </a:t>
+            </a:r>
+            <a:r>
+              <a:rPr lang="ko-KR" altLang="en-US" sz="2800" dirty="0" err="1" smtClean="0">
+                <a:latin typeface="Noto Sans CJK KR DemiLight" pitchFamily="34" charset="-127"/>
+                <a:ea typeface="Noto Sans CJK KR DemiLight" pitchFamily="34" charset="-127"/>
+              </a:rPr>
+              <a:t>복호화하고</a:t>
+            </a:r>
+            <a:r>
+              <a:rPr lang="ko-KR" altLang="en-US" sz="2800" dirty="0" smtClean="0">
+                <a:latin typeface="Noto Sans CJK KR DemiLight" pitchFamily="34" charset="-127"/>
+                <a:ea typeface="Noto Sans CJK KR DemiLight" pitchFamily="34" charset="-127"/>
+              </a:rPr>
+              <a:t> 원하는 대로 </a:t>
+            </a:r>
+            <a:r>
+              <a:rPr lang="ko-KR" altLang="en-US" sz="2800" dirty="0" err="1" smtClean="0">
+                <a:latin typeface="Noto Sans CJK KR DemiLight" pitchFamily="34" charset="-127"/>
+                <a:ea typeface="Noto Sans CJK KR DemiLight" pitchFamily="34" charset="-127"/>
+              </a:rPr>
+              <a:t>패킷을</a:t>
+            </a:r>
+            <a:r>
+              <a:rPr lang="ko-KR" altLang="en-US" sz="2800" dirty="0" smtClean="0">
+                <a:latin typeface="Noto Sans CJK KR DemiLight" pitchFamily="34" charset="-127"/>
+                <a:ea typeface="Noto Sans CJK KR DemiLight" pitchFamily="34" charset="-127"/>
+              </a:rPr>
+              <a:t> 변조</a:t>
+            </a:r>
+            <a:endParaRPr lang="ko-KR" altLang="en-US" sz="2800" dirty="0">
+              <a:latin typeface="Noto Sans CJK KR DemiLight" pitchFamily="34" charset="-127"/>
+              <a:ea typeface="Noto Sans CJK KR DemiLight" pitchFamily="34" charset="-127"/>
+            </a:endParaRPr>
+          </a:p>
+          <a:p>
+            <a:r>
+              <a:rPr lang="en-US" altLang="ko-KR" sz="2800" dirty="0" smtClean="0">
+                <a:latin typeface="Noto Sans CJK KR DemiLight" pitchFamily="34" charset="-127"/>
+                <a:ea typeface="Noto Sans CJK KR DemiLight" pitchFamily="34" charset="-127"/>
+              </a:rPr>
+              <a:t>4) </a:t>
+            </a:r>
+            <a:r>
+              <a:rPr lang="ko-KR" altLang="en-US" sz="2800" dirty="0">
+                <a:latin typeface="Noto Sans CJK KR DemiLight" pitchFamily="34" charset="-127"/>
+                <a:ea typeface="Noto Sans CJK KR DemiLight" pitchFamily="34" charset="-127"/>
+              </a:rPr>
+              <a:t>다시 암호화 하여 원래 목적지로 </a:t>
+            </a:r>
+            <a:r>
+              <a:rPr lang="ko-KR" altLang="en-US" sz="2800" dirty="0" smtClean="0">
+                <a:latin typeface="Noto Sans CJK KR DemiLight" pitchFamily="34" charset="-127"/>
+                <a:ea typeface="Noto Sans CJK KR DemiLight" pitchFamily="34" charset="-127"/>
+              </a:rPr>
+              <a:t>전송</a:t>
+            </a:r>
+            <a:endParaRPr lang="ko-KR" altLang="en-US" sz="2800" dirty="0">
+              <a:latin typeface="Noto Sans CJK KR DemiLight" pitchFamily="34" charset="-127"/>
+              <a:ea typeface="Noto Sans CJK KR DemiLight" pitchFamily="34" charset="-127"/>
+            </a:endParaRPr>
+          </a:p>
+        </p:txBody>
+      </p:sp>
+    </p:spTree>
+    <p:extLst>
+      <p:ext uri="{BB962C8B-B14F-4D97-AF65-F5344CB8AC3E}">
+        <p14:creationId xmlns:p14="http://schemas.microsoft.com/office/powerpoint/2010/main" val="2197110641"/>
+      </p:ext>
+    </p:extLst>
+  </p:cSld>
+  <p:clrMapOvr>
+    <a:masterClrMapping/>
+  </p:clrMapOvr>
+  <mc:AlternateContent xmlns:mc="http://schemas.openxmlformats.org/markup-compatibility/2006" xmlns:p14="http://schemas.microsoft.com/office/powerpoint/2010/main">
+    <mc:Choice Requires="p14">
+      <p:transition p14:dur="0"/>
+    </mc:Choice>
+    <mc:Fallback xmlns="">
+      <p:transition/>
+    </mc:Fallback>
+  </mc:AlternateContent>
+  <p:timing>
+    <p:tnLst>
+      <p:par>
+        <p:cTn id="1" dur="indefinite" restart="never" nodeType="tmRoot"/>
+      </p:par>
+    </p:tnLst>
+  </p:timing>
+</p:sld>
+</file>
+
+<file path=ppt/slides/slide9.xml><?xml version="1.0" encoding="utf-8"?>
+<p:sld xmlns:a="http://schemas.openxmlformats.org/drawingml/2006/main" xmlns:r="http://schemas.openxmlformats.org/officeDocument/2006/relationships" xmlns:p="http://schemas.openxmlformats.org/presentationml/2006/main">
+  <p:cSld>
+    <p:spTree>
+      <p:nvGrpSpPr>
+        <p:cNvPr id="1" name=""/>
+        <p:cNvGrpSpPr/>
+        <p:nvPr/>
+      </p:nvGrpSpPr>
+      <p:grpSpPr>
+        <a:xfrm>
+          <a:off x="0" y="0"/>
+          <a:ext cx="0" cy="0"/>
+          <a:chOff x="0" y="0"/>
+          <a:chExt cx="0" cy="0"/>
+        </a:xfrm>
+      </p:grpSpPr>
+      <p:pic>
+        <p:nvPicPr>
           <p:cNvPr id="5" name="그림 4"/>
           <p:cNvPicPr>
             <a:picLocks noChangeAspect="1"/>
@@ -10502,6 +11625,8 @@
                 <a:solidFill>
                   <a:srgbClr val="0070C0"/>
                 </a:solidFill>
+                <a:latin typeface="Noto Sans CJK KR DemiLight" pitchFamily="34" charset="-127"/>
+                <a:ea typeface="Noto Sans CJK KR DemiLight" pitchFamily="34" charset="-127"/>
               </a:rPr>
               <a:t>Hooking</a:t>
             </a:r>
@@ -10509,6 +11634,8 @@
               <a:solidFill>
                 <a:srgbClr val="0070C0"/>
               </a:solidFill>
+              <a:latin typeface="Noto Sans CJK KR DemiLight" pitchFamily="34" charset="-127"/>
+              <a:ea typeface="Noto Sans CJK KR DemiLight" pitchFamily="34" charset="-127"/>
             </a:endParaRPr>
           </a:p>
         </p:txBody>
@@ -10555,7 +11682,10 @@
           <a:lstStyle/>
           <a:p>
             <a:pPr algn="ctr"/>
-            <a:endParaRPr lang="ko-KR" altLang="en-US"/>
+            <a:endParaRPr lang="ko-KR" altLang="en-US" dirty="0">
+              <a:latin typeface="Noto Sans CJK KR DemiLight" pitchFamily="34" charset="-127"/>
+              <a:ea typeface="Noto Sans CJK KR DemiLight" pitchFamily="34" charset="-127"/>
+            </a:endParaRPr>
           </a:p>
         </p:txBody>
       </p:sp>
@@ -10601,7 +11731,10 @@
           <a:lstStyle/>
           <a:p>
             <a:pPr algn="ctr"/>
-            <a:endParaRPr lang="ko-KR" altLang="en-US"/>
+            <a:endParaRPr lang="ko-KR" altLang="en-US" dirty="0">
+              <a:latin typeface="Noto Sans CJK KR DemiLight" pitchFamily="34" charset="-127"/>
+              <a:ea typeface="Noto Sans CJK KR DemiLight" pitchFamily="34" charset="-127"/>
+            </a:endParaRPr>
           </a:p>
         </p:txBody>
       </p:sp>
@@ -10647,7 +11780,10 @@
           <a:lstStyle/>
           <a:p>
             <a:pPr algn="ctr"/>
-            <a:endParaRPr lang="ko-KR" altLang="en-US"/>
+            <a:endParaRPr lang="ko-KR" altLang="en-US" dirty="0">
+              <a:latin typeface="Noto Sans CJK KR DemiLight" pitchFamily="34" charset="-127"/>
+              <a:ea typeface="Noto Sans CJK KR DemiLight" pitchFamily="34" charset="-127"/>
+            </a:endParaRPr>
           </a:p>
         </p:txBody>
       </p:sp>
@@ -10660,7 +11796,7 @@
         <p:spPr>
           <a:xfrm>
             <a:off x="930576" y="3789682"/>
-            <a:ext cx="1882247" cy="369332"/>
+            <a:ext cx="1717137" cy="369332"/>
           </a:xfrm>
           <a:prstGeom prst="rect">
             <a:avLst/>
@@ -10674,10 +11810,16 @@
           <a:lstStyle/>
           <a:p>
             <a:r>
-              <a:rPr lang="ko-KR" altLang="en-US" smtClean="0"/>
+              <a:rPr lang="ko-KR" altLang="en-US" dirty="0" smtClean="0">
+                <a:latin typeface="Noto Sans CJK KR DemiLight" pitchFamily="34" charset="-127"/>
+                <a:ea typeface="Noto Sans CJK KR DemiLight" pitchFamily="34" charset="-127"/>
+              </a:rPr>
               <a:t>게임 클라이언트</a:t>
             </a:r>
-            <a:endParaRPr lang="ko-KR" altLang="en-US"/>
+            <a:endParaRPr lang="ko-KR" altLang="en-US" dirty="0">
+              <a:latin typeface="Noto Sans CJK KR DemiLight" pitchFamily="34" charset="-127"/>
+              <a:ea typeface="Noto Sans CJK KR DemiLight" pitchFamily="34" charset="-127"/>
+            </a:endParaRPr>
           </a:p>
         </p:txBody>
       </p:sp>
@@ -10690,7 +11832,7 @@
         <p:spPr>
           <a:xfrm>
             <a:off x="6677425" y="3748390"/>
-            <a:ext cx="1189749" cy="369332"/>
+            <a:ext cx="1082348" cy="369332"/>
           </a:xfrm>
           <a:prstGeom prst="rect">
             <a:avLst/>
@@ -10704,10 +11846,16 @@
           <a:lstStyle/>
           <a:p>
             <a:r>
-              <a:rPr lang="ko-KR" altLang="en-US" dirty="0" smtClean="0"/>
+              <a:rPr lang="ko-KR" altLang="en-US" dirty="0" smtClean="0">
+                <a:latin typeface="Noto Sans CJK KR DemiLight" pitchFamily="34" charset="-127"/>
+                <a:ea typeface="Noto Sans CJK KR DemiLight" pitchFamily="34" charset="-127"/>
+              </a:rPr>
               <a:t>게임 서버</a:t>
             </a:r>
-            <a:endParaRPr lang="ko-KR" altLang="en-US" dirty="0"/>
+            <a:endParaRPr lang="ko-KR" altLang="en-US" dirty="0">
+              <a:latin typeface="Noto Sans CJK KR DemiLight" pitchFamily="34" charset="-127"/>
+              <a:ea typeface="Noto Sans CJK KR DemiLight" pitchFamily="34" charset="-127"/>
+            </a:endParaRPr>
           </a:p>
         </p:txBody>
       </p:sp>
@@ -10720,7 +11868,7 @@
         <p:spPr>
           <a:xfrm>
             <a:off x="4092541" y="2278323"/>
-            <a:ext cx="958917" cy="369332"/>
+            <a:ext cx="870751" cy="369332"/>
           </a:xfrm>
           <a:prstGeom prst="rect">
             <a:avLst/>
@@ -10734,18 +11882,30 @@
           <a:lstStyle/>
           <a:p>
             <a:r>
-              <a:rPr lang="ko-KR" altLang="en-US" smtClean="0"/>
+              <a:rPr lang="ko-KR" altLang="en-US" dirty="0" err="1" smtClean="0">
+                <a:latin typeface="Noto Sans CJK KR DemiLight" pitchFamily="34" charset="-127"/>
+                <a:ea typeface="Noto Sans CJK KR DemiLight" pitchFamily="34" charset="-127"/>
+              </a:rPr>
               <a:t>롤</a:t>
             </a:r>
             <a:r>
-              <a:rPr lang="ko-KR" altLang="en-US" dirty="0" smtClean="0"/>
+              <a:rPr lang="ko-KR" altLang="en-US" dirty="0" smtClean="0">
+                <a:latin typeface="Noto Sans CJK KR DemiLight" pitchFamily="34" charset="-127"/>
+                <a:ea typeface="Noto Sans CJK KR DemiLight" pitchFamily="34" charset="-127"/>
+              </a:rPr>
               <a:t> </a:t>
             </a:r>
             <a:r>
-              <a:rPr lang="ko-KR" altLang="en-US" dirty="0" err="1" smtClean="0"/>
+              <a:rPr lang="ko-KR" altLang="en-US" dirty="0" err="1" smtClean="0">
+                <a:latin typeface="Noto Sans CJK KR DemiLight" pitchFamily="34" charset="-127"/>
+                <a:ea typeface="Noto Sans CJK KR DemiLight" pitchFamily="34" charset="-127"/>
+              </a:rPr>
               <a:t>헬퍼</a:t>
             </a:r>
-            <a:endParaRPr lang="ko-KR" altLang="en-US" dirty="0"/>
+            <a:endParaRPr lang="ko-KR" altLang="en-US" dirty="0">
+              <a:latin typeface="Noto Sans CJK KR DemiLight" pitchFamily="34" charset="-127"/>
+              <a:ea typeface="Noto Sans CJK KR DemiLight" pitchFamily="34" charset="-127"/>
+            </a:endParaRPr>
           </a:p>
         </p:txBody>
       </p:sp>
@@ -10902,7 +12062,7 @@
         <p:spPr>
           <a:xfrm>
             <a:off x="2635003" y="2647655"/>
-            <a:ext cx="705642" cy="369332"/>
+            <a:ext cx="729687" cy="369332"/>
           </a:xfrm>
           <a:prstGeom prst="rect">
             <a:avLst/>
@@ -10916,10 +12076,16 @@
           <a:lstStyle/>
           <a:p>
             <a:r>
-              <a:rPr lang="en-US" altLang="ko-KR" dirty="0" smtClean="0"/>
+              <a:rPr lang="en-US" altLang="ko-KR" dirty="0" smtClean="0">
+                <a:latin typeface="Noto Sans CJK KR DemiLight" pitchFamily="34" charset="-127"/>
+                <a:ea typeface="Noto Sans CJK KR DemiLight" pitchFamily="34" charset="-127"/>
+              </a:rPr>
               <a:t>Send</a:t>
             </a:r>
-            <a:endParaRPr lang="ko-KR" altLang="en-US" dirty="0"/>
+            <a:endParaRPr lang="ko-KR" altLang="en-US" dirty="0">
+              <a:latin typeface="Noto Sans CJK KR DemiLight" pitchFamily="34" charset="-127"/>
+              <a:ea typeface="Noto Sans CJK KR DemiLight" pitchFamily="34" charset="-127"/>
+            </a:endParaRPr>
           </a:p>
         </p:txBody>
       </p:sp>
@@ -10932,7 +12098,7 @@
         <p:spPr>
           <a:xfrm>
             <a:off x="3429154" y="3236594"/>
-            <a:ext cx="663387" cy="369332"/>
+            <a:ext cx="690510" cy="369332"/>
           </a:xfrm>
           <a:prstGeom prst="rect">
             <a:avLst/>
@@ -10946,10 +12112,16 @@
           <a:lstStyle/>
           <a:p>
             <a:r>
-              <a:rPr lang="en-US" altLang="ko-KR" dirty="0" err="1" smtClean="0"/>
+              <a:rPr lang="en-US" altLang="ko-KR" dirty="0" err="1" smtClean="0">
+                <a:latin typeface="Noto Sans CJK KR DemiLight" pitchFamily="34" charset="-127"/>
+                <a:ea typeface="Noto Sans CJK KR DemiLight" pitchFamily="34" charset="-127"/>
+              </a:rPr>
               <a:t>Recv</a:t>
             </a:r>
-            <a:endParaRPr lang="ko-KR" altLang="en-US" dirty="0"/>
+            <a:endParaRPr lang="ko-KR" altLang="en-US" dirty="0">
+              <a:latin typeface="Noto Sans CJK KR DemiLight" pitchFamily="34" charset="-127"/>
+              <a:ea typeface="Noto Sans CJK KR DemiLight" pitchFamily="34" charset="-127"/>
+            </a:endParaRPr>
           </a:p>
         </p:txBody>
       </p:sp>
@@ -10962,7 +12134,7 @@
         <p:spPr>
           <a:xfrm>
             <a:off x="5846463" y="2642543"/>
-            <a:ext cx="705642" cy="369332"/>
+            <a:ext cx="729687" cy="369332"/>
           </a:xfrm>
           <a:prstGeom prst="rect">
             <a:avLst/>
@@ -10976,10 +12148,16 @@
           <a:lstStyle/>
           <a:p>
             <a:r>
-              <a:rPr lang="en-US" altLang="ko-KR" dirty="0" smtClean="0"/>
+              <a:rPr lang="en-US" altLang="ko-KR" dirty="0" smtClean="0">
+                <a:latin typeface="Noto Sans CJK KR DemiLight" pitchFamily="34" charset="-127"/>
+                <a:ea typeface="Noto Sans CJK KR DemiLight" pitchFamily="34" charset="-127"/>
+              </a:rPr>
               <a:t>Send</a:t>
             </a:r>
-            <a:endParaRPr lang="ko-KR" altLang="en-US" dirty="0"/>
+            <a:endParaRPr lang="ko-KR" altLang="en-US" dirty="0">
+              <a:latin typeface="Noto Sans CJK KR DemiLight" pitchFamily="34" charset="-127"/>
+              <a:ea typeface="Noto Sans CJK KR DemiLight" pitchFamily="34" charset="-127"/>
+            </a:endParaRPr>
           </a:p>
         </p:txBody>
       </p:sp>
@@ -10992,7 +12170,7 @@
         <p:spPr>
           <a:xfrm>
             <a:off x="5032394" y="3236594"/>
-            <a:ext cx="663387" cy="369332"/>
+            <a:ext cx="690510" cy="369332"/>
           </a:xfrm>
           <a:prstGeom prst="rect">
             <a:avLst/>
@@ -11006,10 +12184,16 @@
           <a:lstStyle/>
           <a:p>
             <a:r>
-              <a:rPr lang="en-US" altLang="ko-KR" dirty="0" err="1" smtClean="0"/>
+              <a:rPr lang="en-US" altLang="ko-KR" dirty="0" err="1" smtClean="0">
+                <a:latin typeface="Noto Sans CJK KR DemiLight" pitchFamily="34" charset="-127"/>
+                <a:ea typeface="Noto Sans CJK KR DemiLight" pitchFamily="34" charset="-127"/>
+              </a:rPr>
               <a:t>Recv</a:t>
             </a:r>
-            <a:endParaRPr lang="ko-KR" altLang="en-US" dirty="0"/>
+            <a:endParaRPr lang="ko-KR" altLang="en-US" dirty="0">
+              <a:latin typeface="Noto Sans CJK KR DemiLight" pitchFamily="34" charset="-127"/>
+              <a:ea typeface="Noto Sans CJK KR DemiLight" pitchFamily="34" charset="-127"/>
+            </a:endParaRPr>
           </a:p>
         </p:txBody>
       </p:sp>
@@ -11017,200 +12201,6 @@
     <p:extLst>
       <p:ext uri="{BB962C8B-B14F-4D97-AF65-F5344CB8AC3E}">
         <p14:creationId xmlns:p14="http://schemas.microsoft.com/office/powerpoint/2010/main" val="2671307570"/>
-      </p:ext>
-    </p:extLst>
-  </p:cSld>
-  <p:clrMapOvr>
-    <a:masterClrMapping/>
-  </p:clrMapOvr>
-  <mc:AlternateContent xmlns:mc="http://schemas.openxmlformats.org/markup-compatibility/2006" xmlns:p14="http://schemas.microsoft.com/office/powerpoint/2010/main">
-    <mc:Choice Requires="p14">
-      <p:transition p14:dur="0"/>
-    </mc:Choice>
-    <mc:Fallback xmlns="">
-      <p:transition/>
-    </mc:Fallback>
-  </mc:AlternateContent>
-  <p:timing>
-    <p:tnLst>
-      <p:par>
-        <p:cTn id="1" dur="indefinite" restart="never" nodeType="tmRoot"/>
-      </p:par>
-    </p:tnLst>
-  </p:timing>
-</p:sld>
-</file>
-
-<file path=ppt/slides/slide9.xml><?xml version="1.0" encoding="utf-8"?>
-<p:sld xmlns:a="http://schemas.openxmlformats.org/drawingml/2006/main" xmlns:r="http://schemas.openxmlformats.org/officeDocument/2006/relationships" xmlns:p="http://schemas.openxmlformats.org/presentationml/2006/main">
-  <p:cSld>
-    <p:spTree>
-      <p:nvGrpSpPr>
-        <p:cNvPr id="1" name=""/>
-        <p:cNvGrpSpPr/>
-        <p:nvPr/>
-      </p:nvGrpSpPr>
-      <p:grpSpPr>
-        <a:xfrm>
-          <a:off x="0" y="0"/>
-          <a:ext cx="0" cy="0"/>
-          <a:chOff x="0" y="0"/>
-          <a:chExt cx="0" cy="0"/>
-        </a:xfrm>
-      </p:grpSpPr>
-      <p:pic>
-        <p:nvPicPr>
-          <p:cNvPr id="5" name="그림 4"/>
-          <p:cNvPicPr>
-            <a:picLocks noChangeAspect="1"/>
-          </p:cNvPicPr>
-          <p:nvPr/>
-        </p:nvPicPr>
-        <p:blipFill>
-          <a:blip r:embed="rId3">
-            <a:extLst>
-              <a:ext uri="{28A0092B-C50C-407E-A947-70E740481C1C}">
-                <a14:useLocalDpi xmlns:a14="http://schemas.microsoft.com/office/drawing/2010/main" val="0"/>
-              </a:ext>
-            </a:extLst>
-          </a:blip>
-          <a:stretch>
-            <a:fillRect/>
-          </a:stretch>
-        </p:blipFill>
-        <p:spPr>
-          <a:xfrm>
-            <a:off x="6199284" y="5921414"/>
-            <a:ext cx="2146032" cy="495238"/>
-          </a:xfrm>
-          <a:prstGeom prst="rect">
-            <a:avLst/>
-          </a:prstGeom>
-        </p:spPr>
-      </p:pic>
-      <p:sp>
-        <p:nvSpPr>
-          <p:cNvPr id="3" name="TextBox 2"/>
-          <p:cNvSpPr txBox="1"/>
-          <p:nvPr/>
-        </p:nvSpPr>
-        <p:spPr>
-          <a:xfrm>
-            <a:off x="1871700" y="722080"/>
-            <a:ext cx="5400600" cy="707886"/>
-          </a:xfrm>
-          <a:prstGeom prst="rect">
-            <a:avLst/>
-          </a:prstGeom>
-          <a:noFill/>
-        </p:spPr>
-        <p:txBody>
-          <a:bodyPr wrap="square" rtlCol="0">
-            <a:spAutoFit/>
-          </a:bodyPr>
-          <a:lstStyle/>
-          <a:p>
-            <a:pPr algn="ctr"/>
-            <a:r>
-              <a:rPr lang="en-US" altLang="ko-KR" sz="4000" b="1" dirty="0" smtClean="0">
-                <a:solidFill>
-                  <a:srgbClr val="00FF00"/>
-                </a:solidFill>
-              </a:rPr>
-              <a:t>Script</a:t>
-            </a:r>
-            <a:endParaRPr lang="ko-KR" altLang="en-US" sz="4000" b="1" dirty="0">
-              <a:solidFill>
-                <a:srgbClr val="00FF00"/>
-              </a:solidFill>
-            </a:endParaRPr>
-          </a:p>
-        </p:txBody>
-      </p:sp>
-      <p:pic>
-        <p:nvPicPr>
-          <p:cNvPr id="2" name="Picture 2" descr="C:\Users\Kang\Desktop\MySpec\발표\CodeEngn\2018-05-07-1.png"/>
-          <p:cNvPicPr>
-            <a:picLocks noChangeAspect="1" noChangeArrowheads="1"/>
-          </p:cNvPicPr>
-          <p:nvPr/>
-        </p:nvPicPr>
-        <p:blipFill rotWithShape="1">
-          <a:blip r:embed="rId4">
-            <a:extLst>
-              <a:ext uri="{28A0092B-C50C-407E-A947-70E740481C1C}">
-                <a14:useLocalDpi xmlns:a14="http://schemas.microsoft.com/office/drawing/2010/main" val="0"/>
-              </a:ext>
-            </a:extLst>
-          </a:blip>
-          <a:srcRect l="1757" t="1988" b="47933"/>
-          <a:stretch/>
-        </p:blipFill>
-        <p:spPr bwMode="auto">
-          <a:xfrm>
-            <a:off x="2102174" y="1429966"/>
-            <a:ext cx="4939652" cy="2444798"/>
-          </a:xfrm>
-          <a:prstGeom prst="rect">
-            <a:avLst/>
-          </a:prstGeom>
-          <a:noFill/>
-          <a:extLst>
-            <a:ext uri="{909E8E84-426E-40DD-AFC4-6F175D3DCCD1}">
-              <a14:hiddenFill xmlns:a14="http://schemas.microsoft.com/office/drawing/2010/main">
-                <a:solidFill>
-                  <a:srgbClr val="FFFFFF"/>
-                </a:solidFill>
-              </a14:hiddenFill>
-            </a:ext>
-          </a:extLst>
-        </p:spPr>
-      </p:pic>
-      <p:pic>
-        <p:nvPicPr>
-          <p:cNvPr id="1027" name="Picture 3" descr="C:\Users\Kang\Desktop\MySpec\발표\CodeEngn\2018-05-07-2.png"/>
-          <p:cNvPicPr>
-            <a:picLocks noChangeAspect="1" noChangeArrowheads="1"/>
-          </p:cNvPicPr>
-          <p:nvPr/>
-        </p:nvPicPr>
-        <p:blipFill>
-          <a:blip r:embed="rId5">
-            <a:extLst>
-              <a:ext uri="{28A0092B-C50C-407E-A947-70E740481C1C}">
-                <a14:useLocalDpi xmlns:a14="http://schemas.microsoft.com/office/drawing/2010/main" val="0"/>
-              </a:ext>
-            </a:extLst>
-          </a:blip>
-          <a:srcRect/>
-          <a:stretch>
-            <a:fillRect/>
-          </a:stretch>
-        </p:blipFill>
-        <p:spPr bwMode="auto">
-          <a:xfrm>
-            <a:off x="1943708" y="3914029"/>
-            <a:ext cx="5256584" cy="1866590"/>
-          </a:xfrm>
-          <a:prstGeom prst="rect">
-            <a:avLst/>
-          </a:prstGeom>
-          <a:noFill/>
-          <a:extLst>
-            <a:ext uri="{909E8E84-426E-40DD-AFC4-6F175D3DCCD1}">
-              <a14:hiddenFill xmlns:a14="http://schemas.microsoft.com/office/drawing/2010/main">
-                <a:solidFill>
-                  <a:srgbClr val="FFFFFF"/>
-                </a:solidFill>
-              </a14:hiddenFill>
-            </a:ext>
-          </a:extLst>
-        </p:spPr>
-      </p:pic>
-    </p:spTree>
-    <p:extLst>
-      <p:ext uri="{BB962C8B-B14F-4D97-AF65-F5344CB8AC3E}">
-        <p14:creationId xmlns:p14="http://schemas.microsoft.com/office/powerpoint/2010/main" val="2136220461"/>
       </p:ext>
     </p:extLst>
   </p:cSld>
